--- a/EZTrack-implementation-guide.pptx
+++ b/EZTrack-implementation-guide.pptx
@@ -5,39 +5,44 @@
     <p:sldMasterId id="2147483672" r:id="rId1"/>
   </p:sldMasterIdLst>
   <p:notesMasterIdLst>
-    <p:notesMasterId r:id="rId27"/>
+    <p:notesMasterId r:id="rId32"/>
   </p:notesMasterIdLst>
   <p:sldIdLst>
     <p:sldId id="341" r:id="rId2"/>
     <p:sldId id="402" r:id="rId3"/>
-    <p:sldId id="398" r:id="rId4"/>
-    <p:sldId id="387" r:id="rId5"/>
-    <p:sldId id="406" r:id="rId6"/>
-    <p:sldId id="399" r:id="rId7"/>
-    <p:sldId id="409" r:id="rId8"/>
-    <p:sldId id="410" r:id="rId9"/>
-    <p:sldId id="411" r:id="rId10"/>
-    <p:sldId id="388" r:id="rId11"/>
-    <p:sldId id="384" r:id="rId12"/>
-    <p:sldId id="385" r:id="rId13"/>
-    <p:sldId id="401" r:id="rId14"/>
-    <p:sldId id="404" r:id="rId15"/>
-    <p:sldId id="407" r:id="rId16"/>
-    <p:sldId id="396" r:id="rId17"/>
-    <p:sldId id="408" r:id="rId18"/>
-    <p:sldId id="393" r:id="rId19"/>
-    <p:sldId id="394" r:id="rId20"/>
-    <p:sldId id="374" r:id="rId21"/>
-    <p:sldId id="381" r:id="rId22"/>
-    <p:sldId id="382" r:id="rId23"/>
-    <p:sldId id="383" r:id="rId24"/>
-    <p:sldId id="395" r:id="rId25"/>
-    <p:sldId id="400" r:id="rId26"/>
+    <p:sldId id="406" r:id="rId4"/>
+    <p:sldId id="398" r:id="rId5"/>
+    <p:sldId id="414" r:id="rId6"/>
+    <p:sldId id="415" r:id="rId7"/>
+    <p:sldId id="413" r:id="rId8"/>
+    <p:sldId id="416" r:id="rId9"/>
+    <p:sldId id="387" r:id="rId10"/>
+    <p:sldId id="412" r:id="rId11"/>
+    <p:sldId id="399" r:id="rId12"/>
+    <p:sldId id="409" r:id="rId13"/>
+    <p:sldId id="410" r:id="rId14"/>
+    <p:sldId id="411" r:id="rId15"/>
+    <p:sldId id="388" r:id="rId16"/>
+    <p:sldId id="384" r:id="rId17"/>
+    <p:sldId id="385" r:id="rId18"/>
+    <p:sldId id="401" r:id="rId19"/>
+    <p:sldId id="404" r:id="rId20"/>
+    <p:sldId id="407" r:id="rId21"/>
+    <p:sldId id="396" r:id="rId22"/>
+    <p:sldId id="408" r:id="rId23"/>
+    <p:sldId id="393" r:id="rId24"/>
+    <p:sldId id="394" r:id="rId25"/>
+    <p:sldId id="374" r:id="rId26"/>
+    <p:sldId id="381" r:id="rId27"/>
+    <p:sldId id="382" r:id="rId28"/>
+    <p:sldId id="383" r:id="rId29"/>
+    <p:sldId id="395" r:id="rId30"/>
+    <p:sldId id="400" r:id="rId31"/>
   </p:sldIdLst>
   <p:sldSz cx="9144000" cy="6858000" type="screen4x3"/>
   <p:notesSz cx="6858000" cy="9144000"/>
   <p:custDataLst>
-    <p:tags r:id="rId29"/>
+    <p:tags r:id="rId34"/>
   </p:custDataLst>
   <p:defaultTextStyle>
     <a:defPPr>
@@ -136,7 +141,7 @@
   </p:defaultTextStyle>
   <p:extLst>
     <p:ext uri="{EFAFB233-063F-42B5-8137-9DF3F51BA10A}">
-      <p15:sldGuideLst xmlns="" xmlns:p15="http://schemas.microsoft.com/office/powerpoint/2012/main">
+      <p15:sldGuideLst xmlns:p15="http://schemas.microsoft.com/office/powerpoint/2012/main" xmlns="">
         <p15:guide id="1" orient="horz" pos="881" userDrawn="1">
           <p15:clr>
             <a:srgbClr val="A4A3A4"/>
@@ -703,7 +708,7 @@
             <a:fld id="{F37DDB51-C4FA-4A78-982E-52A8A52C539F}" type="slidenum">
               <a:rPr lang="en-US" smtClean="0"/>
               <a:pPr/>
-              <a:t>20</a:t>
+              <a:t>25</a:t>
             </a:fld>
             <a:endParaRPr lang="en-US" dirty="0"/>
           </a:p>
@@ -819,7 +824,7 @@
             <a:fld id="{F37DDB51-C4FA-4A78-982E-52A8A52C539F}" type="slidenum">
               <a:rPr lang="en-US" smtClean="0"/>
               <a:pPr/>
-              <a:t>21</a:t>
+              <a:t>26</a:t>
             </a:fld>
             <a:endParaRPr lang="en-US" dirty="0"/>
           </a:p>
@@ -935,7 +940,7 @@
             <a:fld id="{F37DDB51-C4FA-4A78-982E-52A8A52C539F}" type="slidenum">
               <a:rPr lang="en-US" smtClean="0"/>
               <a:pPr/>
-              <a:t>22</a:t>
+              <a:t>27</a:t>
             </a:fld>
             <a:endParaRPr lang="en-US" dirty="0"/>
           </a:p>
@@ -1051,7 +1056,7 @@
             <a:fld id="{F37DDB51-C4FA-4A78-982E-52A8A52C539F}" type="slidenum">
               <a:rPr lang="en-US" smtClean="0"/>
               <a:pPr/>
-              <a:t>23</a:t>
+              <a:t>28</a:t>
             </a:fld>
             <a:endParaRPr lang="en-US" dirty="0"/>
           </a:p>
@@ -3255,8 +3260,8 @@
         </p:nvSpPr>
         <p:spPr>
           <a:xfrm>
-            <a:off x="27057" y="152401"/>
-            <a:ext cx="8659744" cy="2677656"/>
+            <a:off x="1447800" y="2895600"/>
+            <a:ext cx="5105400" cy="646331"/>
           </a:xfrm>
           <a:prstGeom prst="rect">
             <a:avLst/>
@@ -3270,249 +3275,20 @@
           <a:lstStyle/>
           <a:p>
             <a:r>
-              <a:rPr lang="en-US" sz="1400" b="1" dirty="0" err="1" smtClean="0"/>
-              <a:t>Heatmap</a:t>
-            </a:r>
-            <a:r>
-              <a:rPr lang="en-US" sz="1400" b="1" dirty="0" smtClean="0"/>
-              <a:t> Pipeline</a:t>
-            </a:r>
-            <a:r>
-              <a:rPr lang="en-US" sz="1400" dirty="0" smtClean="0"/>
-              <a:t>: </a:t>
-            </a:r>
-            <a:r>
-              <a:rPr lang="en-US" sz="1400" dirty="0" smtClean="0">
-                <a:latin typeface="Andale Mono"/>
-                <a:cs typeface="Andale Mono"/>
-              </a:rPr>
-              <a:t>eeg2fsv -&gt; </a:t>
-            </a:r>
-            <a:r>
-              <a:rPr lang="en-US" sz="1400" dirty="0">
-                <a:latin typeface="Andale Mono"/>
-                <a:cs typeface="Andale Mono"/>
-              </a:rPr>
-              <a:t>fsv2heatmap</a:t>
-            </a:r>
-            <a:endParaRPr lang="en-US" sz="1400" dirty="0" smtClean="0"/>
-          </a:p>
-          <a:p>
-            <a:endParaRPr lang="en-US" sz="1400" dirty="0"/>
-          </a:p>
-          <a:p>
-            <a:r>
-              <a:rPr lang="en-US" sz="1400" dirty="0"/>
-              <a:t>    • </a:t>
-            </a:r>
-            <a:r>
-              <a:rPr lang="en-US" sz="1400" dirty="0" smtClean="0">
-                <a:latin typeface="Andale Mono"/>
-                <a:cs typeface="Andale Mono"/>
-              </a:rPr>
-              <a:t>eeg2fsv</a:t>
-            </a:r>
-            <a:r>
-              <a:rPr lang="en-US" sz="1400" dirty="0" smtClean="0"/>
-              <a:t>: </a:t>
-            </a:r>
-            <a:r>
-              <a:rPr lang="en-US" sz="1400" dirty="0"/>
-              <a:t>Creates first singular </a:t>
-            </a:r>
-            <a:r>
-              <a:rPr lang="en-US" sz="1400" dirty="0" smtClean="0"/>
-              <a:t>vectors of </a:t>
-            </a:r>
-            <a:r>
-              <a:rPr lang="en-US" sz="1400" dirty="0"/>
-              <a:t>each seizure event for each patient.</a:t>
-            </a:r>
-          </a:p>
-          <a:p>
-            <a:endParaRPr lang="en-US" sz="1400" dirty="0"/>
-          </a:p>
-          <a:p>
-            <a:r>
-              <a:rPr lang="en-US" sz="1400" dirty="0"/>
-              <a:t>    • </a:t>
-            </a:r>
-            <a:r>
-              <a:rPr lang="en-US" sz="1400" dirty="0" smtClean="0">
-                <a:latin typeface="Andale Mono"/>
-                <a:cs typeface="Andale Mono"/>
-              </a:rPr>
-              <a:t>fsv2heatmap</a:t>
-            </a:r>
-            <a:r>
-              <a:rPr lang="en-US" sz="1400" dirty="0" smtClean="0"/>
-              <a:t>: </a:t>
-            </a:r>
-            <a:r>
-              <a:rPr lang="en-US" sz="1400" dirty="0"/>
-              <a:t>Saves labels, weights, and colors in CSV format given the patient </a:t>
-            </a:r>
-            <a:r>
-              <a:rPr lang="en-US" sz="1400" dirty="0" err="1"/>
-              <a:t>fsv</a:t>
-            </a:r>
-            <a:r>
-              <a:rPr lang="en-US" sz="1400" dirty="0"/>
-              <a:t> and </a:t>
-            </a:r>
-            <a:endParaRPr lang="en-US" sz="1400" dirty="0" smtClean="0"/>
-          </a:p>
-          <a:p>
-            <a:r>
-              <a:rPr lang="en-US" sz="1400" dirty="0"/>
-              <a:t> </a:t>
-            </a:r>
-            <a:r>
-              <a:rPr lang="en-US" sz="1400" dirty="0" smtClean="0"/>
-              <a:t>       </a:t>
-            </a:r>
-            <a:r>
-              <a:rPr lang="en-US" sz="1400" dirty="0" err="1" smtClean="0"/>
-              <a:t>pcspace</a:t>
-            </a:r>
-            <a:r>
-              <a:rPr lang="en-US" sz="1400" dirty="0" smtClean="0"/>
-              <a:t> </a:t>
-            </a:r>
-            <a:r>
-              <a:rPr lang="en-US" sz="1400" dirty="0"/>
-              <a:t>inputs</a:t>
-            </a:r>
-            <a:r>
-              <a:rPr lang="en-US" sz="1400" dirty="0" smtClean="0"/>
-              <a:t>.</a:t>
-            </a:r>
-          </a:p>
-          <a:p>
-            <a:r>
-              <a:rPr lang="en-US" sz="1400" dirty="0"/>
-              <a:t> </a:t>
-            </a:r>
-            <a:r>
-              <a:rPr lang="en-US" sz="1400" dirty="0" smtClean="0"/>
-              <a:t>           </a:t>
-            </a:r>
-            <a:r>
-              <a:rPr lang="en-US" sz="1400" dirty="0" smtClean="0"/>
-              <a:t>• QA</a:t>
-            </a:r>
-            <a:r>
-              <a:rPr lang="en-US" sz="1400" dirty="0" smtClean="0"/>
-              <a:t>: We can look at the signatures for each </a:t>
-            </a:r>
-            <a:r>
-              <a:rPr lang="en-US" sz="1400" dirty="0" smtClean="0"/>
-              <a:t>electrode to identify curve associated with hot regions.</a:t>
-            </a:r>
-            <a:endParaRPr lang="en-US" sz="1400" dirty="0"/>
-          </a:p>
-          <a:p>
-            <a:endParaRPr lang="en-US" sz="1400" dirty="0"/>
-          </a:p>
-          <a:p>
-            <a:r>
-              <a:rPr lang="en-US" sz="1400" dirty="0"/>
-              <a:t>    • </a:t>
-            </a:r>
-            <a:r>
-              <a:rPr lang="en-US" sz="1400" dirty="0" smtClean="0">
-                <a:latin typeface="Andale Mono"/>
-                <a:cs typeface="Andale Mono"/>
-              </a:rPr>
-              <a:t>heatmap2jpeg (optional)</a:t>
-            </a:r>
-            <a:r>
-              <a:rPr lang="en-US" sz="1400" dirty="0" smtClean="0"/>
-              <a:t>: Uses </a:t>
-            </a:r>
-            <a:r>
-              <a:rPr lang="en-US" sz="1400" dirty="0" err="1" smtClean="0"/>
-              <a:t>PhantomJS</a:t>
-            </a:r>
-            <a:r>
-              <a:rPr lang="en-US" sz="1400" dirty="0" smtClean="0"/>
-              <a:t> to </a:t>
-            </a:r>
-            <a:r>
-              <a:rPr lang="en-US" sz="1400" dirty="0"/>
-              <a:t>render an image suitable for </a:t>
-            </a:r>
-            <a:r>
-              <a:rPr lang="en-US" sz="1400" dirty="0" smtClean="0"/>
-              <a:t>import into </a:t>
-            </a:r>
-            <a:r>
-              <a:rPr lang="en-US" sz="1400" dirty="0"/>
-              <a:t>the </a:t>
-            </a:r>
-            <a:endParaRPr lang="en-US" sz="1400" dirty="0" smtClean="0"/>
-          </a:p>
-          <a:p>
-            <a:r>
-              <a:rPr lang="en-US" sz="1400" dirty="0"/>
-              <a:t> </a:t>
-            </a:r>
-            <a:r>
-              <a:rPr lang="en-US" sz="1400" dirty="0" smtClean="0"/>
-              <a:t>      slide </a:t>
-            </a:r>
-            <a:r>
-              <a:rPr lang="en-US" sz="1400" dirty="0"/>
-              <a:t>deck to use </a:t>
-            </a:r>
-            <a:r>
-              <a:rPr lang="en-US" sz="1400" dirty="0" smtClean="0"/>
-              <a:t>in </a:t>
-            </a:r>
-            <a:r>
-              <a:rPr lang="en-US" sz="1400" dirty="0"/>
-              <a:t>Grand Rounds</a:t>
-            </a:r>
-            <a:r>
-              <a:rPr lang="en-US" sz="1400" dirty="0" smtClean="0"/>
-              <a:t>.</a:t>
-            </a:r>
-          </a:p>
-          <a:p>
-            <a:r>
-              <a:rPr lang="en-US" sz="1400" dirty="0"/>
-              <a:t> </a:t>
-            </a:r>
-            <a:r>
-              <a:rPr lang="en-US" sz="1400" dirty="0" smtClean="0"/>
-              <a:t>  </a:t>
-            </a:r>
-            <a:r>
-              <a:rPr lang="en-US" sz="1400" dirty="0" smtClean="0"/>
-              <a:t>	- optional if a student is going to manually create the </a:t>
-            </a:r>
-            <a:r>
-              <a:rPr lang="en-US" sz="1400" dirty="0" err="1" smtClean="0"/>
-              <a:t>heatmap</a:t>
-            </a:r>
-            <a:r>
-              <a:rPr lang="en-US" sz="1400" dirty="0" smtClean="0"/>
-              <a:t> on a 3D reconstruction from the</a:t>
-            </a:r>
-          </a:p>
-          <a:p>
-            <a:r>
-              <a:rPr lang="en-US" sz="1400" dirty="0" smtClean="0"/>
-              <a:t> 	  CSV outputs</a:t>
-            </a:r>
-            <a:endParaRPr lang="en-US" sz="1400" dirty="0"/>
+              <a:rPr lang="en-US" b="1" dirty="0" smtClean="0"/>
+              <a:t>Implementation Details</a:t>
+            </a:r>
+            <a:endParaRPr lang="en-US" b="1" dirty="0"/>
+          </a:p>
+          <a:p>
+            <a:endParaRPr lang="en-US" dirty="0"/>
           </a:p>
         </p:txBody>
       </p:sp>
     </p:spTree>
     <p:extLst>
       <p:ext uri="{BB962C8B-B14F-4D97-AF65-F5344CB8AC3E}">
-        <p14:creationId xmlns:p14="http://schemas.microsoft.com/office/powerpoint/2010/main" val="1632517070"/>
+        <p14:creationId xmlns:p14="http://schemas.microsoft.com/office/powerpoint/2010/main" val="1894738790"/>
       </p:ext>
     </p:extLst>
   </p:cSld>
@@ -3578,8 +3354,8 @@
         </p:nvSpPr>
         <p:spPr>
           <a:xfrm>
-            <a:off x="1447800" y="2895600"/>
-            <a:ext cx="6705600" cy="646331"/>
+            <a:off x="27057" y="152401"/>
+            <a:ext cx="8659744" cy="3323987"/>
           </a:xfrm>
           <a:prstGeom prst="rect">
             <a:avLst/>
@@ -3593,12 +3369,179 @@
           <a:lstStyle/>
           <a:p>
             <a:r>
-              <a:rPr lang="en-US" b="1" dirty="0" smtClean="0"/>
-              <a:t>Hosting / Installation</a:t>
-            </a:r>
-            <a:endParaRPr lang="en-US" b="1" dirty="0"/>
-          </a:p>
-          <a:p>
+              <a:rPr lang="en-US" sz="1400" b="1" dirty="0" smtClean="0"/>
+              <a:t>Event / MEF Pipeline: </a:t>
+            </a:r>
+            <a:r>
+              <a:rPr lang="en-US" sz="1400" b="1" dirty="0"/>
+              <a:t>report2events</a:t>
+            </a:r>
+            <a:r>
+              <a:rPr lang="en-US" sz="1400" dirty="0"/>
+              <a:t> </a:t>
+            </a:r>
+            <a:r>
+              <a:rPr lang="en-US" sz="1400" dirty="0" smtClean="0"/>
+              <a:t>-</a:t>
+            </a:r>
+            <a:r>
+              <a:rPr lang="en-US" sz="1400" dirty="0"/>
+              <a:t>&gt; </a:t>
+            </a:r>
+            <a:r>
+              <a:rPr lang="en-US" sz="1400" dirty="0" err="1"/>
+              <a:t>mef_finder</a:t>
+            </a:r>
+            <a:r>
+              <a:rPr lang="en-US" sz="1400" dirty="0"/>
+              <a:t> -&gt; </a:t>
+            </a:r>
+            <a:r>
+              <a:rPr lang="en-US" sz="1400" dirty="0" err="1" smtClean="0"/>
+              <a:t>mef_copy</a:t>
+            </a:r>
+            <a:r>
+              <a:rPr lang="en-US" sz="1400" dirty="0"/>
+              <a:t> -&gt; </a:t>
+            </a:r>
+            <a:r>
+              <a:rPr lang="en-US" sz="1400" dirty="0" smtClean="0"/>
+              <a:t>mef2eeg</a:t>
+            </a:r>
+            <a:endParaRPr lang="en-US" sz="1400" dirty="0"/>
+          </a:p>
+          <a:p>
+            <a:endParaRPr lang="en-US" sz="1400" dirty="0"/>
+          </a:p>
+          <a:p>
+            <a:r>
+              <a:rPr lang="en-US" sz="1400" dirty="0" smtClean="0">
+                <a:latin typeface="Andale Mono"/>
+                <a:cs typeface="Andale Mono"/>
+              </a:rPr>
+              <a:t>report2events</a:t>
+            </a:r>
+            <a:endParaRPr lang="en-US" sz="1400" dirty="0">
+              <a:latin typeface="Andale Mono"/>
+              <a:cs typeface="Andale Mono"/>
+            </a:endParaRPr>
+          </a:p>
+          <a:p>
+            <a:endParaRPr lang="en-US" sz="1400" dirty="0" smtClean="0"/>
+          </a:p>
+          <a:p>
+            <a:r>
+              <a:rPr lang="en-US" sz="1400" dirty="0" smtClean="0"/>
+              <a:t>        • Fellow exports events text file from from NK system containing seizure onset and offset times.</a:t>
+            </a:r>
+          </a:p>
+          <a:p>
+            <a:endParaRPr lang="en-US" sz="1400" dirty="0" smtClean="0"/>
+          </a:p>
+          <a:p>
+            <a:r>
+              <a:rPr lang="en-US" sz="1400" dirty="0"/>
+              <a:t> </a:t>
+            </a:r>
+            <a:r>
+              <a:rPr lang="en-US" sz="1400" dirty="0" smtClean="0"/>
+              <a:t>       • Tool parses this input and extracts times in a format compatible with </a:t>
+            </a:r>
+            <a:r>
+              <a:rPr lang="en-US" sz="1400" dirty="0" err="1" smtClean="0"/>
+              <a:t>EZTrack</a:t>
+            </a:r>
+            <a:r>
+              <a:rPr lang="en-US" sz="1400" dirty="0" smtClean="0"/>
+              <a:t>.</a:t>
+            </a:r>
+          </a:p>
+          <a:p>
+            <a:r>
+              <a:rPr lang="en-US" sz="1400" b="1" dirty="0" smtClean="0"/>
+              <a:t> </a:t>
+            </a:r>
+            <a:r>
+              <a:rPr lang="en-US" sz="1400" b="1" dirty="0"/>
+              <a:t>   </a:t>
+            </a:r>
+            <a:r>
+              <a:rPr lang="en-US" sz="1400" b="1" dirty="0" smtClean="0"/>
+              <a:t>          • </a:t>
+            </a:r>
+            <a:r>
+              <a:rPr lang="en-US" sz="1400" dirty="0"/>
+              <a:t>Someone on the </a:t>
+            </a:r>
+            <a:r>
+              <a:rPr lang="en-US" sz="1400" dirty="0" err="1"/>
+              <a:t>EZTrack</a:t>
+            </a:r>
+            <a:r>
+              <a:rPr lang="en-US" sz="1400" dirty="0"/>
+              <a:t> team could code up the onset / offset times </a:t>
+            </a:r>
+            <a:r>
+              <a:rPr lang="en-US" sz="1400" dirty="0" smtClean="0"/>
+              <a:t>if an obvious pattern</a:t>
+            </a:r>
+          </a:p>
+          <a:p>
+            <a:r>
+              <a:rPr lang="en-US" sz="1400" dirty="0"/>
+              <a:t> </a:t>
+            </a:r>
+            <a:r>
+              <a:rPr lang="en-US" sz="1400" dirty="0" smtClean="0"/>
+              <a:t>               doesn’t emerge that could be parsed automatically and reliably.</a:t>
+            </a:r>
+            <a:endParaRPr lang="en-US" sz="1400" dirty="0"/>
+          </a:p>
+          <a:p>
+            <a:r>
+              <a:rPr lang="en-US" sz="1400" dirty="0"/>
+              <a:t>      </a:t>
+            </a:r>
+            <a:r>
+              <a:rPr lang="en-US" sz="1400" dirty="0" smtClean="0"/>
+              <a:t>              • Email or FTP the report with AES 256 encryption using GPG and a job id.</a:t>
+            </a:r>
+          </a:p>
+          <a:p>
+            <a:r>
+              <a:rPr lang="en-US" sz="1400" dirty="0"/>
+              <a:t> </a:t>
+            </a:r>
+            <a:r>
+              <a:rPr lang="en-US" sz="1400" dirty="0" smtClean="0"/>
+              <a:t>                   • Email or FTP a CSV with a job id.</a:t>
+            </a:r>
+          </a:p>
+          <a:p>
+            <a:endParaRPr lang="en-US" sz="1400" dirty="0" smtClean="0"/>
+          </a:p>
+          <a:p>
+            <a:r>
+              <a:rPr lang="en-US" sz="1400" dirty="0"/>
+              <a:t> </a:t>
+            </a:r>
+            <a:r>
+              <a:rPr lang="en-US" sz="1400" dirty="0" smtClean="0"/>
+              <a:t>       • Parsed onset / offset times are presented to the fellow for confirmation.       </a:t>
+            </a:r>
+          </a:p>
+          <a:p>
+            <a:r>
+              <a:rPr lang="en-US" sz="1400" dirty="0" smtClean="0"/>
+              <a:t>  </a:t>
+            </a:r>
+            <a:endParaRPr lang="en-US" dirty="0"/>
+          </a:p>
+          <a:p>
+            <a:r>
+              <a:rPr lang="en-US" sz="1400" dirty="0" smtClean="0"/>
+              <a:t>Output is a CSV of seizure onset / offset times with a job id (assume patient id is not yet known)</a:t>
+            </a:r>
             <a:endParaRPr lang="en-US" dirty="0"/>
           </a:p>
         </p:txBody>
@@ -3606,7 +3549,7 @@
     </p:spTree>
     <p:extLst>
       <p:ext uri="{BB962C8B-B14F-4D97-AF65-F5344CB8AC3E}">
-        <p14:creationId xmlns:p14="http://schemas.microsoft.com/office/powerpoint/2010/main" val="2148956119"/>
+        <p14:creationId xmlns:p14="http://schemas.microsoft.com/office/powerpoint/2010/main" val="3554514998"/>
       </p:ext>
     </p:extLst>
   </p:cSld>
@@ -3672,8 +3615,8 @@
         </p:nvSpPr>
         <p:spPr>
           <a:xfrm>
-            <a:off x="304800" y="228600"/>
-            <a:ext cx="8659744" cy="3108544"/>
+            <a:off x="27057" y="152401"/>
+            <a:ext cx="8659744" cy="3447098"/>
           </a:xfrm>
           <a:prstGeom prst="rect">
             <a:avLst/>
@@ -3688,172 +3631,243 @@
           <a:p>
             <a:r>
               <a:rPr lang="en-US" sz="1400" b="1" dirty="0" smtClean="0"/>
-              <a:t>Hosting </a:t>
-            </a:r>
+              <a:t>Event / MEF Pipeline: </a:t>
+            </a:r>
+            <a:r>
+              <a:rPr lang="en-US" sz="1400" dirty="0"/>
+              <a:t>report2events </a:t>
+            </a:r>
+            <a:r>
+              <a:rPr lang="en-US" sz="1400" dirty="0" smtClean="0"/>
+              <a:t>-</a:t>
+            </a:r>
+            <a:r>
+              <a:rPr lang="en-US" sz="1400" dirty="0"/>
+              <a:t>&gt; </a:t>
+            </a:r>
+            <a:r>
+              <a:rPr lang="en-US" sz="1400" b="1" dirty="0" err="1"/>
+              <a:t>mef_finder</a:t>
+            </a:r>
+            <a:r>
+              <a:rPr lang="en-US" sz="1400" dirty="0"/>
+              <a:t> -&gt; </a:t>
+            </a:r>
+            <a:r>
+              <a:rPr lang="en-US" sz="1400" dirty="0" err="1" smtClean="0"/>
+              <a:t>mef_copy</a:t>
+            </a:r>
+            <a:r>
+              <a:rPr lang="en-US" sz="1400" dirty="0" smtClean="0"/>
+              <a:t> -</a:t>
+            </a:r>
+            <a:r>
+              <a:rPr lang="en-US" sz="1400" dirty="0"/>
+              <a:t>&gt; mef2eeg</a:t>
+            </a:r>
+          </a:p>
+          <a:p>
+            <a:endParaRPr lang="en-US" sz="1400" dirty="0" smtClean="0"/>
+          </a:p>
+          <a:p>
+            <a:r>
+              <a:rPr lang="en-US" sz="1400" dirty="0" err="1" smtClean="0">
+                <a:latin typeface="Andale Mono"/>
+                <a:cs typeface="Andale Mono"/>
+              </a:rPr>
+              <a:t>mef_finder</a:t>
+            </a:r>
+            <a:endParaRPr lang="en-US" sz="1400" dirty="0">
+              <a:latin typeface="Andale Mono"/>
+              <a:cs typeface="Andale Mono"/>
+            </a:endParaRPr>
+          </a:p>
+          <a:p>
+            <a:endParaRPr lang="en-US" sz="1400" dirty="0" smtClean="0"/>
+          </a:p>
+          <a:p>
             <a:r>
               <a:rPr lang="en-US" sz="1400" b="1" dirty="0" smtClean="0"/>
-              <a:t>for </a:t>
-            </a:r>
-            <a:r>
-              <a:rPr lang="en-US" sz="1400" b="1" dirty="0" smtClean="0"/>
-              <a:t>v0.0.1 </a:t>
-            </a:r>
-            <a:endParaRPr lang="en-US" sz="1400" b="1" dirty="0"/>
-          </a:p>
-          <a:p>
-            <a:endParaRPr lang="en-US" sz="1400" b="1" dirty="0"/>
-          </a:p>
-          <a:p>
-            <a:r>
-              <a:rPr lang="en-US" sz="1400" dirty="0" smtClean="0"/>
-              <a:t>For </a:t>
-            </a:r>
-            <a:r>
-              <a:rPr lang="en-US" sz="1400" dirty="0" smtClean="0"/>
-              <a:t>the first iteration, an on-</a:t>
+              <a:t>         </a:t>
+            </a:r>
+            <a:r>
+              <a:rPr lang="en-US" sz="1400" dirty="0" smtClean="0"/>
+              <a:t>• Must </a:t>
+            </a:r>
+            <a:r>
+              <a:rPr lang="en-US" sz="1400" dirty="0"/>
+              <a:t>be on-</a:t>
+            </a:r>
+            <a:r>
+              <a:rPr lang="en-US" sz="1400" dirty="0" err="1"/>
+              <a:t>prem</a:t>
+            </a:r>
+            <a:r>
+              <a:rPr lang="en-US" sz="1400" dirty="0"/>
+              <a:t> at </a:t>
+            </a:r>
+            <a:r>
+              <a:rPr lang="en-US" sz="1400" dirty="0" smtClean="0"/>
+              <a:t>JHH in order to access Christophe’s file store.</a:t>
+            </a:r>
+          </a:p>
+          <a:p>
+            <a:endParaRPr lang="en-US" sz="1400" dirty="0" smtClean="0"/>
+          </a:p>
+          <a:p>
+            <a:r>
+              <a:rPr lang="en-US" sz="1400" dirty="0"/>
+              <a:t> </a:t>
+            </a:r>
+            <a:r>
+              <a:rPr lang="en-US" sz="1400" dirty="0" smtClean="0"/>
+              <a:t>        • </a:t>
+            </a:r>
+            <a:r>
+              <a:rPr lang="en-US" sz="1400" dirty="0"/>
+              <a:t>Search XML files associated with the MEF entries by </a:t>
+            </a:r>
+            <a:r>
+              <a:rPr lang="en-US" sz="1400" dirty="0" smtClean="0"/>
+              <a:t>onset </a:t>
+            </a:r>
+            <a:r>
+              <a:rPr lang="en-US" sz="1400" dirty="0"/>
+              <a:t>and offset </a:t>
+            </a:r>
+            <a:r>
+              <a:rPr lang="en-US" sz="1400" dirty="0" smtClean="0"/>
+              <a:t>times in input file.</a:t>
+            </a:r>
+            <a:endParaRPr lang="en-US" sz="1400" dirty="0"/>
+          </a:p>
+          <a:p>
+            <a:endParaRPr lang="en-US" sz="1400" dirty="0" smtClean="0"/>
+          </a:p>
+          <a:p>
+            <a:r>
+              <a:rPr lang="en-US" sz="1400" dirty="0"/>
+              <a:t>Output is the collection of MEF files to copy, along with the </a:t>
+            </a:r>
+            <a:r>
+              <a:rPr lang="en-US" sz="1400" dirty="0" err="1"/>
+              <a:t>PatientID</a:t>
+            </a:r>
+            <a:r>
+              <a:rPr lang="en-US" sz="1400" dirty="0"/>
+              <a:t>.</a:t>
+            </a:r>
+          </a:p>
+          <a:p>
+            <a:r>
+              <a:rPr lang="en-US" sz="1400" dirty="0" smtClean="0"/>
+              <a:t>                            </a:t>
+            </a:r>
+            <a:endParaRPr lang="en-US" sz="1400" dirty="0"/>
+          </a:p>
+          <a:p>
+            <a:r>
+              <a:rPr lang="en-US" sz="1400" dirty="0"/>
+              <a:t> </a:t>
+            </a:r>
+            <a:r>
+              <a:rPr lang="en-US" sz="1400" dirty="0" smtClean="0"/>
+              <a:t>        • Copy </a:t>
+            </a:r>
+            <a:r>
+              <a:rPr lang="en-US" sz="1400" dirty="0"/>
+              <a:t>matching files to </a:t>
+            </a:r>
+            <a:r>
+              <a:rPr lang="en-US" sz="1400" dirty="0" smtClean="0"/>
+              <a:t>local </a:t>
             </a:r>
             <a:r>
               <a:rPr lang="en-US" sz="1400" dirty="0" err="1" smtClean="0"/>
-              <a:t>prem</a:t>
-            </a:r>
-            <a:r>
-              <a:rPr lang="en-US" sz="1400" dirty="0" smtClean="0"/>
+              <a:t>EZTrack</a:t>
+            </a:r>
+            <a:r>
+              <a:rPr lang="en-US" sz="1400" dirty="0" smtClean="0"/>
+              <a:t> server: </a:t>
+            </a:r>
+            <a:r>
+              <a:rPr lang="en-US" sz="1400" dirty="0" err="1" smtClean="0"/>
+              <a:t>mef_copy</a:t>
+            </a:r>
+            <a:r>
+              <a:rPr lang="en-US" sz="1400" dirty="0" smtClean="0"/>
+              <a:t>.</a:t>
+            </a:r>
+          </a:p>
+          <a:p>
+            <a:r>
+              <a:rPr lang="en-US" sz="1400" dirty="0"/>
               <a:t> </a:t>
             </a:r>
             <a:r>
               <a:rPr lang="en-US" sz="1400" dirty="0" smtClean="0"/>
-              <a:t>hosting model </a:t>
-            </a:r>
-            <a:r>
-              <a:rPr lang="en-US" sz="1400" dirty="0" smtClean="0"/>
-              <a:t>makes the most sense given the need to find MEF files on Christophe’s file </a:t>
-            </a:r>
-            <a:r>
-              <a:rPr lang="en-US" sz="1400" dirty="0" smtClean="0"/>
-              <a:t>server. We can start </a:t>
-            </a:r>
-            <a:r>
-              <a:rPr lang="en-US" sz="1400" dirty="0" smtClean="0"/>
-              <a:t>with an </a:t>
-            </a:r>
-            <a:r>
-              <a:rPr lang="en-US" sz="1400" dirty="0"/>
-              <a:t>Ubuntu </a:t>
-            </a:r>
-            <a:r>
-              <a:rPr lang="en-US" sz="1400" dirty="0" smtClean="0"/>
-              <a:t>laptop running </a:t>
-            </a:r>
-            <a:r>
-              <a:rPr lang="en-US" sz="1400" dirty="0"/>
-              <a:t>in the EMU Control </a:t>
-            </a:r>
-            <a:r>
-              <a:rPr lang="en-US" sz="1400" dirty="0" smtClean="0"/>
-              <a:t>Room, e.g. Lenovo X1 Carbon.</a:t>
+              <a:t>       </a:t>
+            </a:r>
+            <a:r>
+              <a:rPr lang="en-US" sz="1400" dirty="0"/>
+              <a:t> </a:t>
+            </a:r>
+            <a:r>
+              <a:rPr lang="en-US" sz="1400" dirty="0" smtClean="0"/>
+              <a:t>  Each </a:t>
+            </a:r>
+            <a:r>
+              <a:rPr lang="en-US" sz="1400" dirty="0"/>
+              <a:t>1 hour MEF segment is ~2GB. </a:t>
             </a:r>
             <a:endParaRPr lang="en-US" sz="1400" dirty="0" smtClean="0"/>
           </a:p>
           <a:p>
-            <a:endParaRPr lang="en-US" sz="1400" dirty="0" smtClean="0"/>
-          </a:p>
-          <a:p>
-            <a:r>
-              <a:rPr lang="en-US" sz="1400" dirty="0" smtClean="0"/>
-              <a:t>• All scripts and </a:t>
-            </a:r>
-            <a:r>
-              <a:rPr lang="en-US" sz="1400" dirty="0" err="1" smtClean="0"/>
-              <a:t>executables</a:t>
-            </a:r>
-            <a:r>
-              <a:rPr lang="en-US" sz="1400" dirty="0" smtClean="0"/>
-              <a:t> will be on the machine when delivered.</a:t>
-            </a:r>
-          </a:p>
-          <a:p>
-            <a:r>
-              <a:rPr lang="en-US" sz="1400" dirty="0" smtClean="0"/>
-              <a:t>• </a:t>
-            </a:r>
-            <a:r>
-              <a:rPr lang="en-US" sz="1400" dirty="0" err="1" smtClean="0"/>
-              <a:t>Matlab</a:t>
-            </a:r>
-            <a:r>
-              <a:rPr lang="en-US" sz="1400" dirty="0" smtClean="0"/>
-              <a:t> components will be precompiled and run through the </a:t>
-            </a:r>
-            <a:r>
-              <a:rPr lang="en-US" sz="1400" dirty="0" err="1" smtClean="0"/>
-              <a:t>Matlab</a:t>
-            </a:r>
-            <a:r>
-              <a:rPr lang="en-US" sz="1400" dirty="0" smtClean="0"/>
-              <a:t> runtime. </a:t>
-            </a:r>
-            <a:r>
-              <a:rPr lang="en-US" sz="1400" dirty="0" err="1" smtClean="0"/>
-              <a:t>Matlab</a:t>
-            </a:r>
-            <a:r>
-              <a:rPr lang="en-US" sz="1400" dirty="0" smtClean="0"/>
-              <a:t> + license will not be needed on the laptop.</a:t>
-            </a:r>
-            <a:endParaRPr lang="en-US" sz="1400" dirty="0" smtClean="0"/>
-          </a:p>
-          <a:p>
-            <a:r>
-              <a:rPr lang="en-US" sz="1400" dirty="0" smtClean="0"/>
-              <a:t>• Files to be </a:t>
-            </a:r>
-            <a:r>
-              <a:rPr lang="en-US" sz="1400" dirty="0" err="1" smtClean="0"/>
-              <a:t>transfered</a:t>
-            </a:r>
-            <a:r>
-              <a:rPr lang="en-US" sz="1400" dirty="0" smtClean="0"/>
+            <a:r>
+              <a:rPr lang="en-US" sz="1400" dirty="0" smtClean="0"/>
+              <a:t>           Estimate transfer to </a:t>
+            </a:r>
+            <a:r>
+              <a:rPr lang="en-US" sz="1400" dirty="0"/>
+              <a:t>take </a:t>
+            </a:r>
+            <a:r>
+              <a:rPr lang="en-US" sz="1400" dirty="0" smtClean="0"/>
+              <a:t>~3 </a:t>
+            </a:r>
+            <a:r>
+              <a:rPr lang="en-US" sz="1400" dirty="0" err="1"/>
+              <a:t>mins</a:t>
+            </a:r>
+            <a:r>
+              <a:rPr lang="en-US" sz="1400" dirty="0"/>
+              <a:t> assuming </a:t>
+            </a:r>
+            <a:r>
+              <a:rPr lang="en-US" sz="1400" dirty="0" smtClean="0"/>
+              <a:t>100Mbps LAN.</a:t>
+            </a:r>
+          </a:p>
+          <a:p>
+            <a:r>
+              <a:rPr lang="en-US" sz="1400" dirty="0"/>
               <a:t> </a:t>
             </a:r>
             <a:r>
               <a:rPr lang="en-US" sz="1400" dirty="0" smtClean="0"/>
-              <a:t>via </a:t>
-            </a:r>
-            <a:r>
-              <a:rPr lang="en-US" sz="1400" dirty="0" err="1" smtClean="0"/>
-              <a:t>scp</a:t>
-            </a:r>
-            <a:r>
-              <a:rPr lang="en-US" sz="1400" dirty="0" smtClean="0"/>
-              <a:t>, USB, or shared network drives.</a:t>
-            </a:r>
-          </a:p>
-          <a:p>
-            <a:r>
-              <a:rPr lang="en-US" sz="1400" dirty="0" smtClean="0"/>
-              <a:t>• Login will be a shared account for the EMU control room.</a:t>
-            </a:r>
-            <a:endParaRPr lang="en-US" sz="1400" dirty="0" smtClean="0"/>
-          </a:p>
-          <a:p>
-            <a:r>
-              <a:rPr lang="en-US" sz="1400" dirty="0" smtClean="0"/>
-              <a:t> </a:t>
-            </a:r>
-            <a:endParaRPr lang="en-US" sz="1400" dirty="0" smtClean="0"/>
-          </a:p>
-          <a:p>
-            <a:r>
-              <a:rPr lang="en-US" sz="1400" dirty="0" smtClean="0"/>
-              <a:t>Once we verify that this part of the system is correct, providing a web-based UI running on the same server is relatively easy.</a:t>
-            </a:r>
+              <a:t>        </a:t>
+            </a:r>
+            <a:endParaRPr lang="en-US" dirty="0"/>
+          </a:p>
+          <a:p>
+            <a:endParaRPr lang="en-US" dirty="0"/>
           </a:p>
         </p:txBody>
       </p:sp>
     </p:spTree>
     <p:extLst>
       <p:ext uri="{BB962C8B-B14F-4D97-AF65-F5344CB8AC3E}">
-        <p14:creationId xmlns:p14="http://schemas.microsoft.com/office/powerpoint/2010/main" val="176636782"/>
+        <p14:creationId xmlns:p14="http://schemas.microsoft.com/office/powerpoint/2010/main" val="3316594900"/>
       </p:ext>
     </p:extLst>
   </p:cSld>
@@ -3919,8 +3933,8 @@
         </p:nvSpPr>
         <p:spPr>
           <a:xfrm>
-            <a:off x="228600" y="304800"/>
-            <a:ext cx="8153400" cy="1815882"/>
+            <a:off x="27057" y="152401"/>
+            <a:ext cx="8659744" cy="2031325"/>
           </a:xfrm>
           <a:prstGeom prst="rect">
             <a:avLst/>
@@ -3935,50 +3949,191 @@
           <a:p>
             <a:r>
               <a:rPr lang="en-US" sz="1400" b="1" dirty="0" smtClean="0"/>
-              <a:t>Data Retention Policy</a:t>
-            </a:r>
-            <a:endParaRPr lang="en-US" sz="1400" b="1" dirty="0"/>
-          </a:p>
-          <a:p>
+              <a:t>Event / MEF Pipeline: </a:t>
+            </a:r>
+            <a:r>
+              <a:rPr lang="en-US" sz="1400" dirty="0"/>
+              <a:t>report2events </a:t>
+            </a:r>
+            <a:r>
+              <a:rPr lang="en-US" sz="1400" dirty="0" smtClean="0"/>
+              <a:t>-</a:t>
+            </a:r>
+            <a:r>
+              <a:rPr lang="en-US" sz="1400" dirty="0"/>
+              <a:t>&gt; </a:t>
+            </a:r>
+            <a:r>
+              <a:rPr lang="en-US" sz="1400" dirty="0" err="1"/>
+              <a:t>mef_finder</a:t>
+            </a:r>
+            <a:r>
+              <a:rPr lang="en-US" sz="1400" dirty="0"/>
+              <a:t> -&gt; </a:t>
+            </a:r>
+            <a:r>
+              <a:rPr lang="en-US" sz="1400" b="1" dirty="0" err="1" smtClean="0"/>
+              <a:t>mef_copy</a:t>
+            </a:r>
+            <a:r>
+              <a:rPr lang="en-US" sz="1400" b="1" dirty="0" smtClean="0"/>
+              <a:t> </a:t>
+            </a:r>
+            <a:r>
+              <a:rPr lang="en-US" sz="1400" dirty="0" smtClean="0"/>
+              <a:t>-&gt; mef2eeg</a:t>
+            </a:r>
             <a:endParaRPr lang="en-US" sz="1400" dirty="0"/>
           </a:p>
           <a:p>
+            <a:endParaRPr lang="en-US" sz="1400" dirty="0" smtClean="0"/>
+          </a:p>
+          <a:p>
+            <a:r>
+              <a:rPr lang="en-US" sz="1400" dirty="0" err="1">
+                <a:latin typeface="Andale Mono"/>
+                <a:cs typeface="Andale Mono"/>
+              </a:rPr>
+              <a:t>m</a:t>
+            </a:r>
+            <a:r>
+              <a:rPr lang="en-US" sz="1400" dirty="0" err="1" smtClean="0">
+                <a:latin typeface="Andale Mono"/>
+                <a:cs typeface="Andale Mono"/>
+              </a:rPr>
+              <a:t>ef_copy</a:t>
+            </a:r>
+            <a:endParaRPr lang="en-US" sz="1400" dirty="0">
+              <a:latin typeface="Andale Mono"/>
+              <a:cs typeface="Andale Mono"/>
+            </a:endParaRPr>
+          </a:p>
+          <a:p>
+            <a:r>
+              <a:rPr lang="en-US" sz="1400" dirty="0" smtClean="0"/>
+              <a:t>                            </a:t>
+            </a:r>
+            <a:endParaRPr lang="en-US" sz="1400" dirty="0"/>
+          </a:p>
+          <a:p>
+            <a:r>
+              <a:rPr lang="en-US" sz="1400" dirty="0"/>
+              <a:t> </a:t>
+            </a:r>
+            <a:r>
+              <a:rPr lang="en-US" sz="1400" dirty="0" smtClean="0"/>
+              <a:t>        • Copy input files </a:t>
+            </a:r>
+            <a:r>
+              <a:rPr lang="en-US" sz="1400" dirty="0"/>
+              <a:t>to </a:t>
+            </a:r>
+            <a:r>
+              <a:rPr lang="en-US" sz="1400" dirty="0" smtClean="0"/>
+              <a:t>local </a:t>
+            </a:r>
             <a:r>
               <a:rPr lang="en-US" sz="1400" dirty="0" err="1" smtClean="0"/>
               <a:t>EZTrack</a:t>
             </a:r>
             <a:r>
               <a:rPr lang="en-US" sz="1400" dirty="0" smtClean="0"/>
-              <a:t> produces several large intermediate files in the course of producing the </a:t>
+              <a:t> server</a:t>
+            </a:r>
+            <a:r>
+              <a:rPr lang="en-US" sz="1400" dirty="0"/>
+              <a:t> </a:t>
+            </a:r>
+            <a:r>
+              <a:rPr lang="en-US" sz="1400" dirty="0" smtClean="0"/>
+              <a:t>in parallel.</a:t>
+            </a:r>
+          </a:p>
+          <a:p>
+            <a:r>
+              <a:rPr lang="en-US" sz="1400" dirty="0"/>
+              <a:t> </a:t>
+            </a:r>
+            <a:r>
+              <a:rPr lang="en-US" sz="1400" dirty="0" smtClean="0"/>
+              <a:t>       </a:t>
+            </a:r>
+            <a:r>
+              <a:rPr lang="en-US" sz="1400" dirty="0"/>
+              <a:t> </a:t>
+            </a:r>
+            <a:r>
+              <a:rPr lang="en-US" sz="1400" dirty="0" smtClean="0"/>
+              <a:t>  Each </a:t>
+            </a:r>
+            <a:r>
+              <a:rPr lang="en-US" sz="1400" dirty="0"/>
+              <a:t>1 hour MEF segment is ~2GB. </a:t>
+            </a:r>
+            <a:endParaRPr lang="en-US" sz="1400" dirty="0" smtClean="0"/>
+          </a:p>
+          <a:p>
+            <a:r>
+              <a:rPr lang="en-US" sz="1400" dirty="0" smtClean="0"/>
+              <a:t>           Estimate transfer to </a:t>
+            </a:r>
+            <a:r>
+              <a:rPr lang="en-US" sz="1400" dirty="0"/>
+              <a:t>take </a:t>
+            </a:r>
+            <a:r>
+              <a:rPr lang="en-US" sz="1400" dirty="0" smtClean="0"/>
+              <a:t>~3 </a:t>
+            </a:r>
+            <a:r>
+              <a:rPr lang="en-US" sz="1400" dirty="0" err="1"/>
+              <a:t>mins</a:t>
+            </a:r>
+            <a:r>
+              <a:rPr lang="en-US" sz="1400" dirty="0"/>
+              <a:t> assuming </a:t>
+            </a:r>
+            <a:r>
+              <a:rPr lang="en-US" sz="1400" dirty="0" smtClean="0"/>
+              <a:t>100Mbps LAN.</a:t>
+            </a:r>
+          </a:p>
+          <a:p>
+            <a:endParaRPr lang="en-US" sz="1400" dirty="0" smtClean="0"/>
+          </a:p>
+          <a:p>
+            <a:r>
+              <a:rPr lang="en-US" sz="1400" dirty="0" smtClean="0"/>
+              <a:t>Output is the </a:t>
+            </a:r>
+            <a:r>
+              <a:rPr lang="en-US" sz="1400" dirty="0"/>
+              <a:t>a collection of MEF files </a:t>
+            </a:r>
+            <a:r>
+              <a:rPr lang="en-US" sz="1400" dirty="0" smtClean="0"/>
+              <a:t>available locally and </a:t>
+            </a:r>
+            <a:r>
+              <a:rPr lang="en-US" sz="1400" dirty="0"/>
+              <a:t>the </a:t>
             </a:r>
             <a:r>
               <a:rPr lang="en-US" sz="1400" dirty="0" err="1" smtClean="0"/>
-              <a:t>heatmap</a:t>
-            </a:r>
-            <a:r>
-              <a:rPr lang="en-US" sz="1400" dirty="0" smtClean="0"/>
-              <a:t>. These files wil</a:t>
-            </a:r>
-            <a:r>
-              <a:rPr lang="en-US" sz="1400" dirty="0" smtClean="0"/>
-              <a:t>l be purged when the system’s hard drive reaches 80% capacity. Given the system isn’t currently being optimized for retrieving previous results, this shouldn’t pose a problem.</a:t>
-            </a:r>
-          </a:p>
-          <a:p>
-            <a:endParaRPr lang="en-US" sz="1400" b="1" dirty="0"/>
-          </a:p>
-          <a:p>
-            <a:endParaRPr lang="en-US" sz="1400" dirty="0" smtClean="0"/>
-          </a:p>
-          <a:p>
-            <a:endParaRPr lang="en-US" sz="1400" dirty="0" smtClean="0"/>
+              <a:t>PatientID</a:t>
+            </a:r>
+            <a:r>
+              <a:rPr lang="en-US" sz="1400" dirty="0" smtClean="0"/>
+              <a:t>.</a:t>
+            </a:r>
+            <a:endParaRPr lang="en-US" sz="1400" dirty="0"/>
           </a:p>
         </p:txBody>
       </p:sp>
     </p:spTree>
     <p:extLst>
       <p:ext uri="{BB962C8B-B14F-4D97-AF65-F5344CB8AC3E}">
-        <p14:creationId xmlns:p14="http://schemas.microsoft.com/office/powerpoint/2010/main" val="1372613735"/>
+        <p14:creationId xmlns:p14="http://schemas.microsoft.com/office/powerpoint/2010/main" val="3431358219"/>
       </p:ext>
     </p:extLst>
   </p:cSld>
@@ -4044,8 +4199,8 @@
         </p:nvSpPr>
         <p:spPr>
           <a:xfrm>
-            <a:off x="3048000" y="2667000"/>
-            <a:ext cx="4572000" cy="2031325"/>
+            <a:off x="27057" y="152401"/>
+            <a:ext cx="8659744" cy="2893100"/>
           </a:xfrm>
           <a:prstGeom prst="rect">
             <a:avLst/>
@@ -4059,81 +4214,281 @@
           <a:lstStyle/>
           <a:p>
             <a:r>
-              <a:rPr lang="en-US" b="1" dirty="0" smtClean="0"/>
-              <a:t>Design principle for complex software:</a:t>
-            </a:r>
-          </a:p>
-          <a:p>
-            <a:endParaRPr lang="en-US" b="1" dirty="0" smtClean="0"/>
-          </a:p>
-          <a:p>
-            <a:r>
-              <a:rPr lang="en-US" b="1" dirty="0" smtClean="0"/>
-              <a:t>Make it work,</a:t>
-            </a:r>
-          </a:p>
-          <a:p>
-            <a:r>
-              <a:rPr lang="en-US" b="1" dirty="0" smtClean="0"/>
-              <a:t>make it right,</a:t>
-            </a:r>
-          </a:p>
-          <a:p>
-            <a:r>
-              <a:rPr lang="en-US" b="1" dirty="0" smtClean="0"/>
-              <a:t>make it fast,</a:t>
-            </a:r>
-          </a:p>
-          <a:p>
-            <a:r>
-              <a:rPr lang="en-US" b="1" dirty="0" smtClean="0"/>
-              <a:t>make it scale.</a:t>
-            </a:r>
-            <a:endParaRPr lang="en-US" b="1" dirty="0"/>
-          </a:p>
-          <a:p>
-            <a:endParaRPr lang="en-US" dirty="0"/>
-          </a:p>
-        </p:txBody>
-      </p:sp>
-      <p:sp>
-        <p:nvSpPr>
-          <p:cNvPr id="2" name="TextBox 1"/>
-          <p:cNvSpPr txBox="1"/>
-          <p:nvPr/>
-        </p:nvSpPr>
-        <p:spPr>
-          <a:xfrm>
-            <a:off x="1295400" y="3200400"/>
-            <a:ext cx="1784375" cy="369332"/>
-          </a:xfrm>
-          <a:prstGeom prst="rect">
-            <a:avLst/>
-          </a:prstGeom>
-          <a:noFill/>
-        </p:spPr>
-        <p:txBody>
-          <a:bodyPr wrap="none" rtlCol="0">
-            <a:spAutoFit/>
-          </a:bodyPr>
-          <a:lstStyle/>
-          <a:p>
-            <a:r>
-              <a:rPr lang="en-US" i="1" dirty="0" smtClean="0"/>
-              <a:t>We are here</a:t>
-            </a:r>
-            <a:r>
-              <a:rPr lang="en-US" dirty="0" smtClean="0"/>
-              <a:t> =&gt;</a:t>
-            </a:r>
-            <a:endParaRPr lang="en-US" dirty="0"/>
+              <a:rPr lang="en-US" sz="1400" b="1" dirty="0" smtClean="0"/>
+              <a:t>Event / MEF Pipeline: </a:t>
+            </a:r>
+            <a:r>
+              <a:rPr lang="en-US" sz="1400" dirty="0"/>
+              <a:t>report2events </a:t>
+            </a:r>
+            <a:r>
+              <a:rPr lang="en-US" sz="1400" dirty="0" smtClean="0"/>
+              <a:t>-</a:t>
+            </a:r>
+            <a:r>
+              <a:rPr lang="en-US" sz="1400" dirty="0"/>
+              <a:t>&gt; </a:t>
+            </a:r>
+            <a:r>
+              <a:rPr lang="en-US" sz="1400" dirty="0" err="1"/>
+              <a:t>mef_finder</a:t>
+            </a:r>
+            <a:r>
+              <a:rPr lang="en-US" sz="1400" dirty="0"/>
+              <a:t> -&gt; </a:t>
+            </a:r>
+            <a:r>
+              <a:rPr lang="en-US" sz="1400" dirty="0" err="1" smtClean="0"/>
+              <a:t>mef_copy</a:t>
+            </a:r>
+            <a:r>
+              <a:rPr lang="en-US" sz="1400" b="1" dirty="0" smtClean="0"/>
+              <a:t> </a:t>
+            </a:r>
+            <a:r>
+              <a:rPr lang="en-US" sz="1400" dirty="0" smtClean="0"/>
+              <a:t>-&gt; </a:t>
+            </a:r>
+            <a:r>
+              <a:rPr lang="en-US" sz="1400" b="1" dirty="0" smtClean="0"/>
+              <a:t>mef2eeg</a:t>
+            </a:r>
+            <a:endParaRPr lang="en-US" sz="1400" b="1" dirty="0"/>
+          </a:p>
+          <a:p>
+            <a:endParaRPr lang="en-US" sz="1400" dirty="0" smtClean="0"/>
+          </a:p>
+          <a:p>
+            <a:r>
+              <a:rPr lang="en-US" sz="1400" dirty="0" smtClean="0">
+                <a:latin typeface="Andale Mono"/>
+                <a:cs typeface="Andale Mono"/>
+              </a:rPr>
+              <a:t>mef2eeg</a:t>
+            </a:r>
+            <a:endParaRPr lang="en-US" sz="1400" dirty="0" smtClean="0"/>
+          </a:p>
+          <a:p>
+            <a:endParaRPr lang="en-US" sz="1400" dirty="0" smtClean="0"/>
+          </a:p>
+          <a:p>
+            <a:r>
+              <a:rPr lang="en-US" sz="1400" dirty="0" smtClean="0"/>
+              <a:t>Given </a:t>
+            </a:r>
+            <a:r>
+              <a:rPr lang="en-US" sz="1400" dirty="0"/>
+              <a:t>a collection of MEF files and the </a:t>
+            </a:r>
+            <a:r>
+              <a:rPr lang="en-US" sz="1400" dirty="0" err="1"/>
+              <a:t>PatientID</a:t>
+            </a:r>
+            <a:r>
+              <a:rPr lang="en-US" sz="1400" dirty="0"/>
+              <a:t>:</a:t>
+            </a:r>
+          </a:p>
+          <a:p>
+            <a:endParaRPr lang="en-US" sz="1400" dirty="0"/>
+          </a:p>
+          <a:p>
+            <a:r>
+              <a:rPr lang="en-US" sz="1400" dirty="0" smtClean="0"/>
+              <a:t>For </a:t>
+            </a:r>
+            <a:r>
+              <a:rPr lang="en-US" sz="1400" dirty="0"/>
+              <a:t>each </a:t>
+            </a:r>
+            <a:r>
+              <a:rPr lang="en-US" sz="1400" dirty="0" err="1"/>
+              <a:t>mef</a:t>
+            </a:r>
+            <a:r>
+              <a:rPr lang="en-US" sz="1400" dirty="0"/>
+              <a:t> file, apply the following tools in parallel:</a:t>
+            </a:r>
+          </a:p>
+          <a:p>
+            <a:endParaRPr lang="en-US" sz="1400" dirty="0"/>
+          </a:p>
+          <a:p>
+            <a:r>
+              <a:rPr lang="en-US" sz="1400" dirty="0"/>
+              <a:t>        </a:t>
+            </a:r>
+            <a:r>
+              <a:rPr lang="en-US" sz="1400" dirty="0" err="1">
+                <a:latin typeface="Andale Mono"/>
+                <a:cs typeface="Andale Mono"/>
+              </a:rPr>
+              <a:t>read_mef_header</a:t>
+            </a:r>
+            <a:r>
+              <a:rPr lang="en-US" sz="1400" dirty="0"/>
+              <a:t>: save the header info to use as channel metadata (`</a:t>
+            </a:r>
+            <a:r>
+              <a:rPr lang="en-US" sz="1400" dirty="0" err="1"/>
+              <a:t>mef_lib</a:t>
+            </a:r>
+            <a:r>
+              <a:rPr lang="en-US" sz="1400" dirty="0"/>
+              <a:t>`)</a:t>
+            </a:r>
+          </a:p>
+          <a:p>
+            <a:r>
+              <a:rPr lang="en-US" sz="1400" dirty="0"/>
+              <a:t>        </a:t>
+            </a:r>
+            <a:r>
+              <a:rPr lang="en-US" sz="1400" dirty="0">
+                <a:latin typeface="Andale Mono"/>
+                <a:cs typeface="Andale Mono"/>
+              </a:rPr>
+              <a:t>mef2ascii</a:t>
+            </a:r>
+            <a:r>
+              <a:rPr lang="en-US" sz="1400" dirty="0"/>
+              <a:t>: </a:t>
+            </a:r>
+            <a:r>
+              <a:rPr lang="en-US" sz="1400" dirty="0" err="1"/>
+              <a:t>uncompress</a:t>
+            </a:r>
+            <a:r>
+              <a:rPr lang="en-US" sz="1400" dirty="0"/>
+              <a:t> the channel readings to 32-bit </a:t>
+            </a:r>
+            <a:r>
+              <a:rPr lang="en-US" sz="1400" dirty="0" err="1"/>
+              <a:t>ascii</a:t>
+            </a:r>
+            <a:r>
+              <a:rPr lang="en-US" sz="1400" dirty="0"/>
+              <a:t> </a:t>
+            </a:r>
+            <a:r>
+              <a:rPr lang="en-US" sz="1400" dirty="0" err="1"/>
+              <a:t>ints</a:t>
+            </a:r>
+            <a:r>
+              <a:rPr lang="en-US" sz="1400" dirty="0"/>
+              <a:t> (`</a:t>
+            </a:r>
+            <a:r>
+              <a:rPr lang="en-US" sz="1400" dirty="0" err="1"/>
+              <a:t>mef_lib</a:t>
+            </a:r>
+            <a:r>
+              <a:rPr lang="en-US" sz="1400" dirty="0"/>
+              <a:t>`)</a:t>
+            </a:r>
+          </a:p>
+          <a:p>
+            <a:r>
+              <a:rPr lang="en-US" sz="1400" dirty="0"/>
+              <a:t>        </a:t>
+            </a:r>
+            <a:r>
+              <a:rPr lang="en-US" sz="1400" dirty="0" err="1">
+                <a:latin typeface="Andale Mono"/>
+                <a:cs typeface="Andale Mono"/>
+              </a:rPr>
+              <a:t>check_mef_ascii</a:t>
+            </a:r>
+            <a:r>
+              <a:rPr lang="en-US" sz="1400" dirty="0"/>
+              <a:t>: run validations against the </a:t>
+            </a:r>
+            <a:r>
+              <a:rPr lang="en-US" sz="1400" dirty="0" err="1"/>
+              <a:t>ascii</a:t>
+            </a:r>
+            <a:r>
+              <a:rPr lang="en-US" sz="1400" dirty="0"/>
+              <a:t> values using the header results (`</a:t>
+            </a:r>
+            <a:r>
+              <a:rPr lang="en-US" sz="1400" dirty="0" err="1"/>
+              <a:t>lein</a:t>
+            </a:r>
+            <a:r>
+              <a:rPr lang="en-US" sz="1400" dirty="0"/>
+              <a:t>-exec`)</a:t>
+            </a:r>
+          </a:p>
+          <a:p>
+            <a:endParaRPr lang="en-US" sz="1400" dirty="0"/>
+          </a:p>
+          <a:p>
+            <a:r>
+              <a:rPr lang="en-US" sz="1400" dirty="0"/>
+              <a:t>        Finally, </a:t>
+            </a:r>
+            <a:r>
+              <a:rPr lang="en-US" sz="1400" dirty="0">
+                <a:latin typeface="Andale Mono"/>
+                <a:cs typeface="Andale Mono"/>
+              </a:rPr>
+              <a:t>ascii2eeg</a:t>
+            </a:r>
+            <a:r>
+              <a:rPr lang="en-US" sz="1400" dirty="0"/>
+              <a:t> to convert the </a:t>
+            </a:r>
+            <a:r>
+              <a:rPr lang="en-US" sz="1400" dirty="0" err="1"/>
+              <a:t>ascii</a:t>
+            </a:r>
+            <a:r>
+              <a:rPr lang="en-US" sz="1400" dirty="0"/>
+              <a:t> </a:t>
+            </a:r>
+            <a:r>
+              <a:rPr lang="en-US" sz="1400" dirty="0" err="1"/>
+              <a:t>ints</a:t>
+            </a:r>
+            <a:r>
+              <a:rPr lang="en-US" sz="1400" dirty="0"/>
+              <a:t> to the </a:t>
+            </a:r>
+            <a:r>
+              <a:rPr lang="en-US" sz="1400" dirty="0" err="1"/>
+              <a:t>eeg</a:t>
+            </a:r>
+            <a:r>
+              <a:rPr lang="en-US" sz="1400" dirty="0"/>
+              <a:t> format </a:t>
+            </a:r>
+            <a:r>
+              <a:rPr lang="en-US" sz="1400" dirty="0">
+                <a:latin typeface="Andale Mono"/>
+                <a:cs typeface="Andale Mono"/>
+              </a:rPr>
+              <a:t>eeg2fsv</a:t>
+            </a:r>
+            <a:r>
+              <a:rPr lang="en-US" sz="1400" dirty="0"/>
+              <a:t> expects (`</a:t>
+            </a:r>
+            <a:r>
+              <a:rPr lang="en-US" sz="1400" dirty="0" err="1"/>
+              <a:t>lein</a:t>
+            </a:r>
+            <a:r>
+              <a:rPr lang="en-US" sz="1400" dirty="0"/>
+              <a:t>-exec`).</a:t>
+            </a:r>
           </a:p>
         </p:txBody>
       </p:sp>
     </p:spTree>
     <p:extLst>
       <p:ext uri="{BB962C8B-B14F-4D97-AF65-F5344CB8AC3E}">
-        <p14:creationId xmlns:p14="http://schemas.microsoft.com/office/powerpoint/2010/main" val="3484496890"/>
+        <p14:creationId xmlns:p14="http://schemas.microsoft.com/office/powerpoint/2010/main" val="1115193776"/>
       </p:ext>
     </p:extLst>
   </p:cSld>
@@ -4199,8 +4554,8 @@
         </p:nvSpPr>
         <p:spPr>
           <a:xfrm>
-            <a:off x="381000" y="228600"/>
-            <a:ext cx="5791200" cy="4524315"/>
+            <a:off x="27057" y="152401"/>
+            <a:ext cx="8659744" cy="2677656"/>
           </a:xfrm>
           <a:prstGeom prst="rect">
             <a:avLst/>
@@ -4214,222 +4569,225 @@
           <a:lstStyle/>
           <a:p>
             <a:r>
-              <a:rPr lang="en-US" b="1" dirty="0" err="1" smtClean="0"/>
-              <a:t>Toolchain</a:t>
-            </a:r>
-            <a:r>
-              <a:rPr lang="en-US" b="1" dirty="0" smtClean="0"/>
-              <a:t> Inventory</a:t>
-            </a:r>
-            <a:endParaRPr lang="en-US" b="1" dirty="0"/>
-          </a:p>
-          <a:p>
-            <a:endParaRPr lang="en-US" dirty="0" smtClean="0"/>
-          </a:p>
-          <a:p>
-            <a:r>
-              <a:rPr lang="en-US" sz="1400" dirty="0" smtClean="0"/>
-              <a:t>The previous System Architecture slide shows the flow among these tools. This list is simply an alphabetical listing to show the parts of the system at a glance without respect to how they relate to one another.</a:t>
-            </a:r>
-          </a:p>
-          <a:p>
-            <a:endParaRPr lang="en-US" sz="1400" dirty="0" smtClean="0"/>
-          </a:p>
-          <a:p>
+              <a:rPr lang="en-US" sz="1400" b="1" dirty="0" err="1" smtClean="0"/>
+              <a:t>Heatmap</a:t>
+            </a:r>
+            <a:r>
+              <a:rPr lang="en-US" sz="1400" b="1" dirty="0" smtClean="0"/>
+              <a:t> Pipeline</a:t>
+            </a:r>
+            <a:r>
+              <a:rPr lang="en-US" sz="1400" dirty="0" smtClean="0"/>
+              <a:t>: </a:t>
+            </a:r>
+            <a:r>
+              <a:rPr lang="en-US" sz="1400" dirty="0" smtClean="0">
+                <a:latin typeface="Andale Mono"/>
+                <a:cs typeface="Andale Mono"/>
+              </a:rPr>
+              <a:t>eeg2fsv -&gt; </a:t>
+            </a:r>
             <a:r>
               <a:rPr lang="en-US" sz="1400" dirty="0">
                 <a:latin typeface="Andale Mono"/>
                 <a:cs typeface="Andale Mono"/>
               </a:rPr>
-              <a:t> </a:t>
+              <a:t>fsv2heatmap</a:t>
+            </a:r>
+            <a:endParaRPr lang="en-US" sz="1400" dirty="0" smtClean="0"/>
+          </a:p>
+          <a:p>
+            <a:endParaRPr lang="en-US" sz="1400" dirty="0"/>
+          </a:p>
+          <a:p>
+            <a:r>
+              <a:rPr lang="en-US" sz="1400" dirty="0"/>
+              <a:t>    • </a:t>
             </a:r>
             <a:r>
               <a:rPr lang="en-US" sz="1400" dirty="0" smtClean="0">
                 <a:latin typeface="Andale Mono"/>
                 <a:cs typeface="Andale Mono"/>
               </a:rPr>
-              <a:t>1 </a:t>
-            </a:r>
-            <a:r>
-              <a:rPr lang="en-US" sz="1400" dirty="0">
+              <a:t>eeg2fsv</a:t>
+            </a:r>
+            <a:r>
+              <a:rPr lang="en-US" sz="1400" dirty="0" smtClean="0"/>
+              <a:t>: </a:t>
+            </a:r>
+            <a:r>
+              <a:rPr lang="en-US" sz="1400" dirty="0"/>
+              <a:t>Creates first singular </a:t>
+            </a:r>
+            <a:r>
+              <a:rPr lang="en-US" sz="1400" dirty="0" smtClean="0"/>
+              <a:t>vectors of </a:t>
+            </a:r>
+            <a:r>
+              <a:rPr lang="en-US" sz="1400" dirty="0"/>
+              <a:t>each seizure event for each patient.</a:t>
+            </a:r>
+          </a:p>
+          <a:p>
+            <a:endParaRPr lang="en-US" sz="1400" dirty="0"/>
+          </a:p>
+          <a:p>
+            <a:r>
+              <a:rPr lang="en-US" sz="1400" dirty="0"/>
+              <a:t>    • </a:t>
+            </a:r>
+            <a:r>
+              <a:rPr lang="en-US" sz="1400" dirty="0" smtClean="0">
                 <a:latin typeface="Andale Mono"/>
                 <a:cs typeface="Andale Mono"/>
               </a:rPr>
-              <a:t>ascii2eeg</a:t>
-            </a:r>
-          </a:p>
-          <a:p>
-            <a:r>
-              <a:rPr lang="en-US" sz="1400" dirty="0">
-                <a:latin typeface="Andale Mono"/>
-                <a:cs typeface="Andale Mono"/>
-              </a:rPr>
-              <a:t> 2 </a:t>
-            </a:r>
-            <a:r>
-              <a:rPr lang="en-US" sz="1400" dirty="0" err="1">
-                <a:latin typeface="Andale Mono"/>
-                <a:cs typeface="Andale Mono"/>
-              </a:rPr>
-              <a:t>check_mef_ascii</a:t>
-            </a:r>
-            <a:endParaRPr lang="en-US" sz="1400" dirty="0">
-              <a:latin typeface="Andale Mono"/>
-              <a:cs typeface="Andale Mono"/>
-            </a:endParaRPr>
-          </a:p>
-          <a:p>
-            <a:r>
-              <a:rPr lang="en-US" sz="1400" dirty="0">
-                <a:latin typeface="Andale Mono"/>
-                <a:cs typeface="Andale Mono"/>
-              </a:rPr>
-              <a:t> 3 edf2eeg</a:t>
-            </a:r>
-          </a:p>
-          <a:p>
-            <a:r>
-              <a:rPr lang="en-US" sz="1400" dirty="0">
-                <a:latin typeface="Andale Mono"/>
-                <a:cs typeface="Andale Mono"/>
-              </a:rPr>
-              <a:t> 4 edf2mef</a:t>
-            </a:r>
-          </a:p>
-          <a:p>
-            <a:r>
-              <a:rPr lang="en-US" sz="1400" dirty="0">
-                <a:latin typeface="Andale Mono"/>
-                <a:cs typeface="Andale Mono"/>
-              </a:rPr>
-              <a:t> 5 eeg2fsv</a:t>
-            </a:r>
-          </a:p>
-          <a:p>
-            <a:r>
-              <a:rPr lang="en-US" sz="1400" dirty="0">
-                <a:latin typeface="Andale Mono"/>
-                <a:cs typeface="Andale Mono"/>
-              </a:rPr>
-              <a:t> 6 fsv2heatmap</a:t>
-            </a:r>
-          </a:p>
-          <a:p>
-            <a:r>
-              <a:rPr lang="en-US" sz="1400" dirty="0">
-                <a:latin typeface="Andale Mono"/>
-                <a:cs typeface="Andale Mono"/>
-              </a:rPr>
-              <a:t> 7 fsv2pcspace</a:t>
-            </a:r>
-          </a:p>
-          <a:p>
-            <a:r>
-              <a:rPr lang="en-US" sz="1400" i="1" dirty="0">
-                <a:latin typeface="Andale Mono"/>
-                <a:cs typeface="Andale Mono"/>
-              </a:rPr>
-              <a:t> 8 </a:t>
-            </a:r>
-            <a:r>
-              <a:rPr lang="en-US" sz="1400" i="1" dirty="0" smtClean="0">
+              <a:t>fsv2heatmap</a:t>
+            </a:r>
+            <a:r>
+              <a:rPr lang="en-US" sz="1400" dirty="0" smtClean="0"/>
+              <a:t>: </a:t>
+            </a:r>
+            <a:r>
+              <a:rPr lang="en-US" sz="1400" dirty="0"/>
+              <a:t>Saves labels, weights, and colors in CSV format given the patient </a:t>
+            </a:r>
+            <a:r>
+              <a:rPr lang="en-US" sz="1400" dirty="0" err="1"/>
+              <a:t>fsv</a:t>
+            </a:r>
+            <a:r>
+              <a:rPr lang="en-US" sz="1400" dirty="0"/>
+              <a:t> and </a:t>
+            </a:r>
+            <a:endParaRPr lang="en-US" sz="1400" dirty="0" smtClean="0"/>
+          </a:p>
+          <a:p>
+            <a:r>
+              <a:rPr lang="en-US" sz="1400" dirty="0"/>
+              <a:t> </a:t>
+            </a:r>
+            <a:r>
+              <a:rPr lang="en-US" sz="1400" dirty="0" smtClean="0"/>
+              <a:t>       </a:t>
+            </a:r>
+            <a:r>
+              <a:rPr lang="en-US" sz="1400" dirty="0" err="1" smtClean="0"/>
+              <a:t>pcspace</a:t>
+            </a:r>
+            <a:r>
+              <a:rPr lang="en-US" sz="1400" dirty="0" smtClean="0"/>
+              <a:t> </a:t>
+            </a:r>
+            <a:r>
+              <a:rPr lang="en-US" sz="1400" dirty="0"/>
+              <a:t>inputs</a:t>
+            </a:r>
+            <a:r>
+              <a:rPr lang="en-US" sz="1400" dirty="0" smtClean="0"/>
+              <a:t>.</a:t>
+            </a:r>
+          </a:p>
+          <a:p>
+            <a:r>
+              <a:rPr lang="en-US" sz="1400" dirty="0"/>
+              <a:t> </a:t>
+            </a:r>
+            <a:r>
+              <a:rPr lang="en-US" sz="1400" dirty="0" smtClean="0"/>
+              <a:t>           • QA: We can look at the signatures for each electrode to identify curve associated with hot regions.</a:t>
+            </a:r>
+            <a:endParaRPr lang="en-US" sz="1400" dirty="0"/>
+          </a:p>
+          <a:p>
+            <a:endParaRPr lang="en-US" sz="1400" dirty="0"/>
+          </a:p>
+          <a:p>
+            <a:r>
+              <a:rPr lang="en-US" sz="1400" dirty="0"/>
+              <a:t>    • </a:t>
+            </a:r>
+            <a:r>
+              <a:rPr lang="en-US" sz="1400" dirty="0" smtClean="0">
                 <a:latin typeface="Andale Mono"/>
                 <a:cs typeface="Andale Mono"/>
               </a:rPr>
               <a:t>heatmap2jpeg (optional)</a:t>
             </a:r>
-            <a:endParaRPr lang="en-US" sz="1400" i="1" dirty="0">
-              <a:latin typeface="Andale Mono"/>
-              <a:cs typeface="Andale Mono"/>
-            </a:endParaRPr>
-          </a:p>
-          <a:p>
-            <a:r>
-              <a:rPr lang="en-US" sz="1400" dirty="0">
-                <a:latin typeface="Andale Mono"/>
-                <a:cs typeface="Andale Mono"/>
-              </a:rPr>
-              <a:t> 9 mef2ascii</a:t>
-            </a:r>
-          </a:p>
-          <a:p>
-            <a:r>
-              <a:rPr lang="en-US" sz="1400" dirty="0" smtClean="0">
-                <a:latin typeface="Andale Mono"/>
-                <a:cs typeface="Andale Mono"/>
-              </a:rPr>
-              <a:t>10 </a:t>
-            </a:r>
-            <a:r>
-              <a:rPr lang="en-US" sz="1400" dirty="0" err="1">
-                <a:latin typeface="Andale Mono"/>
-                <a:cs typeface="Andale Mono"/>
-              </a:rPr>
-              <a:t>mef_copy</a:t>
-            </a:r>
-            <a:endParaRPr lang="en-US" sz="1400" dirty="0">
-              <a:latin typeface="Andale Mono"/>
-              <a:cs typeface="Andale Mono"/>
-            </a:endParaRPr>
-          </a:p>
-          <a:p>
-            <a:r>
-              <a:rPr lang="en-US" sz="1400" dirty="0" smtClean="0">
-                <a:latin typeface="Andale Mono"/>
-                <a:cs typeface="Andale Mono"/>
-              </a:rPr>
-              <a:t>11 </a:t>
-            </a:r>
-            <a:r>
-              <a:rPr lang="en-US" sz="1400" dirty="0" err="1">
-                <a:latin typeface="Andale Mono"/>
-                <a:cs typeface="Andale Mono"/>
-              </a:rPr>
-              <a:t>mef_finder</a:t>
-            </a:r>
-            <a:endParaRPr lang="en-US" sz="1400" dirty="0">
-              <a:latin typeface="Andale Mono"/>
-              <a:cs typeface="Andale Mono"/>
-            </a:endParaRPr>
-          </a:p>
-          <a:p>
-            <a:r>
-              <a:rPr lang="en-US" sz="1400" dirty="0" smtClean="0">
-                <a:latin typeface="Andale Mono"/>
-                <a:cs typeface="Andale Mono"/>
-              </a:rPr>
-              <a:t>12 </a:t>
-            </a:r>
-            <a:r>
-              <a:rPr lang="en-US" sz="1400" dirty="0" err="1">
-                <a:latin typeface="Andale Mono"/>
-                <a:cs typeface="Andale Mono"/>
-              </a:rPr>
-              <a:t>read_mef_header</a:t>
-            </a:r>
-            <a:endParaRPr lang="en-US" sz="1400" dirty="0">
-              <a:latin typeface="Andale Mono"/>
-              <a:cs typeface="Andale Mono"/>
-            </a:endParaRPr>
-          </a:p>
-          <a:p>
-            <a:r>
-              <a:rPr lang="en-US" sz="1400" dirty="0" smtClean="0">
-                <a:latin typeface="Andale Mono"/>
-                <a:cs typeface="Andale Mono"/>
-              </a:rPr>
-              <a:t>13 </a:t>
-            </a:r>
-            <a:r>
-              <a:rPr lang="en-US" sz="1400" dirty="0">
-                <a:latin typeface="Andale Mono"/>
-                <a:cs typeface="Andale Mono"/>
-              </a:rPr>
-              <a:t>report2events</a:t>
-            </a:r>
-            <a:endParaRPr lang="en-US" sz="1400" dirty="0"/>
-          </a:p>
-          <a:p>
+            <a:r>
+              <a:rPr lang="en-US" sz="1400" dirty="0" smtClean="0"/>
+              <a:t>: Uses </a:t>
+            </a:r>
+            <a:r>
+              <a:rPr lang="en-US" sz="1400" dirty="0" err="1" smtClean="0"/>
+              <a:t>PhantomJS</a:t>
+            </a:r>
+            <a:r>
+              <a:rPr lang="en-US" sz="1400" dirty="0" smtClean="0"/>
+              <a:t> to </a:t>
+            </a:r>
+            <a:r>
+              <a:rPr lang="en-US" sz="1400" dirty="0"/>
+              <a:t>render an image suitable for </a:t>
+            </a:r>
+            <a:r>
+              <a:rPr lang="en-US" sz="1400" dirty="0" smtClean="0"/>
+              <a:t>import into </a:t>
+            </a:r>
+            <a:r>
+              <a:rPr lang="en-US" sz="1400" dirty="0"/>
+              <a:t>the </a:t>
+            </a:r>
+            <a:endParaRPr lang="en-US" sz="1400" dirty="0" smtClean="0"/>
+          </a:p>
+          <a:p>
+            <a:r>
+              <a:rPr lang="en-US" sz="1400" dirty="0"/>
+              <a:t> </a:t>
+            </a:r>
+            <a:r>
+              <a:rPr lang="en-US" sz="1400" dirty="0" smtClean="0"/>
+              <a:t>      slide </a:t>
+            </a:r>
+            <a:r>
+              <a:rPr lang="en-US" sz="1400" dirty="0"/>
+              <a:t>deck to use </a:t>
+            </a:r>
+            <a:r>
+              <a:rPr lang="en-US" sz="1400" dirty="0" smtClean="0"/>
+              <a:t>in </a:t>
+            </a:r>
+            <a:r>
+              <a:rPr lang="en-US" sz="1400" dirty="0"/>
+              <a:t>Grand Rounds</a:t>
+            </a:r>
+            <a:r>
+              <a:rPr lang="en-US" sz="1400" dirty="0" smtClean="0"/>
+              <a:t>.</a:t>
+            </a:r>
+          </a:p>
+          <a:p>
+            <a:r>
+              <a:rPr lang="en-US" sz="1400" dirty="0"/>
+              <a:t> </a:t>
+            </a:r>
+            <a:r>
+              <a:rPr lang="en-US" sz="1400" dirty="0" smtClean="0"/>
+              <a:t>  	- optional if a student is going to manually create the </a:t>
+            </a:r>
+            <a:r>
+              <a:rPr lang="en-US" sz="1400" dirty="0" err="1" smtClean="0"/>
+              <a:t>heatmap</a:t>
+            </a:r>
+            <a:r>
+              <a:rPr lang="en-US" sz="1400" dirty="0" smtClean="0"/>
+              <a:t> on a 3D reconstruction from the</a:t>
+            </a:r>
+          </a:p>
+          <a:p>
+            <a:r>
+              <a:rPr lang="en-US" sz="1400" dirty="0" smtClean="0"/>
+              <a:t> 	  CSV outputs</a:t>
+            </a:r>
             <a:endParaRPr lang="en-US" sz="1400" dirty="0"/>
           </a:p>
         </p:txBody>
@@ -4437,7 +4795,7 @@
     </p:spTree>
     <p:extLst>
       <p:ext uri="{BB962C8B-B14F-4D97-AF65-F5344CB8AC3E}">
-        <p14:creationId xmlns:p14="http://schemas.microsoft.com/office/powerpoint/2010/main" val="1747391293"/>
+        <p14:creationId xmlns:p14="http://schemas.microsoft.com/office/powerpoint/2010/main" val="1632517070"/>
       </p:ext>
     </p:extLst>
   </p:cSld>
@@ -4503,8 +4861,8 @@
         </p:nvSpPr>
         <p:spPr>
           <a:xfrm>
-            <a:off x="1447800" y="3124200"/>
-            <a:ext cx="3097143" cy="307777"/>
+            <a:off x="1447800" y="2895600"/>
+            <a:ext cx="6705600" cy="646331"/>
           </a:xfrm>
           <a:prstGeom prst="rect">
             <a:avLst/>
@@ -4518,16 +4876,20 @@
           <a:lstStyle/>
           <a:p>
             <a:r>
-              <a:rPr lang="en-US" sz="1400" b="1" dirty="0" smtClean="0"/>
-              <a:t>FUTURE WORK</a:t>
-            </a:r>
+              <a:rPr lang="en-US" b="1" dirty="0" smtClean="0"/>
+              <a:t>Hosting / Installation</a:t>
+            </a:r>
+            <a:endParaRPr lang="en-US" b="1" dirty="0"/>
+          </a:p>
+          <a:p>
+            <a:endParaRPr lang="en-US" dirty="0"/>
           </a:p>
         </p:txBody>
       </p:sp>
     </p:spTree>
     <p:extLst>
       <p:ext uri="{BB962C8B-B14F-4D97-AF65-F5344CB8AC3E}">
-        <p14:creationId xmlns:p14="http://schemas.microsoft.com/office/powerpoint/2010/main" val="3706251657"/>
+        <p14:creationId xmlns:p14="http://schemas.microsoft.com/office/powerpoint/2010/main" val="2148956119"/>
       </p:ext>
     </p:extLst>
   </p:cSld>
@@ -4593,8 +4955,8 @@
         </p:nvSpPr>
         <p:spPr>
           <a:xfrm>
-            <a:off x="1447800" y="3124200"/>
-            <a:ext cx="3097143" cy="307777"/>
+            <a:off x="304800" y="228600"/>
+            <a:ext cx="8659744" cy="3108544"/>
           </a:xfrm>
           <a:prstGeom prst="rect">
             <a:avLst/>
@@ -4609,7 +4971,128 @@
           <a:p>
             <a:r>
               <a:rPr lang="en-US" sz="1400" b="1" dirty="0" smtClean="0"/>
-              <a:t>Neurosurgery Workflow</a:t>
+              <a:t>Hosting for v0.0.1 </a:t>
+            </a:r>
+            <a:endParaRPr lang="en-US" sz="1400" b="1" dirty="0"/>
+          </a:p>
+          <a:p>
+            <a:endParaRPr lang="en-US" sz="1400" b="1" dirty="0"/>
+          </a:p>
+          <a:p>
+            <a:r>
+              <a:rPr lang="en-US" sz="1400" dirty="0" smtClean="0"/>
+              <a:t>For the first iteration, an on-</a:t>
+            </a:r>
+            <a:r>
+              <a:rPr lang="en-US" sz="1400" dirty="0" err="1" smtClean="0"/>
+              <a:t>prem</a:t>
+            </a:r>
+            <a:r>
+              <a:rPr lang="en-US" sz="1400" dirty="0" smtClean="0"/>
+              <a:t> hosting model makes the most sense given the need to find MEF files on Christophe’s file server. We can start with an </a:t>
+            </a:r>
+            <a:r>
+              <a:rPr lang="en-US" sz="1400" dirty="0"/>
+              <a:t>Ubuntu </a:t>
+            </a:r>
+            <a:r>
+              <a:rPr lang="en-US" sz="1400" dirty="0" smtClean="0"/>
+              <a:t>laptop running </a:t>
+            </a:r>
+            <a:r>
+              <a:rPr lang="en-US" sz="1400" dirty="0"/>
+              <a:t>in the EMU Control </a:t>
+            </a:r>
+            <a:r>
+              <a:rPr lang="en-US" sz="1400" dirty="0" smtClean="0"/>
+              <a:t>Room, e.g. Lenovo X1 Carbon.</a:t>
+            </a:r>
+          </a:p>
+          <a:p>
+            <a:endParaRPr lang="en-US" sz="1400" dirty="0" smtClean="0"/>
+          </a:p>
+          <a:p>
+            <a:r>
+              <a:rPr lang="en-US" sz="1400" dirty="0" smtClean="0"/>
+              <a:t>• All scripts and </a:t>
+            </a:r>
+            <a:r>
+              <a:rPr lang="en-US" sz="1400" dirty="0" err="1" smtClean="0"/>
+              <a:t>executables</a:t>
+            </a:r>
+            <a:r>
+              <a:rPr lang="en-US" sz="1400" dirty="0" smtClean="0"/>
+              <a:t> will be on the machine when delivered.</a:t>
+            </a:r>
+          </a:p>
+          <a:p>
+            <a:r>
+              <a:rPr lang="en-US" sz="1400" dirty="0" smtClean="0"/>
+              <a:t>• </a:t>
+            </a:r>
+            <a:r>
+              <a:rPr lang="en-US" sz="1400" dirty="0" err="1" smtClean="0"/>
+              <a:t>Matlab</a:t>
+            </a:r>
+            <a:r>
+              <a:rPr lang="en-US" sz="1400" dirty="0" smtClean="0"/>
+              <a:t> components will be precompiled and run through the </a:t>
+            </a:r>
+            <a:r>
+              <a:rPr lang="en-US" sz="1400" dirty="0" err="1" smtClean="0"/>
+              <a:t>Matlab</a:t>
+            </a:r>
+            <a:r>
+              <a:rPr lang="en-US" sz="1400" dirty="0" smtClean="0"/>
+              <a:t> runtime. </a:t>
+            </a:r>
+            <a:r>
+              <a:rPr lang="en-US" sz="1400" dirty="0" err="1" smtClean="0"/>
+              <a:t>Matlab</a:t>
+            </a:r>
+            <a:r>
+              <a:rPr lang="en-US" sz="1400" dirty="0" smtClean="0"/>
+              <a:t> + license will not be needed on the laptop.</a:t>
+            </a:r>
+          </a:p>
+          <a:p>
+            <a:r>
+              <a:rPr lang="en-US" sz="1400" dirty="0" smtClean="0"/>
+              <a:t>• Files to be </a:t>
+            </a:r>
+            <a:r>
+              <a:rPr lang="en-US" sz="1400" dirty="0" err="1" smtClean="0"/>
+              <a:t>transfered</a:t>
+            </a:r>
+            <a:r>
+              <a:rPr lang="en-US" sz="1400" dirty="0" smtClean="0"/>
+              <a:t> via </a:t>
+            </a:r>
+            <a:r>
+              <a:rPr lang="en-US" sz="1400" dirty="0" err="1" smtClean="0"/>
+              <a:t>scp</a:t>
+            </a:r>
+            <a:r>
+              <a:rPr lang="en-US" sz="1400" dirty="0" smtClean="0"/>
+              <a:t>, USB, or shared network drives.</a:t>
+            </a:r>
+          </a:p>
+          <a:p>
+            <a:r>
+              <a:rPr lang="en-US" sz="1400" dirty="0" smtClean="0"/>
+              <a:t>• Login will be a shared account for the EMU control room.</a:t>
+            </a:r>
+          </a:p>
+          <a:p>
+            <a:r>
+              <a:rPr lang="en-US" sz="1400" dirty="0" smtClean="0"/>
+              <a:t> </a:t>
+            </a:r>
+          </a:p>
+          <a:p>
+            <a:r>
+              <a:rPr lang="en-US" sz="1400" dirty="0" smtClean="0"/>
+              <a:t>Once we verify that this part of the system is correct, providing a web-based UI running on the same server is relatively easy.</a:t>
             </a:r>
           </a:p>
         </p:txBody>
@@ -4617,7 +5100,7 @@
     </p:spTree>
     <p:extLst>
       <p:ext uri="{BB962C8B-B14F-4D97-AF65-F5344CB8AC3E}">
-        <p14:creationId xmlns:p14="http://schemas.microsoft.com/office/powerpoint/2010/main" val="846160051"/>
+        <p14:creationId xmlns:p14="http://schemas.microsoft.com/office/powerpoint/2010/main" val="176636782"/>
       </p:ext>
     </p:extLst>
   </p:cSld>
@@ -4683,8 +5166,8 @@
         </p:nvSpPr>
         <p:spPr>
           <a:xfrm>
-            <a:off x="27057" y="152401"/>
-            <a:ext cx="8659744" cy="5262978"/>
+            <a:off x="228600" y="304800"/>
+            <a:ext cx="8153400" cy="1815882"/>
           </a:xfrm>
           <a:prstGeom prst="rect">
             <a:avLst/>
@@ -4699,194 +5182,46 @@
           <a:p>
             <a:r>
               <a:rPr lang="en-US" sz="1400" b="1" dirty="0" smtClean="0"/>
-              <a:t>Neurosurgery </a:t>
-            </a:r>
-            <a:r>
-              <a:rPr lang="en-US" sz="1400" b="1" dirty="0"/>
-              <a:t>Workflow</a:t>
-            </a:r>
+              <a:t>Data Retention Policy</a:t>
+            </a:r>
+            <a:endParaRPr lang="en-US" sz="1400" b="1" dirty="0"/>
           </a:p>
           <a:p>
             <a:endParaRPr lang="en-US" sz="1400" dirty="0"/>
           </a:p>
           <a:p>
             <a:r>
-              <a:rPr lang="en-US" sz="1400" i="1" dirty="0" smtClean="0"/>
-              <a:t>Incorporates </a:t>
-            </a:r>
-            <a:r>
-              <a:rPr lang="en-US" sz="1400" i="1" dirty="0"/>
-              <a:t>the 3D reconstruction that is already done for all </a:t>
-            </a:r>
-            <a:r>
-              <a:rPr lang="en-US" sz="1400" i="1" dirty="0" err="1"/>
-              <a:t>ieeg</a:t>
-            </a:r>
-            <a:r>
-              <a:rPr lang="en-US" sz="1400" i="1" dirty="0"/>
-              <a:t> patients.</a:t>
-            </a:r>
-          </a:p>
-          <a:p>
-            <a:endParaRPr lang="en-US" sz="1400" dirty="0"/>
-          </a:p>
-          <a:p>
-            <a:r>
-              <a:rPr lang="en-US" sz="1400" dirty="0"/>
-              <a:t>• Upload 2D image.</a:t>
-            </a:r>
-          </a:p>
-          <a:p>
-            <a:endParaRPr lang="en-US" sz="1400" dirty="0"/>
-          </a:p>
-          <a:p>
-            <a:r>
-              <a:rPr lang="en-US" sz="1400" dirty="0"/>
-              <a:t>• Click the electrode label locations.</a:t>
-            </a:r>
-          </a:p>
-          <a:p>
-            <a:endParaRPr lang="en-US" sz="1400" dirty="0"/>
-          </a:p>
-          <a:p>
-            <a:r>
-              <a:rPr lang="en-US" sz="1400" dirty="0"/>
-              <a:t>• Apply label and </a:t>
-            </a:r>
-            <a:r>
-              <a:rPr lang="en-US" sz="1400" dirty="0" err="1"/>
+              <a:rPr lang="en-US" sz="1400" dirty="0" err="1" smtClean="0"/>
               <a:t>EZTrack</a:t>
             </a:r>
             <a:r>
-              <a:rPr lang="en-US" sz="1400" dirty="0"/>
-              <a:t> </a:t>
-            </a:r>
-            <a:r>
-              <a:rPr lang="en-US" sz="1400" dirty="0" err="1"/>
+              <a:rPr lang="en-US" sz="1400" dirty="0" smtClean="0"/>
+              <a:t> produces several large intermediate files in the course of producing the </a:t>
+            </a:r>
+            <a:r>
+              <a:rPr lang="en-US" sz="1400" dirty="0" err="1" smtClean="0"/>
               <a:t>heatmap</a:t>
             </a:r>
             <a:r>
-              <a:rPr lang="en-US" sz="1400" dirty="0"/>
-              <a:t> color and score.</a:t>
-            </a:r>
-          </a:p>
-          <a:p>
-            <a:endParaRPr lang="en-US" sz="1400" dirty="0"/>
-          </a:p>
-          <a:p>
-            <a:r>
-              <a:rPr lang="en-US" sz="1400" dirty="0"/>
-              <a:t>• Allow the clinician to add other annotation.</a:t>
-            </a:r>
-          </a:p>
-          <a:p>
-            <a:endParaRPr lang="en-US" sz="1400" dirty="0"/>
-          </a:p>
-          <a:p>
-            <a:r>
-              <a:rPr lang="en-US" sz="1400" dirty="0"/>
-              <a:t>• Other surgical tools are brought to bear, e.g. Medtronic </a:t>
-            </a:r>
-            <a:r>
-              <a:rPr lang="en-US" sz="1400" dirty="0" err="1" smtClean="0"/>
-              <a:t>Framelink</a:t>
-            </a:r>
-            <a:r>
-              <a:rPr lang="en-US" sz="1400" dirty="0" smtClean="0"/>
-              <a:t>: http://</a:t>
-            </a:r>
-            <a:r>
-              <a:rPr lang="en-US" sz="1400" dirty="0" err="1" smtClean="0"/>
-              <a:t>www.medtronic.com</a:t>
-            </a:r>
-            <a:r>
-              <a:rPr lang="en-US" sz="1400" dirty="0" smtClean="0"/>
-              <a:t>/for-healthcare-professionals/products-therapies/neurological/</a:t>
-            </a:r>
-            <a:r>
-              <a:rPr lang="en-US" sz="1400" dirty="0" err="1" smtClean="0"/>
-              <a:t>index.htm</a:t>
-            </a:r>
+              <a:rPr lang="en-US" sz="1400" dirty="0" smtClean="0"/>
+              <a:t>. These files will be purged when the system’s hard drive reaches 80% capacity. Given the system isn’t currently being optimized for retrieving previous results, this shouldn’t pose a problem.</a:t>
+            </a:r>
+          </a:p>
+          <a:p>
+            <a:endParaRPr lang="en-US" sz="1400" b="1" dirty="0"/>
+          </a:p>
+          <a:p>
             <a:endParaRPr lang="en-US" sz="1400" dirty="0" smtClean="0"/>
           </a:p>
           <a:p>
             <a:endParaRPr lang="en-US" sz="1400" dirty="0" smtClean="0"/>
-          </a:p>
-          <a:p>
-            <a:r>
-              <a:rPr lang="en-US" sz="1400" dirty="0" smtClean="0"/>
-              <a:t>• </a:t>
-            </a:r>
-            <a:r>
-              <a:rPr lang="en-US" sz="1400" dirty="0"/>
-              <a:t>Clinical notes and surgery report contain details about what was actually done in the surgery. (by </a:t>
-            </a:r>
-            <a:r>
-              <a:rPr lang="en-US" sz="1400" dirty="0" smtClean="0"/>
-              <a:t>Monday)</a:t>
-            </a:r>
-            <a:endParaRPr lang="en-US" sz="1400" dirty="0"/>
-          </a:p>
-          <a:p>
-            <a:endParaRPr lang="en-US" sz="1400" dirty="0"/>
-          </a:p>
-          <a:p>
-            <a:r>
-              <a:rPr lang="en-US" sz="1400" dirty="0"/>
-              <a:t>• These notes may have information that is valuable to </a:t>
-            </a:r>
-            <a:r>
-              <a:rPr lang="en-US" sz="1400" dirty="0" err="1"/>
-              <a:t>EZTrack</a:t>
-            </a:r>
-            <a:r>
-              <a:rPr lang="en-US" sz="1400" dirty="0"/>
-              <a:t>...during the clinical evaluation phase, we should collect </a:t>
-            </a:r>
-            <a:r>
-              <a:rPr lang="en-US" sz="1400" dirty="0" smtClean="0"/>
-              <a:t>these. Capture </a:t>
-            </a:r>
-            <a:r>
-              <a:rPr lang="en-US" sz="1400" dirty="0"/>
-              <a:t>which electrode regions were actually removed. Capture the degree to which these corresponded with </a:t>
-            </a:r>
-            <a:r>
-              <a:rPr lang="en-US" sz="1400" dirty="0" err="1"/>
-              <a:t>EZTrack's</a:t>
-            </a:r>
-            <a:r>
-              <a:rPr lang="en-US" sz="1400" dirty="0"/>
-              <a:t> weights.</a:t>
-            </a:r>
-          </a:p>
-          <a:p>
-            <a:endParaRPr lang="en-US" sz="1400" dirty="0"/>
-          </a:p>
-          <a:p>
-            <a:r>
-              <a:rPr lang="en-US" sz="1400" dirty="0"/>
-              <a:t>• Patient follow-up...how long after resection before the surgery is deemed a success? At this point, record success or </a:t>
-            </a:r>
-            <a:r>
-              <a:rPr lang="en-US" sz="1400" dirty="0" smtClean="0"/>
-              <a:t>failure in </a:t>
-            </a:r>
-            <a:r>
-              <a:rPr lang="en-US" sz="1400" dirty="0" err="1"/>
-              <a:t>EZTrack</a:t>
-            </a:r>
-            <a:r>
-              <a:rPr lang="en-US" sz="1400" dirty="0"/>
-              <a:t>. We then have all the data necessary for multiple retrospective studies over time with different patient types.</a:t>
-            </a:r>
           </a:p>
         </p:txBody>
       </p:sp>
     </p:spTree>
     <p:extLst>
       <p:ext uri="{BB962C8B-B14F-4D97-AF65-F5344CB8AC3E}">
-        <p14:creationId xmlns:p14="http://schemas.microsoft.com/office/powerpoint/2010/main" val="1776322751"/>
+        <p14:creationId xmlns:p14="http://schemas.microsoft.com/office/powerpoint/2010/main" val="1372613735"/>
       </p:ext>
     </p:extLst>
   </p:cSld>
@@ -4952,8 +5287,8 @@
         </p:nvSpPr>
         <p:spPr>
           <a:xfrm>
-            <a:off x="152400" y="3048000"/>
-            <a:ext cx="8659744" cy="954107"/>
+            <a:off x="3048000" y="2667000"/>
+            <a:ext cx="4572000" cy="2031325"/>
           </a:xfrm>
           <a:prstGeom prst="rect">
             <a:avLst/>
@@ -4967,44 +5302,81 @@
           <a:lstStyle/>
           <a:p>
             <a:r>
-              <a:rPr lang="en-US" sz="1400" b="1" dirty="0" smtClean="0"/>
-              <a:t>Retrospective </a:t>
-            </a:r>
-            <a:r>
-              <a:rPr lang="en-US" sz="1400" b="1" dirty="0"/>
-              <a:t>Study Workflow</a:t>
-            </a:r>
-          </a:p>
-          <a:p>
-            <a:endParaRPr lang="en-US" sz="1400" b="1" dirty="0"/>
-          </a:p>
-          <a:p>
-            <a:r>
-              <a:rPr lang="en-US" sz="1400" dirty="0" smtClean="0"/>
-              <a:t>Features </a:t>
-            </a:r>
-            <a:r>
-              <a:rPr lang="en-US" sz="1400" dirty="0"/>
-              <a:t>for researchers or clinicians to review </a:t>
-            </a:r>
-            <a:r>
-              <a:rPr lang="en-US" sz="1400" dirty="0" err="1"/>
-              <a:t>EZTrack's</a:t>
-            </a:r>
-            <a:r>
-              <a:rPr lang="en-US" sz="1400" dirty="0"/>
-              <a:t> previous results.</a:t>
-            </a:r>
-          </a:p>
-          <a:p>
-            <a:endParaRPr lang="en-US" sz="1400" dirty="0"/>
+              <a:rPr lang="en-US" b="1" dirty="0" smtClean="0"/>
+              <a:t>Design principle for complex software:</a:t>
+            </a:r>
+          </a:p>
+          <a:p>
+            <a:endParaRPr lang="en-US" b="1" dirty="0" smtClean="0"/>
+          </a:p>
+          <a:p>
+            <a:r>
+              <a:rPr lang="en-US" b="1" dirty="0" smtClean="0"/>
+              <a:t>Make it work,</a:t>
+            </a:r>
+          </a:p>
+          <a:p>
+            <a:r>
+              <a:rPr lang="en-US" b="1" dirty="0" smtClean="0"/>
+              <a:t>make it right,</a:t>
+            </a:r>
+          </a:p>
+          <a:p>
+            <a:r>
+              <a:rPr lang="en-US" b="1" dirty="0" smtClean="0"/>
+              <a:t>make it fast,</a:t>
+            </a:r>
+          </a:p>
+          <a:p>
+            <a:r>
+              <a:rPr lang="en-US" b="1" dirty="0" smtClean="0"/>
+              <a:t>make it scale.</a:t>
+            </a:r>
+            <a:endParaRPr lang="en-US" b="1" dirty="0"/>
+          </a:p>
+          <a:p>
+            <a:endParaRPr lang="en-US" dirty="0"/>
+          </a:p>
+        </p:txBody>
+      </p:sp>
+      <p:sp>
+        <p:nvSpPr>
+          <p:cNvPr id="2" name="TextBox 1"/>
+          <p:cNvSpPr txBox="1"/>
+          <p:nvPr/>
+        </p:nvSpPr>
+        <p:spPr>
+          <a:xfrm>
+            <a:off x="1295400" y="3200400"/>
+            <a:ext cx="1784375" cy="369332"/>
+          </a:xfrm>
+          <a:prstGeom prst="rect">
+            <a:avLst/>
+          </a:prstGeom>
+          <a:noFill/>
+        </p:spPr>
+        <p:txBody>
+          <a:bodyPr wrap="none" rtlCol="0">
+            <a:spAutoFit/>
+          </a:bodyPr>
+          <a:lstStyle/>
+          <a:p>
+            <a:r>
+              <a:rPr lang="en-US" i="1" dirty="0" smtClean="0"/>
+              <a:t>We are here</a:t>
+            </a:r>
+            <a:r>
+              <a:rPr lang="en-US" dirty="0" smtClean="0"/>
+              <a:t> =&gt;</a:t>
+            </a:r>
+            <a:endParaRPr lang="en-US" dirty="0"/>
           </a:p>
         </p:txBody>
       </p:sp>
     </p:spTree>
     <p:extLst>
       <p:ext uri="{BB962C8B-B14F-4D97-AF65-F5344CB8AC3E}">
-        <p14:creationId xmlns:p14="http://schemas.microsoft.com/office/powerpoint/2010/main" val="2056934212"/>
+        <p14:creationId xmlns:p14="http://schemas.microsoft.com/office/powerpoint/2010/main" val="3484496890"/>
       </p:ext>
     </p:extLst>
   </p:cSld>
@@ -5160,14 +5532,7 @@
                 <a:latin typeface="Andale Mono"/>
                 <a:cs typeface="Andale Mono"/>
               </a:rPr>
-              <a:t>f</a:t>
-            </a:r>
-            <a:r>
-              <a:rPr lang="en-US" sz="1400" dirty="0" smtClean="0">
-                <a:latin typeface="Andale Mono"/>
-                <a:cs typeface="Andale Mono"/>
-              </a:rPr>
-              <a:t>sv2pcspace -&gt;</a:t>
+              <a:t>fsv2pcspace -&gt;</a:t>
             </a:r>
           </a:p>
           <a:p>
@@ -5189,7 +5554,6 @@
               <a:rPr lang="en-US" sz="1400" b="1" dirty="0" smtClean="0"/>
               <a:t>Neurology Workflow:</a:t>
             </a:r>
-            <a:endParaRPr lang="en-US" sz="1400" b="1" dirty="0" smtClean="0"/>
           </a:p>
           <a:p>
             <a:endParaRPr lang="en-US" sz="1400" dirty="0" smtClean="0"/>
@@ -5310,14 +5674,7 @@
                 <a:latin typeface="Andale Mono"/>
                 <a:cs typeface="Andale Mono"/>
               </a:rPr>
-              <a:t>  mef2eeg </a:t>
-            </a:r>
-            <a:r>
-              <a:rPr lang="en-US" sz="1400" dirty="0" smtClean="0">
-                <a:latin typeface="Andale Mono"/>
-                <a:cs typeface="Andale Mono"/>
-              </a:rPr>
-              <a:t>-&gt;</a:t>
+              <a:t>  mef2eeg -&gt;</a:t>
             </a:r>
             <a:endParaRPr lang="en-US" sz="1400" dirty="0">
               <a:latin typeface="Andale Mono"/>
@@ -5359,14 +5716,7 @@
                 <a:latin typeface="Andale Mono"/>
                 <a:cs typeface="Andale Mono"/>
               </a:rPr>
-              <a:t>    </a:t>
-            </a:r>
-            <a:r>
-              <a:rPr lang="en-US" sz="1400" dirty="0" smtClean="0">
-                <a:latin typeface="Andale Mono"/>
-                <a:cs typeface="Andale Mono"/>
-              </a:rPr>
-              <a:t>mef2ascii</a:t>
+              <a:t>    mef2ascii</a:t>
             </a:r>
             <a:endParaRPr lang="en-US" sz="1400" dirty="0">
               <a:latin typeface="Andale Mono"/>
@@ -5410,10 +5760,6 @@
               </a:rPr>
               <a:t>ascii2eeg</a:t>
             </a:r>
-            <a:endParaRPr lang="en-US" sz="1400" dirty="0" smtClean="0">
-              <a:latin typeface="Andale Mono"/>
-              <a:cs typeface="Andale Mono"/>
-            </a:endParaRPr>
           </a:p>
           <a:p>
             <a:pPr lvl="1"/>
@@ -5460,42 +5806,21 @@
                 <a:latin typeface="Andale Mono"/>
                 <a:cs typeface="Andale Mono"/>
               </a:rPr>
-              <a:t> </a:t>
-            </a:r>
+              <a:t> eeg2fsv -&gt;</a:t>
+            </a:r>
+            <a:endParaRPr lang="en-US" sz="1400" dirty="0">
+              <a:latin typeface="Andale Mono"/>
+              <a:cs typeface="Andale Mono"/>
+            </a:endParaRPr>
+          </a:p>
+          <a:p>
+            <a:pPr lvl="1"/>
             <a:r>
               <a:rPr lang="en-US" sz="1400" dirty="0" smtClean="0">
                 <a:latin typeface="Andale Mono"/>
                 <a:cs typeface="Andale Mono"/>
               </a:rPr>
-              <a:t>eeg2fsv </a:t>
-            </a:r>
-            <a:r>
-              <a:rPr lang="en-US" sz="1400" dirty="0" smtClean="0">
-                <a:latin typeface="Andale Mono"/>
-                <a:cs typeface="Andale Mono"/>
-              </a:rPr>
-              <a:t>-&gt;</a:t>
-            </a:r>
-            <a:endParaRPr lang="en-US" sz="1400" dirty="0">
-              <a:latin typeface="Andale Mono"/>
-              <a:cs typeface="Andale Mono"/>
-            </a:endParaRPr>
-          </a:p>
-          <a:p>
-            <a:pPr lvl="1"/>
-            <a:r>
-              <a:rPr lang="en-US" sz="1400" dirty="0" smtClean="0">
-                <a:latin typeface="Andale Mono"/>
-                <a:cs typeface="Andale Mono"/>
-              </a:rPr>
-              <a:t>  fsv2heatmap </a:t>
-            </a:r>
-            <a:r>
-              <a:rPr lang="en-US" sz="1400" dirty="0" smtClean="0">
-                <a:latin typeface="Andale Mono"/>
-                <a:cs typeface="Andale Mono"/>
-              </a:rPr>
-              <a:t>-&gt;</a:t>
+              <a:t>  fsv2heatmap -&gt;</a:t>
             </a:r>
             <a:endParaRPr lang="en-US" sz="1400" dirty="0">
               <a:latin typeface="Andale Mono"/>
@@ -5591,6 +5916,877 @@
           </a:p>
         </p:txBody>
       </p:sp>
+      <p:sp>
+        <p:nvSpPr>
+          <p:cNvPr id="4" name="TextBox 3"/>
+          <p:cNvSpPr txBox="1"/>
+          <p:nvPr/>
+        </p:nvSpPr>
+        <p:spPr>
+          <a:xfrm>
+            <a:off x="381000" y="228600"/>
+            <a:ext cx="5791200" cy="4524315"/>
+          </a:xfrm>
+          <a:prstGeom prst="rect">
+            <a:avLst/>
+          </a:prstGeom>
+          <a:noFill/>
+        </p:spPr>
+        <p:txBody>
+          <a:bodyPr wrap="square" rtlCol="0">
+            <a:spAutoFit/>
+          </a:bodyPr>
+          <a:lstStyle/>
+          <a:p>
+            <a:r>
+              <a:rPr lang="en-US" b="1" dirty="0" err="1" smtClean="0"/>
+              <a:t>Toolchain</a:t>
+            </a:r>
+            <a:r>
+              <a:rPr lang="en-US" b="1" dirty="0" smtClean="0"/>
+              <a:t> Inventory</a:t>
+            </a:r>
+            <a:endParaRPr lang="en-US" b="1" dirty="0"/>
+          </a:p>
+          <a:p>
+            <a:endParaRPr lang="en-US" dirty="0" smtClean="0"/>
+          </a:p>
+          <a:p>
+            <a:r>
+              <a:rPr lang="en-US" sz="1400" dirty="0" smtClean="0"/>
+              <a:t>The previous System Architecture slide shows the flow among these tools. This list is simply an alphabetical listing to show the parts of the system at a glance without respect to how they relate to one another.</a:t>
+            </a:r>
+          </a:p>
+          <a:p>
+            <a:endParaRPr lang="en-US" sz="1400" dirty="0" smtClean="0"/>
+          </a:p>
+          <a:p>
+            <a:r>
+              <a:rPr lang="en-US" sz="1400" dirty="0">
+                <a:latin typeface="Andale Mono"/>
+                <a:cs typeface="Andale Mono"/>
+              </a:rPr>
+              <a:t> </a:t>
+            </a:r>
+            <a:r>
+              <a:rPr lang="en-US" sz="1400" dirty="0" smtClean="0">
+                <a:latin typeface="Andale Mono"/>
+                <a:cs typeface="Andale Mono"/>
+              </a:rPr>
+              <a:t>1 </a:t>
+            </a:r>
+            <a:r>
+              <a:rPr lang="en-US" sz="1400" dirty="0">
+                <a:latin typeface="Andale Mono"/>
+                <a:cs typeface="Andale Mono"/>
+              </a:rPr>
+              <a:t>ascii2eeg</a:t>
+            </a:r>
+          </a:p>
+          <a:p>
+            <a:r>
+              <a:rPr lang="en-US" sz="1400" dirty="0">
+                <a:latin typeface="Andale Mono"/>
+                <a:cs typeface="Andale Mono"/>
+              </a:rPr>
+              <a:t> 2 </a:t>
+            </a:r>
+            <a:r>
+              <a:rPr lang="en-US" sz="1400" dirty="0" err="1">
+                <a:latin typeface="Andale Mono"/>
+                <a:cs typeface="Andale Mono"/>
+              </a:rPr>
+              <a:t>check_mef_ascii</a:t>
+            </a:r>
+            <a:endParaRPr lang="en-US" sz="1400" dirty="0">
+              <a:latin typeface="Andale Mono"/>
+              <a:cs typeface="Andale Mono"/>
+            </a:endParaRPr>
+          </a:p>
+          <a:p>
+            <a:r>
+              <a:rPr lang="en-US" sz="1400" dirty="0">
+                <a:latin typeface="Andale Mono"/>
+                <a:cs typeface="Andale Mono"/>
+              </a:rPr>
+              <a:t> 3 edf2eeg</a:t>
+            </a:r>
+          </a:p>
+          <a:p>
+            <a:r>
+              <a:rPr lang="en-US" sz="1400" dirty="0">
+                <a:latin typeface="Andale Mono"/>
+                <a:cs typeface="Andale Mono"/>
+              </a:rPr>
+              <a:t> 4 edf2mef</a:t>
+            </a:r>
+          </a:p>
+          <a:p>
+            <a:r>
+              <a:rPr lang="en-US" sz="1400" dirty="0">
+                <a:latin typeface="Andale Mono"/>
+                <a:cs typeface="Andale Mono"/>
+              </a:rPr>
+              <a:t> 5 eeg2fsv</a:t>
+            </a:r>
+          </a:p>
+          <a:p>
+            <a:r>
+              <a:rPr lang="en-US" sz="1400" dirty="0">
+                <a:latin typeface="Andale Mono"/>
+                <a:cs typeface="Andale Mono"/>
+              </a:rPr>
+              <a:t> 6 fsv2heatmap</a:t>
+            </a:r>
+          </a:p>
+          <a:p>
+            <a:r>
+              <a:rPr lang="en-US" sz="1400" dirty="0">
+                <a:latin typeface="Andale Mono"/>
+                <a:cs typeface="Andale Mono"/>
+              </a:rPr>
+              <a:t> 7 fsv2pcspace</a:t>
+            </a:r>
+          </a:p>
+          <a:p>
+            <a:r>
+              <a:rPr lang="en-US" sz="1400" i="1" dirty="0">
+                <a:latin typeface="Andale Mono"/>
+                <a:cs typeface="Andale Mono"/>
+              </a:rPr>
+              <a:t> 8 </a:t>
+            </a:r>
+            <a:r>
+              <a:rPr lang="en-US" sz="1400" i="1" dirty="0" smtClean="0">
+                <a:latin typeface="Andale Mono"/>
+                <a:cs typeface="Andale Mono"/>
+              </a:rPr>
+              <a:t>heatmap2jpeg (optional)</a:t>
+            </a:r>
+            <a:endParaRPr lang="en-US" sz="1400" i="1" dirty="0">
+              <a:latin typeface="Andale Mono"/>
+              <a:cs typeface="Andale Mono"/>
+            </a:endParaRPr>
+          </a:p>
+          <a:p>
+            <a:r>
+              <a:rPr lang="en-US" sz="1400" dirty="0">
+                <a:latin typeface="Andale Mono"/>
+                <a:cs typeface="Andale Mono"/>
+              </a:rPr>
+              <a:t> 9 mef2ascii</a:t>
+            </a:r>
+          </a:p>
+          <a:p>
+            <a:r>
+              <a:rPr lang="en-US" sz="1400" dirty="0" smtClean="0">
+                <a:latin typeface="Andale Mono"/>
+                <a:cs typeface="Andale Mono"/>
+              </a:rPr>
+              <a:t>10 </a:t>
+            </a:r>
+            <a:r>
+              <a:rPr lang="en-US" sz="1400" dirty="0" err="1">
+                <a:latin typeface="Andale Mono"/>
+                <a:cs typeface="Andale Mono"/>
+              </a:rPr>
+              <a:t>mef_copy</a:t>
+            </a:r>
+            <a:endParaRPr lang="en-US" sz="1400" dirty="0">
+              <a:latin typeface="Andale Mono"/>
+              <a:cs typeface="Andale Mono"/>
+            </a:endParaRPr>
+          </a:p>
+          <a:p>
+            <a:r>
+              <a:rPr lang="en-US" sz="1400" dirty="0" smtClean="0">
+                <a:latin typeface="Andale Mono"/>
+                <a:cs typeface="Andale Mono"/>
+              </a:rPr>
+              <a:t>11 </a:t>
+            </a:r>
+            <a:r>
+              <a:rPr lang="en-US" sz="1400" dirty="0" err="1">
+                <a:latin typeface="Andale Mono"/>
+                <a:cs typeface="Andale Mono"/>
+              </a:rPr>
+              <a:t>mef_finder</a:t>
+            </a:r>
+            <a:endParaRPr lang="en-US" sz="1400" dirty="0">
+              <a:latin typeface="Andale Mono"/>
+              <a:cs typeface="Andale Mono"/>
+            </a:endParaRPr>
+          </a:p>
+          <a:p>
+            <a:r>
+              <a:rPr lang="en-US" sz="1400" dirty="0" smtClean="0">
+                <a:latin typeface="Andale Mono"/>
+                <a:cs typeface="Andale Mono"/>
+              </a:rPr>
+              <a:t>12 </a:t>
+            </a:r>
+            <a:r>
+              <a:rPr lang="en-US" sz="1400" dirty="0" err="1">
+                <a:latin typeface="Andale Mono"/>
+                <a:cs typeface="Andale Mono"/>
+              </a:rPr>
+              <a:t>read_mef_header</a:t>
+            </a:r>
+            <a:endParaRPr lang="en-US" sz="1400" dirty="0">
+              <a:latin typeface="Andale Mono"/>
+              <a:cs typeface="Andale Mono"/>
+            </a:endParaRPr>
+          </a:p>
+          <a:p>
+            <a:r>
+              <a:rPr lang="en-US" sz="1400" dirty="0" smtClean="0">
+                <a:latin typeface="Andale Mono"/>
+                <a:cs typeface="Andale Mono"/>
+              </a:rPr>
+              <a:t>13 </a:t>
+            </a:r>
+            <a:r>
+              <a:rPr lang="en-US" sz="1400" dirty="0">
+                <a:latin typeface="Andale Mono"/>
+                <a:cs typeface="Andale Mono"/>
+              </a:rPr>
+              <a:t>report2events</a:t>
+            </a:r>
+            <a:endParaRPr lang="en-US" sz="1400" dirty="0"/>
+          </a:p>
+          <a:p>
+            <a:endParaRPr lang="en-US" sz="1400" dirty="0"/>
+          </a:p>
+        </p:txBody>
+      </p:sp>
+    </p:spTree>
+    <p:extLst>
+      <p:ext uri="{BB962C8B-B14F-4D97-AF65-F5344CB8AC3E}">
+        <p14:creationId xmlns:p14="http://schemas.microsoft.com/office/powerpoint/2010/main" val="1747391293"/>
+      </p:ext>
+    </p:extLst>
+  </p:cSld>
+  <p:clrMapOvr>
+    <a:masterClrMapping/>
+  </p:clrMapOvr>
+  <p:timing>
+    <p:tnLst>
+      <p:par>
+        <p:cTn xmlns:p14="http://schemas.microsoft.com/office/powerpoint/2010/main" id="1" dur="indefinite" restart="never" nodeType="tmRoot"/>
+      </p:par>
+    </p:tnLst>
+  </p:timing>
+</p:sld>
+</file>
+
+<file path=ppt/slides/slide21.xml><?xml version="1.0" encoding="utf-8"?>
+<p:sld xmlns:a="http://schemas.openxmlformats.org/drawingml/2006/main" xmlns:r="http://schemas.openxmlformats.org/officeDocument/2006/relationships" xmlns:p="http://schemas.openxmlformats.org/presentationml/2006/main">
+  <p:cSld>
+    <p:spTree>
+      <p:nvGrpSpPr>
+        <p:cNvPr id="1" name=""/>
+        <p:cNvGrpSpPr/>
+        <p:nvPr/>
+      </p:nvGrpSpPr>
+      <p:grpSpPr>
+        <a:xfrm>
+          <a:off x="0" y="0"/>
+          <a:ext cx="0" cy="0"/>
+          <a:chOff x="0" y="0"/>
+          <a:chExt cx="0" cy="0"/>
+        </a:xfrm>
+      </p:grpSpPr>
+      <p:sp>
+        <p:nvSpPr>
+          <p:cNvPr id="3" name="Slide Number Placeholder 2"/>
+          <p:cNvSpPr>
+            <a:spLocks noGrp="1"/>
+          </p:cNvSpPr>
+          <p:nvPr>
+            <p:ph type="sldNum" sz="quarter" idx="12"/>
+          </p:nvPr>
+        </p:nvSpPr>
+        <p:spPr/>
+        <p:txBody>
+          <a:bodyPr/>
+          <a:lstStyle/>
+          <a:p>
+            <a:fld id="{CBC50AE4-BF95-48CF-938F-E7404067F212}" type="slidenum">
+              <a:rPr lang="en-US" smtClean="0"/>
+              <a:pPr/>
+              <a:t>21</a:t>
+            </a:fld>
+            <a:endParaRPr lang="en-US" dirty="0"/>
+          </a:p>
+        </p:txBody>
+      </p:sp>
+      <p:sp>
+        <p:nvSpPr>
+          <p:cNvPr id="4" name="TextBox 3"/>
+          <p:cNvSpPr txBox="1"/>
+          <p:nvPr/>
+        </p:nvSpPr>
+        <p:spPr>
+          <a:xfrm>
+            <a:off x="1447800" y="3124200"/>
+            <a:ext cx="3097143" cy="307777"/>
+          </a:xfrm>
+          <a:prstGeom prst="rect">
+            <a:avLst/>
+          </a:prstGeom>
+          <a:noFill/>
+        </p:spPr>
+        <p:txBody>
+          <a:bodyPr wrap="square" rtlCol="0">
+            <a:spAutoFit/>
+          </a:bodyPr>
+          <a:lstStyle/>
+          <a:p>
+            <a:r>
+              <a:rPr lang="en-US" sz="1400" b="1" dirty="0" smtClean="0"/>
+              <a:t>FUTURE WORK</a:t>
+            </a:r>
+          </a:p>
+        </p:txBody>
+      </p:sp>
+    </p:spTree>
+    <p:extLst>
+      <p:ext uri="{BB962C8B-B14F-4D97-AF65-F5344CB8AC3E}">
+        <p14:creationId xmlns:p14="http://schemas.microsoft.com/office/powerpoint/2010/main" val="3706251657"/>
+      </p:ext>
+    </p:extLst>
+  </p:cSld>
+  <p:clrMapOvr>
+    <a:masterClrMapping/>
+  </p:clrMapOvr>
+  <p:timing>
+    <p:tnLst>
+      <p:par>
+        <p:cTn xmlns:p14="http://schemas.microsoft.com/office/powerpoint/2010/main" id="1" dur="indefinite" restart="never" nodeType="tmRoot"/>
+      </p:par>
+    </p:tnLst>
+  </p:timing>
+</p:sld>
+</file>
+
+<file path=ppt/slides/slide22.xml><?xml version="1.0" encoding="utf-8"?>
+<p:sld xmlns:a="http://schemas.openxmlformats.org/drawingml/2006/main" xmlns:r="http://schemas.openxmlformats.org/officeDocument/2006/relationships" xmlns:p="http://schemas.openxmlformats.org/presentationml/2006/main">
+  <p:cSld>
+    <p:spTree>
+      <p:nvGrpSpPr>
+        <p:cNvPr id="1" name=""/>
+        <p:cNvGrpSpPr/>
+        <p:nvPr/>
+      </p:nvGrpSpPr>
+      <p:grpSpPr>
+        <a:xfrm>
+          <a:off x="0" y="0"/>
+          <a:ext cx="0" cy="0"/>
+          <a:chOff x="0" y="0"/>
+          <a:chExt cx="0" cy="0"/>
+        </a:xfrm>
+      </p:grpSpPr>
+      <p:sp>
+        <p:nvSpPr>
+          <p:cNvPr id="3" name="Slide Number Placeholder 2"/>
+          <p:cNvSpPr>
+            <a:spLocks noGrp="1"/>
+          </p:cNvSpPr>
+          <p:nvPr>
+            <p:ph type="sldNum" sz="quarter" idx="12"/>
+          </p:nvPr>
+        </p:nvSpPr>
+        <p:spPr/>
+        <p:txBody>
+          <a:bodyPr/>
+          <a:lstStyle/>
+          <a:p>
+            <a:fld id="{CBC50AE4-BF95-48CF-938F-E7404067F212}" type="slidenum">
+              <a:rPr lang="en-US" smtClean="0"/>
+              <a:pPr/>
+              <a:t>22</a:t>
+            </a:fld>
+            <a:endParaRPr lang="en-US" dirty="0"/>
+          </a:p>
+        </p:txBody>
+      </p:sp>
+      <p:sp>
+        <p:nvSpPr>
+          <p:cNvPr id="4" name="TextBox 3"/>
+          <p:cNvSpPr txBox="1"/>
+          <p:nvPr/>
+        </p:nvSpPr>
+        <p:spPr>
+          <a:xfrm>
+            <a:off x="1447800" y="3124200"/>
+            <a:ext cx="3097143" cy="307777"/>
+          </a:xfrm>
+          <a:prstGeom prst="rect">
+            <a:avLst/>
+          </a:prstGeom>
+          <a:noFill/>
+        </p:spPr>
+        <p:txBody>
+          <a:bodyPr wrap="square" rtlCol="0">
+            <a:spAutoFit/>
+          </a:bodyPr>
+          <a:lstStyle/>
+          <a:p>
+            <a:r>
+              <a:rPr lang="en-US" sz="1400" b="1" dirty="0" smtClean="0"/>
+              <a:t>Neurosurgery Workflow</a:t>
+            </a:r>
+          </a:p>
+        </p:txBody>
+      </p:sp>
+    </p:spTree>
+    <p:extLst>
+      <p:ext uri="{BB962C8B-B14F-4D97-AF65-F5344CB8AC3E}">
+        <p14:creationId xmlns:p14="http://schemas.microsoft.com/office/powerpoint/2010/main" val="846160051"/>
+      </p:ext>
+    </p:extLst>
+  </p:cSld>
+  <p:clrMapOvr>
+    <a:masterClrMapping/>
+  </p:clrMapOvr>
+  <p:timing>
+    <p:tnLst>
+      <p:par>
+        <p:cTn xmlns:p14="http://schemas.microsoft.com/office/powerpoint/2010/main" id="1" dur="indefinite" restart="never" nodeType="tmRoot"/>
+      </p:par>
+    </p:tnLst>
+  </p:timing>
+</p:sld>
+</file>
+
+<file path=ppt/slides/slide23.xml><?xml version="1.0" encoding="utf-8"?>
+<p:sld xmlns:a="http://schemas.openxmlformats.org/drawingml/2006/main" xmlns:r="http://schemas.openxmlformats.org/officeDocument/2006/relationships" xmlns:p="http://schemas.openxmlformats.org/presentationml/2006/main">
+  <p:cSld>
+    <p:spTree>
+      <p:nvGrpSpPr>
+        <p:cNvPr id="1" name=""/>
+        <p:cNvGrpSpPr/>
+        <p:nvPr/>
+      </p:nvGrpSpPr>
+      <p:grpSpPr>
+        <a:xfrm>
+          <a:off x="0" y="0"/>
+          <a:ext cx="0" cy="0"/>
+          <a:chOff x="0" y="0"/>
+          <a:chExt cx="0" cy="0"/>
+        </a:xfrm>
+      </p:grpSpPr>
+      <p:sp>
+        <p:nvSpPr>
+          <p:cNvPr id="3" name="Slide Number Placeholder 2"/>
+          <p:cNvSpPr>
+            <a:spLocks noGrp="1"/>
+          </p:cNvSpPr>
+          <p:nvPr>
+            <p:ph type="sldNum" sz="quarter" idx="12"/>
+          </p:nvPr>
+        </p:nvSpPr>
+        <p:spPr/>
+        <p:txBody>
+          <a:bodyPr/>
+          <a:lstStyle/>
+          <a:p>
+            <a:fld id="{CBC50AE4-BF95-48CF-938F-E7404067F212}" type="slidenum">
+              <a:rPr lang="en-US" smtClean="0"/>
+              <a:pPr/>
+              <a:t>23</a:t>
+            </a:fld>
+            <a:endParaRPr lang="en-US" dirty="0"/>
+          </a:p>
+        </p:txBody>
+      </p:sp>
+      <p:sp>
+        <p:nvSpPr>
+          <p:cNvPr id="4" name="TextBox 3"/>
+          <p:cNvSpPr txBox="1"/>
+          <p:nvPr/>
+        </p:nvSpPr>
+        <p:spPr>
+          <a:xfrm>
+            <a:off x="27057" y="152401"/>
+            <a:ext cx="8659744" cy="5262978"/>
+          </a:xfrm>
+          <a:prstGeom prst="rect">
+            <a:avLst/>
+          </a:prstGeom>
+          <a:noFill/>
+        </p:spPr>
+        <p:txBody>
+          <a:bodyPr wrap="square" rtlCol="0">
+            <a:spAutoFit/>
+          </a:bodyPr>
+          <a:lstStyle/>
+          <a:p>
+            <a:r>
+              <a:rPr lang="en-US" sz="1400" b="1" dirty="0" smtClean="0"/>
+              <a:t>Neurosurgery </a:t>
+            </a:r>
+            <a:r>
+              <a:rPr lang="en-US" sz="1400" b="1" dirty="0"/>
+              <a:t>Workflow</a:t>
+            </a:r>
+          </a:p>
+          <a:p>
+            <a:endParaRPr lang="en-US" sz="1400" dirty="0"/>
+          </a:p>
+          <a:p>
+            <a:r>
+              <a:rPr lang="en-US" sz="1400" i="1" dirty="0" smtClean="0"/>
+              <a:t>Incorporates </a:t>
+            </a:r>
+            <a:r>
+              <a:rPr lang="en-US" sz="1400" i="1" dirty="0"/>
+              <a:t>the 3D reconstruction that is already done for all </a:t>
+            </a:r>
+            <a:r>
+              <a:rPr lang="en-US" sz="1400" i="1" dirty="0" err="1"/>
+              <a:t>ieeg</a:t>
+            </a:r>
+            <a:r>
+              <a:rPr lang="en-US" sz="1400" i="1" dirty="0"/>
+              <a:t> patients.</a:t>
+            </a:r>
+          </a:p>
+          <a:p>
+            <a:endParaRPr lang="en-US" sz="1400" dirty="0"/>
+          </a:p>
+          <a:p>
+            <a:r>
+              <a:rPr lang="en-US" sz="1400" dirty="0"/>
+              <a:t>• Upload 2D image.</a:t>
+            </a:r>
+          </a:p>
+          <a:p>
+            <a:endParaRPr lang="en-US" sz="1400" dirty="0"/>
+          </a:p>
+          <a:p>
+            <a:r>
+              <a:rPr lang="en-US" sz="1400" dirty="0"/>
+              <a:t>• Click the electrode label locations.</a:t>
+            </a:r>
+          </a:p>
+          <a:p>
+            <a:endParaRPr lang="en-US" sz="1400" dirty="0"/>
+          </a:p>
+          <a:p>
+            <a:r>
+              <a:rPr lang="en-US" sz="1400" dirty="0"/>
+              <a:t>• Apply label and </a:t>
+            </a:r>
+            <a:r>
+              <a:rPr lang="en-US" sz="1400" dirty="0" err="1"/>
+              <a:t>EZTrack</a:t>
+            </a:r>
+            <a:r>
+              <a:rPr lang="en-US" sz="1400" dirty="0"/>
+              <a:t> </a:t>
+            </a:r>
+            <a:r>
+              <a:rPr lang="en-US" sz="1400" dirty="0" err="1"/>
+              <a:t>heatmap</a:t>
+            </a:r>
+            <a:r>
+              <a:rPr lang="en-US" sz="1400" dirty="0"/>
+              <a:t> color and score.</a:t>
+            </a:r>
+          </a:p>
+          <a:p>
+            <a:endParaRPr lang="en-US" sz="1400" dirty="0"/>
+          </a:p>
+          <a:p>
+            <a:r>
+              <a:rPr lang="en-US" sz="1400" dirty="0"/>
+              <a:t>• Allow the clinician to add other annotation.</a:t>
+            </a:r>
+          </a:p>
+          <a:p>
+            <a:endParaRPr lang="en-US" sz="1400" dirty="0"/>
+          </a:p>
+          <a:p>
+            <a:r>
+              <a:rPr lang="en-US" sz="1400" dirty="0"/>
+              <a:t>• Other surgical tools are brought to bear, e.g. Medtronic </a:t>
+            </a:r>
+            <a:r>
+              <a:rPr lang="en-US" sz="1400" dirty="0" err="1" smtClean="0"/>
+              <a:t>Framelink</a:t>
+            </a:r>
+            <a:r>
+              <a:rPr lang="en-US" sz="1400" dirty="0" smtClean="0"/>
+              <a:t>: http://</a:t>
+            </a:r>
+            <a:r>
+              <a:rPr lang="en-US" sz="1400" dirty="0" err="1" smtClean="0"/>
+              <a:t>www.medtronic.com</a:t>
+            </a:r>
+            <a:r>
+              <a:rPr lang="en-US" sz="1400" dirty="0" smtClean="0"/>
+              <a:t>/for-healthcare-professionals/products-therapies/neurological/</a:t>
+            </a:r>
+            <a:r>
+              <a:rPr lang="en-US" sz="1400" dirty="0" err="1" smtClean="0"/>
+              <a:t>index.htm</a:t>
+            </a:r>
+            <a:endParaRPr lang="en-US" sz="1400" dirty="0" smtClean="0"/>
+          </a:p>
+          <a:p>
+            <a:endParaRPr lang="en-US" sz="1400" dirty="0" smtClean="0"/>
+          </a:p>
+          <a:p>
+            <a:r>
+              <a:rPr lang="en-US" sz="1400" dirty="0" smtClean="0"/>
+              <a:t>• </a:t>
+            </a:r>
+            <a:r>
+              <a:rPr lang="en-US" sz="1400" dirty="0"/>
+              <a:t>Clinical notes and surgery report contain details about what was actually done in the surgery. (by </a:t>
+            </a:r>
+            <a:r>
+              <a:rPr lang="en-US" sz="1400" dirty="0" smtClean="0"/>
+              <a:t>Monday)</a:t>
+            </a:r>
+            <a:endParaRPr lang="en-US" sz="1400" dirty="0"/>
+          </a:p>
+          <a:p>
+            <a:endParaRPr lang="en-US" sz="1400" dirty="0"/>
+          </a:p>
+          <a:p>
+            <a:r>
+              <a:rPr lang="en-US" sz="1400" dirty="0"/>
+              <a:t>• These notes may have information that is valuable to </a:t>
+            </a:r>
+            <a:r>
+              <a:rPr lang="en-US" sz="1400" dirty="0" err="1"/>
+              <a:t>EZTrack</a:t>
+            </a:r>
+            <a:r>
+              <a:rPr lang="en-US" sz="1400" dirty="0"/>
+              <a:t>...during the clinical evaluation phase, we should collect </a:t>
+            </a:r>
+            <a:r>
+              <a:rPr lang="en-US" sz="1400" dirty="0" smtClean="0"/>
+              <a:t>these. Capture </a:t>
+            </a:r>
+            <a:r>
+              <a:rPr lang="en-US" sz="1400" dirty="0"/>
+              <a:t>which electrode regions were actually removed. Capture the degree to which these corresponded with </a:t>
+            </a:r>
+            <a:r>
+              <a:rPr lang="en-US" sz="1400" dirty="0" err="1"/>
+              <a:t>EZTrack's</a:t>
+            </a:r>
+            <a:r>
+              <a:rPr lang="en-US" sz="1400" dirty="0"/>
+              <a:t> weights.</a:t>
+            </a:r>
+          </a:p>
+          <a:p>
+            <a:endParaRPr lang="en-US" sz="1400" dirty="0"/>
+          </a:p>
+          <a:p>
+            <a:r>
+              <a:rPr lang="en-US" sz="1400" dirty="0"/>
+              <a:t>• Patient follow-up...how long after resection before the surgery is deemed a success? At this point, record success or </a:t>
+            </a:r>
+            <a:r>
+              <a:rPr lang="en-US" sz="1400" dirty="0" smtClean="0"/>
+              <a:t>failure in </a:t>
+            </a:r>
+            <a:r>
+              <a:rPr lang="en-US" sz="1400" dirty="0" err="1"/>
+              <a:t>EZTrack</a:t>
+            </a:r>
+            <a:r>
+              <a:rPr lang="en-US" sz="1400" dirty="0"/>
+              <a:t>. We then have all the data necessary for multiple retrospective studies over time with different patient types.</a:t>
+            </a:r>
+          </a:p>
+        </p:txBody>
+      </p:sp>
+    </p:spTree>
+    <p:extLst>
+      <p:ext uri="{BB962C8B-B14F-4D97-AF65-F5344CB8AC3E}">
+        <p14:creationId xmlns:p14="http://schemas.microsoft.com/office/powerpoint/2010/main" val="1776322751"/>
+      </p:ext>
+    </p:extLst>
+  </p:cSld>
+  <p:clrMapOvr>
+    <a:masterClrMapping/>
+  </p:clrMapOvr>
+  <p:timing>
+    <p:tnLst>
+      <p:par>
+        <p:cTn xmlns:p14="http://schemas.microsoft.com/office/powerpoint/2010/main" id="1" dur="indefinite" restart="never" nodeType="tmRoot"/>
+      </p:par>
+    </p:tnLst>
+  </p:timing>
+</p:sld>
+</file>
+
+<file path=ppt/slides/slide24.xml><?xml version="1.0" encoding="utf-8"?>
+<p:sld xmlns:a="http://schemas.openxmlformats.org/drawingml/2006/main" xmlns:r="http://schemas.openxmlformats.org/officeDocument/2006/relationships" xmlns:p="http://schemas.openxmlformats.org/presentationml/2006/main">
+  <p:cSld>
+    <p:spTree>
+      <p:nvGrpSpPr>
+        <p:cNvPr id="1" name=""/>
+        <p:cNvGrpSpPr/>
+        <p:nvPr/>
+      </p:nvGrpSpPr>
+      <p:grpSpPr>
+        <a:xfrm>
+          <a:off x="0" y="0"/>
+          <a:ext cx="0" cy="0"/>
+          <a:chOff x="0" y="0"/>
+          <a:chExt cx="0" cy="0"/>
+        </a:xfrm>
+      </p:grpSpPr>
+      <p:sp>
+        <p:nvSpPr>
+          <p:cNvPr id="3" name="Slide Number Placeholder 2"/>
+          <p:cNvSpPr>
+            <a:spLocks noGrp="1"/>
+          </p:cNvSpPr>
+          <p:nvPr>
+            <p:ph type="sldNum" sz="quarter" idx="12"/>
+          </p:nvPr>
+        </p:nvSpPr>
+        <p:spPr/>
+        <p:txBody>
+          <a:bodyPr/>
+          <a:lstStyle/>
+          <a:p>
+            <a:fld id="{CBC50AE4-BF95-48CF-938F-E7404067F212}" type="slidenum">
+              <a:rPr lang="en-US" smtClean="0"/>
+              <a:pPr/>
+              <a:t>24</a:t>
+            </a:fld>
+            <a:endParaRPr lang="en-US" dirty="0"/>
+          </a:p>
+        </p:txBody>
+      </p:sp>
+      <p:sp>
+        <p:nvSpPr>
+          <p:cNvPr id="4" name="TextBox 3"/>
+          <p:cNvSpPr txBox="1"/>
+          <p:nvPr/>
+        </p:nvSpPr>
+        <p:spPr>
+          <a:xfrm>
+            <a:off x="152400" y="3048000"/>
+            <a:ext cx="8659744" cy="954107"/>
+          </a:xfrm>
+          <a:prstGeom prst="rect">
+            <a:avLst/>
+          </a:prstGeom>
+          <a:noFill/>
+        </p:spPr>
+        <p:txBody>
+          <a:bodyPr wrap="square" rtlCol="0">
+            <a:spAutoFit/>
+          </a:bodyPr>
+          <a:lstStyle/>
+          <a:p>
+            <a:r>
+              <a:rPr lang="en-US" sz="1400" b="1" dirty="0" smtClean="0"/>
+              <a:t>Retrospective </a:t>
+            </a:r>
+            <a:r>
+              <a:rPr lang="en-US" sz="1400" b="1" dirty="0"/>
+              <a:t>Study Workflow</a:t>
+            </a:r>
+          </a:p>
+          <a:p>
+            <a:endParaRPr lang="en-US" sz="1400" b="1" dirty="0"/>
+          </a:p>
+          <a:p>
+            <a:r>
+              <a:rPr lang="en-US" sz="1400" dirty="0" smtClean="0"/>
+              <a:t>Features </a:t>
+            </a:r>
+            <a:r>
+              <a:rPr lang="en-US" sz="1400" dirty="0"/>
+              <a:t>for researchers or clinicians to review </a:t>
+            </a:r>
+            <a:r>
+              <a:rPr lang="en-US" sz="1400" dirty="0" err="1"/>
+              <a:t>EZTrack's</a:t>
+            </a:r>
+            <a:r>
+              <a:rPr lang="en-US" sz="1400" dirty="0"/>
+              <a:t> previous results.</a:t>
+            </a:r>
+          </a:p>
+          <a:p>
+            <a:endParaRPr lang="en-US" sz="1400" dirty="0"/>
+          </a:p>
+        </p:txBody>
+      </p:sp>
+    </p:spTree>
+    <p:extLst>
+      <p:ext uri="{BB962C8B-B14F-4D97-AF65-F5344CB8AC3E}">
+        <p14:creationId xmlns:p14="http://schemas.microsoft.com/office/powerpoint/2010/main" val="2056934212"/>
+      </p:ext>
+    </p:extLst>
+  </p:cSld>
+  <p:clrMapOvr>
+    <a:masterClrMapping/>
+  </p:clrMapOvr>
+  <p:timing>
+    <p:tnLst>
+      <p:par>
+        <p:cTn xmlns:p14="http://schemas.microsoft.com/office/powerpoint/2010/main" id="1" dur="indefinite" restart="never" nodeType="tmRoot"/>
+      </p:par>
+    </p:tnLst>
+  </p:timing>
+</p:sld>
+</file>
+
+<file path=ppt/slides/slide25.xml><?xml version="1.0" encoding="utf-8"?>
+<p:sld xmlns:a="http://schemas.openxmlformats.org/drawingml/2006/main" xmlns:r="http://schemas.openxmlformats.org/officeDocument/2006/relationships" xmlns:p="http://schemas.openxmlformats.org/presentationml/2006/main">
+  <p:cSld>
+    <p:spTree>
+      <p:nvGrpSpPr>
+        <p:cNvPr id="1" name=""/>
+        <p:cNvGrpSpPr/>
+        <p:nvPr/>
+      </p:nvGrpSpPr>
+      <p:grpSpPr>
+        <a:xfrm>
+          <a:off x="0" y="0"/>
+          <a:ext cx="0" cy="0"/>
+          <a:chOff x="0" y="0"/>
+          <a:chExt cx="0" cy="0"/>
+        </a:xfrm>
+      </p:grpSpPr>
+      <p:sp>
+        <p:nvSpPr>
+          <p:cNvPr id="3" name="Slide Number Placeholder 2"/>
+          <p:cNvSpPr>
+            <a:spLocks noGrp="1"/>
+          </p:cNvSpPr>
+          <p:nvPr>
+            <p:ph type="sldNum" sz="quarter" idx="12"/>
+          </p:nvPr>
+        </p:nvSpPr>
+        <p:spPr/>
+        <p:txBody>
+          <a:bodyPr/>
+          <a:lstStyle/>
+          <a:p>
+            <a:fld id="{CBC50AE4-BF95-48CF-938F-E7404067F212}" type="slidenum">
+              <a:rPr lang="en-US" smtClean="0"/>
+              <a:pPr/>
+              <a:t>25</a:t>
+            </a:fld>
+            <a:endParaRPr lang="en-US" dirty="0"/>
+          </a:p>
+        </p:txBody>
+      </p:sp>
       <p:pic>
         <p:nvPicPr>
           <p:cNvPr id="4" name="Picture 3" descr="patient_outcome_1.jpg"/>
@@ -5641,7 +6837,7 @@
 </p:sld>
 </file>
 
-<file path=ppt/slides/slide21.xml><?xml version="1.0" encoding="utf-8"?>
+<file path=ppt/slides/slide26.xml><?xml version="1.0" encoding="utf-8"?>
 <p:sld xmlns:a="http://schemas.openxmlformats.org/drawingml/2006/main" xmlns:r="http://schemas.openxmlformats.org/officeDocument/2006/relationships" xmlns:p="http://schemas.openxmlformats.org/presentationml/2006/main">
   <p:cSld>
     <p:spTree>
@@ -5676,7 +6872,7 @@
             <a:fld id="{CBC50AE4-BF95-48CF-938F-E7404067F212}" type="slidenum">
               <a:rPr lang="en-US" smtClean="0"/>
               <a:pPr/>
-              <a:t>21</a:t>
+              <a:t>26</a:t>
             </a:fld>
             <a:endParaRPr lang="en-US" dirty="0"/>
           </a:p>
@@ -5732,7 +6928,7 @@
 </p:sld>
 </file>
 
-<file path=ppt/slides/slide22.xml><?xml version="1.0" encoding="utf-8"?>
+<file path=ppt/slides/slide27.xml><?xml version="1.0" encoding="utf-8"?>
 <p:sld xmlns:a="http://schemas.openxmlformats.org/drawingml/2006/main" xmlns:r="http://schemas.openxmlformats.org/officeDocument/2006/relationships" xmlns:p="http://schemas.openxmlformats.org/presentationml/2006/main">
   <p:cSld>
     <p:spTree>
@@ -5767,7 +6963,7 @@
             <a:fld id="{CBC50AE4-BF95-48CF-938F-E7404067F212}" type="slidenum">
               <a:rPr lang="en-US" smtClean="0"/>
               <a:pPr/>
-              <a:t>22</a:t>
+              <a:t>27</a:t>
             </a:fld>
             <a:endParaRPr lang="en-US" dirty="0"/>
           </a:p>
@@ -5823,7 +7019,7 @@
 </p:sld>
 </file>
 
-<file path=ppt/slides/slide23.xml><?xml version="1.0" encoding="utf-8"?>
+<file path=ppt/slides/slide28.xml><?xml version="1.0" encoding="utf-8"?>
 <p:sld xmlns:a="http://schemas.openxmlformats.org/drawingml/2006/main" xmlns:r="http://schemas.openxmlformats.org/officeDocument/2006/relationships" xmlns:p="http://schemas.openxmlformats.org/presentationml/2006/main">
   <p:cSld>
     <p:spTree>
@@ -5858,7 +7054,7 @@
             <a:fld id="{CBC50AE4-BF95-48CF-938F-E7404067F212}" type="slidenum">
               <a:rPr lang="en-US" smtClean="0"/>
               <a:pPr/>
-              <a:t>23</a:t>
+              <a:t>28</a:t>
             </a:fld>
             <a:endParaRPr lang="en-US" dirty="0"/>
           </a:p>
@@ -5914,7 +7110,7 @@
 </p:sld>
 </file>
 
-<file path=ppt/slides/slide24.xml><?xml version="1.0" encoding="utf-8"?>
+<file path=ppt/slides/slide29.xml><?xml version="1.0" encoding="utf-8"?>
 <p:sld xmlns:a="http://schemas.openxmlformats.org/drawingml/2006/main" xmlns:r="http://schemas.openxmlformats.org/officeDocument/2006/relationships" xmlns:p="http://schemas.openxmlformats.org/presentationml/2006/main">
   <p:cSld>
     <p:spTree>
@@ -5949,7 +7145,7 @@
             <a:fld id="{CBC50AE4-BF95-48CF-938F-E7404067F212}" type="slidenum">
               <a:rPr lang="en-US" smtClean="0"/>
               <a:pPr/>
-              <a:t>24</a:t>
+              <a:t>29</a:t>
             </a:fld>
             <a:endParaRPr lang="en-US" dirty="0"/>
           </a:p>
@@ -6017,267 +7213,6 @@
     <p:extLst>
       <p:ext uri="{BB962C8B-B14F-4D97-AF65-F5344CB8AC3E}">
         <p14:creationId xmlns:p14="http://schemas.microsoft.com/office/powerpoint/2010/main" val="368704035"/>
-      </p:ext>
-    </p:extLst>
-  </p:cSld>
-  <p:clrMapOvr>
-    <a:masterClrMapping/>
-  </p:clrMapOvr>
-  <p:timing>
-    <p:tnLst>
-      <p:par>
-        <p:cTn xmlns:p14="http://schemas.microsoft.com/office/powerpoint/2010/main" id="1" dur="indefinite" restart="never" nodeType="tmRoot"/>
-      </p:par>
-    </p:tnLst>
-  </p:timing>
-</p:sld>
-</file>
-
-<file path=ppt/slides/slide25.xml><?xml version="1.0" encoding="utf-8"?>
-<p:sld xmlns:a="http://schemas.openxmlformats.org/drawingml/2006/main" xmlns:r="http://schemas.openxmlformats.org/officeDocument/2006/relationships" xmlns:p="http://schemas.openxmlformats.org/presentationml/2006/main">
-  <p:cSld>
-    <p:spTree>
-      <p:nvGrpSpPr>
-        <p:cNvPr id="1" name=""/>
-        <p:cNvGrpSpPr/>
-        <p:nvPr/>
-      </p:nvGrpSpPr>
-      <p:grpSpPr>
-        <a:xfrm>
-          <a:off x="0" y="0"/>
-          <a:ext cx="0" cy="0"/>
-          <a:chOff x="0" y="0"/>
-          <a:chExt cx="0" cy="0"/>
-        </a:xfrm>
-      </p:grpSpPr>
-      <p:sp>
-        <p:nvSpPr>
-          <p:cNvPr id="3" name="Slide Number Placeholder 2"/>
-          <p:cNvSpPr>
-            <a:spLocks noGrp="1"/>
-          </p:cNvSpPr>
-          <p:nvPr>
-            <p:ph type="sldNum" sz="quarter" idx="12"/>
-          </p:nvPr>
-        </p:nvSpPr>
-        <p:spPr/>
-        <p:txBody>
-          <a:bodyPr/>
-          <a:lstStyle/>
-          <a:p>
-            <a:fld id="{CBC50AE4-BF95-48CF-938F-E7404067F212}" type="slidenum">
-              <a:rPr lang="en-US" smtClean="0"/>
-              <a:pPr/>
-              <a:t>25</a:t>
-            </a:fld>
-            <a:endParaRPr lang="en-US" dirty="0"/>
-          </a:p>
-        </p:txBody>
-      </p:sp>
-      <p:sp>
-        <p:nvSpPr>
-          <p:cNvPr id="4" name="TextBox 3"/>
-          <p:cNvSpPr txBox="1"/>
-          <p:nvPr/>
-        </p:nvSpPr>
-        <p:spPr>
-          <a:xfrm>
-            <a:off x="228600" y="152400"/>
-            <a:ext cx="8659744" cy="4401204"/>
-          </a:xfrm>
-          <a:prstGeom prst="rect">
-            <a:avLst/>
-          </a:prstGeom>
-          <a:noFill/>
-        </p:spPr>
-        <p:txBody>
-          <a:bodyPr wrap="square" rtlCol="0">
-            <a:spAutoFit/>
-          </a:bodyPr>
-          <a:lstStyle/>
-          <a:p>
-            <a:r>
-              <a:rPr lang="en-US" sz="1400" b="1" dirty="0" smtClean="0"/>
-              <a:t>On</a:t>
-            </a:r>
-            <a:r>
-              <a:rPr lang="en-US" sz="1400" b="1" dirty="0" smtClean="0"/>
-              <a:t>-</a:t>
-            </a:r>
-            <a:r>
-              <a:rPr lang="en-US" sz="1400" b="1" dirty="0" err="1" smtClean="0"/>
-              <a:t>Prem</a:t>
-            </a:r>
-            <a:r>
-              <a:rPr lang="en-US" sz="1400" b="1" dirty="0" smtClean="0"/>
-              <a:t> vs. </a:t>
-            </a:r>
-            <a:r>
-              <a:rPr lang="en-US" sz="1400" b="1" dirty="0" err="1" smtClean="0"/>
-              <a:t>SaaS</a:t>
-            </a:r>
-            <a:r>
-              <a:rPr lang="en-US" sz="1400" b="1" dirty="0" smtClean="0"/>
-              <a:t> Considerations</a:t>
-            </a:r>
-            <a:endParaRPr lang="en-US" sz="1400" dirty="0" smtClean="0"/>
-          </a:p>
-          <a:p>
-            <a:endParaRPr lang="en-US" sz="1400" dirty="0" smtClean="0"/>
-          </a:p>
-          <a:p>
-            <a:r>
-              <a:rPr lang="en-US" sz="1400" dirty="0" smtClean="0"/>
-              <a:t>The on-</a:t>
-            </a:r>
-            <a:r>
-              <a:rPr lang="en-US" sz="1400" dirty="0" err="1" smtClean="0"/>
-              <a:t>prem</a:t>
-            </a:r>
-            <a:r>
-              <a:rPr lang="en-US" sz="1400" dirty="0" smtClean="0"/>
-              <a:t> model will likely not scale to other clients. </a:t>
-            </a:r>
-            <a:endParaRPr lang="en-US" sz="1400" dirty="0"/>
-          </a:p>
-          <a:p>
-            <a:endParaRPr lang="en-US" sz="1400" dirty="0" smtClean="0"/>
-          </a:p>
-          <a:p>
-            <a:r>
-              <a:rPr lang="en-US" sz="1400" dirty="0" smtClean="0"/>
-              <a:t>Application and Host Monitoring?</a:t>
-            </a:r>
-          </a:p>
-          <a:p>
-            <a:r>
-              <a:rPr lang="en-US" sz="1400" dirty="0" smtClean="0"/>
-              <a:t>System Administration?</a:t>
-            </a:r>
-          </a:p>
-          <a:p>
-            <a:r>
-              <a:rPr lang="en-US" sz="1400" dirty="0" smtClean="0"/>
-              <a:t>Upgrades?</a:t>
-            </a:r>
-          </a:p>
-          <a:p>
-            <a:r>
-              <a:rPr lang="en-US" sz="1400" dirty="0" smtClean="0"/>
-              <a:t>Hardware </a:t>
-            </a:r>
-            <a:r>
-              <a:rPr lang="en-US" sz="1400" dirty="0"/>
-              <a:t>failures</a:t>
-            </a:r>
-            <a:r>
-              <a:rPr lang="en-US" sz="1400" dirty="0" smtClean="0"/>
-              <a:t>?</a:t>
-            </a:r>
-          </a:p>
-          <a:p>
-            <a:r>
-              <a:rPr lang="en-US" sz="1400" dirty="0" smtClean="0"/>
-              <a:t>Client IT procurement / installation policies? </a:t>
-            </a:r>
-          </a:p>
-          <a:p>
-            <a:r>
-              <a:rPr lang="en-US" sz="1400" dirty="0"/>
-              <a:t> </a:t>
-            </a:r>
-            <a:r>
-              <a:rPr lang="en-US" sz="1400" dirty="0" smtClean="0"/>
-              <a:t> </a:t>
-            </a:r>
-          </a:p>
-          <a:p>
-            <a:endParaRPr lang="en-US" sz="1400" dirty="0" smtClean="0"/>
-          </a:p>
-          <a:p>
-            <a:r>
-              <a:rPr lang="en-US" sz="1400" dirty="0" err="1" smtClean="0"/>
-              <a:t>SaaS</a:t>
-            </a:r>
-            <a:r>
-              <a:rPr lang="en-US" sz="1400" dirty="0" smtClean="0"/>
-              <a:t> avoids these problems at the cost of managing HIPAA compliance and network latency.</a:t>
-            </a:r>
-          </a:p>
-          <a:p>
-            <a:endParaRPr lang="en-US" sz="1400" dirty="0"/>
-          </a:p>
-          <a:p>
-            <a:r>
-              <a:rPr lang="en-US" sz="1400" dirty="0"/>
-              <a:t>  AWS has HIPAA-compliant hosting options and we may want to investigate these:</a:t>
-            </a:r>
-          </a:p>
-          <a:p>
-            <a:r>
-              <a:rPr lang="en-US" sz="1400" dirty="0"/>
-              <a:t>  https://</a:t>
-            </a:r>
-            <a:r>
-              <a:rPr lang="en-US" sz="1400" dirty="0" err="1"/>
-              <a:t>aws.amazon.com</a:t>
-            </a:r>
-            <a:r>
-              <a:rPr lang="en-US" sz="1400" dirty="0"/>
-              <a:t>/compliance/</a:t>
-            </a:r>
-            <a:r>
-              <a:rPr lang="en-US" sz="1400" dirty="0" err="1"/>
-              <a:t>hipaa</a:t>
-            </a:r>
-            <a:r>
-              <a:rPr lang="en-US" sz="1400" dirty="0"/>
-              <a:t>-compliance/</a:t>
-            </a:r>
-          </a:p>
-          <a:p>
-            <a:r>
-              <a:rPr lang="en-US" sz="1400" dirty="0"/>
-              <a:t>  https://d0.awsstatic.com/whitepapers/compliance/</a:t>
-            </a:r>
-            <a:r>
-              <a:rPr lang="en-US" sz="1400" dirty="0" err="1"/>
-              <a:t>AWS_HIPAA_Compliance_Whitepaper.pdf</a:t>
-            </a:r>
-            <a:endParaRPr lang="en-US" sz="1400" dirty="0"/>
-          </a:p>
-          <a:p>
-            <a:endParaRPr lang="en-US" sz="1400" dirty="0" smtClean="0"/>
-          </a:p>
-          <a:p>
-            <a:r>
-              <a:rPr lang="en-US" sz="1400" dirty="0"/>
-              <a:t> </a:t>
-            </a:r>
-            <a:r>
-              <a:rPr lang="en-US" sz="1400" dirty="0" smtClean="0"/>
-              <a:t> Network latency can largely be managed on the EC2 side with appropriate choice of instance size.</a:t>
-            </a:r>
-          </a:p>
-          <a:p>
-            <a:r>
-              <a:rPr lang="en-US" sz="1400" dirty="0"/>
-              <a:t> </a:t>
-            </a:r>
-            <a:r>
-              <a:rPr lang="en-US" sz="1400" dirty="0" smtClean="0"/>
-              <a:t> If the client WAN is slow, however, the system’s overall latency will suffer.</a:t>
-            </a:r>
-          </a:p>
-          <a:p>
-            <a:endParaRPr lang="en-US" sz="1400" dirty="0" smtClean="0"/>
-          </a:p>
-        </p:txBody>
-      </p:sp>
-    </p:spTree>
-    <p:extLst>
-      <p:ext uri="{BB962C8B-B14F-4D97-AF65-F5344CB8AC3E}">
-        <p14:creationId xmlns:p14="http://schemas.microsoft.com/office/powerpoint/2010/main" val="2942602728"/>
       </p:ext>
     </p:extLst>
   </p:cSld>
@@ -6343,8 +7278,8 @@
         </p:nvSpPr>
         <p:spPr>
           <a:xfrm>
-            <a:off x="228600" y="152400"/>
-            <a:ext cx="7897743" cy="5355311"/>
+            <a:off x="1447800" y="2895600"/>
+            <a:ext cx="5105400" cy="369332"/>
           </a:xfrm>
           <a:prstGeom prst="rect">
             <a:avLst/>
@@ -6358,278 +7293,282 @@
           <a:lstStyle/>
           <a:p>
             <a:r>
-              <a:rPr lang="en-US" sz="1600" b="1" dirty="0" smtClean="0"/>
-              <a:t>Regional </a:t>
-            </a:r>
-            <a:r>
-              <a:rPr lang="en-US" sz="1600" b="1" dirty="0" err="1" smtClean="0">
-                <a:latin typeface="Andale Mono"/>
-                <a:cs typeface="Andale Mono"/>
-              </a:rPr>
-              <a:t>pcspace</a:t>
-            </a:r>
-            <a:r>
-              <a:rPr lang="en-US" sz="1600" b="1" dirty="0" smtClean="0"/>
-              <a:t> </a:t>
-            </a:r>
-            <a:r>
-              <a:rPr lang="en-US" sz="1600" b="1" dirty="0"/>
-              <a:t>Model Calibration Workflow</a:t>
-            </a:r>
-          </a:p>
-          <a:p>
+              <a:rPr lang="en-US" b="1" dirty="0"/>
+              <a:t>Preliminary </a:t>
+            </a:r>
+            <a:r>
+              <a:rPr lang="en-US" b="1" dirty="0" err="1"/>
+              <a:t>Heatmap</a:t>
+            </a:r>
+            <a:r>
+              <a:rPr lang="en-US" b="1" dirty="0"/>
+              <a:t> Pipeline Verification</a:t>
+            </a:r>
             <a:endParaRPr lang="en-US" dirty="0"/>
-          </a:p>
-          <a:p>
-            <a:r>
-              <a:rPr lang="en-US" sz="1400" dirty="0" smtClean="0"/>
-              <a:t>Given </a:t>
-            </a:r>
-            <a:r>
-              <a:rPr lang="en-US" sz="1400" dirty="0"/>
-              <a:t>reference patient data with known outcomes for a given region (temporal, parietal, etc.), create the </a:t>
-            </a:r>
-            <a:r>
-              <a:rPr lang="en-US" sz="1400" dirty="0" err="1" smtClean="0">
-                <a:latin typeface="Andale Mono"/>
-                <a:cs typeface="Andale Mono"/>
-              </a:rPr>
-              <a:t>pcspace</a:t>
-            </a:r>
-            <a:r>
-              <a:rPr lang="en-US" sz="1400" dirty="0" smtClean="0"/>
-              <a:t> </a:t>
-            </a:r>
-            <a:r>
-              <a:rPr lang="en-US" sz="1400" dirty="0" smtClean="0"/>
-              <a:t>model for </a:t>
-            </a:r>
-            <a:r>
-              <a:rPr lang="en-US" sz="1400" dirty="0"/>
-              <a:t>that region:</a:t>
-            </a:r>
-          </a:p>
-          <a:p>
-            <a:endParaRPr lang="en-US" sz="1400" dirty="0"/>
-          </a:p>
-          <a:p>
-            <a:r>
-              <a:rPr lang="en-US" sz="1400" dirty="0" smtClean="0">
-                <a:latin typeface="Andale Mono"/>
-                <a:cs typeface="Andale Mono"/>
-              </a:rPr>
-              <a:t>edf2eeg</a:t>
-            </a:r>
-            <a:r>
-              <a:rPr lang="en-US" sz="1400" dirty="0" smtClean="0"/>
-              <a:t> </a:t>
-            </a:r>
-            <a:r>
-              <a:rPr lang="en-US" sz="1400" dirty="0"/>
-              <a:t>or </a:t>
-            </a:r>
-            <a:r>
-              <a:rPr lang="en-US" sz="1400" dirty="0" smtClean="0">
-                <a:latin typeface="Andale Mono"/>
-                <a:cs typeface="Andale Mono"/>
-              </a:rPr>
-              <a:t>mef2eeg -&gt;</a:t>
-            </a:r>
-            <a:endParaRPr lang="en-US" sz="1400" dirty="0">
-              <a:latin typeface="Andale Mono"/>
-              <a:cs typeface="Andale Mono"/>
-            </a:endParaRPr>
-          </a:p>
-          <a:p>
-            <a:r>
-              <a:rPr lang="en-US" sz="1400" dirty="0">
-                <a:latin typeface="Andale Mono"/>
-                <a:cs typeface="Andale Mono"/>
-              </a:rPr>
-              <a:t>e</a:t>
-            </a:r>
-            <a:r>
-              <a:rPr lang="en-US" sz="1400" dirty="0" smtClean="0">
-                <a:latin typeface="Andale Mono"/>
-                <a:cs typeface="Andale Mono"/>
-              </a:rPr>
-              <a:t>eg2fsv -&gt;</a:t>
-            </a:r>
-            <a:endParaRPr lang="en-US" sz="1400" dirty="0">
-              <a:latin typeface="Andale Mono"/>
-              <a:cs typeface="Andale Mono"/>
-            </a:endParaRPr>
-          </a:p>
-          <a:p>
-            <a:r>
-              <a:rPr lang="en-US" sz="1400" dirty="0">
-                <a:latin typeface="Andale Mono"/>
-                <a:cs typeface="Andale Mono"/>
-              </a:rPr>
-              <a:t>f</a:t>
-            </a:r>
-            <a:r>
-              <a:rPr lang="en-US" sz="1400" dirty="0" smtClean="0">
-                <a:latin typeface="Andale Mono"/>
-                <a:cs typeface="Andale Mono"/>
-              </a:rPr>
-              <a:t>sv2pcspace -&gt;</a:t>
-            </a:r>
-          </a:p>
-          <a:p>
-            <a:r>
-              <a:rPr lang="en-US" sz="1400" dirty="0">
-                <a:latin typeface="Andale Mono"/>
-                <a:cs typeface="Andale Mono"/>
-              </a:rPr>
-              <a:t>f</a:t>
-            </a:r>
-            <a:r>
-              <a:rPr lang="en-US" sz="1400" dirty="0" smtClean="0">
-                <a:latin typeface="Andale Mono"/>
-                <a:cs typeface="Andale Mono"/>
-              </a:rPr>
-              <a:t>sv2heatmap</a:t>
-            </a:r>
-          </a:p>
-          <a:p>
-            <a:endParaRPr lang="en-US" sz="1400" dirty="0"/>
-          </a:p>
-          <a:p>
-            <a:r>
-              <a:rPr lang="en-US" sz="1400" dirty="0"/>
-              <a:t>• Classify a known patient with this model using </a:t>
-            </a:r>
-            <a:r>
-              <a:rPr lang="en-US" sz="1400" dirty="0" smtClean="0">
-                <a:latin typeface="Andale Mono"/>
-                <a:cs typeface="Andale Mono"/>
-              </a:rPr>
-              <a:t>fsv2heatmap</a:t>
-            </a:r>
-            <a:r>
-              <a:rPr lang="en-US" sz="1400" dirty="0" smtClean="0"/>
-              <a:t> </a:t>
-            </a:r>
-            <a:r>
-              <a:rPr lang="en-US" sz="1400" dirty="0"/>
-              <a:t>and compare to reference results as a validation step.</a:t>
-            </a:r>
-          </a:p>
-          <a:p>
-            <a:endParaRPr lang="en-US" sz="1400" dirty="0"/>
-          </a:p>
-          <a:p>
-            <a:r>
-              <a:rPr lang="en-US" sz="1400" dirty="0"/>
-              <a:t>The output of this process are the values of the </a:t>
-            </a:r>
-            <a:r>
-              <a:rPr lang="en-US" sz="1400" dirty="0" err="1" smtClean="0">
-                <a:latin typeface="Andale Mono"/>
-                <a:cs typeface="Andale Mono"/>
-              </a:rPr>
-              <a:t>pcspace</a:t>
-            </a:r>
-            <a:r>
-              <a:rPr lang="en-US" sz="1400" dirty="0" smtClean="0"/>
-              <a:t> </a:t>
-            </a:r>
-            <a:r>
-              <a:rPr lang="en-US" sz="1400" dirty="0"/>
-              <a:t>model stored in CSV format for each brain region of interest</a:t>
-            </a:r>
-            <a:r>
-              <a:rPr lang="en-US" sz="1400" dirty="0" smtClean="0"/>
-              <a:t>. This model will be used to classify the electrodes of future patients and is the key input to </a:t>
-            </a:r>
-            <a:r>
-              <a:rPr lang="en-US" sz="1400" smtClean="0">
-                <a:latin typeface="Andale Mono"/>
-                <a:cs typeface="Andale Mono"/>
-              </a:rPr>
-              <a:t>fsv2heatmap.</a:t>
-            </a:r>
-          </a:p>
-          <a:p>
-            <a:endParaRPr lang="en-US" sz="1400" dirty="0"/>
-          </a:p>
-          <a:p>
-            <a:r>
-              <a:rPr lang="en-US" sz="1400" i="1" dirty="0"/>
-              <a:t>NB: Data for the initial edf2eeg / mef2eeg phase </a:t>
-            </a:r>
-            <a:r>
-              <a:rPr lang="en-US" sz="1400" i="1" dirty="0" smtClean="0"/>
-              <a:t>is of TB size. </a:t>
-            </a:r>
-            <a:r>
-              <a:rPr lang="en-US" sz="1400" i="1" dirty="0"/>
-              <a:t>Model development will </a:t>
-            </a:r>
-            <a:r>
-              <a:rPr lang="en-US" sz="1400" i="1" dirty="0" smtClean="0"/>
-              <a:t>most likely need </a:t>
-            </a:r>
-            <a:r>
-              <a:rPr lang="en-US" sz="1400" i="1" dirty="0"/>
-              <a:t>to be done </a:t>
-            </a:r>
-            <a:r>
-              <a:rPr lang="en-US" sz="1400" i="1" dirty="0" smtClean="0"/>
-              <a:t>offline through </a:t>
-            </a:r>
-            <a:r>
-              <a:rPr lang="en-US" sz="1400" i="1" dirty="0"/>
-              <a:t>physical transfer of hard drives (encrypted if necessary) </a:t>
-            </a:r>
-            <a:r>
-              <a:rPr lang="en-US" sz="1400" i="1" dirty="0" smtClean="0"/>
-              <a:t>to </a:t>
-            </a:r>
-            <a:r>
-              <a:rPr lang="en-US" sz="1400" i="1" dirty="0" err="1" smtClean="0"/>
-              <a:t>EZTrack</a:t>
-            </a:r>
-            <a:r>
-              <a:rPr lang="en-US" sz="1400" i="1" dirty="0"/>
-              <a:t> </a:t>
-            </a:r>
-            <a:r>
-              <a:rPr lang="en-US" sz="1400" i="1" dirty="0" smtClean="0"/>
-              <a:t>developers</a:t>
-            </a:r>
-            <a:r>
-              <a:rPr lang="en-US" sz="1400" i="1" dirty="0" smtClean="0"/>
-              <a:t>.</a:t>
-            </a:r>
-          </a:p>
-          <a:p>
-            <a:endParaRPr lang="en-US" sz="1400" i="1" dirty="0"/>
-          </a:p>
-          <a:p>
-            <a:r>
-              <a:rPr lang="en-US" sz="1400" i="1" dirty="0"/>
-              <a:t>This is the work we are doing now with </a:t>
-            </a:r>
-            <a:r>
-              <a:rPr lang="en-US" sz="1400" i="1" dirty="0" err="1"/>
-              <a:t>Bhaskar's</a:t>
-            </a:r>
-            <a:r>
-              <a:rPr lang="en-US" sz="1400" i="1" dirty="0"/>
-              <a:t> data to provide the baseline for subsequent Hopkins classification.</a:t>
-            </a:r>
-          </a:p>
-          <a:p>
-            <a:endParaRPr lang="en-US" sz="1400" i="1" dirty="0"/>
           </a:p>
         </p:txBody>
       </p:sp>
     </p:spTree>
     <p:extLst>
       <p:ext uri="{BB962C8B-B14F-4D97-AF65-F5344CB8AC3E}">
-        <p14:creationId xmlns:p14="http://schemas.microsoft.com/office/powerpoint/2010/main" val="1412917911"/>
+        <p14:creationId xmlns:p14="http://schemas.microsoft.com/office/powerpoint/2010/main" val="765391105"/>
+      </p:ext>
+    </p:extLst>
+  </p:cSld>
+  <p:clrMapOvr>
+    <a:masterClrMapping/>
+  </p:clrMapOvr>
+  <p:timing>
+    <p:tnLst>
+      <p:par>
+        <p:cTn xmlns:p14="http://schemas.microsoft.com/office/powerpoint/2010/main" id="1" dur="indefinite" restart="never" nodeType="tmRoot"/>
+      </p:par>
+    </p:tnLst>
+  </p:timing>
+</p:sld>
+</file>
+
+<file path=ppt/slides/slide30.xml><?xml version="1.0" encoding="utf-8"?>
+<p:sld xmlns:a="http://schemas.openxmlformats.org/drawingml/2006/main" xmlns:r="http://schemas.openxmlformats.org/officeDocument/2006/relationships" xmlns:p="http://schemas.openxmlformats.org/presentationml/2006/main">
+  <p:cSld>
+    <p:spTree>
+      <p:nvGrpSpPr>
+        <p:cNvPr id="1" name=""/>
+        <p:cNvGrpSpPr/>
+        <p:nvPr/>
+      </p:nvGrpSpPr>
+      <p:grpSpPr>
+        <a:xfrm>
+          <a:off x="0" y="0"/>
+          <a:ext cx="0" cy="0"/>
+          <a:chOff x="0" y="0"/>
+          <a:chExt cx="0" cy="0"/>
+        </a:xfrm>
+      </p:grpSpPr>
+      <p:sp>
+        <p:nvSpPr>
+          <p:cNvPr id="3" name="Slide Number Placeholder 2"/>
+          <p:cNvSpPr>
+            <a:spLocks noGrp="1"/>
+          </p:cNvSpPr>
+          <p:nvPr>
+            <p:ph type="sldNum" sz="quarter" idx="12"/>
+          </p:nvPr>
+        </p:nvSpPr>
+        <p:spPr/>
+        <p:txBody>
+          <a:bodyPr/>
+          <a:lstStyle/>
+          <a:p>
+            <a:fld id="{CBC50AE4-BF95-48CF-938F-E7404067F212}" type="slidenum">
+              <a:rPr lang="en-US" smtClean="0"/>
+              <a:pPr/>
+              <a:t>30</a:t>
+            </a:fld>
+            <a:endParaRPr lang="en-US" dirty="0"/>
+          </a:p>
+        </p:txBody>
+      </p:sp>
+      <p:sp>
+        <p:nvSpPr>
+          <p:cNvPr id="4" name="TextBox 3"/>
+          <p:cNvSpPr txBox="1"/>
+          <p:nvPr/>
+        </p:nvSpPr>
+        <p:spPr>
+          <a:xfrm>
+            <a:off x="228600" y="152400"/>
+            <a:ext cx="8659744" cy="4401204"/>
+          </a:xfrm>
+          <a:prstGeom prst="rect">
+            <a:avLst/>
+          </a:prstGeom>
+          <a:noFill/>
+        </p:spPr>
+        <p:txBody>
+          <a:bodyPr wrap="square" rtlCol="0">
+            <a:spAutoFit/>
+          </a:bodyPr>
+          <a:lstStyle/>
+          <a:p>
+            <a:r>
+              <a:rPr lang="en-US" sz="1400" b="1" dirty="0" smtClean="0"/>
+              <a:t>On-</a:t>
+            </a:r>
+            <a:r>
+              <a:rPr lang="en-US" sz="1400" b="1" dirty="0" err="1" smtClean="0"/>
+              <a:t>Prem</a:t>
+            </a:r>
+            <a:r>
+              <a:rPr lang="en-US" sz="1400" b="1" dirty="0" smtClean="0"/>
+              <a:t> vs. </a:t>
+            </a:r>
+            <a:r>
+              <a:rPr lang="en-US" sz="1400" b="1" dirty="0" err="1" smtClean="0"/>
+              <a:t>SaaS</a:t>
+            </a:r>
+            <a:r>
+              <a:rPr lang="en-US" sz="1400" b="1" dirty="0" smtClean="0"/>
+              <a:t> Considerations</a:t>
+            </a:r>
+            <a:endParaRPr lang="en-US" sz="1400" dirty="0" smtClean="0"/>
+          </a:p>
+          <a:p>
+            <a:endParaRPr lang="en-US" sz="1400" dirty="0" smtClean="0"/>
+          </a:p>
+          <a:p>
+            <a:r>
+              <a:rPr lang="en-US" sz="1400" dirty="0" smtClean="0"/>
+              <a:t>The on-</a:t>
+            </a:r>
+            <a:r>
+              <a:rPr lang="en-US" sz="1400" dirty="0" err="1" smtClean="0"/>
+              <a:t>prem</a:t>
+            </a:r>
+            <a:r>
+              <a:rPr lang="en-US" sz="1400" dirty="0" smtClean="0"/>
+              <a:t> model will likely not scale to other clients. </a:t>
+            </a:r>
+            <a:endParaRPr lang="en-US" sz="1400" dirty="0"/>
+          </a:p>
+          <a:p>
+            <a:endParaRPr lang="en-US" sz="1400" dirty="0" smtClean="0"/>
+          </a:p>
+          <a:p>
+            <a:r>
+              <a:rPr lang="en-US" sz="1400" dirty="0" smtClean="0"/>
+              <a:t>Application and Host Monitoring?</a:t>
+            </a:r>
+          </a:p>
+          <a:p>
+            <a:r>
+              <a:rPr lang="en-US" sz="1400" dirty="0" smtClean="0"/>
+              <a:t>System Administration?</a:t>
+            </a:r>
+          </a:p>
+          <a:p>
+            <a:r>
+              <a:rPr lang="en-US" sz="1400" dirty="0" smtClean="0"/>
+              <a:t>Upgrades?</a:t>
+            </a:r>
+          </a:p>
+          <a:p>
+            <a:r>
+              <a:rPr lang="en-US" sz="1400" dirty="0" smtClean="0"/>
+              <a:t>Hardware </a:t>
+            </a:r>
+            <a:r>
+              <a:rPr lang="en-US" sz="1400" dirty="0"/>
+              <a:t>failures</a:t>
+            </a:r>
+            <a:r>
+              <a:rPr lang="en-US" sz="1400" dirty="0" smtClean="0"/>
+              <a:t>?</a:t>
+            </a:r>
+          </a:p>
+          <a:p>
+            <a:r>
+              <a:rPr lang="en-US" sz="1400" dirty="0" smtClean="0"/>
+              <a:t>Client IT procurement / installation policies? </a:t>
+            </a:r>
+          </a:p>
+          <a:p>
+            <a:r>
+              <a:rPr lang="en-US" sz="1400" dirty="0"/>
+              <a:t> </a:t>
+            </a:r>
+            <a:r>
+              <a:rPr lang="en-US" sz="1400" dirty="0" smtClean="0"/>
+              <a:t> </a:t>
+            </a:r>
+          </a:p>
+          <a:p>
+            <a:endParaRPr lang="en-US" sz="1400" dirty="0" smtClean="0"/>
+          </a:p>
+          <a:p>
+            <a:r>
+              <a:rPr lang="en-US" sz="1400" dirty="0" err="1" smtClean="0"/>
+              <a:t>SaaS</a:t>
+            </a:r>
+            <a:r>
+              <a:rPr lang="en-US" sz="1400" dirty="0" smtClean="0"/>
+              <a:t> avoids these problems at the cost of managing HIPAA compliance and network latency.</a:t>
+            </a:r>
+          </a:p>
+          <a:p>
+            <a:endParaRPr lang="en-US" sz="1400" dirty="0"/>
+          </a:p>
+          <a:p>
+            <a:r>
+              <a:rPr lang="en-US" sz="1400" dirty="0"/>
+              <a:t>  AWS has HIPAA-compliant hosting options and we may want to investigate these:</a:t>
+            </a:r>
+          </a:p>
+          <a:p>
+            <a:r>
+              <a:rPr lang="en-US" sz="1400" dirty="0"/>
+              <a:t>  https://</a:t>
+            </a:r>
+            <a:r>
+              <a:rPr lang="en-US" sz="1400" dirty="0" err="1"/>
+              <a:t>aws.amazon.com</a:t>
+            </a:r>
+            <a:r>
+              <a:rPr lang="en-US" sz="1400" dirty="0"/>
+              <a:t>/compliance/</a:t>
+            </a:r>
+            <a:r>
+              <a:rPr lang="en-US" sz="1400" dirty="0" err="1"/>
+              <a:t>hipaa</a:t>
+            </a:r>
+            <a:r>
+              <a:rPr lang="en-US" sz="1400" dirty="0"/>
+              <a:t>-compliance/</a:t>
+            </a:r>
+          </a:p>
+          <a:p>
+            <a:r>
+              <a:rPr lang="en-US" sz="1400" dirty="0"/>
+              <a:t>  https://d0.awsstatic.com/whitepapers/compliance/</a:t>
+            </a:r>
+            <a:r>
+              <a:rPr lang="en-US" sz="1400" dirty="0" err="1"/>
+              <a:t>AWS_HIPAA_Compliance_Whitepaper.pdf</a:t>
+            </a:r>
+            <a:endParaRPr lang="en-US" sz="1400" dirty="0"/>
+          </a:p>
+          <a:p>
+            <a:endParaRPr lang="en-US" sz="1400" dirty="0" smtClean="0"/>
+          </a:p>
+          <a:p>
+            <a:r>
+              <a:rPr lang="en-US" sz="1400" dirty="0"/>
+              <a:t> </a:t>
+            </a:r>
+            <a:r>
+              <a:rPr lang="en-US" sz="1400" dirty="0" smtClean="0"/>
+              <a:t> Network latency can largely be managed on the EC2 side with appropriate choice of instance size.</a:t>
+            </a:r>
+          </a:p>
+          <a:p>
+            <a:r>
+              <a:rPr lang="en-US" sz="1400" dirty="0"/>
+              <a:t> </a:t>
+            </a:r>
+            <a:r>
+              <a:rPr lang="en-US" sz="1400" dirty="0" smtClean="0"/>
+              <a:t> If the client WAN is slow, however, the system’s overall latency will suffer.</a:t>
+            </a:r>
+          </a:p>
+          <a:p>
+            <a:endParaRPr lang="en-US" sz="1400" dirty="0" smtClean="0"/>
+          </a:p>
+        </p:txBody>
+      </p:sp>
+    </p:spTree>
+    <p:extLst>
+      <p:ext uri="{BB962C8B-B14F-4D97-AF65-F5344CB8AC3E}">
+        <p14:creationId xmlns:p14="http://schemas.microsoft.com/office/powerpoint/2010/main" val="2942602728"/>
       </p:ext>
     </p:extLst>
   </p:cSld>
@@ -6695,8 +7634,8 @@
         </p:nvSpPr>
         <p:spPr>
           <a:xfrm>
-            <a:off x="304800" y="152400"/>
-            <a:ext cx="8659744" cy="6832638"/>
+            <a:off x="228600" y="152400"/>
+            <a:ext cx="7897743" cy="4062650"/>
           </a:xfrm>
           <a:prstGeom prst="rect">
             <a:avLst/>
@@ -6710,373 +7649,178 @@
           <a:lstStyle/>
           <a:p>
             <a:r>
-              <a:rPr lang="en-US" sz="1600" b="1" dirty="0" smtClean="0"/>
-              <a:t>Neurology Workflow</a:t>
-            </a:r>
-            <a:endParaRPr lang="en-US" sz="1600" dirty="0"/>
-          </a:p>
-          <a:p>
-            <a:endParaRPr lang="en-US" sz="1400" dirty="0"/>
-          </a:p>
-          <a:p>
-            <a:r>
-              <a:rPr lang="en-US" sz="1400" i="1" dirty="0"/>
-              <a:t>• </a:t>
-            </a:r>
-            <a:r>
-              <a:rPr lang="en-US" sz="1400" i="1" dirty="0" smtClean="0"/>
-              <a:t>Context: Patient </a:t>
-            </a:r>
-            <a:r>
-              <a:rPr lang="en-US" sz="1400" i="1" dirty="0"/>
-              <a:t>has undergone previous treatment attempts that have been unsuccessful. Surgical resection is now the </a:t>
-            </a:r>
-            <a:r>
-              <a:rPr lang="en-US" sz="1400" i="1" dirty="0" smtClean="0"/>
-              <a:t>most promising </a:t>
-            </a:r>
-            <a:r>
-              <a:rPr lang="en-US" sz="1400" i="1" dirty="0"/>
-              <a:t>outcome. Previous scalp EEG treatment has been performed to narrow down the potential location of the </a:t>
-            </a:r>
-            <a:r>
-              <a:rPr lang="en-US" sz="1400" i="1" dirty="0" smtClean="0"/>
-              <a:t>EZ in </a:t>
-            </a:r>
-            <a:r>
-              <a:rPr lang="en-US" sz="1400" i="1" dirty="0"/>
-              <a:t>preparation for a craniotomy and implantation.</a:t>
-            </a:r>
-          </a:p>
-          <a:p>
-            <a:endParaRPr lang="en-US" sz="1400" i="1" dirty="0"/>
-          </a:p>
-          <a:p>
-            <a:r>
-              <a:rPr lang="en-US" sz="1400" dirty="0"/>
-              <a:t>• Patient is implanted on </a:t>
-            </a:r>
-            <a:r>
-              <a:rPr lang="en-US" sz="1400" dirty="0" smtClean="0"/>
-              <a:t>Thursday by Neurosurgery.</a:t>
-            </a:r>
-            <a:endParaRPr lang="en-US" sz="1400" dirty="0"/>
-          </a:p>
-          <a:p>
-            <a:endParaRPr lang="en-US" sz="1400" dirty="0"/>
-          </a:p>
-          <a:p>
-            <a:r>
-              <a:rPr lang="en-US" sz="1400" dirty="0"/>
-              <a:t>• Patient is connected to </a:t>
-            </a:r>
-            <a:r>
-              <a:rPr lang="en-US" sz="1400" dirty="0" smtClean="0"/>
-              <a:t>EEG on Friday by Neurology.</a:t>
-            </a:r>
-          </a:p>
-          <a:p>
-            <a:endParaRPr lang="en-US" sz="1400" dirty="0"/>
-          </a:p>
-          <a:p>
-            <a:r>
-              <a:rPr lang="en-US" sz="1400" dirty="0"/>
-              <a:t>• Fellow exports Patient Event Report from NK </a:t>
-            </a:r>
-            <a:r>
-              <a:rPr lang="en-US" sz="1400" dirty="0" smtClean="0"/>
-              <a:t>on Monday.</a:t>
-            </a:r>
-            <a:endParaRPr lang="en-US" sz="1400" dirty="0"/>
-          </a:p>
-          <a:p>
-            <a:endParaRPr lang="en-US" sz="1400" dirty="0" smtClean="0"/>
-          </a:p>
-          <a:p>
-            <a:r>
-              <a:rPr lang="en-US" sz="1400" dirty="0" smtClean="0"/>
-              <a:t>• </a:t>
-            </a:r>
-            <a:r>
-              <a:rPr lang="en-US" sz="1400" dirty="0" smtClean="0"/>
-              <a:t>Fellow transfers report </a:t>
-            </a:r>
-            <a:r>
-              <a:rPr lang="en-US" sz="1400" dirty="0" smtClean="0"/>
-              <a:t>to </a:t>
-            </a:r>
-            <a:r>
-              <a:rPr lang="en-US" sz="1400" dirty="0" err="1" smtClean="0"/>
-              <a:t>EZTrack</a:t>
-            </a:r>
-            <a:r>
-              <a:rPr lang="en-US" sz="1400" dirty="0" smtClean="0"/>
-              <a:t> server</a:t>
-            </a:r>
-            <a:endParaRPr lang="en-US" sz="1400" dirty="0"/>
-          </a:p>
-          <a:p>
-            <a:endParaRPr lang="en-US" sz="1400" dirty="0"/>
-          </a:p>
-          <a:p>
-            <a:r>
-              <a:rPr lang="en-US" sz="1400" dirty="0"/>
-              <a:t>• Fellow runs </a:t>
-            </a:r>
-            <a:r>
-              <a:rPr lang="en-US" sz="1400" dirty="0" err="1"/>
-              <a:t>eztrack</a:t>
-            </a:r>
-            <a:r>
-              <a:rPr lang="en-US" sz="1400" dirty="0"/>
-              <a:t> command </a:t>
-            </a:r>
-            <a:r>
-              <a:rPr lang="en-US" sz="1400" dirty="0" smtClean="0"/>
-              <a:t>to produce </a:t>
-            </a:r>
-            <a:r>
-              <a:rPr lang="en-US" sz="1400" dirty="0"/>
-              <a:t>a </a:t>
-            </a:r>
-            <a:r>
-              <a:rPr lang="en-US" sz="1400" dirty="0" err="1"/>
-              <a:t>heatmap</a:t>
-            </a:r>
-            <a:r>
-              <a:rPr lang="en-US" sz="1400" dirty="0"/>
-              <a:t> and </a:t>
-            </a:r>
-            <a:r>
-              <a:rPr lang="en-US" sz="1400" dirty="0" err="1" smtClean="0"/>
-              <a:t>csv</a:t>
-            </a:r>
-            <a:r>
-              <a:rPr lang="en-US" sz="1400" dirty="0" smtClean="0"/>
-              <a:t>:</a:t>
-            </a:r>
-          </a:p>
-          <a:p>
-            <a:endParaRPr lang="en-US" sz="1400" dirty="0"/>
-          </a:p>
-          <a:p>
-            <a:r>
-              <a:rPr lang="en-US" sz="1400" dirty="0" smtClean="0">
+              <a:rPr lang="en-US" sz="1600" b="1" dirty="0">
                 <a:latin typeface="Andale Mono"/>
                 <a:cs typeface="Andale Mono"/>
               </a:rPr>
+              <a:t>edf2mef</a:t>
+            </a:r>
+            <a:r>
+              <a:rPr lang="en-US" sz="1600" b="1" dirty="0"/>
               <a:t> </a:t>
             </a:r>
             <a:r>
-              <a:rPr lang="en-US" sz="1400" dirty="0" err="1" smtClean="0">
-                <a:latin typeface="Andale Mono"/>
-                <a:cs typeface="Andale Mono"/>
-              </a:rPr>
-              <a:t>eztrack</a:t>
-            </a:r>
-            <a:r>
-              <a:rPr lang="en-US" sz="1400" dirty="0" smtClean="0">
-                <a:latin typeface="Andale Mono"/>
-                <a:cs typeface="Andale Mono"/>
-              </a:rPr>
-              <a:t> </a:t>
-            </a:r>
-            <a:r>
-              <a:rPr lang="en-US" sz="1400" dirty="0">
-                <a:latin typeface="Andale Mono"/>
-                <a:cs typeface="Andale Mono"/>
-              </a:rPr>
-              <a:t>temporal </a:t>
-            </a:r>
-            <a:r>
-              <a:rPr lang="en-US" sz="1400" dirty="0" smtClean="0">
-                <a:latin typeface="Andale Mono"/>
-                <a:cs typeface="Andale Mono"/>
-              </a:rPr>
-              <a:t>~</a:t>
-            </a:r>
-            <a:r>
-              <a:rPr lang="en-US" sz="1400" dirty="0" smtClean="0">
-                <a:latin typeface="Andale Mono"/>
-                <a:cs typeface="Andale Mono"/>
-              </a:rPr>
-              <a:t>/reports/</a:t>
-            </a:r>
-            <a:r>
-              <a:rPr lang="en-US" sz="1400" dirty="0" err="1" smtClean="0">
-                <a:latin typeface="Andale Mono"/>
-                <a:cs typeface="Andale Mono"/>
-              </a:rPr>
-              <a:t>event_report.txt</a:t>
-            </a:r>
-            <a:endParaRPr lang="en-US" sz="1400" dirty="0">
-              <a:latin typeface="Andale Mono"/>
-              <a:cs typeface="Andale Mono"/>
-            </a:endParaRPr>
-          </a:p>
-          <a:p>
-            <a:r>
-              <a:rPr lang="en-US" sz="1400" b="1" dirty="0" smtClean="0"/>
+              <a:rPr lang="en-US" sz="1600" b="1" dirty="0" smtClean="0"/>
+              <a:t>experiment</a:t>
+            </a:r>
+          </a:p>
+          <a:p>
+            <a:endParaRPr lang="en-US" dirty="0"/>
+          </a:p>
+          <a:p>
+            <a:r>
+              <a:rPr lang="en-US" sz="1400" dirty="0"/>
+              <a:t>• mef_lib_2_1 provides an edf2mef utility to follow up on the idea of using it to validate the mef2eeg </a:t>
+            </a:r>
+            <a:r>
+              <a:rPr lang="en-US" sz="1400" dirty="0" err="1"/>
+              <a:t>toolchain</a:t>
+            </a:r>
+            <a:r>
+              <a:rPr lang="en-US" sz="1400" dirty="0"/>
+              <a:t>.</a:t>
+            </a:r>
+          </a:p>
+          <a:p>
+            <a:endParaRPr lang="en-US" sz="1400" dirty="0"/>
+          </a:p>
+          <a:p>
+            <a:r>
+              <a:rPr lang="en-US" sz="1400" dirty="0"/>
+              <a:t>• Tested that mef_lib_2_1 creates the same output as mef_2_0: Will upgrade </a:t>
+            </a:r>
+            <a:r>
+              <a:rPr lang="en-US" sz="1400" dirty="0" err="1"/>
+              <a:t>mef</a:t>
+            </a:r>
+            <a:r>
+              <a:rPr lang="en-US" sz="1400" dirty="0"/>
+              <a:t> tools to use this package.</a:t>
+            </a:r>
+          </a:p>
+          <a:p>
+            <a:endParaRPr lang="en-US" sz="1400" dirty="0"/>
+          </a:p>
+          <a:p>
+            <a:r>
+              <a:rPr lang="en-US" sz="1400" dirty="0"/>
+              <a:t>• The edf2mef tool didn't look like it worked. It only output one two channels, and issued a warning that the "MEF voltage conversion factor will be incorrect".</a:t>
+            </a:r>
+          </a:p>
+          <a:p>
+            <a:r>
+              <a:rPr lang="en-US" sz="1400" dirty="0" smtClean="0"/>
+              <a:t>    • We have </a:t>
+            </a:r>
+            <a:r>
+              <a:rPr lang="en-US" sz="1400" dirty="0"/>
+              <a:t>EDF+ files, and this might only work with EDF.</a:t>
+            </a:r>
+          </a:p>
+          <a:p>
+            <a:r>
+              <a:rPr lang="en-US" sz="1400" dirty="0"/>
               <a:t>  </a:t>
             </a:r>
-          </a:p>
-          <a:p>
-            <a:r>
-              <a:rPr lang="en-US" sz="1400" i="1" dirty="0"/>
-              <a:t> </a:t>
-            </a:r>
-            <a:r>
-              <a:rPr lang="en-US" sz="1400" i="1" dirty="0" smtClean="0"/>
-              <a:t> </a:t>
-            </a:r>
-            <a:r>
-              <a:rPr lang="en-US" sz="1400" i="1" dirty="0" smtClean="0"/>
-              <a:t>NB: Assume </a:t>
-            </a:r>
-            <a:r>
-              <a:rPr lang="en-US" sz="1400" i="1" dirty="0" smtClean="0"/>
-              <a:t>id can be inferred from the </a:t>
-            </a:r>
-            <a:r>
-              <a:rPr lang="en-US" sz="1400" i="1" dirty="0" smtClean="0"/>
-              <a:t>MEF files on Christophe’s server, </a:t>
-            </a:r>
-          </a:p>
-          <a:p>
-            <a:r>
-              <a:rPr lang="en-US" sz="1400" i="1" dirty="0"/>
-              <a:t> </a:t>
-            </a:r>
-            <a:r>
-              <a:rPr lang="en-US" sz="1400" i="1" dirty="0" smtClean="0"/>
-              <a:t> since </a:t>
-            </a:r>
-            <a:r>
-              <a:rPr lang="en-US" sz="1400" i="1" dirty="0" smtClean="0"/>
-              <a:t>there’s </a:t>
-            </a:r>
-            <a:r>
-              <a:rPr lang="en-US" sz="1400" i="1" dirty="0" smtClean="0"/>
-              <a:t>only one grid being monitored at a time.</a:t>
+            <a:r>
+              <a:rPr lang="en-US" sz="1400" dirty="0" smtClean="0"/>
+              <a:t>  • The </a:t>
+            </a:r>
+            <a:r>
+              <a:rPr lang="en-US" sz="1400" dirty="0"/>
+              <a:t>next option is to attempt to convert EDF+ to EDF.</a:t>
+            </a:r>
+          </a:p>
+          <a:p>
+            <a:endParaRPr lang="en-US" sz="1400" dirty="0"/>
+          </a:p>
+          <a:p>
+            <a:r>
+              <a:rPr lang="en-US" sz="1400" dirty="0"/>
+              <a:t>Fallback if edf2mef isn't straightforward:</a:t>
+            </a:r>
+          </a:p>
+          <a:p>
+            <a:endParaRPr lang="en-US" sz="1400" dirty="0"/>
+          </a:p>
+          <a:p>
+            <a:r>
+              <a:rPr lang="en-US" sz="1400" dirty="0"/>
+              <a:t>• Convert </a:t>
+            </a:r>
+            <a:r>
+              <a:rPr lang="en-US" sz="1400" dirty="0" err="1"/>
+              <a:t>mef</a:t>
+            </a:r>
+            <a:r>
+              <a:rPr lang="en-US" sz="1400" dirty="0"/>
+              <a:t> to </a:t>
+            </a:r>
+            <a:r>
+              <a:rPr lang="en-US" sz="1400" dirty="0" err="1"/>
+              <a:t>ascii</a:t>
+            </a:r>
+            <a:r>
+              <a:rPr lang="en-US" sz="1400" dirty="0"/>
+              <a:t> using </a:t>
+            </a:r>
+            <a:r>
+              <a:rPr lang="en-US" sz="1400" dirty="0" err="1"/>
+              <a:t>mef_lib</a:t>
+            </a:r>
+            <a:endParaRPr lang="en-US" sz="1400" dirty="0"/>
+          </a:p>
+          <a:p>
+            <a:r>
+              <a:rPr lang="en-US" sz="1400" dirty="0"/>
+              <a:t>• Convert </a:t>
+            </a:r>
+            <a:r>
+              <a:rPr lang="en-US" sz="1400" dirty="0" err="1"/>
+              <a:t>ascii</a:t>
+            </a:r>
+            <a:r>
+              <a:rPr lang="en-US" sz="1400" dirty="0"/>
+              <a:t> to </a:t>
+            </a:r>
+            <a:r>
+              <a:rPr lang="en-US" sz="1400" dirty="0" err="1"/>
+              <a:t>edf</a:t>
+            </a:r>
+            <a:r>
+              <a:rPr lang="en-US" sz="1400" dirty="0"/>
+              <a:t> using </a:t>
+            </a:r>
+            <a:r>
+              <a:rPr lang="en-US" sz="1400" dirty="0" err="1"/>
+              <a:t>edfbrowser</a:t>
+            </a:r>
+            <a:r>
+              <a:rPr lang="en-US" sz="1400" dirty="0"/>
+              <a:t> (TODO: apply the multiplier from the </a:t>
+            </a:r>
+            <a:r>
+              <a:rPr lang="en-US" sz="1400" dirty="0" err="1"/>
+              <a:t>mef</a:t>
+            </a:r>
+            <a:r>
+              <a:rPr lang="en-US" sz="1400" dirty="0"/>
+              <a:t> header)</a:t>
+            </a:r>
+          </a:p>
+          <a:p>
+            <a:r>
+              <a:rPr lang="en-US" sz="1400" dirty="0"/>
+              <a:t>• Compare to the shape of the signal or montage in Christophe's original screens</a:t>
             </a:r>
             <a:endParaRPr lang="en-US" sz="1400" i="1" dirty="0"/>
-          </a:p>
-          <a:p>
-            <a:endParaRPr lang="en-US" sz="1400" dirty="0" smtClean="0"/>
-          </a:p>
-          <a:p>
-            <a:r>
-              <a:rPr lang="en-US" sz="1400" dirty="0" smtClean="0"/>
-              <a:t>• </a:t>
-            </a:r>
-            <a:r>
-              <a:rPr lang="en-US" sz="1400" dirty="0" smtClean="0"/>
-              <a:t>Transfer </a:t>
-            </a:r>
-            <a:r>
-              <a:rPr lang="en-US" sz="1400" dirty="0" err="1" smtClean="0"/>
-              <a:t>csv</a:t>
-            </a:r>
-            <a:r>
-              <a:rPr lang="en-US" sz="1400" dirty="0" smtClean="0"/>
-              <a:t> and / or </a:t>
-            </a:r>
-            <a:r>
-              <a:rPr lang="en-US" sz="1400" dirty="0" err="1" smtClean="0"/>
-              <a:t>heatmap</a:t>
-            </a:r>
-            <a:r>
-              <a:rPr lang="en-US" sz="1400" dirty="0" smtClean="0"/>
-              <a:t> </a:t>
-            </a:r>
-            <a:r>
-              <a:rPr lang="en-US" sz="1400" dirty="0" smtClean="0"/>
-              <a:t>jpeg to fellow’s workstation</a:t>
-            </a:r>
-            <a:endParaRPr lang="en-US" sz="1400" dirty="0" smtClean="0"/>
-          </a:p>
-          <a:p>
-            <a:endParaRPr lang="en-US" sz="1400" dirty="0"/>
-          </a:p>
-          <a:p>
-            <a:r>
-              <a:rPr lang="en-US" sz="1400" dirty="0"/>
-              <a:t>• Fellow prepares slides </a:t>
-            </a:r>
-            <a:r>
-              <a:rPr lang="en-US" sz="1400" dirty="0" smtClean="0"/>
-              <a:t>with </a:t>
-            </a:r>
-            <a:r>
-              <a:rPr lang="en-US" sz="1400" dirty="0" err="1" smtClean="0"/>
-              <a:t>EZTrack</a:t>
-            </a:r>
-            <a:r>
-              <a:rPr lang="en-US" sz="1400" dirty="0" smtClean="0"/>
-              <a:t> output with </a:t>
-            </a:r>
-            <a:r>
-              <a:rPr lang="en-US" sz="1400" dirty="0"/>
-              <a:t>preliminary diagnosis between fellow and </a:t>
-            </a:r>
-            <a:endParaRPr lang="en-US" sz="1400" dirty="0" smtClean="0"/>
-          </a:p>
-          <a:p>
-            <a:r>
-              <a:rPr lang="en-US" sz="1400" dirty="0"/>
-              <a:t> </a:t>
-            </a:r>
-            <a:r>
-              <a:rPr lang="en-US" sz="1400" dirty="0" smtClean="0"/>
-              <a:t> </a:t>
-            </a:r>
-            <a:r>
-              <a:rPr lang="en-US" sz="1400" dirty="0" smtClean="0"/>
-              <a:t>attending physician </a:t>
-            </a:r>
-            <a:r>
-              <a:rPr lang="en-US" sz="1400" dirty="0"/>
-              <a:t>on Monday.</a:t>
-            </a:r>
-          </a:p>
-          <a:p>
-            <a:endParaRPr lang="en-US" sz="1400" dirty="0"/>
-          </a:p>
-          <a:p>
-            <a:r>
-              <a:rPr lang="en-US" sz="1400" dirty="0"/>
-              <a:t>• Information presented at Tuesday conference (Grand Rounds) within a 5 to 10 minute interval.</a:t>
-            </a:r>
-          </a:p>
-          <a:p>
-            <a:endParaRPr lang="en-US" sz="1400" dirty="0"/>
-          </a:p>
-          <a:p>
-            <a:r>
-              <a:rPr lang="en-US" sz="1400" dirty="0"/>
-              <a:t>• Resection </a:t>
-            </a:r>
-            <a:r>
-              <a:rPr lang="en-US" sz="1400" dirty="0" smtClean="0"/>
-              <a:t>or patient release by </a:t>
-            </a:r>
-            <a:r>
-              <a:rPr lang="en-US" sz="1400" dirty="0"/>
-              <a:t>Thursday.</a:t>
-            </a:r>
-          </a:p>
-          <a:p>
-            <a:endParaRPr lang="en-US" sz="1400" dirty="0" smtClean="0"/>
-          </a:p>
-          <a:p>
-            <a:endParaRPr lang="en-US" dirty="0"/>
           </a:p>
         </p:txBody>
       </p:sp>
     </p:spTree>
     <p:extLst>
       <p:ext uri="{BB962C8B-B14F-4D97-AF65-F5344CB8AC3E}">
-        <p14:creationId xmlns:p14="http://schemas.microsoft.com/office/powerpoint/2010/main" val="2123239796"/>
+        <p14:creationId xmlns:p14="http://schemas.microsoft.com/office/powerpoint/2010/main" val="1412917911"/>
       </p:ext>
     </p:extLst>
   </p:cSld>
@@ -7142,8 +7886,8 @@
         </p:nvSpPr>
         <p:spPr>
           <a:xfrm>
-            <a:off x="1447800" y="2895600"/>
-            <a:ext cx="5105400" cy="646331"/>
+            <a:off x="228600" y="152400"/>
+            <a:ext cx="7897743" cy="2554546"/>
           </a:xfrm>
           <a:prstGeom prst="rect">
             <a:avLst/>
@@ -7157,20 +7901,158 @@
           <a:lstStyle/>
           <a:p>
             <a:r>
-              <a:rPr lang="en-US" b="1" dirty="0" smtClean="0"/>
-              <a:t>Implementation Details</a:t>
-            </a:r>
-            <a:endParaRPr lang="en-US" b="1" dirty="0"/>
-          </a:p>
-          <a:p>
-            <a:endParaRPr lang="en-US" dirty="0"/>
+              <a:rPr lang="en-US" sz="1600" b="1" dirty="0" smtClean="0"/>
+              <a:t>Verify </a:t>
+            </a:r>
+            <a:r>
+              <a:rPr lang="en-US" sz="1600" b="1" dirty="0">
+                <a:latin typeface="Andale Mono"/>
+                <a:cs typeface="Andale Mono"/>
+              </a:rPr>
+              <a:t>edf2eeg</a:t>
+            </a:r>
+            <a:r>
+              <a:rPr lang="en-US" sz="1600" b="1" dirty="0"/>
+              <a:t> and </a:t>
+            </a:r>
+            <a:r>
+              <a:rPr lang="en-US" sz="1600" b="1" dirty="0">
+                <a:latin typeface="Andale Mono"/>
+                <a:cs typeface="Andale Mono"/>
+              </a:rPr>
+              <a:t>eeg2fsv</a:t>
+            </a:r>
+            <a:r>
+              <a:rPr lang="en-US" sz="1600" b="1" dirty="0"/>
+              <a:t> output</a:t>
+            </a:r>
+            <a:endParaRPr lang="en-US" sz="1600" b="1" dirty="0" smtClean="0"/>
+          </a:p>
+          <a:p>
+            <a:endParaRPr lang="en-US" dirty="0" smtClean="0"/>
+          </a:p>
+          <a:p>
+            <a:r>
+              <a:rPr lang="en-US" sz="1400" dirty="0"/>
+              <a:t>• Confirm that the edf2eeg process gives me the same results that </a:t>
+            </a:r>
+            <a:r>
+              <a:rPr lang="en-US" sz="1400" dirty="0" err="1"/>
+              <a:t>Bhaskar</a:t>
+            </a:r>
+            <a:r>
+              <a:rPr lang="en-US" sz="1400" dirty="0"/>
+              <a:t> got for the EDF file </a:t>
+            </a:r>
+            <a:endParaRPr lang="en-US" sz="1400" dirty="0" smtClean="0"/>
+          </a:p>
+          <a:p>
+            <a:r>
+              <a:rPr lang="en-US" sz="1400" dirty="0"/>
+              <a:t> </a:t>
+            </a:r>
+            <a:r>
+              <a:rPr lang="en-US" sz="1400" dirty="0" smtClean="0"/>
+              <a:t> he </a:t>
+            </a:r>
+            <a:r>
+              <a:rPr lang="en-US" sz="1400" dirty="0"/>
+              <a:t>sent</a:t>
+            </a:r>
+            <a:r>
+              <a:rPr lang="en-US" sz="1400" dirty="0" smtClean="0"/>
+              <a:t>.</a:t>
+            </a:r>
+          </a:p>
+          <a:p>
+            <a:endParaRPr lang="en-US" sz="1400" dirty="0"/>
+          </a:p>
+          <a:p>
+            <a:r>
+              <a:rPr lang="en-US" sz="1400" dirty="0"/>
+              <a:t>• Confirm eeg2fsv gives me the same results as </a:t>
+            </a:r>
+            <a:r>
+              <a:rPr lang="en-US" sz="1400" dirty="0" err="1"/>
+              <a:t>Bhaskar</a:t>
+            </a:r>
+            <a:r>
+              <a:rPr lang="en-US" sz="1400" dirty="0"/>
+              <a:t> for the .mat files on the hard drives </a:t>
+            </a:r>
+            <a:endParaRPr lang="en-US" sz="1400" dirty="0" smtClean="0"/>
+          </a:p>
+          <a:p>
+            <a:r>
+              <a:rPr lang="en-US" sz="1400" dirty="0"/>
+              <a:t> </a:t>
+            </a:r>
+            <a:r>
+              <a:rPr lang="en-US" sz="1400" dirty="0" smtClean="0"/>
+              <a:t> that </a:t>
+            </a:r>
+            <a:r>
+              <a:rPr lang="en-US" sz="1400" dirty="0"/>
+              <a:t>correspond to the above EDF file</a:t>
+            </a:r>
+            <a:r>
+              <a:rPr lang="en-US" sz="1400" dirty="0" smtClean="0"/>
+              <a:t>.</a:t>
+            </a:r>
+          </a:p>
+          <a:p>
+            <a:endParaRPr lang="en-US" sz="1400" dirty="0"/>
+          </a:p>
+          <a:p>
+            <a:r>
+              <a:rPr lang="en-US" sz="1400" dirty="0"/>
+              <a:t>• Compare the distribution of MEF </a:t>
+            </a:r>
+            <a:r>
+              <a:rPr lang="en-US" sz="1400" dirty="0" err="1"/>
+              <a:t>ascii</a:t>
+            </a:r>
+            <a:r>
+              <a:rPr lang="en-US" sz="1400" dirty="0"/>
+              <a:t> to the shape of the data in the edf2eeg .mat </a:t>
+            </a:r>
+            <a:r>
+              <a:rPr lang="en-US" sz="1400" dirty="0" smtClean="0"/>
+              <a:t>files.</a:t>
+            </a:r>
+            <a:endParaRPr lang="en-US" sz="1400" dirty="0"/>
+          </a:p>
+          <a:p>
+            <a:r>
+              <a:rPr lang="en-US" sz="1400" dirty="0"/>
+              <a:t>  </a:t>
+            </a:r>
+            <a:r>
+              <a:rPr lang="en-US" sz="1400" dirty="0" err="1"/>
+              <a:t>edf</a:t>
+            </a:r>
+            <a:r>
+              <a:rPr lang="en-US" sz="1400" dirty="0"/>
+              <a:t> apparently stores data in a contiguous stream for all </a:t>
+            </a:r>
+            <a:r>
+              <a:rPr lang="en-US" sz="1400" dirty="0" smtClean="0"/>
+              <a:t>channels, which may be reflected in</a:t>
+            </a:r>
+          </a:p>
+          <a:p>
+            <a:r>
+              <a:rPr lang="en-US" sz="1400" dirty="0" smtClean="0"/>
+              <a:t>  the .mat files.</a:t>
+            </a:r>
+            <a:endParaRPr lang="en-US" sz="1400" i="1" dirty="0"/>
           </a:p>
         </p:txBody>
       </p:sp>
     </p:spTree>
     <p:extLst>
       <p:ext uri="{BB962C8B-B14F-4D97-AF65-F5344CB8AC3E}">
-        <p14:creationId xmlns:p14="http://schemas.microsoft.com/office/powerpoint/2010/main" val="765391105"/>
+        <p14:creationId xmlns:p14="http://schemas.microsoft.com/office/powerpoint/2010/main" val="3298966800"/>
       </p:ext>
     </p:extLst>
   </p:cSld>
@@ -7236,8 +8118,8 @@
         </p:nvSpPr>
         <p:spPr>
           <a:xfrm>
-            <a:off x="27057" y="152401"/>
-            <a:ext cx="8659744" cy="3323987"/>
+            <a:off x="1447800" y="2895600"/>
+            <a:ext cx="6019800" cy="369332"/>
           </a:xfrm>
           <a:prstGeom prst="rect">
             <a:avLst/>
@@ -7251,206 +8133,28 @@
           <a:lstStyle/>
           <a:p>
             <a:r>
-              <a:rPr lang="en-US" sz="1400" b="1" dirty="0" smtClean="0"/>
-              <a:t>Event / MEF </a:t>
-            </a:r>
-            <a:r>
-              <a:rPr lang="en-US" sz="1400" b="1" dirty="0" smtClean="0"/>
-              <a:t>Pipeline: </a:t>
-            </a:r>
-            <a:r>
-              <a:rPr lang="en-US" sz="1400" b="1" dirty="0"/>
-              <a:t>report2events</a:t>
-            </a:r>
-            <a:r>
-              <a:rPr lang="en-US" sz="1400" dirty="0"/>
-              <a:t> </a:t>
-            </a:r>
-            <a:r>
-              <a:rPr lang="en-US" sz="1400" dirty="0" smtClean="0"/>
-              <a:t>-</a:t>
-            </a:r>
-            <a:r>
-              <a:rPr lang="en-US" sz="1400" dirty="0"/>
-              <a:t>&gt; </a:t>
-            </a:r>
-            <a:r>
-              <a:rPr lang="en-US" sz="1400" dirty="0" err="1"/>
-              <a:t>mef_finder</a:t>
-            </a:r>
-            <a:r>
-              <a:rPr lang="en-US" sz="1400" dirty="0"/>
-              <a:t> -&gt; </a:t>
-            </a:r>
-            <a:r>
-              <a:rPr lang="en-US" sz="1400" dirty="0" err="1" smtClean="0"/>
-              <a:t>mef_copy</a:t>
-            </a:r>
-            <a:r>
-              <a:rPr lang="en-US" sz="1400" dirty="0"/>
-              <a:t> -&gt; </a:t>
-            </a:r>
-            <a:r>
-              <a:rPr lang="en-US" sz="1400" dirty="0" smtClean="0"/>
-              <a:t>mef2eeg</a:t>
-            </a:r>
-            <a:endParaRPr lang="en-US" sz="1400" dirty="0"/>
-          </a:p>
-          <a:p>
-            <a:endParaRPr lang="en-US" sz="1400" dirty="0"/>
-          </a:p>
-          <a:p>
-            <a:r>
-              <a:rPr lang="en-US" sz="1400" dirty="0" smtClean="0">
+              <a:rPr lang="en-US" b="1" dirty="0"/>
+              <a:t>Regional </a:t>
+            </a:r>
+            <a:r>
+              <a:rPr lang="en-US" b="1" dirty="0" err="1">
                 <a:latin typeface="Andale Mono"/>
                 <a:cs typeface="Andale Mono"/>
               </a:rPr>
-              <a:t>report2events</a:t>
-            </a:r>
-            <a:endParaRPr lang="en-US" sz="1400" dirty="0">
-              <a:latin typeface="Andale Mono"/>
-              <a:cs typeface="Andale Mono"/>
-            </a:endParaRPr>
-          </a:p>
-          <a:p>
-            <a:endParaRPr lang="en-US" sz="1400" dirty="0" smtClean="0"/>
-          </a:p>
-          <a:p>
-            <a:r>
-              <a:rPr lang="en-US" sz="1400" dirty="0" smtClean="0"/>
-              <a:t>        • Fellow exports events text file from from NK system containing seizure onse</a:t>
-            </a:r>
-            <a:r>
-              <a:rPr lang="en-US" sz="1400" dirty="0" smtClean="0"/>
-              <a:t>t and offset times.</a:t>
-            </a:r>
-            <a:endParaRPr lang="en-US" sz="1400" dirty="0" smtClean="0"/>
-          </a:p>
-          <a:p>
-            <a:endParaRPr lang="en-US" sz="1400" dirty="0" smtClean="0"/>
-          </a:p>
-          <a:p>
-            <a:r>
-              <a:rPr lang="en-US" sz="1400" dirty="0"/>
-              <a:t> </a:t>
-            </a:r>
-            <a:r>
-              <a:rPr lang="en-US" sz="1400" dirty="0" smtClean="0"/>
-              <a:t>       • Tool parses this input and extracts times in a format compatible with </a:t>
-            </a:r>
-            <a:r>
-              <a:rPr lang="en-US" sz="1400" dirty="0" err="1" smtClean="0"/>
-              <a:t>EZTrack</a:t>
-            </a:r>
-            <a:r>
-              <a:rPr lang="en-US" sz="1400" dirty="0" smtClean="0"/>
-              <a:t>.</a:t>
-            </a:r>
-            <a:endParaRPr lang="en-US" sz="1400" dirty="0" smtClean="0"/>
-          </a:p>
-          <a:p>
-            <a:r>
-              <a:rPr lang="en-US" sz="1400" b="1" dirty="0" smtClean="0"/>
-              <a:t> </a:t>
-            </a:r>
-            <a:r>
-              <a:rPr lang="en-US" sz="1400" b="1" dirty="0"/>
-              <a:t>   </a:t>
-            </a:r>
-            <a:r>
-              <a:rPr lang="en-US" sz="1400" b="1" dirty="0" smtClean="0"/>
-              <a:t>          • </a:t>
-            </a:r>
-            <a:r>
-              <a:rPr lang="en-US" sz="1400" dirty="0"/>
-              <a:t>Someone on the </a:t>
-            </a:r>
-            <a:r>
-              <a:rPr lang="en-US" sz="1400" dirty="0" err="1"/>
-              <a:t>EZTrack</a:t>
-            </a:r>
-            <a:r>
-              <a:rPr lang="en-US" sz="1400" dirty="0"/>
-              <a:t> team could code up the onset / offset times </a:t>
-            </a:r>
-            <a:r>
-              <a:rPr lang="en-US" sz="1400" dirty="0" smtClean="0"/>
-              <a:t>if an obvious pattern</a:t>
-            </a:r>
-          </a:p>
-          <a:p>
-            <a:r>
-              <a:rPr lang="en-US" sz="1400" dirty="0"/>
-              <a:t> </a:t>
-            </a:r>
-            <a:r>
-              <a:rPr lang="en-US" sz="1400" dirty="0" smtClean="0"/>
-              <a:t>               doesn’t emerge that could be parsed automatically and reliably.</a:t>
-            </a:r>
-            <a:endParaRPr lang="en-US" sz="1400" dirty="0"/>
-          </a:p>
-          <a:p>
-            <a:r>
-              <a:rPr lang="en-US" sz="1400" dirty="0"/>
-              <a:t>      </a:t>
-            </a:r>
-            <a:r>
-              <a:rPr lang="en-US" sz="1400" dirty="0" smtClean="0"/>
-              <a:t>              • Email or FTP the report with AES 256 encryption using GPG and a job id.</a:t>
-            </a:r>
-          </a:p>
-          <a:p>
-            <a:r>
-              <a:rPr lang="en-US" sz="1400" dirty="0"/>
-              <a:t> </a:t>
-            </a:r>
-            <a:r>
-              <a:rPr lang="en-US" sz="1400" dirty="0" smtClean="0"/>
-              <a:t>                   • Email or FTP a CSV with a job id.</a:t>
-            </a:r>
-            <a:endParaRPr lang="en-US" sz="1400" dirty="0" smtClean="0"/>
-          </a:p>
-          <a:p>
-            <a:endParaRPr lang="en-US" sz="1400" dirty="0" smtClean="0"/>
-          </a:p>
-          <a:p>
-            <a:r>
-              <a:rPr lang="en-US" sz="1400" dirty="0"/>
-              <a:t> </a:t>
-            </a:r>
-            <a:r>
-              <a:rPr lang="en-US" sz="1400" dirty="0" smtClean="0"/>
-              <a:t>       • Parsed onset / offset times are presented to the fellow for confirmation.</a:t>
-            </a:r>
-            <a:r>
-              <a:rPr lang="en-US" sz="1400" dirty="0" smtClean="0"/>
-              <a:t>       </a:t>
-            </a:r>
-          </a:p>
-          <a:p>
-            <a:r>
-              <a:rPr lang="en-US" sz="1400" dirty="0" smtClean="0"/>
-              <a:t>  </a:t>
-            </a:r>
-            <a:endParaRPr lang="en-US" dirty="0"/>
-          </a:p>
-          <a:p>
-            <a:r>
-              <a:rPr lang="en-US" sz="1400" dirty="0" smtClean="0"/>
-              <a:t>Output is </a:t>
-            </a:r>
-            <a:r>
-              <a:rPr lang="en-US" sz="1400" dirty="0" smtClean="0"/>
-              <a:t>a CSV of seizure onset / offset times with a job id (assume patient id is not yet known)</a:t>
-            </a:r>
-            <a:endParaRPr lang="en-US" dirty="0"/>
+              <a:t>pcspace</a:t>
+            </a:r>
+            <a:r>
+              <a:rPr lang="en-US" b="1" dirty="0"/>
+              <a:t> Model Calibration Workflow</a:t>
+            </a:r>
+            <a:endParaRPr lang="en-US" b="1" dirty="0"/>
           </a:p>
         </p:txBody>
       </p:sp>
     </p:spTree>
     <p:extLst>
       <p:ext uri="{BB962C8B-B14F-4D97-AF65-F5344CB8AC3E}">
-        <p14:creationId xmlns:p14="http://schemas.microsoft.com/office/powerpoint/2010/main" val="3554514998"/>
+        <p14:creationId xmlns:p14="http://schemas.microsoft.com/office/powerpoint/2010/main" val="2084100132"/>
       </p:ext>
     </p:extLst>
   </p:cSld>
@@ -7516,8 +8220,8 @@
         </p:nvSpPr>
         <p:spPr>
           <a:xfrm>
-            <a:off x="27057" y="152401"/>
-            <a:ext cx="8659744" cy="3447098"/>
+            <a:off x="228600" y="152400"/>
+            <a:ext cx="7897743" cy="5355311"/>
           </a:xfrm>
           <a:prstGeom prst="rect">
             <a:avLst/>
@@ -7531,57 +8235,78 @@
           <a:lstStyle/>
           <a:p>
             <a:r>
-              <a:rPr lang="en-US" sz="1400" b="1" dirty="0" smtClean="0"/>
-              <a:t>Event / MEF </a:t>
-            </a:r>
-            <a:r>
-              <a:rPr lang="en-US" sz="1400" b="1" dirty="0" smtClean="0"/>
-              <a:t>Pipeline: </a:t>
-            </a:r>
-            <a:r>
-              <a:rPr lang="en-US" sz="1400" dirty="0"/>
-              <a:t>report2events </a:t>
-            </a:r>
-            <a:r>
-              <a:rPr lang="en-US" sz="1400" dirty="0" smtClean="0"/>
-              <a:t>-</a:t>
-            </a:r>
-            <a:r>
-              <a:rPr lang="en-US" sz="1400" dirty="0"/>
-              <a:t>&gt; </a:t>
-            </a:r>
-            <a:r>
-              <a:rPr lang="en-US" sz="1400" b="1" dirty="0" err="1"/>
-              <a:t>mef_finder</a:t>
-            </a:r>
-            <a:r>
-              <a:rPr lang="en-US" sz="1400" dirty="0"/>
-              <a:t> -&gt; </a:t>
-            </a:r>
-            <a:r>
-              <a:rPr lang="en-US" sz="1400" dirty="0" err="1" smtClean="0"/>
-              <a:t>mef_copy</a:t>
-            </a:r>
-            <a:r>
-              <a:rPr lang="en-US" sz="1400" dirty="0" smtClean="0"/>
-              <a:t> -</a:t>
-            </a:r>
-            <a:r>
-              <a:rPr lang="en-US" sz="1400" dirty="0"/>
-              <a:t>&gt; mef2eeg</a:t>
-            </a:r>
-            <a:endParaRPr lang="en-US" sz="1400" dirty="0"/>
-          </a:p>
-          <a:p>
-            <a:endParaRPr lang="en-US" sz="1400" dirty="0" smtClean="0"/>
-          </a:p>
-          <a:p>
+              <a:rPr lang="en-US" sz="1600" b="1" dirty="0" smtClean="0"/>
+              <a:t>Regional </a:t>
+            </a:r>
+            <a:r>
+              <a:rPr lang="en-US" sz="1600" b="1" dirty="0" err="1" smtClean="0">
+                <a:latin typeface="Andale Mono"/>
+                <a:cs typeface="Andale Mono"/>
+              </a:rPr>
+              <a:t>pcspace</a:t>
+            </a:r>
+            <a:r>
+              <a:rPr lang="en-US" sz="1600" b="1" dirty="0" smtClean="0"/>
+              <a:t> </a:t>
+            </a:r>
+            <a:r>
+              <a:rPr lang="en-US" sz="1600" b="1" dirty="0"/>
+              <a:t>Model Calibration Workflow</a:t>
+            </a:r>
+          </a:p>
+          <a:p>
+            <a:endParaRPr lang="en-US" dirty="0"/>
+          </a:p>
+          <a:p>
+            <a:r>
+              <a:rPr lang="en-US" sz="1400" dirty="0" smtClean="0"/>
+              <a:t>Given </a:t>
+            </a:r>
+            <a:r>
+              <a:rPr lang="en-US" sz="1400" dirty="0"/>
+              <a:t>reference patient data with known outcomes for a given region (temporal, parietal, etc.), create the </a:t>
+            </a:r>
             <a:r>
               <a:rPr lang="en-US" sz="1400" dirty="0" err="1" smtClean="0">
                 <a:latin typeface="Andale Mono"/>
                 <a:cs typeface="Andale Mono"/>
               </a:rPr>
-              <a:t>mef_finder</a:t>
+              <a:t>pcspace</a:t>
+            </a:r>
+            <a:r>
+              <a:rPr lang="en-US" sz="1400" dirty="0" smtClean="0"/>
+              <a:t> model for </a:t>
+            </a:r>
+            <a:r>
+              <a:rPr lang="en-US" sz="1400" dirty="0"/>
+              <a:t>that region:</a:t>
+            </a:r>
+          </a:p>
+          <a:p>
+            <a:endParaRPr lang="en-US" sz="1400" dirty="0"/>
+          </a:p>
+          <a:p>
+            <a:r>
+              <a:rPr lang="en-US" sz="1400" dirty="0" smtClean="0">
+                <a:latin typeface="Andale Mono"/>
+                <a:cs typeface="Andale Mono"/>
+              </a:rPr>
+              <a:t>edf2eeg</a:t>
+            </a:r>
+            <a:r>
+              <a:rPr lang="en-US" sz="1400" dirty="0" smtClean="0"/>
+              <a:t> </a:t>
+            </a:r>
+            <a:r>
+              <a:rPr lang="en-US" sz="1400" dirty="0"/>
+              <a:t>or </a:t>
+            </a:r>
+            <a:r>
+              <a:rPr lang="en-US" sz="1400" dirty="0" smtClean="0">
+                <a:latin typeface="Andale Mono"/>
+                <a:cs typeface="Andale Mono"/>
+              </a:rPr>
+              <a:t>mef2eeg -&gt;</a:t>
             </a:r>
             <a:endParaRPr lang="en-US" sz="1400" dirty="0">
               <a:latin typeface="Andale Mono"/>
@@ -7589,195 +8314,191 @@
             </a:endParaRPr>
           </a:p>
           <a:p>
-            <a:endParaRPr lang="en-US" sz="1400" dirty="0" smtClean="0"/>
-          </a:p>
-          <a:p>
-            <a:r>
-              <a:rPr lang="en-US" sz="1400" b="1" dirty="0" smtClean="0"/>
-              <a:t>         </a:t>
-            </a:r>
-            <a:r>
-              <a:rPr lang="en-US" sz="1400" dirty="0" smtClean="0"/>
-              <a:t>• Must </a:t>
-            </a:r>
-            <a:r>
-              <a:rPr lang="en-US" sz="1400" dirty="0"/>
-              <a:t>be on-</a:t>
-            </a:r>
-            <a:r>
-              <a:rPr lang="en-US" sz="1400" dirty="0" err="1"/>
-              <a:t>prem</a:t>
-            </a:r>
-            <a:r>
-              <a:rPr lang="en-US" sz="1400" dirty="0"/>
-              <a:t> at </a:t>
-            </a:r>
-            <a:r>
-              <a:rPr lang="en-US" sz="1400" dirty="0" smtClean="0"/>
-              <a:t>JHH in order to access Christophe’s file store.</a:t>
-            </a:r>
-          </a:p>
-          <a:p>
-            <a:endParaRPr lang="en-US" sz="1400" dirty="0" smtClean="0"/>
-          </a:p>
-          <a:p>
-            <a:r>
-              <a:rPr lang="en-US" sz="1400" dirty="0"/>
+            <a:r>
+              <a:rPr lang="en-US" sz="1400" dirty="0">
+                <a:latin typeface="Andale Mono"/>
+                <a:cs typeface="Andale Mono"/>
+              </a:rPr>
+              <a:t>e</a:t>
+            </a:r>
+            <a:r>
+              <a:rPr lang="en-US" sz="1400" dirty="0" smtClean="0">
+                <a:latin typeface="Andale Mono"/>
+                <a:cs typeface="Andale Mono"/>
+              </a:rPr>
+              <a:t>eg2fsv -&gt;</a:t>
+            </a:r>
+            <a:endParaRPr lang="en-US" sz="1400" dirty="0">
+              <a:latin typeface="Andale Mono"/>
+              <a:cs typeface="Andale Mono"/>
+            </a:endParaRPr>
+          </a:p>
+          <a:p>
+            <a:r>
+              <a:rPr lang="en-US" sz="1400" dirty="0">
+                <a:latin typeface="Andale Mono"/>
+                <a:cs typeface="Andale Mono"/>
+              </a:rPr>
+              <a:t>f</a:t>
+            </a:r>
+            <a:r>
+              <a:rPr lang="en-US" sz="1400" dirty="0" smtClean="0">
+                <a:latin typeface="Andale Mono"/>
+                <a:cs typeface="Andale Mono"/>
+              </a:rPr>
+              <a:t>sv2pcspace -&gt;</a:t>
+            </a:r>
+          </a:p>
+          <a:p>
+            <a:r>
+              <a:rPr lang="en-US" sz="1400" dirty="0">
+                <a:latin typeface="Andale Mono"/>
+                <a:cs typeface="Andale Mono"/>
+              </a:rPr>
+              <a:t>f</a:t>
+            </a:r>
+            <a:r>
+              <a:rPr lang="en-US" sz="1400" dirty="0" smtClean="0">
+                <a:latin typeface="Andale Mono"/>
+                <a:cs typeface="Andale Mono"/>
+              </a:rPr>
+              <a:t>sv2heatmap</a:t>
+            </a:r>
+          </a:p>
+          <a:p>
+            <a:endParaRPr lang="en-US" sz="1400" dirty="0"/>
+          </a:p>
+          <a:p>
+            <a:r>
+              <a:rPr lang="en-US" sz="1400" dirty="0"/>
+              <a:t>• Classify a known patient with this model using </a:t>
+            </a:r>
+            <a:r>
+              <a:rPr lang="en-US" sz="1400" dirty="0" smtClean="0">
+                <a:latin typeface="Andale Mono"/>
+                <a:cs typeface="Andale Mono"/>
+              </a:rPr>
+              <a:t>fsv2heatmap</a:t>
+            </a:r>
+            <a:r>
+              <a:rPr lang="en-US" sz="1400" dirty="0" smtClean="0"/>
               <a:t> </a:t>
             </a:r>
             <a:r>
-              <a:rPr lang="en-US" sz="1400" dirty="0" smtClean="0"/>
-              <a:t>        • </a:t>
-            </a:r>
-            <a:r>
-              <a:rPr lang="en-US" sz="1400" dirty="0"/>
-              <a:t>Search XML files associated with the MEF entries by </a:t>
-            </a:r>
-            <a:r>
-              <a:rPr lang="en-US" sz="1400" dirty="0" smtClean="0"/>
-              <a:t>onset </a:t>
-            </a:r>
-            <a:r>
-              <a:rPr lang="en-US" sz="1400" dirty="0"/>
-              <a:t>and offset </a:t>
-            </a:r>
-            <a:r>
-              <a:rPr lang="en-US" sz="1400" dirty="0" smtClean="0"/>
-              <a:t>times in input file.</a:t>
-            </a:r>
+              <a:rPr lang="en-US" sz="1400" dirty="0"/>
+              <a:t>and compare to reference results as a validation step.</a:t>
+            </a:r>
+          </a:p>
+          <a:p>
             <a:endParaRPr lang="en-US" sz="1400" dirty="0"/>
           </a:p>
           <a:p>
-            <a:endParaRPr lang="en-US" sz="1400" dirty="0" smtClean="0"/>
-          </a:p>
-          <a:p>
-            <a:r>
-              <a:rPr lang="en-US" sz="1400" dirty="0"/>
-              <a:t>Output is the collection of MEF files to copy, along with the </a:t>
-            </a:r>
-            <a:r>
-              <a:rPr lang="en-US" sz="1400" dirty="0" err="1"/>
-              <a:t>PatientID</a:t>
-            </a:r>
-            <a:r>
-              <a:rPr lang="en-US" sz="1400" dirty="0"/>
-              <a:t>.</a:t>
-            </a:r>
-          </a:p>
-          <a:p>
-            <a:r>
-              <a:rPr lang="en-US" sz="1400" dirty="0" smtClean="0"/>
-              <a:t>                            </a:t>
-            </a:r>
+            <a:r>
+              <a:rPr lang="en-US" sz="1400" dirty="0"/>
+              <a:t>The output of this process are the values of the </a:t>
+            </a:r>
+            <a:r>
+              <a:rPr lang="en-US" sz="1400" dirty="0" err="1" smtClean="0">
+                <a:latin typeface="Andale Mono"/>
+                <a:cs typeface="Andale Mono"/>
+              </a:rPr>
+              <a:t>pcspace</a:t>
+            </a:r>
+            <a:r>
+              <a:rPr lang="en-US" sz="1400" dirty="0" smtClean="0"/>
+              <a:t> </a:t>
+            </a:r>
+            <a:r>
+              <a:rPr lang="en-US" sz="1400" dirty="0"/>
+              <a:t>model stored in CSV format for each brain region of interest</a:t>
+            </a:r>
+            <a:r>
+              <a:rPr lang="en-US" sz="1400" dirty="0" smtClean="0"/>
+              <a:t>. This model will be used to classify the electrodes of future patients and is the key input to </a:t>
+            </a:r>
+            <a:r>
+              <a:rPr lang="en-US" sz="1400" dirty="0" smtClean="0">
+                <a:latin typeface="Andale Mono"/>
+                <a:cs typeface="Andale Mono"/>
+              </a:rPr>
+              <a:t>fsv2heatmap.</a:t>
+            </a:r>
+          </a:p>
+          <a:p>
             <a:endParaRPr lang="en-US" sz="1400" dirty="0"/>
           </a:p>
           <a:p>
             <a:r>
-              <a:rPr lang="en-US" sz="1400" dirty="0"/>
+              <a:rPr lang="en-US" sz="1400" i="1" dirty="0"/>
+              <a:t>NB: Data for the initial edf2eeg / mef2eeg phase </a:t>
+            </a:r>
+            <a:r>
+              <a:rPr lang="en-US" sz="1400" i="1" dirty="0" smtClean="0"/>
+              <a:t>is of TB size. </a:t>
+            </a:r>
+            <a:r>
+              <a:rPr lang="en-US" sz="1400" i="1" dirty="0"/>
+              <a:t>Model development will </a:t>
+            </a:r>
+            <a:r>
+              <a:rPr lang="en-US" sz="1400" i="1" dirty="0" smtClean="0"/>
+              <a:t>most likely need </a:t>
+            </a:r>
+            <a:r>
+              <a:rPr lang="en-US" sz="1400" i="1" dirty="0"/>
+              <a:t>to be done </a:t>
+            </a:r>
+            <a:r>
+              <a:rPr lang="en-US" sz="1400" i="1" dirty="0" smtClean="0"/>
+              <a:t>offline through </a:t>
+            </a:r>
+            <a:r>
+              <a:rPr lang="en-US" sz="1400" i="1" dirty="0"/>
+              <a:t>physical transfer of hard drives (encrypted if necessary) </a:t>
+            </a:r>
+            <a:r>
+              <a:rPr lang="en-US" sz="1400" i="1" dirty="0" smtClean="0"/>
+              <a:t>to </a:t>
+            </a:r>
+            <a:r>
+              <a:rPr lang="en-US" sz="1400" i="1" dirty="0" err="1" smtClean="0"/>
+              <a:t>EZTrack</a:t>
+            </a:r>
+            <a:r>
+              <a:rPr lang="en-US" sz="1400" i="1" dirty="0"/>
               <a:t> </a:t>
             </a:r>
             <a:r>
-              <a:rPr lang="en-US" sz="1400" dirty="0" smtClean="0"/>
-              <a:t>        • </a:t>
-            </a:r>
-            <a:r>
-              <a:rPr lang="en-US" sz="1400" dirty="0" smtClean="0"/>
-              <a:t>Copy </a:t>
-            </a:r>
-            <a:r>
-              <a:rPr lang="en-US" sz="1400" dirty="0"/>
-              <a:t>matching files to </a:t>
-            </a:r>
-            <a:r>
-              <a:rPr lang="en-US" sz="1400" dirty="0" smtClean="0"/>
-              <a:t>local </a:t>
-            </a:r>
-            <a:r>
-              <a:rPr lang="en-US" sz="1400" dirty="0" err="1" smtClean="0"/>
-              <a:t>EZTrack</a:t>
-            </a:r>
-            <a:r>
-              <a:rPr lang="en-US" sz="1400" dirty="0" smtClean="0"/>
-              <a:t> server: </a:t>
-            </a:r>
-            <a:r>
-              <a:rPr lang="en-US" sz="1400" dirty="0" err="1" smtClean="0"/>
-              <a:t>mef_copy</a:t>
-            </a:r>
-            <a:r>
-              <a:rPr lang="en-US" sz="1400" dirty="0" smtClean="0"/>
-              <a:t>.</a:t>
-            </a:r>
-          </a:p>
-          <a:p>
-            <a:r>
-              <a:rPr lang="en-US" sz="1400" dirty="0"/>
-              <a:t> </a:t>
-            </a:r>
-            <a:r>
-              <a:rPr lang="en-US" sz="1400" dirty="0" smtClean="0"/>
-              <a:t>       </a:t>
-            </a:r>
-            <a:r>
-              <a:rPr lang="en-US" sz="1400" dirty="0"/>
-              <a:t> </a:t>
-            </a:r>
-            <a:r>
-              <a:rPr lang="en-US" sz="1400" dirty="0" smtClean="0"/>
-              <a:t>  Each </a:t>
-            </a:r>
-            <a:r>
-              <a:rPr lang="en-US" sz="1400" dirty="0"/>
-              <a:t>1 hour MEF segment is ~2GB. </a:t>
-            </a:r>
-            <a:endParaRPr lang="en-US" sz="1400" dirty="0" smtClean="0"/>
-          </a:p>
-          <a:p>
-            <a:r>
-              <a:rPr lang="en-US" sz="1400" dirty="0" smtClean="0"/>
-              <a:t>           Estimate transfer to </a:t>
-            </a:r>
-            <a:r>
-              <a:rPr lang="en-US" sz="1400" dirty="0"/>
-              <a:t>take </a:t>
-            </a:r>
-            <a:r>
-              <a:rPr lang="en-US" sz="1400" dirty="0" smtClean="0"/>
-              <a:t>~3 </a:t>
-            </a:r>
-            <a:r>
-              <a:rPr lang="en-US" sz="1400" dirty="0" err="1"/>
-              <a:t>mins</a:t>
-            </a:r>
-            <a:r>
-              <a:rPr lang="en-US" sz="1400" dirty="0"/>
-              <a:t> assuming </a:t>
-            </a:r>
-            <a:r>
-              <a:rPr lang="en-US" sz="1400" dirty="0" smtClean="0"/>
-              <a:t>100Mbps LAN.</a:t>
-            </a:r>
-          </a:p>
-          <a:p>
-            <a:r>
-              <a:rPr lang="en-US" sz="1400" dirty="0"/>
-              <a:t> </a:t>
-            </a:r>
-            <a:r>
-              <a:rPr lang="en-US" sz="1400" dirty="0" smtClean="0"/>
-              <a:t>        </a:t>
-            </a:r>
-            <a:endParaRPr lang="en-US" dirty="0"/>
-          </a:p>
-          <a:p>
-            <a:endParaRPr lang="en-US" dirty="0"/>
+              <a:rPr lang="en-US" sz="1400" i="1" dirty="0" smtClean="0"/>
+              <a:t>developers.</a:t>
+            </a:r>
+          </a:p>
+          <a:p>
+            <a:endParaRPr lang="en-US" sz="1400" i="1" dirty="0"/>
+          </a:p>
+          <a:p>
+            <a:r>
+              <a:rPr lang="en-US" sz="1400" i="1" dirty="0"/>
+              <a:t>This is the work we are doing now with </a:t>
+            </a:r>
+            <a:r>
+              <a:rPr lang="en-US" sz="1400" i="1" dirty="0" err="1"/>
+              <a:t>Bhaskar's</a:t>
+            </a:r>
+            <a:r>
+              <a:rPr lang="en-US" sz="1400" i="1" dirty="0"/>
+              <a:t> data to provide the baseline for subsequent Hopkins classification.</a:t>
+            </a:r>
+          </a:p>
+          <a:p>
+            <a:endParaRPr lang="en-US" sz="1400" i="1" dirty="0"/>
           </a:p>
         </p:txBody>
       </p:sp>
     </p:spTree>
     <p:extLst>
       <p:ext uri="{BB962C8B-B14F-4D97-AF65-F5344CB8AC3E}">
-        <p14:creationId xmlns:p14="http://schemas.microsoft.com/office/powerpoint/2010/main" val="3316594900"/>
+        <p14:creationId xmlns:p14="http://schemas.microsoft.com/office/powerpoint/2010/main" val="1354270523"/>
       </p:ext>
     </p:extLst>
   </p:cSld>
@@ -7843,8 +8564,8 @@
         </p:nvSpPr>
         <p:spPr>
           <a:xfrm>
-            <a:off x="27057" y="152401"/>
-            <a:ext cx="8659744" cy="2031325"/>
+            <a:off x="1447800" y="2895600"/>
+            <a:ext cx="6019800" cy="369332"/>
           </a:xfrm>
           <a:prstGeom prst="rect">
             <a:avLst/>
@@ -7858,209 +8579,21 @@
           <a:lstStyle/>
           <a:p>
             <a:r>
-              <a:rPr lang="en-US" sz="1400" b="1" dirty="0" smtClean="0"/>
-              <a:t>Event / MEF Pipeline</a:t>
-            </a:r>
-            <a:r>
-              <a:rPr lang="en-US" sz="1400" b="1" dirty="0" smtClean="0"/>
-              <a:t>: </a:t>
-            </a:r>
-            <a:r>
-              <a:rPr lang="en-US" sz="1400" dirty="0"/>
-              <a:t>report2events </a:t>
-            </a:r>
-            <a:r>
-              <a:rPr lang="en-US" sz="1400" dirty="0" smtClean="0"/>
-              <a:t>-</a:t>
-            </a:r>
-            <a:r>
-              <a:rPr lang="en-US" sz="1400" dirty="0"/>
-              <a:t>&gt; </a:t>
-            </a:r>
-            <a:r>
-              <a:rPr lang="en-US" sz="1400" dirty="0" err="1"/>
-              <a:t>mef_finder</a:t>
-            </a:r>
-            <a:r>
-              <a:rPr lang="en-US" sz="1400" dirty="0"/>
-              <a:t> -&gt; </a:t>
-            </a:r>
-            <a:r>
-              <a:rPr lang="en-US" sz="1400" b="1" dirty="0" err="1" smtClean="0"/>
-              <a:t>mef_copy</a:t>
-            </a:r>
-            <a:r>
-              <a:rPr lang="en-US" sz="1400" b="1" dirty="0" smtClean="0"/>
-              <a:t> </a:t>
-            </a:r>
-            <a:r>
-              <a:rPr lang="en-US" sz="1400" dirty="0" smtClean="0"/>
-              <a:t>-&gt; mef</a:t>
-            </a:r>
-            <a:r>
-              <a:rPr lang="en-US" sz="1400" dirty="0" smtClean="0"/>
-              <a:t>2eeg</a:t>
-            </a:r>
-            <a:endParaRPr lang="en-US" sz="1400" dirty="0"/>
-          </a:p>
-          <a:p>
-            <a:endParaRPr lang="en-US" sz="1400" dirty="0" smtClean="0"/>
-          </a:p>
-          <a:p>
-            <a:r>
-              <a:rPr lang="en-US" sz="1400" dirty="0" err="1">
-                <a:latin typeface="Andale Mono"/>
-                <a:cs typeface="Andale Mono"/>
-              </a:rPr>
-              <a:t>m</a:t>
-            </a:r>
-            <a:r>
-              <a:rPr lang="en-US" sz="1400" dirty="0" err="1" smtClean="0">
-                <a:latin typeface="Andale Mono"/>
-                <a:cs typeface="Andale Mono"/>
-              </a:rPr>
-              <a:t>ef_copy</a:t>
-            </a:r>
-            <a:endParaRPr lang="en-US" sz="1400" dirty="0">
-              <a:latin typeface="Andale Mono"/>
-              <a:cs typeface="Andale Mono"/>
-            </a:endParaRPr>
-          </a:p>
-          <a:p>
-            <a:r>
-              <a:rPr lang="en-US" sz="1400" dirty="0" smtClean="0"/>
-              <a:t>                            </a:t>
-            </a:r>
-            <a:endParaRPr lang="en-US" sz="1400" dirty="0"/>
-          </a:p>
-          <a:p>
-            <a:r>
-              <a:rPr lang="en-US" sz="1400" dirty="0"/>
-              <a:t> </a:t>
-            </a:r>
-            <a:r>
-              <a:rPr lang="en-US" sz="1400" dirty="0" smtClean="0"/>
-              <a:t>        • </a:t>
-            </a:r>
-            <a:r>
-              <a:rPr lang="en-US" sz="1400" dirty="0" smtClean="0"/>
-              <a:t>Copy input files </a:t>
-            </a:r>
-            <a:r>
-              <a:rPr lang="en-US" sz="1400" dirty="0"/>
-              <a:t>to </a:t>
-            </a:r>
-            <a:r>
-              <a:rPr lang="en-US" sz="1400" dirty="0" smtClean="0"/>
-              <a:t>local </a:t>
-            </a:r>
-            <a:r>
-              <a:rPr lang="en-US" sz="1400" dirty="0" err="1" smtClean="0"/>
-              <a:t>EZTrack</a:t>
-            </a:r>
-            <a:r>
-              <a:rPr lang="en-US" sz="1400" dirty="0" smtClean="0"/>
-              <a:t> </a:t>
-            </a:r>
-            <a:r>
-              <a:rPr lang="en-US" sz="1400" dirty="0" smtClean="0"/>
-              <a:t>server</a:t>
-            </a:r>
-            <a:r>
-              <a:rPr lang="en-US" sz="1400" dirty="0"/>
-              <a:t> </a:t>
-            </a:r>
-            <a:r>
-              <a:rPr lang="en-US" sz="1400" dirty="0" smtClean="0"/>
-              <a:t>in parallel.</a:t>
-            </a:r>
-            <a:endParaRPr lang="en-US" sz="1400" dirty="0" smtClean="0"/>
-          </a:p>
-          <a:p>
-            <a:r>
-              <a:rPr lang="en-US" sz="1400" dirty="0"/>
-              <a:t> </a:t>
-            </a:r>
-            <a:r>
-              <a:rPr lang="en-US" sz="1400" dirty="0" smtClean="0"/>
-              <a:t>       </a:t>
-            </a:r>
-            <a:r>
-              <a:rPr lang="en-US" sz="1400" dirty="0"/>
-              <a:t> </a:t>
-            </a:r>
-            <a:r>
-              <a:rPr lang="en-US" sz="1400" dirty="0" smtClean="0"/>
-              <a:t>  Each </a:t>
-            </a:r>
-            <a:r>
-              <a:rPr lang="en-US" sz="1400" dirty="0"/>
-              <a:t>1 hour MEF segment is ~2GB. </a:t>
-            </a:r>
-            <a:endParaRPr lang="en-US" sz="1400" dirty="0" smtClean="0"/>
-          </a:p>
-          <a:p>
-            <a:r>
-              <a:rPr lang="en-US" sz="1400" dirty="0" smtClean="0"/>
-              <a:t>           Estimate transfer to </a:t>
-            </a:r>
-            <a:r>
-              <a:rPr lang="en-US" sz="1400" dirty="0"/>
-              <a:t>take </a:t>
-            </a:r>
-            <a:r>
-              <a:rPr lang="en-US" sz="1400" dirty="0" smtClean="0"/>
-              <a:t>~3 </a:t>
-            </a:r>
-            <a:r>
-              <a:rPr lang="en-US" sz="1400" dirty="0" err="1"/>
-              <a:t>mins</a:t>
-            </a:r>
-            <a:r>
-              <a:rPr lang="en-US" sz="1400" dirty="0"/>
-              <a:t> assuming </a:t>
-            </a:r>
-            <a:r>
-              <a:rPr lang="en-US" sz="1400" dirty="0" smtClean="0"/>
-              <a:t>100Mbps LAN.</a:t>
-            </a:r>
-          </a:p>
-          <a:p>
-            <a:endParaRPr lang="en-US" sz="1400" dirty="0" smtClean="0"/>
-          </a:p>
-          <a:p>
-            <a:r>
-              <a:rPr lang="en-US" sz="1400" dirty="0" smtClean="0"/>
-              <a:t>Output is the </a:t>
-            </a:r>
-            <a:r>
-              <a:rPr lang="en-US" sz="1400" dirty="0"/>
-              <a:t>a collection of MEF files </a:t>
-            </a:r>
-            <a:r>
-              <a:rPr lang="en-US" sz="1400" dirty="0" smtClean="0"/>
-              <a:t>available locally and </a:t>
-            </a:r>
-            <a:r>
-              <a:rPr lang="en-US" sz="1400" dirty="0"/>
-              <a:t>the </a:t>
-            </a:r>
-            <a:r>
-              <a:rPr lang="en-US" sz="1400" dirty="0" err="1" smtClean="0"/>
-              <a:t>PatientID</a:t>
-            </a:r>
-            <a:r>
-              <a:rPr lang="en-US" sz="1400" dirty="0" smtClean="0"/>
-              <a:t>.</a:t>
-            </a:r>
-            <a:endParaRPr lang="en-US" sz="1400" dirty="0"/>
+              <a:rPr lang="en-US" b="1" dirty="0" smtClean="0"/>
+              <a:t>Neurology </a:t>
+            </a:r>
+            <a:r>
+              <a:rPr lang="en-US" b="1" dirty="0"/>
+              <a:t>Workflow</a:t>
+            </a:r>
+            <a:endParaRPr lang="en-US" b="1" dirty="0"/>
           </a:p>
         </p:txBody>
       </p:sp>
     </p:spTree>
     <p:extLst>
       <p:ext uri="{BB962C8B-B14F-4D97-AF65-F5344CB8AC3E}">
-        <p14:creationId xmlns:p14="http://schemas.microsoft.com/office/powerpoint/2010/main" val="3431358219"/>
+        <p14:creationId xmlns:p14="http://schemas.microsoft.com/office/powerpoint/2010/main" val="1498524182"/>
       </p:ext>
     </p:extLst>
   </p:cSld>
@@ -8126,8 +8659,8 @@
         </p:nvSpPr>
         <p:spPr>
           <a:xfrm>
-            <a:off x="27057" y="152401"/>
-            <a:ext cx="8659744" cy="2893100"/>
+            <a:off x="304800" y="152400"/>
+            <a:ext cx="8659744" cy="6832638"/>
           </a:xfrm>
           <a:prstGeom prst="rect">
             <a:avLst/>
@@ -8141,57 +8674,146 @@
           <a:lstStyle/>
           <a:p>
             <a:r>
-              <a:rPr lang="en-US" sz="1400" b="1" dirty="0" smtClean="0"/>
-              <a:t>Event / MEF Pipeline</a:t>
-            </a:r>
-            <a:r>
-              <a:rPr lang="en-US" sz="1400" b="1" dirty="0" smtClean="0"/>
-              <a:t>: </a:t>
-            </a:r>
-            <a:r>
-              <a:rPr lang="en-US" sz="1400" dirty="0"/>
-              <a:t>report2events </a:t>
-            </a:r>
-            <a:r>
-              <a:rPr lang="en-US" sz="1400" dirty="0" smtClean="0"/>
-              <a:t>-</a:t>
-            </a:r>
-            <a:r>
-              <a:rPr lang="en-US" sz="1400" dirty="0"/>
-              <a:t>&gt; </a:t>
+              <a:rPr lang="en-US" sz="1600" b="1" dirty="0" smtClean="0"/>
+              <a:t>Neurology Workflow</a:t>
+            </a:r>
+            <a:endParaRPr lang="en-US" sz="1600" dirty="0"/>
+          </a:p>
+          <a:p>
+            <a:endParaRPr lang="en-US" sz="1400" dirty="0"/>
+          </a:p>
+          <a:p>
+            <a:r>
+              <a:rPr lang="en-US" sz="1400" i="1" dirty="0"/>
+              <a:t>• </a:t>
+            </a:r>
+            <a:r>
+              <a:rPr lang="en-US" sz="1400" i="1" dirty="0" smtClean="0"/>
+              <a:t>Context: Patient </a:t>
+            </a:r>
+            <a:r>
+              <a:rPr lang="en-US" sz="1400" i="1" dirty="0"/>
+              <a:t>has undergone previous treatment attempts that have been unsuccessful. Surgical resection is now the </a:t>
+            </a:r>
+            <a:r>
+              <a:rPr lang="en-US" sz="1400" i="1" dirty="0" smtClean="0"/>
+              <a:t>most promising </a:t>
+            </a:r>
+            <a:r>
+              <a:rPr lang="en-US" sz="1400" i="1" dirty="0"/>
+              <a:t>outcome. Previous scalp EEG treatment has been performed to narrow down the potential location of the </a:t>
+            </a:r>
+            <a:r>
+              <a:rPr lang="en-US" sz="1400" i="1" dirty="0" smtClean="0"/>
+              <a:t>EZ in </a:t>
+            </a:r>
+            <a:r>
+              <a:rPr lang="en-US" sz="1400" i="1" dirty="0"/>
+              <a:t>preparation for a craniotomy and implantation.</a:t>
+            </a:r>
+          </a:p>
+          <a:p>
+            <a:endParaRPr lang="en-US" sz="1400" i="1" dirty="0"/>
+          </a:p>
+          <a:p>
+            <a:r>
+              <a:rPr lang="en-US" sz="1400" dirty="0"/>
+              <a:t>• Patient is implanted on </a:t>
+            </a:r>
+            <a:r>
+              <a:rPr lang="en-US" sz="1400" dirty="0" smtClean="0"/>
+              <a:t>Thursday by Neurosurgery.</a:t>
+            </a:r>
+            <a:endParaRPr lang="en-US" sz="1400" dirty="0"/>
+          </a:p>
+          <a:p>
+            <a:endParaRPr lang="en-US" sz="1400" dirty="0"/>
+          </a:p>
+          <a:p>
+            <a:r>
+              <a:rPr lang="en-US" sz="1400" dirty="0"/>
+              <a:t>• Patient is connected to </a:t>
+            </a:r>
+            <a:r>
+              <a:rPr lang="en-US" sz="1400" dirty="0" smtClean="0"/>
+              <a:t>EEG on Friday by Neurology.</a:t>
+            </a:r>
+          </a:p>
+          <a:p>
+            <a:endParaRPr lang="en-US" sz="1400" dirty="0"/>
+          </a:p>
+          <a:p>
+            <a:r>
+              <a:rPr lang="en-US" sz="1400" dirty="0"/>
+              <a:t>• Fellow exports Patient Event Report from NK </a:t>
+            </a:r>
+            <a:r>
+              <a:rPr lang="en-US" sz="1400" dirty="0" smtClean="0"/>
+              <a:t>on Monday.</a:t>
+            </a:r>
+            <a:endParaRPr lang="en-US" sz="1400" dirty="0"/>
+          </a:p>
+          <a:p>
+            <a:endParaRPr lang="en-US" sz="1400" dirty="0" smtClean="0"/>
+          </a:p>
+          <a:p>
+            <a:r>
+              <a:rPr lang="en-US" sz="1400" dirty="0" smtClean="0"/>
+              <a:t>• Fellow transfers report to </a:t>
+            </a:r>
+            <a:r>
+              <a:rPr lang="en-US" sz="1400" dirty="0" err="1" smtClean="0"/>
+              <a:t>EZTrack</a:t>
+            </a:r>
+            <a:r>
+              <a:rPr lang="en-US" sz="1400" dirty="0" smtClean="0"/>
+              <a:t> server</a:t>
+            </a:r>
+            <a:endParaRPr lang="en-US" sz="1400" dirty="0"/>
+          </a:p>
+          <a:p>
+            <a:endParaRPr lang="en-US" sz="1400" dirty="0"/>
+          </a:p>
+          <a:p>
+            <a:r>
+              <a:rPr lang="en-US" sz="1400" dirty="0"/>
+              <a:t>• Fellow runs </a:t>
             </a:r>
             <a:r>
               <a:rPr lang="en-US" sz="1400" dirty="0" err="1"/>
-              <a:t>mef_finder</a:t>
-            </a:r>
-            <a:r>
-              <a:rPr lang="en-US" sz="1400" dirty="0"/>
-              <a:t> -&gt; </a:t>
+              <a:t>eztrack</a:t>
+            </a:r>
+            <a:r>
+              <a:rPr lang="en-US" sz="1400" dirty="0"/>
+              <a:t> command </a:t>
+            </a:r>
+            <a:r>
+              <a:rPr lang="en-US" sz="1400" dirty="0" smtClean="0"/>
+              <a:t>to produce </a:t>
+            </a:r>
+            <a:r>
+              <a:rPr lang="en-US" sz="1400" dirty="0"/>
+              <a:t>a </a:t>
+            </a:r>
+            <a:r>
+              <a:rPr lang="en-US" sz="1400" dirty="0" err="1"/>
+              <a:t>heatmap</a:t>
+            </a:r>
+            <a:r>
+              <a:rPr lang="en-US" sz="1400" dirty="0"/>
+              <a:t> and </a:t>
             </a:r>
             <a:r>
               <a:rPr lang="en-US" sz="1400" dirty="0" err="1" smtClean="0"/>
-              <a:t>mef_copy</a:t>
-            </a:r>
-            <a:r>
-              <a:rPr lang="en-US" sz="1400" b="1" dirty="0" smtClean="0"/>
-              <a:t> </a:t>
-            </a:r>
-            <a:r>
-              <a:rPr lang="en-US" sz="1400" dirty="0" smtClean="0"/>
-              <a:t>-&gt; </a:t>
-            </a:r>
-            <a:r>
-              <a:rPr lang="en-US" sz="1400" b="1" dirty="0" smtClean="0"/>
-              <a:t>mef</a:t>
-            </a:r>
-            <a:r>
-              <a:rPr lang="en-US" sz="1400" b="1" dirty="0" smtClean="0"/>
-              <a:t>2eeg</a:t>
-            </a:r>
-            <a:endParaRPr lang="en-US" sz="1400" b="1" dirty="0"/>
-          </a:p>
-          <a:p>
-            <a:endParaRPr lang="en-US" sz="1400" dirty="0" smtClean="0"/>
+              <a:t>csv</a:t>
+            </a:r>
+            <a:r>
+              <a:rPr lang="en-US" sz="1400" dirty="0" smtClean="0"/>
+              <a:t>:</a:t>
+            </a:r>
+          </a:p>
+          <a:p>
+            <a:endParaRPr lang="en-US" sz="1400" dirty="0"/>
           </a:p>
           <a:p>
             <a:r>
@@ -8199,232 +8821,178 @@
                 <a:latin typeface="Andale Mono"/>
                 <a:cs typeface="Andale Mono"/>
               </a:rPr>
-              <a:t>mef2eeg</a:t>
-            </a:r>
-            <a:endParaRPr lang="en-US" sz="1400" dirty="0" smtClean="0"/>
-          </a:p>
-          <a:p>
-            <a:endParaRPr lang="en-US" sz="1400" dirty="0" smtClean="0"/>
-          </a:p>
-          <a:p>
-            <a:r>
-              <a:rPr lang="en-US" sz="1400" dirty="0" smtClean="0"/>
-              <a:t>Given </a:t>
-            </a:r>
-            <a:r>
-              <a:rPr lang="en-US" sz="1400" dirty="0"/>
-              <a:t>a collection of MEF files and the </a:t>
-            </a:r>
-            <a:r>
-              <a:rPr lang="en-US" sz="1400" dirty="0" err="1"/>
-              <a:t>PatientID</a:t>
-            </a:r>
-            <a:r>
-              <a:rPr lang="en-US" sz="1400" dirty="0"/>
-              <a:t>:</a:t>
-            </a:r>
-          </a:p>
-          <a:p>
-            <a:endParaRPr lang="en-US" sz="1400" dirty="0"/>
-          </a:p>
-          <a:p>
-            <a:r>
-              <a:rPr lang="en-US" sz="1400" dirty="0" smtClean="0"/>
-              <a:t>For </a:t>
-            </a:r>
-            <a:r>
-              <a:rPr lang="en-US" sz="1400" dirty="0"/>
-              <a:t>each </a:t>
-            </a:r>
-            <a:r>
-              <a:rPr lang="en-US" sz="1400" dirty="0" err="1"/>
-              <a:t>mef</a:t>
-            </a:r>
-            <a:r>
-              <a:rPr lang="en-US" sz="1400" dirty="0"/>
-              <a:t> file, apply the following tools in parallel:</a:t>
-            </a:r>
-          </a:p>
-          <a:p>
-            <a:endParaRPr lang="en-US" sz="1400" dirty="0"/>
-          </a:p>
-          <a:p>
-            <a:r>
-              <a:rPr lang="en-US" sz="1400" dirty="0"/>
-              <a:t>        </a:t>
-            </a:r>
-            <a:r>
-              <a:rPr lang="en-US" sz="1400" dirty="0" err="1">
+              <a:t> </a:t>
+            </a:r>
+            <a:r>
+              <a:rPr lang="en-US" sz="1400" dirty="0" err="1" smtClean="0">
                 <a:latin typeface="Andale Mono"/>
                 <a:cs typeface="Andale Mono"/>
               </a:rPr>
-              <a:t>read_mef_header</a:t>
-            </a:r>
-            <a:r>
-              <a:rPr lang="en-US" sz="1400" dirty="0"/>
-              <a:t>: save the header info to use as channel metadata (`</a:t>
-            </a:r>
-            <a:r>
-              <a:rPr lang="en-US" sz="1400" dirty="0" err="1"/>
-              <a:t>mef_lib</a:t>
-            </a:r>
-            <a:r>
-              <a:rPr lang="en-US" sz="1400" dirty="0"/>
-              <a:t>`)</a:t>
-            </a:r>
-          </a:p>
-          <a:p>
-            <a:r>
-              <a:rPr lang="en-US" sz="1400" dirty="0"/>
-              <a:t>        </a:t>
+              <a:t>eztrack</a:t>
+            </a:r>
+            <a:r>
+              <a:rPr lang="en-US" sz="1400" dirty="0" smtClean="0">
+                <a:latin typeface="Andale Mono"/>
+                <a:cs typeface="Andale Mono"/>
+              </a:rPr>
+              <a:t> </a:t>
             </a:r>
             <a:r>
               <a:rPr lang="en-US" sz="1400" dirty="0">
                 <a:latin typeface="Andale Mono"/>
                 <a:cs typeface="Andale Mono"/>
               </a:rPr>
-              <a:t>mef2ascii</a:t>
-            </a:r>
-            <a:r>
-              <a:rPr lang="en-US" sz="1400" dirty="0"/>
-              <a:t>: </a:t>
-            </a:r>
-            <a:r>
-              <a:rPr lang="en-US" sz="1400" dirty="0" err="1"/>
-              <a:t>uncompress</a:t>
-            </a:r>
-            <a:r>
-              <a:rPr lang="en-US" sz="1400" dirty="0"/>
-              <a:t> the channel readings to 32-bit </a:t>
-            </a:r>
-            <a:r>
-              <a:rPr lang="en-US" sz="1400" dirty="0" err="1"/>
-              <a:t>ascii</a:t>
-            </a:r>
-            <a:r>
-              <a:rPr lang="en-US" sz="1400" dirty="0"/>
-              <a:t> </a:t>
-            </a:r>
-            <a:r>
-              <a:rPr lang="en-US" sz="1400" dirty="0" err="1"/>
-              <a:t>ints</a:t>
-            </a:r>
-            <a:r>
-              <a:rPr lang="en-US" sz="1400" dirty="0"/>
-              <a:t> (`</a:t>
-            </a:r>
-            <a:r>
-              <a:rPr lang="en-US" sz="1400" dirty="0" err="1"/>
-              <a:t>mef_lib</a:t>
-            </a:r>
-            <a:r>
-              <a:rPr lang="en-US" sz="1400" dirty="0"/>
-              <a:t>`)</a:t>
-            </a:r>
-          </a:p>
-          <a:p>
-            <a:r>
-              <a:rPr lang="en-US" sz="1400" dirty="0"/>
-              <a:t>        </a:t>
-            </a:r>
-            <a:r>
-              <a:rPr lang="en-US" sz="1400" dirty="0" err="1">
+              <a:t>temporal </a:t>
+            </a:r>
+            <a:r>
+              <a:rPr lang="en-US" sz="1400" dirty="0" smtClean="0">
                 <a:latin typeface="Andale Mono"/>
                 <a:cs typeface="Andale Mono"/>
               </a:rPr>
-              <a:t>check_mef_ascii</a:t>
-            </a:r>
-            <a:r>
-              <a:rPr lang="en-US" sz="1400" dirty="0"/>
-              <a:t>: run validations against the </a:t>
-            </a:r>
-            <a:r>
-              <a:rPr lang="en-US" sz="1400" dirty="0" err="1"/>
-              <a:t>ascii</a:t>
-            </a:r>
-            <a:r>
-              <a:rPr lang="en-US" sz="1400" dirty="0"/>
-              <a:t> values using the header results (`</a:t>
-            </a:r>
-            <a:r>
-              <a:rPr lang="en-US" sz="1400" dirty="0" err="1"/>
-              <a:t>lein</a:t>
-            </a:r>
-            <a:r>
-              <a:rPr lang="en-US" sz="1400" dirty="0"/>
-              <a:t>-exec`)</a:t>
-            </a:r>
-          </a:p>
-          <a:p>
-            <a:endParaRPr lang="en-US" sz="1400" dirty="0"/>
-          </a:p>
-          <a:p>
-            <a:r>
-              <a:rPr lang="en-US" sz="1400" dirty="0"/>
-              <a:t>        Finally, </a:t>
-            </a:r>
-            <a:r>
-              <a:rPr lang="en-US" sz="1400" dirty="0">
+              <a:t>~/reports/</a:t>
+            </a:r>
+            <a:r>
+              <a:rPr lang="en-US" sz="1400" dirty="0" err="1" smtClean="0">
                 <a:latin typeface="Andale Mono"/>
                 <a:cs typeface="Andale Mono"/>
               </a:rPr>
-              <a:t>ascii2eeg</a:t>
-            </a:r>
-            <a:r>
-              <a:rPr lang="en-US" sz="1400" dirty="0"/>
-              <a:t> to convert the </a:t>
-            </a:r>
-            <a:r>
-              <a:rPr lang="en-US" sz="1400" dirty="0" err="1"/>
-              <a:t>ascii</a:t>
-            </a:r>
-            <a:r>
-              <a:rPr lang="en-US" sz="1400" dirty="0"/>
+              <a:t>event_report.txt</a:t>
+            </a:r>
+            <a:endParaRPr lang="en-US" sz="1400" dirty="0">
+              <a:latin typeface="Andale Mono"/>
+              <a:cs typeface="Andale Mono"/>
+            </a:endParaRPr>
+          </a:p>
+          <a:p>
+            <a:r>
+              <a:rPr lang="en-US" sz="1400" b="1" dirty="0" smtClean="0"/>
+              <a:t>  </a:t>
+            </a:r>
+          </a:p>
+          <a:p>
+            <a:r>
+              <a:rPr lang="en-US" sz="1400" i="1" dirty="0"/>
               <a:t> </a:t>
             </a:r>
             <a:r>
-              <a:rPr lang="en-US" sz="1400" dirty="0" err="1"/>
-              <a:t>ints</a:t>
-            </a:r>
-            <a:r>
-              <a:rPr lang="en-US" sz="1400" dirty="0"/>
-              <a:t> to the </a:t>
-            </a:r>
-            <a:r>
-              <a:rPr lang="en-US" sz="1400" dirty="0" err="1"/>
-              <a:t>eeg</a:t>
-            </a:r>
-            <a:r>
-              <a:rPr lang="en-US" sz="1400" dirty="0"/>
-              <a:t> format </a:t>
-            </a:r>
-            <a:r>
-              <a:rPr lang="en-US" sz="1400" dirty="0">
-                <a:latin typeface="Andale Mono"/>
-                <a:cs typeface="Andale Mono"/>
-              </a:rPr>
-              <a:t>eeg2fsv</a:t>
-            </a:r>
-            <a:r>
-              <a:rPr lang="en-US" sz="1400" dirty="0"/>
-              <a:t> expects (`</a:t>
-            </a:r>
-            <a:r>
-              <a:rPr lang="en-US" sz="1400" dirty="0" err="1"/>
-              <a:t>lein</a:t>
-            </a:r>
-            <a:r>
-              <a:rPr lang="en-US" sz="1400" dirty="0"/>
-              <a:t>-exec`).</a:t>
-            </a:r>
+              <a:rPr lang="en-US" sz="1400" i="1" dirty="0" smtClean="0"/>
+              <a:t> NB: Assume id can be inferred from the MEF files on Christophe’s server, </a:t>
+            </a:r>
+          </a:p>
+          <a:p>
+            <a:r>
+              <a:rPr lang="en-US" sz="1400" i="1" dirty="0"/>
+              <a:t> </a:t>
+            </a:r>
+            <a:r>
+              <a:rPr lang="en-US" sz="1400" i="1" dirty="0" smtClean="0"/>
+              <a:t> since there’s only one grid being monitored at a time.</a:t>
+            </a:r>
+            <a:endParaRPr lang="en-US" sz="1400" i="1" dirty="0"/>
+          </a:p>
+          <a:p>
+            <a:endParaRPr lang="en-US" sz="1400" dirty="0" smtClean="0"/>
+          </a:p>
+          <a:p>
+            <a:r>
+              <a:rPr lang="en-US" sz="1400" dirty="0" smtClean="0"/>
+              <a:t>• Transfer </a:t>
+            </a:r>
+            <a:r>
+              <a:rPr lang="en-US" sz="1400" dirty="0" err="1" smtClean="0"/>
+              <a:t>csv</a:t>
+            </a:r>
+            <a:r>
+              <a:rPr lang="en-US" sz="1400" dirty="0" smtClean="0"/>
+              <a:t> and / or </a:t>
+            </a:r>
+            <a:r>
+              <a:rPr lang="en-US" sz="1400" dirty="0" err="1" smtClean="0"/>
+              <a:t>heatmap</a:t>
+            </a:r>
+            <a:r>
+              <a:rPr lang="en-US" sz="1400" dirty="0" smtClean="0"/>
+              <a:t> jpeg to fellow’s workstation</a:t>
+            </a:r>
+          </a:p>
+          <a:p>
             <a:endParaRPr lang="en-US" sz="1400" dirty="0"/>
+          </a:p>
+          <a:p>
+            <a:r>
+              <a:rPr lang="en-US" sz="1400" dirty="0"/>
+              <a:t>• Fellow prepares slides </a:t>
+            </a:r>
+            <a:r>
+              <a:rPr lang="en-US" sz="1400" dirty="0" smtClean="0"/>
+              <a:t>with </a:t>
+            </a:r>
+            <a:r>
+              <a:rPr lang="en-US" sz="1400" dirty="0" err="1" smtClean="0"/>
+              <a:t>EZTrack</a:t>
+            </a:r>
+            <a:r>
+              <a:rPr lang="en-US" sz="1400" dirty="0" smtClean="0"/>
+              <a:t> output with </a:t>
+            </a:r>
+            <a:r>
+              <a:rPr lang="en-US" sz="1400" dirty="0"/>
+              <a:t>preliminary diagnosis between fellow and </a:t>
+            </a:r>
+            <a:endParaRPr lang="en-US" sz="1400" dirty="0" smtClean="0"/>
+          </a:p>
+          <a:p>
+            <a:r>
+              <a:rPr lang="en-US" sz="1400" dirty="0"/>
+              <a:t> </a:t>
+            </a:r>
+            <a:r>
+              <a:rPr lang="en-US" sz="1400" dirty="0" smtClean="0"/>
+              <a:t> attending physician </a:t>
+            </a:r>
+            <a:r>
+              <a:rPr lang="en-US" sz="1400" dirty="0"/>
+              <a:t>on Monday.</a:t>
+            </a:r>
+          </a:p>
+          <a:p>
+            <a:endParaRPr lang="en-US" sz="1400" dirty="0"/>
+          </a:p>
+          <a:p>
+            <a:r>
+              <a:rPr lang="en-US" sz="1400" dirty="0"/>
+              <a:t>• Information presented at Tuesday conference (Grand Rounds) within a 5 to 10 minute interval.</a:t>
+            </a:r>
+          </a:p>
+          <a:p>
+            <a:endParaRPr lang="en-US" sz="1400" dirty="0"/>
+          </a:p>
+          <a:p>
+            <a:r>
+              <a:rPr lang="en-US" sz="1400" dirty="0"/>
+              <a:t>• Resection </a:t>
+            </a:r>
+            <a:r>
+              <a:rPr lang="en-US" sz="1400" dirty="0" smtClean="0"/>
+              <a:t>or patient release by </a:t>
+            </a:r>
+            <a:r>
+              <a:rPr lang="en-US" sz="1400" dirty="0"/>
+              <a:t>Thursday.</a:t>
+            </a:r>
+          </a:p>
+          <a:p>
+            <a:endParaRPr lang="en-US" sz="1400" dirty="0" smtClean="0"/>
+          </a:p>
+          <a:p>
+            <a:endParaRPr lang="en-US" dirty="0"/>
           </a:p>
         </p:txBody>
       </p:sp>
     </p:spTree>
     <p:extLst>
       <p:ext uri="{BB962C8B-B14F-4D97-AF65-F5344CB8AC3E}">
-        <p14:creationId xmlns:p14="http://schemas.microsoft.com/office/powerpoint/2010/main" val="1115193776"/>
+        <p14:creationId xmlns:p14="http://schemas.microsoft.com/office/powerpoint/2010/main" val="2123239796"/>
       </p:ext>
     </p:extLst>
   </p:cSld>

--- a/EZTrack-implementation-guide.pptx
+++ b/EZTrack-implementation-guide.pptx
@@ -5,44 +5,45 @@
     <p:sldMasterId id="2147483672" r:id="rId1"/>
   </p:sldMasterIdLst>
   <p:notesMasterIdLst>
-    <p:notesMasterId r:id="rId32"/>
+    <p:notesMasterId r:id="rId33"/>
   </p:notesMasterIdLst>
   <p:sldIdLst>
     <p:sldId id="341" r:id="rId2"/>
     <p:sldId id="402" r:id="rId3"/>
     <p:sldId id="406" r:id="rId4"/>
     <p:sldId id="398" r:id="rId5"/>
-    <p:sldId id="414" r:id="rId6"/>
-    <p:sldId id="415" r:id="rId7"/>
-    <p:sldId id="413" r:id="rId8"/>
-    <p:sldId id="416" r:id="rId9"/>
-    <p:sldId id="387" r:id="rId10"/>
-    <p:sldId id="412" r:id="rId11"/>
-    <p:sldId id="399" r:id="rId12"/>
-    <p:sldId id="409" r:id="rId13"/>
-    <p:sldId id="410" r:id="rId14"/>
-    <p:sldId id="411" r:id="rId15"/>
-    <p:sldId id="388" r:id="rId16"/>
-    <p:sldId id="384" r:id="rId17"/>
-    <p:sldId id="385" r:id="rId18"/>
-    <p:sldId id="401" r:id="rId19"/>
-    <p:sldId id="404" r:id="rId20"/>
-    <p:sldId id="407" r:id="rId21"/>
-    <p:sldId id="396" r:id="rId22"/>
-    <p:sldId id="408" r:id="rId23"/>
-    <p:sldId id="393" r:id="rId24"/>
-    <p:sldId id="394" r:id="rId25"/>
-    <p:sldId id="374" r:id="rId26"/>
-    <p:sldId id="381" r:id="rId27"/>
-    <p:sldId id="382" r:id="rId28"/>
-    <p:sldId id="383" r:id="rId29"/>
-    <p:sldId id="395" r:id="rId30"/>
-    <p:sldId id="400" r:id="rId31"/>
+    <p:sldId id="417" r:id="rId6"/>
+    <p:sldId id="414" r:id="rId7"/>
+    <p:sldId id="415" r:id="rId8"/>
+    <p:sldId id="413" r:id="rId9"/>
+    <p:sldId id="416" r:id="rId10"/>
+    <p:sldId id="387" r:id="rId11"/>
+    <p:sldId id="412" r:id="rId12"/>
+    <p:sldId id="399" r:id="rId13"/>
+    <p:sldId id="409" r:id="rId14"/>
+    <p:sldId id="410" r:id="rId15"/>
+    <p:sldId id="411" r:id="rId16"/>
+    <p:sldId id="388" r:id="rId17"/>
+    <p:sldId id="384" r:id="rId18"/>
+    <p:sldId id="385" r:id="rId19"/>
+    <p:sldId id="401" r:id="rId20"/>
+    <p:sldId id="404" r:id="rId21"/>
+    <p:sldId id="407" r:id="rId22"/>
+    <p:sldId id="396" r:id="rId23"/>
+    <p:sldId id="408" r:id="rId24"/>
+    <p:sldId id="393" r:id="rId25"/>
+    <p:sldId id="394" r:id="rId26"/>
+    <p:sldId id="374" r:id="rId27"/>
+    <p:sldId id="381" r:id="rId28"/>
+    <p:sldId id="382" r:id="rId29"/>
+    <p:sldId id="383" r:id="rId30"/>
+    <p:sldId id="395" r:id="rId31"/>
+    <p:sldId id="400" r:id="rId32"/>
   </p:sldIdLst>
   <p:sldSz cx="9144000" cy="6858000" type="screen4x3"/>
   <p:notesSz cx="6858000" cy="9144000"/>
   <p:custDataLst>
-    <p:tags r:id="rId34"/>
+    <p:tags r:id="rId35"/>
   </p:custDataLst>
   <p:defaultTextStyle>
     <a:defPPr>
@@ -141,7 +142,7 @@
   </p:defaultTextStyle>
   <p:extLst>
     <p:ext uri="{EFAFB233-063F-42B5-8137-9DF3F51BA10A}">
-      <p15:sldGuideLst xmlns:p15="http://schemas.microsoft.com/office/powerpoint/2012/main" xmlns="">
+      <p15:sldGuideLst xmlns="" xmlns:p15="http://schemas.microsoft.com/office/powerpoint/2012/main">
         <p15:guide id="1" orient="horz" pos="881" userDrawn="1">
           <p15:clr>
             <a:srgbClr val="A4A3A4"/>
@@ -708,7 +709,7 @@
             <a:fld id="{F37DDB51-C4FA-4A78-982E-52A8A52C539F}" type="slidenum">
               <a:rPr lang="en-US" smtClean="0"/>
               <a:pPr/>
-              <a:t>25</a:t>
+              <a:t>26</a:t>
             </a:fld>
             <a:endParaRPr lang="en-US" dirty="0"/>
           </a:p>
@@ -824,7 +825,7 @@
             <a:fld id="{F37DDB51-C4FA-4A78-982E-52A8A52C539F}" type="slidenum">
               <a:rPr lang="en-US" smtClean="0"/>
               <a:pPr/>
-              <a:t>26</a:t>
+              <a:t>27</a:t>
             </a:fld>
             <a:endParaRPr lang="en-US" dirty="0"/>
           </a:p>
@@ -940,7 +941,7 @@
             <a:fld id="{F37DDB51-C4FA-4A78-982E-52A8A52C539F}" type="slidenum">
               <a:rPr lang="en-US" smtClean="0"/>
               <a:pPr/>
-              <a:t>27</a:t>
+              <a:t>28</a:t>
             </a:fld>
             <a:endParaRPr lang="en-US" dirty="0"/>
           </a:p>
@@ -1056,7 +1057,7 @@
             <a:fld id="{F37DDB51-C4FA-4A78-982E-52A8A52C539F}" type="slidenum">
               <a:rPr lang="en-US" smtClean="0"/>
               <a:pPr/>
-              <a:t>28</a:t>
+              <a:t>29</a:t>
             </a:fld>
             <a:endParaRPr lang="en-US" dirty="0"/>
           </a:p>
@@ -3260,8 +3261,8 @@
         </p:nvSpPr>
         <p:spPr>
           <a:xfrm>
-            <a:off x="1447800" y="2895600"/>
-            <a:ext cx="5105400" cy="646331"/>
+            <a:off x="304800" y="152400"/>
+            <a:ext cx="8659744" cy="6832638"/>
           </a:xfrm>
           <a:prstGeom prst="rect">
             <a:avLst/>
@@ -3275,10 +3276,315 @@
           <a:lstStyle/>
           <a:p>
             <a:r>
-              <a:rPr lang="en-US" b="1" dirty="0" smtClean="0"/>
-              <a:t>Implementation Details</a:t>
-            </a:r>
-            <a:endParaRPr lang="en-US" b="1" dirty="0"/>
+              <a:rPr lang="en-US" sz="1600" b="1" dirty="0" smtClean="0"/>
+              <a:t>Neurology Workflow</a:t>
+            </a:r>
+            <a:endParaRPr lang="en-US" sz="1600" dirty="0"/>
+          </a:p>
+          <a:p>
+            <a:endParaRPr lang="en-US" sz="1400" dirty="0"/>
+          </a:p>
+          <a:p>
+            <a:r>
+              <a:rPr lang="en-US" sz="1400" i="1" dirty="0"/>
+              <a:t>• </a:t>
+            </a:r>
+            <a:r>
+              <a:rPr lang="en-US" sz="1400" i="1" dirty="0" smtClean="0"/>
+              <a:t>Context: Patient </a:t>
+            </a:r>
+            <a:r>
+              <a:rPr lang="en-US" sz="1400" i="1" dirty="0"/>
+              <a:t>has undergone previous treatment attempts that have been unsuccessful. Surgical resection is now the </a:t>
+            </a:r>
+            <a:r>
+              <a:rPr lang="en-US" sz="1400" i="1" dirty="0" smtClean="0"/>
+              <a:t>most promising </a:t>
+            </a:r>
+            <a:r>
+              <a:rPr lang="en-US" sz="1400" i="1" dirty="0"/>
+              <a:t>outcome. Previous scalp EEG treatment has been performed to narrow down the potential location of the </a:t>
+            </a:r>
+            <a:r>
+              <a:rPr lang="en-US" sz="1400" i="1" dirty="0" smtClean="0"/>
+              <a:t>EZ in </a:t>
+            </a:r>
+            <a:r>
+              <a:rPr lang="en-US" sz="1400" i="1" dirty="0"/>
+              <a:t>preparation for a craniotomy and implantation.</a:t>
+            </a:r>
+          </a:p>
+          <a:p>
+            <a:endParaRPr lang="en-US" sz="1400" i="1" dirty="0"/>
+          </a:p>
+          <a:p>
+            <a:r>
+              <a:rPr lang="en-US" sz="1400" dirty="0"/>
+              <a:t>• Patient is implanted on </a:t>
+            </a:r>
+            <a:r>
+              <a:rPr lang="en-US" sz="1400" dirty="0" smtClean="0"/>
+              <a:t>Thursday by Neurosurgery.</a:t>
+            </a:r>
+            <a:endParaRPr lang="en-US" sz="1400" dirty="0"/>
+          </a:p>
+          <a:p>
+            <a:endParaRPr lang="en-US" sz="1400" dirty="0"/>
+          </a:p>
+          <a:p>
+            <a:r>
+              <a:rPr lang="en-US" sz="1400" dirty="0"/>
+              <a:t>• Patient is connected to </a:t>
+            </a:r>
+            <a:r>
+              <a:rPr lang="en-US" sz="1400" dirty="0" smtClean="0"/>
+              <a:t>EEG on Friday by Neurology.</a:t>
+            </a:r>
+          </a:p>
+          <a:p>
+            <a:endParaRPr lang="en-US" sz="1400" dirty="0"/>
+          </a:p>
+          <a:p>
+            <a:r>
+              <a:rPr lang="en-US" sz="1400" dirty="0"/>
+              <a:t>• Fellow exports Patient Event Report from NK </a:t>
+            </a:r>
+            <a:r>
+              <a:rPr lang="en-US" sz="1400" dirty="0" smtClean="0"/>
+              <a:t>on Monday.</a:t>
+            </a:r>
+            <a:endParaRPr lang="en-US" sz="1400" dirty="0"/>
+          </a:p>
+          <a:p>
+            <a:endParaRPr lang="en-US" sz="1400" dirty="0" smtClean="0"/>
+          </a:p>
+          <a:p>
+            <a:r>
+              <a:rPr lang="en-US" sz="1400" dirty="0" smtClean="0"/>
+              <a:t>• Fellow transfers report to </a:t>
+            </a:r>
+            <a:r>
+              <a:rPr lang="en-US" sz="1400" dirty="0" err="1" smtClean="0"/>
+              <a:t>EZTrack</a:t>
+            </a:r>
+            <a:r>
+              <a:rPr lang="en-US" sz="1400" dirty="0" smtClean="0"/>
+              <a:t> server</a:t>
+            </a:r>
+            <a:endParaRPr lang="en-US" sz="1400" dirty="0"/>
+          </a:p>
+          <a:p>
+            <a:endParaRPr lang="en-US" sz="1400" dirty="0"/>
+          </a:p>
+          <a:p>
+            <a:r>
+              <a:rPr lang="en-US" sz="1400" dirty="0"/>
+              <a:t>• Fellow runs </a:t>
+            </a:r>
+            <a:r>
+              <a:rPr lang="en-US" sz="1400" dirty="0" err="1"/>
+              <a:t>eztrack</a:t>
+            </a:r>
+            <a:r>
+              <a:rPr lang="en-US" sz="1400" dirty="0"/>
+              <a:t> command </a:t>
+            </a:r>
+            <a:r>
+              <a:rPr lang="en-US" sz="1400" dirty="0" smtClean="0"/>
+              <a:t>to produce </a:t>
+            </a:r>
+            <a:r>
+              <a:rPr lang="en-US" sz="1400" dirty="0"/>
+              <a:t>a </a:t>
+            </a:r>
+            <a:r>
+              <a:rPr lang="en-US" sz="1400" dirty="0" err="1"/>
+              <a:t>heatmap</a:t>
+            </a:r>
+            <a:r>
+              <a:rPr lang="en-US" sz="1400" dirty="0"/>
+              <a:t> and </a:t>
+            </a:r>
+            <a:r>
+              <a:rPr lang="en-US" sz="1400" dirty="0" err="1" smtClean="0"/>
+              <a:t>csv</a:t>
+            </a:r>
+            <a:r>
+              <a:rPr lang="en-US" sz="1400" dirty="0" smtClean="0"/>
+              <a:t>:</a:t>
+            </a:r>
+          </a:p>
+          <a:p>
+            <a:endParaRPr lang="en-US" sz="1400" dirty="0"/>
+          </a:p>
+          <a:p>
+            <a:r>
+              <a:rPr lang="en-US" sz="1400" dirty="0" smtClean="0">
+                <a:latin typeface="Andale Mono"/>
+                <a:cs typeface="Andale Mono"/>
+              </a:rPr>
+              <a:t> </a:t>
+            </a:r>
+            <a:r>
+              <a:rPr lang="en-US" sz="1400" dirty="0" err="1" smtClean="0">
+                <a:latin typeface="Andale Mono"/>
+                <a:cs typeface="Andale Mono"/>
+              </a:rPr>
+              <a:t>eztrack</a:t>
+            </a:r>
+            <a:r>
+              <a:rPr lang="en-US" sz="1400" dirty="0" smtClean="0">
+                <a:latin typeface="Andale Mono"/>
+                <a:cs typeface="Andale Mono"/>
+              </a:rPr>
+              <a:t> </a:t>
+            </a:r>
+            <a:r>
+              <a:rPr lang="en-US" sz="1400" dirty="0">
+                <a:latin typeface="Andale Mono"/>
+                <a:cs typeface="Andale Mono"/>
+              </a:rPr>
+              <a:t>temporal </a:t>
+            </a:r>
+            <a:r>
+              <a:rPr lang="en-US" sz="1400" dirty="0" smtClean="0">
+                <a:latin typeface="Andale Mono"/>
+                <a:cs typeface="Andale Mono"/>
+              </a:rPr>
+              <a:t>~/reports/</a:t>
+            </a:r>
+            <a:r>
+              <a:rPr lang="en-US" sz="1400" dirty="0" err="1" smtClean="0">
+                <a:latin typeface="Andale Mono"/>
+                <a:cs typeface="Andale Mono"/>
+              </a:rPr>
+              <a:t>event_report.txt</a:t>
+            </a:r>
+            <a:endParaRPr lang="en-US" sz="1400" dirty="0">
+              <a:latin typeface="Andale Mono"/>
+              <a:cs typeface="Andale Mono"/>
+            </a:endParaRPr>
+          </a:p>
+          <a:p>
+            <a:r>
+              <a:rPr lang="en-US" sz="1400" b="1" dirty="0" smtClean="0"/>
+              <a:t>  </a:t>
+            </a:r>
+          </a:p>
+          <a:p>
+            <a:r>
+              <a:rPr lang="en-US" sz="1400" i="1" dirty="0"/>
+              <a:t> </a:t>
+            </a:r>
+            <a:r>
+              <a:rPr lang="en-US" sz="1400" i="1" dirty="0" smtClean="0"/>
+              <a:t> NB: Assume id can be inferred from the MEF files on Christophe’s server, </a:t>
+            </a:r>
+          </a:p>
+          <a:p>
+            <a:r>
+              <a:rPr lang="en-US" sz="1400" i="1" dirty="0"/>
+              <a:t> </a:t>
+            </a:r>
+            <a:r>
+              <a:rPr lang="en-US" sz="1400" i="1" dirty="0" smtClean="0"/>
+              <a:t> since there’s only one grid being monitored at a time.</a:t>
+            </a:r>
+            <a:endParaRPr lang="en-US" sz="1400" i="1" dirty="0"/>
+          </a:p>
+          <a:p>
+            <a:endParaRPr lang="en-US" sz="1400" dirty="0" smtClean="0"/>
+          </a:p>
+          <a:p>
+            <a:r>
+              <a:rPr lang="en-US" sz="1400" dirty="0" smtClean="0"/>
+              <a:t>• Transfer </a:t>
+            </a:r>
+            <a:r>
+              <a:rPr lang="en-US" sz="1400" dirty="0" err="1" smtClean="0"/>
+              <a:t>csv</a:t>
+            </a:r>
+            <a:r>
+              <a:rPr lang="en-US" sz="1400" dirty="0" smtClean="0"/>
+              <a:t> and / or </a:t>
+            </a:r>
+            <a:r>
+              <a:rPr lang="en-US" sz="1400" dirty="0" err="1" smtClean="0"/>
+              <a:t>heatmap</a:t>
+            </a:r>
+            <a:r>
+              <a:rPr lang="en-US" sz="1400" dirty="0" smtClean="0"/>
+              <a:t> jpeg to fellow’s workstation</a:t>
+            </a:r>
+          </a:p>
+          <a:p>
+            <a:endParaRPr lang="en-US" sz="1400" dirty="0"/>
+          </a:p>
+          <a:p>
+            <a:r>
+              <a:rPr lang="en-US" sz="1400" dirty="0"/>
+              <a:t>• Fellow prepares slides </a:t>
+            </a:r>
+            <a:r>
+              <a:rPr lang="en-US" sz="1400" dirty="0" smtClean="0"/>
+              <a:t>with </a:t>
+            </a:r>
+            <a:r>
+              <a:rPr lang="en-US" sz="1400" dirty="0" err="1" smtClean="0"/>
+              <a:t>EZTrack</a:t>
+            </a:r>
+            <a:r>
+              <a:rPr lang="en-US" sz="1400" dirty="0" smtClean="0"/>
+              <a:t> output with </a:t>
+            </a:r>
+            <a:r>
+              <a:rPr lang="en-US" sz="1400" dirty="0"/>
+              <a:t>preliminary diagnosis between fellow and </a:t>
+            </a:r>
+            <a:endParaRPr lang="en-US" sz="1400" dirty="0" smtClean="0"/>
+          </a:p>
+          <a:p>
+            <a:r>
+              <a:rPr lang="en-US" sz="1400" dirty="0"/>
+              <a:t> </a:t>
+            </a:r>
+            <a:r>
+              <a:rPr lang="en-US" sz="1400" dirty="0" smtClean="0"/>
+              <a:t> attending physician </a:t>
+            </a:r>
+            <a:r>
+              <a:rPr lang="en-US" sz="1400" dirty="0"/>
+              <a:t>on Monday.</a:t>
+            </a:r>
+          </a:p>
+          <a:p>
+            <a:endParaRPr lang="en-US" sz="1400" dirty="0"/>
+          </a:p>
+          <a:p>
+            <a:r>
+              <a:rPr lang="en-US" sz="1400" dirty="0"/>
+              <a:t>• Information presented at Tuesday conference (Grand Rounds) within a 5 to 10 minute interval.</a:t>
+            </a:r>
+          </a:p>
+          <a:p>
+            <a:endParaRPr lang="en-US" sz="1400" dirty="0"/>
+          </a:p>
+          <a:p>
+            <a:r>
+              <a:rPr lang="en-US" sz="1400" dirty="0"/>
+              <a:t>• Resection </a:t>
+            </a:r>
+            <a:r>
+              <a:rPr lang="en-US" sz="1400" dirty="0" smtClean="0"/>
+              <a:t>or patient release by </a:t>
+            </a:r>
+            <a:r>
+              <a:rPr lang="en-US" sz="1400" dirty="0"/>
+              <a:t>Thursday.</a:t>
+            </a:r>
+          </a:p>
+          <a:p>
+            <a:endParaRPr lang="en-US" sz="1400" dirty="0" smtClean="0"/>
           </a:p>
           <a:p>
             <a:endParaRPr lang="en-US" dirty="0"/>
@@ -3288,7 +3594,7 @@
     </p:spTree>
     <p:extLst>
       <p:ext uri="{BB962C8B-B14F-4D97-AF65-F5344CB8AC3E}">
-        <p14:creationId xmlns:p14="http://schemas.microsoft.com/office/powerpoint/2010/main" val="1894738790"/>
+        <p14:creationId xmlns:p14="http://schemas.microsoft.com/office/powerpoint/2010/main" val="2123239796"/>
       </p:ext>
     </p:extLst>
   </p:cSld>
@@ -3354,8 +3660,8 @@
         </p:nvSpPr>
         <p:spPr>
           <a:xfrm>
-            <a:off x="27057" y="152401"/>
-            <a:ext cx="8659744" cy="3323987"/>
+            <a:off x="1447800" y="2895600"/>
+            <a:ext cx="5105400" cy="646331"/>
           </a:xfrm>
           <a:prstGeom prst="rect">
             <a:avLst/>
@@ -3369,179 +3675,12 @@
           <a:lstStyle/>
           <a:p>
             <a:r>
-              <a:rPr lang="en-US" sz="1400" b="1" dirty="0" smtClean="0"/>
-              <a:t>Event / MEF Pipeline: </a:t>
-            </a:r>
-            <a:r>
-              <a:rPr lang="en-US" sz="1400" b="1" dirty="0"/>
-              <a:t>report2events</a:t>
-            </a:r>
-            <a:r>
-              <a:rPr lang="en-US" sz="1400" dirty="0"/>
-              <a:t> </a:t>
-            </a:r>
-            <a:r>
-              <a:rPr lang="en-US" sz="1400" dirty="0" smtClean="0"/>
-              <a:t>-</a:t>
-            </a:r>
-            <a:r>
-              <a:rPr lang="en-US" sz="1400" dirty="0"/>
-              <a:t>&gt; </a:t>
-            </a:r>
-            <a:r>
-              <a:rPr lang="en-US" sz="1400" dirty="0" err="1"/>
-              <a:t>mef_finder</a:t>
-            </a:r>
-            <a:r>
-              <a:rPr lang="en-US" sz="1400" dirty="0"/>
-              <a:t> -&gt; </a:t>
-            </a:r>
-            <a:r>
-              <a:rPr lang="en-US" sz="1400" dirty="0" err="1" smtClean="0"/>
-              <a:t>mef_copy</a:t>
-            </a:r>
-            <a:r>
-              <a:rPr lang="en-US" sz="1400" dirty="0"/>
-              <a:t> -&gt; </a:t>
-            </a:r>
-            <a:r>
-              <a:rPr lang="en-US" sz="1400" dirty="0" smtClean="0"/>
-              <a:t>mef2eeg</a:t>
-            </a:r>
-            <a:endParaRPr lang="en-US" sz="1400" dirty="0"/>
-          </a:p>
-          <a:p>
-            <a:endParaRPr lang="en-US" sz="1400" dirty="0"/>
-          </a:p>
-          <a:p>
-            <a:r>
-              <a:rPr lang="en-US" sz="1400" dirty="0" smtClean="0">
-                <a:latin typeface="Andale Mono"/>
-                <a:cs typeface="Andale Mono"/>
-              </a:rPr>
-              <a:t>report2events</a:t>
-            </a:r>
-            <a:endParaRPr lang="en-US" sz="1400" dirty="0">
-              <a:latin typeface="Andale Mono"/>
-              <a:cs typeface="Andale Mono"/>
-            </a:endParaRPr>
-          </a:p>
-          <a:p>
-            <a:endParaRPr lang="en-US" sz="1400" dirty="0" smtClean="0"/>
-          </a:p>
-          <a:p>
-            <a:r>
-              <a:rPr lang="en-US" sz="1400" dirty="0" smtClean="0"/>
-              <a:t>        • Fellow exports events text file from from NK system containing seizure onset and offset times.</a:t>
-            </a:r>
-          </a:p>
-          <a:p>
-            <a:endParaRPr lang="en-US" sz="1400" dirty="0" smtClean="0"/>
-          </a:p>
-          <a:p>
-            <a:r>
-              <a:rPr lang="en-US" sz="1400" dirty="0"/>
-              <a:t> </a:t>
-            </a:r>
-            <a:r>
-              <a:rPr lang="en-US" sz="1400" dirty="0" smtClean="0"/>
-              <a:t>       • Tool parses this input and extracts times in a format compatible with </a:t>
-            </a:r>
-            <a:r>
-              <a:rPr lang="en-US" sz="1400" dirty="0" err="1" smtClean="0"/>
-              <a:t>EZTrack</a:t>
-            </a:r>
-            <a:r>
-              <a:rPr lang="en-US" sz="1400" dirty="0" smtClean="0"/>
-              <a:t>.</a:t>
-            </a:r>
-          </a:p>
-          <a:p>
-            <a:r>
-              <a:rPr lang="en-US" sz="1400" b="1" dirty="0" smtClean="0"/>
-              <a:t> </a:t>
-            </a:r>
-            <a:r>
-              <a:rPr lang="en-US" sz="1400" b="1" dirty="0"/>
-              <a:t>   </a:t>
-            </a:r>
-            <a:r>
-              <a:rPr lang="en-US" sz="1400" b="1" dirty="0" smtClean="0"/>
-              <a:t>          • </a:t>
-            </a:r>
-            <a:r>
-              <a:rPr lang="en-US" sz="1400" dirty="0"/>
-              <a:t>Someone on the </a:t>
-            </a:r>
-            <a:r>
-              <a:rPr lang="en-US" sz="1400" dirty="0" err="1"/>
-              <a:t>EZTrack</a:t>
-            </a:r>
-            <a:r>
-              <a:rPr lang="en-US" sz="1400" dirty="0"/>
-              <a:t> team could code up the onset / offset times </a:t>
-            </a:r>
-            <a:r>
-              <a:rPr lang="en-US" sz="1400" dirty="0" smtClean="0"/>
-              <a:t>if an obvious pattern</a:t>
-            </a:r>
-          </a:p>
-          <a:p>
-            <a:r>
-              <a:rPr lang="en-US" sz="1400" dirty="0"/>
-              <a:t> </a:t>
-            </a:r>
-            <a:r>
-              <a:rPr lang="en-US" sz="1400" dirty="0" smtClean="0"/>
-              <a:t>               doesn’t emerge that could be parsed automatically and reliably.</a:t>
-            </a:r>
-            <a:endParaRPr lang="en-US" sz="1400" dirty="0"/>
-          </a:p>
-          <a:p>
-            <a:r>
-              <a:rPr lang="en-US" sz="1400" dirty="0"/>
-              <a:t>      </a:t>
-            </a:r>
-            <a:r>
-              <a:rPr lang="en-US" sz="1400" dirty="0" smtClean="0"/>
-              <a:t>              • Email or FTP the report with AES 256 encryption using GPG and a job id.</a:t>
-            </a:r>
-          </a:p>
-          <a:p>
-            <a:r>
-              <a:rPr lang="en-US" sz="1400" dirty="0"/>
-              <a:t> </a:t>
-            </a:r>
-            <a:r>
-              <a:rPr lang="en-US" sz="1400" dirty="0" smtClean="0"/>
-              <a:t>                   • Email or FTP a CSV with a job id.</a:t>
-            </a:r>
-          </a:p>
-          <a:p>
-            <a:endParaRPr lang="en-US" sz="1400" dirty="0" smtClean="0"/>
-          </a:p>
-          <a:p>
-            <a:r>
-              <a:rPr lang="en-US" sz="1400" dirty="0"/>
-              <a:t> </a:t>
-            </a:r>
-            <a:r>
-              <a:rPr lang="en-US" sz="1400" dirty="0" smtClean="0"/>
-              <a:t>       • Parsed onset / offset times are presented to the fellow for confirmation.       </a:t>
-            </a:r>
-          </a:p>
-          <a:p>
-            <a:r>
-              <a:rPr lang="en-US" sz="1400" dirty="0" smtClean="0"/>
-              <a:t>  </a:t>
-            </a:r>
-            <a:endParaRPr lang="en-US" dirty="0"/>
-          </a:p>
-          <a:p>
-            <a:r>
-              <a:rPr lang="en-US" sz="1400" dirty="0" smtClean="0"/>
-              <a:t>Output is a CSV of seizure onset / offset times with a job id (assume patient id is not yet known)</a:t>
-            </a:r>
+              <a:rPr lang="en-US" b="1" dirty="0" smtClean="0"/>
+              <a:t>Implementation Details</a:t>
+            </a:r>
+            <a:endParaRPr lang="en-US" b="1" dirty="0"/>
+          </a:p>
+          <a:p>
             <a:endParaRPr lang="en-US" dirty="0"/>
           </a:p>
         </p:txBody>
@@ -3549,7 +3688,7 @@
     </p:spTree>
     <p:extLst>
       <p:ext uri="{BB962C8B-B14F-4D97-AF65-F5344CB8AC3E}">
-        <p14:creationId xmlns:p14="http://schemas.microsoft.com/office/powerpoint/2010/main" val="3554514998"/>
+        <p14:creationId xmlns:p14="http://schemas.microsoft.com/office/powerpoint/2010/main" val="1894738790"/>
       </p:ext>
     </p:extLst>
   </p:cSld>
@@ -3616,7 +3755,7 @@
         <p:spPr>
           <a:xfrm>
             <a:off x="27057" y="152401"/>
-            <a:ext cx="8659744" cy="3447098"/>
+            <a:ext cx="8659744" cy="3323987"/>
           </a:xfrm>
           <a:prstGeom prst="rect">
             <a:avLst/>
@@ -3634,8 +3773,12 @@
               <a:t>Event / MEF Pipeline: </a:t>
             </a:r>
             <a:r>
-              <a:rPr lang="en-US" sz="1400" dirty="0"/>
-              <a:t>report2events </a:t>
+              <a:rPr lang="en-US" sz="1400" b="1" dirty="0"/>
+              <a:t>report2events</a:t>
+            </a:r>
+            <a:r>
+              <a:rPr lang="en-US" sz="1400" dirty="0"/>
+              <a:t> </a:t>
             </a:r>
             <a:r>
               <a:rPr lang="en-US" sz="1400" dirty="0" smtClean="0"/>
@@ -3646,7 +3789,7 @@
               <a:t>&gt; </a:t>
             </a:r>
             <a:r>
-              <a:rPr lang="en-US" sz="1400" b="1" dirty="0" err="1"/>
+              <a:rPr lang="en-US" sz="1400" dirty="0" err="1"/>
               <a:t>mef_finder</a:t>
             </a:r>
             <a:r>
@@ -3658,24 +3801,25 @@
               <a:t>mef_copy</a:t>
             </a:r>
             <a:r>
-              <a:rPr lang="en-US" sz="1400" dirty="0" smtClean="0"/>
-              <a:t> -</a:t>
-            </a:r>
-            <a:r>
-              <a:rPr lang="en-US" sz="1400" dirty="0"/>
-              <a:t>&gt; mef2eeg</a:t>
-            </a:r>
-          </a:p>
-          <a:p>
-            <a:endParaRPr lang="en-US" sz="1400" dirty="0" smtClean="0"/>
-          </a:p>
-          <a:p>
-            <a:r>
-              <a:rPr lang="en-US" sz="1400" dirty="0" err="1" smtClean="0">
+              <a:rPr lang="en-US" sz="1400" dirty="0"/>
+              <a:t> -&gt; </a:t>
+            </a:r>
+            <a:r>
+              <a:rPr lang="en-US" sz="1400" dirty="0" smtClean="0"/>
+              <a:t>mef2eeg</a:t>
+            </a:r>
+            <a:endParaRPr lang="en-US" sz="1400" dirty="0"/>
+          </a:p>
+          <a:p>
+            <a:endParaRPr lang="en-US" sz="1400" dirty="0"/>
+          </a:p>
+          <a:p>
+            <a:r>
+              <a:rPr lang="en-US" sz="1400" dirty="0" smtClean="0">
                 <a:latin typeface="Andale Mono"/>
                 <a:cs typeface="Andale Mono"/>
               </a:rPr>
-              <a:t>mef_finder</a:t>
+              <a:t>report2events</a:t>
             </a:r>
             <a:endParaRPr lang="en-US" sz="1400" dirty="0">
               <a:latin typeface="Andale Mono"/>
@@ -3687,28 +3831,8 @@
           </a:p>
           <a:p>
             <a:r>
-              <a:rPr lang="en-US" sz="1400" b="1" dirty="0" smtClean="0"/>
-              <a:t>         </a:t>
-            </a:r>
-            <a:r>
-              <a:rPr lang="en-US" sz="1400" dirty="0" smtClean="0"/>
-              <a:t>• Must </a:t>
-            </a:r>
-            <a:r>
-              <a:rPr lang="en-US" sz="1400" dirty="0"/>
-              <a:t>be on-</a:t>
-            </a:r>
-            <a:r>
-              <a:rPr lang="en-US" sz="1400" dirty="0" err="1"/>
-              <a:t>prem</a:t>
-            </a:r>
-            <a:r>
-              <a:rPr lang="en-US" sz="1400" dirty="0"/>
-              <a:t> at </a:t>
-            </a:r>
-            <a:r>
-              <a:rPr lang="en-US" sz="1400" dirty="0" smtClean="0"/>
-              <a:t>JHH in order to access Christophe’s file store.</a:t>
+              <a:rPr lang="en-US" sz="1400" dirty="0" smtClean="0"/>
+              <a:t>        • Fellow exports events text file from from NK system containing seizure onset and offset times.</a:t>
             </a:r>
           </a:p>
           <a:p>
@@ -3721,66 +3845,7 @@
             </a:r>
             <a:r>
               <a:rPr lang="en-US" sz="1400" dirty="0" smtClean="0"/>
-              <a:t>        • </a:t>
-            </a:r>
-            <a:r>
-              <a:rPr lang="en-US" sz="1400" dirty="0"/>
-              <a:t>Search XML files associated with the MEF entries by </a:t>
-            </a:r>
-            <a:r>
-              <a:rPr lang="en-US" sz="1400" dirty="0" smtClean="0"/>
-              <a:t>onset </a:t>
-            </a:r>
-            <a:r>
-              <a:rPr lang="en-US" sz="1400" dirty="0"/>
-              <a:t>and offset </a:t>
-            </a:r>
-            <a:r>
-              <a:rPr lang="en-US" sz="1400" dirty="0" smtClean="0"/>
-              <a:t>times in input file.</a:t>
-            </a:r>
-            <a:endParaRPr lang="en-US" sz="1400" dirty="0"/>
-          </a:p>
-          <a:p>
-            <a:endParaRPr lang="en-US" sz="1400" dirty="0" smtClean="0"/>
-          </a:p>
-          <a:p>
-            <a:r>
-              <a:rPr lang="en-US" sz="1400" dirty="0"/>
-              <a:t>Output is the collection of MEF files to copy, along with the </a:t>
-            </a:r>
-            <a:r>
-              <a:rPr lang="en-US" sz="1400" dirty="0" err="1"/>
-              <a:t>PatientID</a:t>
-            </a:r>
-            <a:r>
-              <a:rPr lang="en-US" sz="1400" dirty="0"/>
-              <a:t>.</a:t>
-            </a:r>
-          </a:p>
-          <a:p>
-            <a:r>
-              <a:rPr lang="en-US" sz="1400" dirty="0" smtClean="0"/>
-              <a:t>                            </a:t>
-            </a:r>
-            <a:endParaRPr lang="en-US" sz="1400" dirty="0"/>
-          </a:p>
-          <a:p>
-            <a:r>
-              <a:rPr lang="en-US" sz="1400" dirty="0"/>
-              <a:t> </a:t>
-            </a:r>
-            <a:r>
-              <a:rPr lang="en-US" sz="1400" dirty="0" smtClean="0"/>
-              <a:t>        • Copy </a:t>
-            </a:r>
-            <a:r>
-              <a:rPr lang="en-US" sz="1400" dirty="0"/>
-              <a:t>matching files to </a:t>
-            </a:r>
-            <a:r>
-              <a:rPr lang="en-US" sz="1400" dirty="0" smtClean="0"/>
-              <a:t>local </a:t>
+              <a:t>       • Tool parses this input and extracts times in a format compatible with </a:t>
             </a:r>
             <a:r>
               <a:rPr lang="en-US" sz="1400" dirty="0" err="1" smtClean="0"/>
@@ -3788,78 +3853,95 @@
             </a:r>
             <a:r>
               <a:rPr lang="en-US" sz="1400" dirty="0" smtClean="0"/>
-              <a:t> server: </a:t>
-            </a:r>
-            <a:r>
-              <a:rPr lang="en-US" sz="1400" dirty="0" err="1" smtClean="0"/>
-              <a:t>mef_copy</a:t>
-            </a:r>
-            <a:r>
-              <a:rPr lang="en-US" sz="1400" dirty="0" smtClean="0"/>
               <a:t>.</a:t>
             </a:r>
           </a:p>
           <a:p>
             <a:r>
-              <a:rPr lang="en-US" sz="1400" dirty="0"/>
+              <a:rPr lang="en-US" sz="1400" b="1" dirty="0" smtClean="0"/>
               <a:t> </a:t>
             </a:r>
             <a:r>
-              <a:rPr lang="en-US" sz="1400" dirty="0" smtClean="0"/>
-              <a:t>       </a:t>
-            </a:r>
+              <a:rPr lang="en-US" sz="1400" b="1" dirty="0"/>
+              <a:t>   </a:t>
+            </a:r>
+            <a:r>
+              <a:rPr lang="en-US" sz="1400" b="1" dirty="0" smtClean="0"/>
+              <a:t>          • </a:t>
+            </a:r>
+            <a:r>
+              <a:rPr lang="en-US" sz="1400" dirty="0"/>
+              <a:t>Someone on the </a:t>
+            </a:r>
+            <a:r>
+              <a:rPr lang="en-US" sz="1400" dirty="0" err="1"/>
+              <a:t>EZTrack</a:t>
+            </a:r>
+            <a:r>
+              <a:rPr lang="en-US" sz="1400" dirty="0"/>
+              <a:t> team could code up the onset / offset times </a:t>
+            </a:r>
+            <a:r>
+              <a:rPr lang="en-US" sz="1400" dirty="0" smtClean="0"/>
+              <a:t>if an obvious pattern</a:t>
+            </a:r>
+          </a:p>
+          <a:p>
             <a:r>
               <a:rPr lang="en-US" sz="1400" dirty="0"/>
               <a:t> </a:t>
             </a:r>
             <a:r>
               <a:rPr lang="en-US" sz="1400" dirty="0" smtClean="0"/>
-              <a:t>  Each </a:t>
-            </a:r>
-            <a:r>
-              <a:rPr lang="en-US" sz="1400" dirty="0"/>
-              <a:t>1 hour MEF segment is ~2GB. </a:t>
-            </a:r>
+              <a:t>               doesn’t emerge that could be parsed automatically and reliably.</a:t>
+            </a:r>
+            <a:endParaRPr lang="en-US" sz="1400" dirty="0"/>
+          </a:p>
+          <a:p>
+            <a:r>
+              <a:rPr lang="en-US" sz="1400" dirty="0"/>
+              <a:t>      </a:t>
+            </a:r>
+            <a:r>
+              <a:rPr lang="en-US" sz="1400" dirty="0" smtClean="0"/>
+              <a:t>              • Email or FTP the report with AES 256 encryption using GPG and a job id.</a:t>
+            </a:r>
+          </a:p>
+          <a:p>
+            <a:r>
+              <a:rPr lang="en-US" sz="1400" dirty="0"/>
+              <a:t> </a:t>
+            </a:r>
+            <a:r>
+              <a:rPr lang="en-US" sz="1400" dirty="0" smtClean="0"/>
+              <a:t>                   • Email or FTP a CSV with a job id.</a:t>
+            </a:r>
+          </a:p>
+          <a:p>
             <a:endParaRPr lang="en-US" sz="1400" dirty="0" smtClean="0"/>
           </a:p>
           <a:p>
             <a:r>
-              <a:rPr lang="en-US" sz="1400" dirty="0" smtClean="0"/>
-              <a:t>           Estimate transfer to </a:t>
-            </a:r>
-            <a:r>
-              <a:rPr lang="en-US" sz="1400" dirty="0"/>
-              <a:t>take </a:t>
-            </a:r>
-            <a:r>
-              <a:rPr lang="en-US" sz="1400" dirty="0" smtClean="0"/>
-              <a:t>~3 </a:t>
-            </a:r>
-            <a:r>
-              <a:rPr lang="en-US" sz="1400" dirty="0" err="1"/>
-              <a:t>mins</a:t>
-            </a:r>
-            <a:r>
-              <a:rPr lang="en-US" sz="1400" dirty="0"/>
-              <a:t> assuming </a:t>
-            </a:r>
-            <a:r>
-              <a:rPr lang="en-US" sz="1400" dirty="0" smtClean="0"/>
-              <a:t>100Mbps LAN.</a:t>
-            </a:r>
-          </a:p>
-          <a:p>
-            <a:r>
               <a:rPr lang="en-US" sz="1400" dirty="0"/>
               <a:t> </a:t>
             </a:r>
             <a:r>
               <a:rPr lang="en-US" sz="1400" dirty="0" smtClean="0"/>
-              <a:t>        </a:t>
+              <a:t>       • Parsed onset / offset times are presented to the fellow for confirmation.       </a:t>
+            </a:r>
+          </a:p>
+          <a:p>
+            <a:r>
+              <a:rPr lang="en-US" sz="1400" dirty="0" smtClean="0"/>
+              <a:t>  </a:t>
             </a:r>
             <a:endParaRPr lang="en-US" dirty="0"/>
           </a:p>
           <a:p>
+            <a:r>
+              <a:rPr lang="en-US" sz="1400" dirty="0" smtClean="0"/>
+              <a:t>Output is a CSV of seizure onset / offset times with a job id (assume patient id is not yet known)</a:t>
+            </a:r>
             <a:endParaRPr lang="en-US" dirty="0"/>
           </a:p>
         </p:txBody>
@@ -3867,7 +3949,7 @@
     </p:spTree>
     <p:extLst>
       <p:ext uri="{BB962C8B-B14F-4D97-AF65-F5344CB8AC3E}">
-        <p14:creationId xmlns:p14="http://schemas.microsoft.com/office/powerpoint/2010/main" val="3316594900"/>
+        <p14:creationId xmlns:p14="http://schemas.microsoft.com/office/powerpoint/2010/main" val="3554514998"/>
       </p:ext>
     </p:extLst>
   </p:cSld>
@@ -3934,7 +4016,7 @@
         <p:spPr>
           <a:xfrm>
             <a:off x="27057" y="152401"/>
-            <a:ext cx="8659744" cy="2031325"/>
+            <a:ext cx="8659744" cy="3447098"/>
           </a:xfrm>
           <a:prstGeom prst="rect">
             <a:avLst/>
@@ -3964,7 +4046,7 @@
               <a:t>&gt; </a:t>
             </a:r>
             <a:r>
-              <a:rPr lang="en-US" sz="1400" dirty="0" err="1"/>
+              <a:rPr lang="en-US" sz="1400" b="1" dirty="0" err="1"/>
               <a:t>mef_finder</a:t>
             </a:r>
             <a:r>
@@ -3972,36 +4054,28 @@
               <a:t> -&gt; </a:t>
             </a:r>
             <a:r>
-              <a:rPr lang="en-US" sz="1400" b="1" dirty="0" err="1" smtClean="0"/>
+              <a:rPr lang="en-US" sz="1400" dirty="0" err="1" smtClean="0"/>
               <a:t>mef_copy</a:t>
             </a:r>
             <a:r>
-              <a:rPr lang="en-US" sz="1400" b="1" dirty="0" smtClean="0"/>
-              <a:t> </a:t>
-            </a:r>
-            <a:r>
-              <a:rPr lang="en-US" sz="1400" dirty="0" smtClean="0"/>
-              <a:t>-&gt; mef2eeg</a:t>
-            </a:r>
-            <a:endParaRPr lang="en-US" sz="1400" dirty="0"/>
+              <a:rPr lang="en-US" sz="1400" dirty="0" smtClean="0"/>
+              <a:t> -</a:t>
+            </a:r>
+            <a:r>
+              <a:rPr lang="en-US" sz="1400" dirty="0"/>
+              <a:t>&gt; mef2eeg</a:t>
+            </a:r>
           </a:p>
           <a:p>
             <a:endParaRPr lang="en-US" sz="1400" dirty="0" smtClean="0"/>
           </a:p>
           <a:p>
-            <a:r>
-              <a:rPr lang="en-US" sz="1400" dirty="0" err="1">
-                <a:latin typeface="Andale Mono"/>
-                <a:cs typeface="Andale Mono"/>
-              </a:rPr>
-              <a:t>m</a:t>
-            </a:r>
             <a:r>
               <a:rPr lang="en-US" sz="1400" dirty="0" err="1" smtClean="0">
                 <a:latin typeface="Andale Mono"/>
                 <a:cs typeface="Andale Mono"/>
               </a:rPr>
-              <a:t>ef_copy</a:t>
+              <a:t>mef_finder</a:t>
             </a:r>
             <a:endParaRPr lang="en-US" sz="1400" dirty="0">
               <a:latin typeface="Andale Mono"/>
@@ -4009,6 +4083,82 @@
             </a:endParaRPr>
           </a:p>
           <a:p>
+            <a:endParaRPr lang="en-US" sz="1400" dirty="0" smtClean="0"/>
+          </a:p>
+          <a:p>
+            <a:r>
+              <a:rPr lang="en-US" sz="1400" b="1" dirty="0" smtClean="0"/>
+              <a:t>         </a:t>
+            </a:r>
+            <a:r>
+              <a:rPr lang="en-US" sz="1400" dirty="0" smtClean="0"/>
+              <a:t>• Must </a:t>
+            </a:r>
+            <a:r>
+              <a:rPr lang="en-US" sz="1400" dirty="0"/>
+              <a:t>be on-</a:t>
+            </a:r>
+            <a:r>
+              <a:rPr lang="en-US" sz="1400" dirty="0" err="1"/>
+              <a:t>prem</a:t>
+            </a:r>
+            <a:r>
+              <a:rPr lang="en-US" sz="1400" dirty="0"/>
+              <a:t> at </a:t>
+            </a:r>
+            <a:r>
+              <a:rPr lang="en-US" sz="1400" dirty="0" smtClean="0"/>
+              <a:t>JHH in order to access Christophe’s file store.</a:t>
+            </a:r>
+          </a:p>
+          <a:p>
+            <a:endParaRPr lang="en-US" sz="1400" dirty="0" smtClean="0"/>
+          </a:p>
+          <a:p>
+            <a:r>
+              <a:rPr lang="en-US" sz="1400" dirty="0"/>
+              <a:t> </a:t>
+            </a:r>
+            <a:r>
+              <a:rPr lang="en-US" sz="1400" dirty="0" smtClean="0"/>
+              <a:t>        • </a:t>
+            </a:r>
+            <a:r>
+              <a:rPr lang="en-US" sz="1400" dirty="0"/>
+              <a:t>Search XML files associated with the MEF entries by </a:t>
+            </a:r>
+            <a:r>
+              <a:rPr lang="en-US" sz="1400" dirty="0" smtClean="0"/>
+              <a:t>onset </a:t>
+            </a:r>
+            <a:r>
+              <a:rPr lang="en-US" sz="1400" dirty="0"/>
+              <a:t>and offset </a:t>
+            </a:r>
+            <a:r>
+              <a:rPr lang="en-US" sz="1400" dirty="0" smtClean="0"/>
+              <a:t>times in input file.</a:t>
+            </a:r>
+            <a:endParaRPr lang="en-US" sz="1400" dirty="0"/>
+          </a:p>
+          <a:p>
+            <a:endParaRPr lang="en-US" sz="1400" dirty="0" smtClean="0"/>
+          </a:p>
+          <a:p>
+            <a:r>
+              <a:rPr lang="en-US" sz="1400" dirty="0"/>
+              <a:t>Output is the collection of MEF files to copy, along with the </a:t>
+            </a:r>
+            <a:r>
+              <a:rPr lang="en-US" sz="1400" dirty="0" err="1"/>
+              <a:t>PatientID</a:t>
+            </a:r>
+            <a:r>
+              <a:rPr lang="en-US" sz="1400" dirty="0"/>
+              <a:t>.</a:t>
+            </a:r>
+          </a:p>
+          <a:p>
             <a:r>
               <a:rPr lang="en-US" sz="1400" dirty="0" smtClean="0"/>
               <a:t>                            </a:t>
@@ -4022,11 +4172,11 @@
             </a:r>
             <a:r>
               <a:rPr lang="en-US" sz="1400" dirty="0" smtClean="0"/>
-              <a:t>        • Copy input files </a:t>
-            </a:r>
-            <a:r>
-              <a:rPr lang="en-US" sz="1400" dirty="0"/>
-              <a:t>to </a:t>
+              <a:t>        • Copy </a:t>
+            </a:r>
+            <a:r>
+              <a:rPr lang="en-US" sz="1400" dirty="0"/>
+              <a:t>matching files to </a:t>
             </a:r>
             <a:r>
               <a:rPr lang="en-US" sz="1400" dirty="0" smtClean="0"/>
@@ -4038,15 +4188,15 @@
             </a:r>
             <a:r>
               <a:rPr lang="en-US" sz="1400" dirty="0" smtClean="0"/>
-              <a:t> server</a:t>
-            </a:r>
-            <a:r>
-              <a:rPr lang="en-US" sz="1400" dirty="0"/>
-              <a:t> </a:t>
-            </a:r>
-            <a:r>
-              <a:rPr lang="en-US" sz="1400" dirty="0" smtClean="0"/>
-              <a:t>in parallel.</a:t>
+              <a:t> server: </a:t>
+            </a:r>
+            <a:r>
+              <a:rPr lang="en-US" sz="1400" dirty="0" err="1" smtClean="0"/>
+              <a:t>mef_copy</a:t>
+            </a:r>
+            <a:r>
+              <a:rPr lang="en-US" sz="1400" dirty="0" smtClean="0"/>
+              <a:t>.</a:t>
             </a:r>
           </a:p>
           <a:p>
@@ -4099,41 +4249,25 @@
             </a:r>
           </a:p>
           <a:p>
-            <a:endParaRPr lang="en-US" sz="1400" dirty="0" smtClean="0"/>
-          </a:p>
-          <a:p>
-            <a:r>
-              <a:rPr lang="en-US" sz="1400" dirty="0" smtClean="0"/>
-              <a:t>Output is the </a:t>
-            </a:r>
-            <a:r>
-              <a:rPr lang="en-US" sz="1400" dirty="0"/>
-              <a:t>a collection of MEF files </a:t>
-            </a:r>
-            <a:r>
-              <a:rPr lang="en-US" sz="1400" dirty="0" smtClean="0"/>
-              <a:t>available locally and </a:t>
-            </a:r>
-            <a:r>
-              <a:rPr lang="en-US" sz="1400" dirty="0"/>
-              <a:t>the </a:t>
-            </a:r>
-            <a:r>
-              <a:rPr lang="en-US" sz="1400" dirty="0" err="1" smtClean="0"/>
-              <a:t>PatientID</a:t>
-            </a:r>
-            <a:r>
-              <a:rPr lang="en-US" sz="1400" dirty="0" smtClean="0"/>
-              <a:t>.</a:t>
-            </a:r>
-            <a:endParaRPr lang="en-US" sz="1400" dirty="0"/>
+            <a:r>
+              <a:rPr lang="en-US" sz="1400" dirty="0"/>
+              <a:t> </a:t>
+            </a:r>
+            <a:r>
+              <a:rPr lang="en-US" sz="1400" dirty="0" smtClean="0"/>
+              <a:t>        </a:t>
+            </a:r>
+            <a:endParaRPr lang="en-US" dirty="0"/>
+          </a:p>
+          <a:p>
+            <a:endParaRPr lang="en-US" dirty="0"/>
           </a:p>
         </p:txBody>
       </p:sp>
     </p:spTree>
     <p:extLst>
       <p:ext uri="{BB962C8B-B14F-4D97-AF65-F5344CB8AC3E}">
-        <p14:creationId xmlns:p14="http://schemas.microsoft.com/office/powerpoint/2010/main" val="3431358219"/>
+        <p14:creationId xmlns:p14="http://schemas.microsoft.com/office/powerpoint/2010/main" val="3316594900"/>
       </p:ext>
     </p:extLst>
   </p:cSld>
@@ -4200,7 +4334,7 @@
         <p:spPr>
           <a:xfrm>
             <a:off x="27057" y="152401"/>
-            <a:ext cx="8659744" cy="2893100"/>
+            <a:ext cx="8659744" cy="2031325"/>
           </a:xfrm>
           <a:prstGeom prst="rect">
             <a:avLst/>
@@ -4238,7 +4372,7 @@
               <a:t> -&gt; </a:t>
             </a:r>
             <a:r>
-              <a:rPr lang="en-US" sz="1400" dirty="0" err="1" smtClean="0"/>
+              <a:rPr lang="en-US" sz="1400" b="1" dirty="0" err="1" smtClean="0"/>
               <a:t>mef_copy</a:t>
             </a:r>
             <a:r>
@@ -4247,248 +4381,159 @@
             </a:r>
             <a:r>
               <a:rPr lang="en-US" sz="1400" dirty="0" smtClean="0"/>
-              <a:t>-&gt; </a:t>
-            </a:r>
-            <a:r>
-              <a:rPr lang="en-US" sz="1400" b="1" dirty="0" smtClean="0"/>
-              <a:t>mef2eeg</a:t>
-            </a:r>
-            <a:endParaRPr lang="en-US" sz="1400" b="1" dirty="0"/>
+              <a:t>-&gt; mef2eeg</a:t>
+            </a:r>
+            <a:endParaRPr lang="en-US" sz="1400" dirty="0"/>
           </a:p>
           <a:p>
             <a:endParaRPr lang="en-US" sz="1400" dirty="0" smtClean="0"/>
           </a:p>
           <a:p>
-            <a:r>
-              <a:rPr lang="en-US" sz="1400" dirty="0" smtClean="0">
-                <a:latin typeface="Andale Mono"/>
-                <a:cs typeface="Andale Mono"/>
-              </a:rPr>
-              <a:t>mef2eeg</a:t>
-            </a:r>
-            <a:endParaRPr lang="en-US" sz="1400" dirty="0" smtClean="0"/>
-          </a:p>
-          <a:p>
-            <a:endParaRPr lang="en-US" sz="1400" dirty="0" smtClean="0"/>
-          </a:p>
-          <a:p>
-            <a:r>
-              <a:rPr lang="en-US" sz="1400" dirty="0" smtClean="0"/>
-              <a:t>Given </a:t>
-            </a:r>
-            <a:r>
-              <a:rPr lang="en-US" sz="1400" dirty="0"/>
-              <a:t>a collection of MEF files and the </a:t>
-            </a:r>
-            <a:r>
-              <a:rPr lang="en-US" sz="1400" dirty="0" err="1"/>
-              <a:t>PatientID</a:t>
-            </a:r>
-            <a:r>
-              <a:rPr lang="en-US" sz="1400" dirty="0"/>
-              <a:t>:</a:t>
-            </a:r>
-          </a:p>
-          <a:p>
-            <a:endParaRPr lang="en-US" sz="1400" dirty="0"/>
-          </a:p>
-          <a:p>
-            <a:r>
-              <a:rPr lang="en-US" sz="1400" dirty="0" smtClean="0"/>
-              <a:t>For </a:t>
-            </a:r>
-            <a:r>
-              <a:rPr lang="en-US" sz="1400" dirty="0"/>
-              <a:t>each </a:t>
-            </a:r>
-            <a:r>
-              <a:rPr lang="en-US" sz="1400" dirty="0" err="1"/>
-              <a:t>mef</a:t>
-            </a:r>
-            <a:r>
-              <a:rPr lang="en-US" sz="1400" dirty="0"/>
-              <a:t> file, apply the following tools in parallel:</a:t>
-            </a:r>
-          </a:p>
-          <a:p>
-            <a:endParaRPr lang="en-US" sz="1400" dirty="0"/>
-          </a:p>
-          <a:p>
-            <a:r>
-              <a:rPr lang="en-US" sz="1400" dirty="0"/>
-              <a:t>        </a:t>
-            </a:r>
             <a:r>
               <a:rPr lang="en-US" sz="1400" dirty="0" err="1">
                 <a:latin typeface="Andale Mono"/>
                 <a:cs typeface="Andale Mono"/>
               </a:rPr>
-              <a:t>read_mef_header</a:t>
-            </a:r>
-            <a:r>
-              <a:rPr lang="en-US" sz="1400" dirty="0"/>
-              <a:t>: save the header info to use as channel metadata (`</a:t>
-            </a:r>
-            <a:r>
-              <a:rPr lang="en-US" sz="1400" dirty="0" err="1"/>
-              <a:t>mef_lib</a:t>
-            </a:r>
-            <a:r>
-              <a:rPr lang="en-US" sz="1400" dirty="0"/>
-              <a:t>`)</a:t>
-            </a:r>
-          </a:p>
-          <a:p>
-            <a:r>
-              <a:rPr lang="en-US" sz="1400" dirty="0"/>
-              <a:t>        </a:t>
-            </a:r>
-            <a:r>
-              <a:rPr lang="en-US" sz="1400" dirty="0">
+              <a:t>m</a:t>
+            </a:r>
+            <a:r>
+              <a:rPr lang="en-US" sz="1400" dirty="0" err="1" smtClean="0">
                 <a:latin typeface="Andale Mono"/>
                 <a:cs typeface="Andale Mono"/>
               </a:rPr>
-              <a:t>mef2ascii</a:t>
-            </a:r>
-            <a:r>
-              <a:rPr lang="en-US" sz="1400" dirty="0"/>
-              <a:t>: </a:t>
+              <a:t>ef_copy</a:t>
+            </a:r>
+            <a:endParaRPr lang="en-US" sz="1400" dirty="0">
+              <a:latin typeface="Andale Mono"/>
+              <a:cs typeface="Andale Mono"/>
+            </a:endParaRPr>
+          </a:p>
+          <a:p>
+            <a:r>
+              <a:rPr lang="en-US" sz="1400" dirty="0" smtClean="0"/>
+              <a:t>                            </a:t>
+            </a:r>
+            <a:endParaRPr lang="en-US" sz="1400" dirty="0"/>
+          </a:p>
+          <a:p>
+            <a:r>
+              <a:rPr lang="en-US" sz="1400" dirty="0"/>
+              <a:t> </a:t>
+            </a:r>
+            <a:r>
+              <a:rPr lang="en-US" sz="1400" dirty="0" smtClean="0"/>
+              <a:t>        • Copy input files </a:t>
+            </a:r>
+            <a:r>
+              <a:rPr lang="en-US" sz="1400" dirty="0"/>
+              <a:t>to </a:t>
+            </a:r>
+            <a:r>
+              <a:rPr lang="en-US" sz="1400" dirty="0" smtClean="0"/>
+              <a:t>local </a:t>
+            </a:r>
+            <a:r>
+              <a:rPr lang="en-US" sz="1400" dirty="0" err="1" smtClean="0"/>
+              <a:t>EZTrack</a:t>
+            </a:r>
+            <a:r>
+              <a:rPr lang="en-US" sz="1400" dirty="0" smtClean="0"/>
+              <a:t> server</a:t>
+            </a:r>
+            <a:r>
+              <a:rPr lang="en-US" sz="1400" dirty="0"/>
+              <a:t> </a:t>
+            </a:r>
+            <a:r>
+              <a:rPr lang="en-US" sz="1400" dirty="0" smtClean="0"/>
+              <a:t>in parallel.</a:t>
+            </a:r>
+          </a:p>
+          <a:p>
+            <a:r>
+              <a:rPr lang="en-US" sz="1400" dirty="0"/>
+              <a:t> </a:t>
+            </a:r>
+            <a:r>
+              <a:rPr lang="en-US" sz="1400" dirty="0" smtClean="0"/>
+              <a:t>       </a:t>
+            </a:r>
+            <a:r>
+              <a:rPr lang="en-US" sz="1400" dirty="0"/>
+              <a:t> </a:t>
+            </a:r>
+            <a:r>
+              <a:rPr lang="en-US" sz="1400" dirty="0" smtClean="0"/>
+              <a:t>  Each </a:t>
+            </a:r>
+            <a:r>
+              <a:rPr lang="en-US" sz="1400" dirty="0"/>
+              <a:t>1 hour MEF segment is ~2GB. </a:t>
+            </a:r>
+            <a:endParaRPr lang="en-US" sz="1400" dirty="0" smtClean="0"/>
+          </a:p>
+          <a:p>
+            <a:r>
+              <a:rPr lang="en-US" sz="1400" dirty="0" smtClean="0"/>
+              <a:t>           Estimate transfer to </a:t>
+            </a:r>
+            <a:r>
+              <a:rPr lang="en-US" sz="1400" dirty="0"/>
+              <a:t>take </a:t>
+            </a:r>
+            <a:r>
+              <a:rPr lang="en-US" sz="1400" dirty="0" smtClean="0"/>
+              <a:t>~3 </a:t>
             </a:r>
             <a:r>
               <a:rPr lang="en-US" sz="1400" dirty="0" err="1"/>
-              <a:t>uncompress</a:t>
-            </a:r>
-            <a:r>
-              <a:rPr lang="en-US" sz="1400" dirty="0"/>
-              <a:t> the channel readings to 32-bit </a:t>
-            </a:r>
-            <a:r>
-              <a:rPr lang="en-US" sz="1400" dirty="0" err="1"/>
-              <a:t>ascii</a:t>
-            </a:r>
-            <a:r>
-              <a:rPr lang="en-US" sz="1400" dirty="0"/>
-              <a:t> </a:t>
-            </a:r>
-            <a:r>
-              <a:rPr lang="en-US" sz="1400" dirty="0" err="1"/>
-              <a:t>ints</a:t>
-            </a:r>
-            <a:r>
-              <a:rPr lang="en-US" sz="1400" dirty="0"/>
-              <a:t> (`</a:t>
-            </a:r>
-            <a:r>
-              <a:rPr lang="en-US" sz="1400" dirty="0" err="1"/>
-              <a:t>mef_lib</a:t>
-            </a:r>
-            <a:r>
-              <a:rPr lang="en-US" sz="1400" dirty="0"/>
-              <a:t>`)</a:t>
-            </a:r>
-          </a:p>
-          <a:p>
-            <a:r>
-              <a:rPr lang="en-US" sz="1400" dirty="0"/>
-              <a:t>        </a:t>
-            </a:r>
-            <a:r>
-              <a:rPr lang="en-US" sz="1400" dirty="0" err="1">
-                <a:latin typeface="Andale Mono"/>
-                <a:cs typeface="Andale Mono"/>
-              </a:rPr>
-              <a:t>check_mef_ascii</a:t>
-            </a:r>
-            <a:r>
-              <a:rPr lang="en-US" sz="1400" dirty="0"/>
-              <a:t>: run validations against the </a:t>
-            </a:r>
-            <a:r>
-              <a:rPr lang="en-US" sz="1400" dirty="0" err="1"/>
-              <a:t>ascii</a:t>
-            </a:r>
-            <a:r>
-              <a:rPr lang="en-US" sz="1400" dirty="0"/>
-              <a:t> values using the header results (`</a:t>
-            </a:r>
-            <a:r>
-              <a:rPr lang="en-US" sz="1400" dirty="0" err="1"/>
-              <a:t>lein</a:t>
-            </a:r>
-            <a:r>
-              <a:rPr lang="en-US" sz="1400" dirty="0"/>
-              <a:t>-exec`)</a:t>
-            </a:r>
-          </a:p>
-          <a:p>
+              <a:t>mins</a:t>
+            </a:r>
+            <a:r>
+              <a:rPr lang="en-US" sz="1400" dirty="0"/>
+              <a:t> assuming </a:t>
+            </a:r>
+            <a:r>
+              <a:rPr lang="en-US" sz="1400" dirty="0" smtClean="0"/>
+              <a:t>100Mbps LAN.</a:t>
+            </a:r>
+          </a:p>
+          <a:p>
+            <a:endParaRPr lang="en-US" sz="1400" dirty="0" smtClean="0"/>
+          </a:p>
+          <a:p>
+            <a:r>
+              <a:rPr lang="en-US" sz="1400" dirty="0" smtClean="0"/>
+              <a:t>Output is the </a:t>
+            </a:r>
+            <a:r>
+              <a:rPr lang="en-US" sz="1400" dirty="0"/>
+              <a:t>a collection of MEF files </a:t>
+            </a:r>
+            <a:r>
+              <a:rPr lang="en-US" sz="1400" dirty="0" smtClean="0"/>
+              <a:t>available locally and </a:t>
+            </a:r>
+            <a:r>
+              <a:rPr lang="en-US" sz="1400" dirty="0"/>
+              <a:t>the </a:t>
+            </a:r>
+            <a:r>
+              <a:rPr lang="en-US" sz="1400" dirty="0" err="1" smtClean="0"/>
+              <a:t>PatientID</a:t>
+            </a:r>
+            <a:r>
+              <a:rPr lang="en-US" sz="1400" dirty="0" smtClean="0"/>
+              <a:t>.</a:t>
+            </a:r>
             <a:endParaRPr lang="en-US" sz="1400" dirty="0"/>
-          </a:p>
-          <a:p>
-            <a:r>
-              <a:rPr lang="en-US" sz="1400" dirty="0"/>
-              <a:t>        Finally, </a:t>
-            </a:r>
-            <a:r>
-              <a:rPr lang="en-US" sz="1400" dirty="0">
-                <a:latin typeface="Andale Mono"/>
-                <a:cs typeface="Andale Mono"/>
-              </a:rPr>
-              <a:t>ascii2eeg</a:t>
-            </a:r>
-            <a:r>
-              <a:rPr lang="en-US" sz="1400" dirty="0"/>
-              <a:t> to convert the </a:t>
-            </a:r>
-            <a:r>
-              <a:rPr lang="en-US" sz="1400" dirty="0" err="1"/>
-              <a:t>ascii</a:t>
-            </a:r>
-            <a:r>
-              <a:rPr lang="en-US" sz="1400" dirty="0"/>
-              <a:t> </a:t>
-            </a:r>
-            <a:r>
-              <a:rPr lang="en-US" sz="1400" dirty="0" err="1"/>
-              <a:t>ints</a:t>
-            </a:r>
-            <a:r>
-              <a:rPr lang="en-US" sz="1400" dirty="0"/>
-              <a:t> to the </a:t>
-            </a:r>
-            <a:r>
-              <a:rPr lang="en-US" sz="1400" dirty="0" err="1"/>
-              <a:t>eeg</a:t>
-            </a:r>
-            <a:r>
-              <a:rPr lang="en-US" sz="1400" dirty="0"/>
-              <a:t> format </a:t>
-            </a:r>
-            <a:r>
-              <a:rPr lang="en-US" sz="1400" dirty="0">
-                <a:latin typeface="Andale Mono"/>
-                <a:cs typeface="Andale Mono"/>
-              </a:rPr>
-              <a:t>eeg2fsv</a:t>
-            </a:r>
-            <a:r>
-              <a:rPr lang="en-US" sz="1400" dirty="0"/>
-              <a:t> expects (`</a:t>
-            </a:r>
-            <a:r>
-              <a:rPr lang="en-US" sz="1400" dirty="0" err="1"/>
-              <a:t>lein</a:t>
-            </a:r>
-            <a:r>
-              <a:rPr lang="en-US" sz="1400" dirty="0"/>
-              <a:t>-exec`).</a:t>
-            </a:r>
           </a:p>
         </p:txBody>
       </p:sp>
     </p:spTree>
     <p:extLst>
       <p:ext uri="{BB962C8B-B14F-4D97-AF65-F5344CB8AC3E}">
-        <p14:creationId xmlns:p14="http://schemas.microsoft.com/office/powerpoint/2010/main" val="1115193776"/>
+        <p14:creationId xmlns:p14="http://schemas.microsoft.com/office/powerpoint/2010/main" val="3431358219"/>
       </p:ext>
     </p:extLst>
   </p:cSld>
@@ -4555,7 +4600,7 @@
         <p:spPr>
           <a:xfrm>
             <a:off x="27057" y="152401"/>
-            <a:ext cx="8659744" cy="2677656"/>
+            <a:ext cx="8659744" cy="2893100"/>
           </a:xfrm>
           <a:prstGeom prst="rect">
             <a:avLst/>
@@ -4569,32 +4614,211 @@
           <a:lstStyle/>
           <a:p>
             <a:r>
-              <a:rPr lang="en-US" sz="1400" b="1" dirty="0" err="1" smtClean="0"/>
-              <a:t>Heatmap</a:t>
-            </a:r>
-            <a:r>
               <a:rPr lang="en-US" sz="1400" b="1" dirty="0" smtClean="0"/>
-              <a:t> Pipeline</a:t>
-            </a:r>
-            <a:r>
-              <a:rPr lang="en-US" sz="1400" dirty="0" smtClean="0"/>
-              <a:t>: </a:t>
-            </a:r>
+              <a:t>Event / MEF Pipeline: </a:t>
+            </a:r>
+            <a:r>
+              <a:rPr lang="en-US" sz="1400" dirty="0"/>
+              <a:t>report2events </a:t>
+            </a:r>
+            <a:r>
+              <a:rPr lang="en-US" sz="1400" dirty="0" smtClean="0"/>
+              <a:t>-</a:t>
+            </a:r>
+            <a:r>
+              <a:rPr lang="en-US" sz="1400" dirty="0"/>
+              <a:t>&gt; </a:t>
+            </a:r>
+            <a:r>
+              <a:rPr lang="en-US" sz="1400" dirty="0" err="1"/>
+              <a:t>mef_finder</a:t>
+            </a:r>
+            <a:r>
+              <a:rPr lang="en-US" sz="1400" dirty="0"/>
+              <a:t> -&gt; </a:t>
+            </a:r>
+            <a:r>
+              <a:rPr lang="en-US" sz="1400" dirty="0" err="1" smtClean="0"/>
+              <a:t>mef_copy</a:t>
+            </a:r>
+            <a:r>
+              <a:rPr lang="en-US" sz="1400" b="1" dirty="0" smtClean="0"/>
+              <a:t> </a:t>
+            </a:r>
+            <a:r>
+              <a:rPr lang="en-US" sz="1400" dirty="0" smtClean="0"/>
+              <a:t>-&gt; </a:t>
+            </a:r>
+            <a:r>
+              <a:rPr lang="en-US" sz="1400" b="1" dirty="0" smtClean="0"/>
+              <a:t>mef2eeg</a:t>
+            </a:r>
+            <a:endParaRPr lang="en-US" sz="1400" b="1" dirty="0"/>
+          </a:p>
+          <a:p>
+            <a:endParaRPr lang="en-US" sz="1400" dirty="0" smtClean="0"/>
+          </a:p>
+          <a:p>
             <a:r>
               <a:rPr lang="en-US" sz="1400" dirty="0" smtClean="0">
                 <a:latin typeface="Andale Mono"/>
                 <a:cs typeface="Andale Mono"/>
               </a:rPr>
-              <a:t>eeg2fsv -&gt; </a:t>
+              <a:t>mef2eeg</a:t>
+            </a:r>
+            <a:endParaRPr lang="en-US" sz="1400" dirty="0" smtClean="0"/>
+          </a:p>
+          <a:p>
+            <a:endParaRPr lang="en-US" sz="1400" dirty="0" smtClean="0"/>
+          </a:p>
+          <a:p>
+            <a:r>
+              <a:rPr lang="en-US" sz="1400" dirty="0" smtClean="0"/>
+              <a:t>Given </a:t>
+            </a:r>
+            <a:r>
+              <a:rPr lang="en-US" sz="1400" dirty="0"/>
+              <a:t>a collection of MEF files and the </a:t>
+            </a:r>
+            <a:r>
+              <a:rPr lang="en-US" sz="1400" dirty="0" err="1"/>
+              <a:t>PatientID</a:t>
+            </a:r>
+            <a:r>
+              <a:rPr lang="en-US" sz="1400" dirty="0"/>
+              <a:t>:</a:t>
+            </a:r>
+          </a:p>
+          <a:p>
+            <a:endParaRPr lang="en-US" sz="1400" dirty="0"/>
+          </a:p>
+          <a:p>
+            <a:r>
+              <a:rPr lang="en-US" sz="1400" dirty="0" smtClean="0"/>
+              <a:t>For </a:t>
+            </a:r>
+            <a:r>
+              <a:rPr lang="en-US" sz="1400" dirty="0"/>
+              <a:t>each </a:t>
+            </a:r>
+            <a:r>
+              <a:rPr lang="en-US" sz="1400" dirty="0" err="1"/>
+              <a:t>mef</a:t>
+            </a:r>
+            <a:r>
+              <a:rPr lang="en-US" sz="1400" dirty="0"/>
+              <a:t> file, apply the following tools in parallel:</a:t>
+            </a:r>
+          </a:p>
+          <a:p>
+            <a:endParaRPr lang="en-US" sz="1400" dirty="0"/>
+          </a:p>
+          <a:p>
+            <a:r>
+              <a:rPr lang="en-US" sz="1400" dirty="0"/>
+              <a:t>        </a:t>
+            </a:r>
+            <a:r>
+              <a:rPr lang="en-US" sz="1400" dirty="0" err="1">
+                <a:latin typeface="Andale Mono"/>
+                <a:cs typeface="Andale Mono"/>
+              </a:rPr>
+              <a:t>read_mef_header</a:t>
+            </a:r>
+            <a:r>
+              <a:rPr lang="en-US" sz="1400" dirty="0"/>
+              <a:t>: save the header info to use as channel metadata (`</a:t>
+            </a:r>
+            <a:r>
+              <a:rPr lang="en-US" sz="1400" dirty="0" err="1"/>
+              <a:t>mef_lib</a:t>
+            </a:r>
+            <a:r>
+              <a:rPr lang="en-US" sz="1400" dirty="0"/>
+              <a:t>`)</a:t>
+            </a:r>
+          </a:p>
+          <a:p>
+            <a:r>
+              <a:rPr lang="en-US" sz="1400" dirty="0"/>
+              <a:t>        </a:t>
             </a:r>
             <a:r>
               <a:rPr lang="en-US" sz="1400" dirty="0">
                 <a:latin typeface="Andale Mono"/>
                 <a:cs typeface="Andale Mono"/>
               </a:rPr>
-              <a:t>fsv2heatmap</a:t>
-            </a:r>
-            <a:endParaRPr lang="en-US" sz="1400" dirty="0" smtClean="0"/>
+              <a:t>mef2ascii</a:t>
+            </a:r>
+            <a:r>
+              <a:rPr lang="en-US" sz="1400" dirty="0"/>
+              <a:t>: </a:t>
+            </a:r>
+            <a:r>
+              <a:rPr lang="en-US" sz="1400" dirty="0" err="1"/>
+              <a:t>uncompress</a:t>
+            </a:r>
+            <a:r>
+              <a:rPr lang="en-US" sz="1400" dirty="0"/>
+              <a:t> the channel readings to 32-bit </a:t>
+            </a:r>
+            <a:r>
+              <a:rPr lang="en-US" sz="1400" dirty="0" err="1"/>
+              <a:t>ascii</a:t>
+            </a:r>
+            <a:r>
+              <a:rPr lang="en-US" sz="1400" dirty="0"/>
+              <a:t> </a:t>
+            </a:r>
+            <a:r>
+              <a:rPr lang="en-US" sz="1400" dirty="0" err="1"/>
+              <a:t>ints</a:t>
+            </a:r>
+            <a:r>
+              <a:rPr lang="en-US" sz="1400" dirty="0"/>
+              <a:t> (`</a:t>
+            </a:r>
+            <a:r>
+              <a:rPr lang="en-US" sz="1400" dirty="0" err="1"/>
+              <a:t>mef_lib</a:t>
+            </a:r>
+            <a:r>
+              <a:rPr lang="en-US" sz="1400" dirty="0"/>
+              <a:t>`)</a:t>
+            </a:r>
+          </a:p>
+          <a:p>
+            <a:r>
+              <a:rPr lang="en-US" sz="1400" dirty="0"/>
+              <a:t>        </a:t>
+            </a:r>
+            <a:r>
+              <a:rPr lang="en-US" sz="1400" dirty="0" err="1">
+                <a:latin typeface="Andale Mono"/>
+                <a:cs typeface="Andale Mono"/>
+              </a:rPr>
+              <a:t>check_mef_ascii</a:t>
+            </a:r>
+            <a:r>
+              <a:rPr lang="en-US" sz="1400" dirty="0"/>
+              <a:t>: run validations against the </a:t>
+            </a:r>
+            <a:r>
+              <a:rPr lang="en-US" sz="1400" dirty="0" err="1"/>
+              <a:t>ascii</a:t>
+            </a:r>
+            <a:r>
+              <a:rPr lang="en-US" sz="1400" dirty="0"/>
+              <a:t> values using the header results (`</a:t>
+            </a:r>
+            <a:r>
+              <a:rPr lang="en-US" sz="1400" dirty="0" err="1"/>
+              <a:t>lein</a:t>
+            </a:r>
+            <a:r>
+              <a:rPr lang="en-US" sz="1400" dirty="0"/>
+              <a:t>-exec`)</a:t>
+            </a:r>
           </a:p>
           <a:p>
             <a:endParaRPr lang="en-US" sz="1400" dirty="0"/>
@@ -4602,200 +4826,69 @@
           <a:p>
             <a:r>
               <a:rPr lang="en-US" sz="1400" dirty="0"/>
-              <a:t>    • </a:t>
-            </a:r>
-            <a:r>
-              <a:rPr lang="en-US" sz="1400" dirty="0" smtClean="0">
+              <a:t>        Finally, </a:t>
+            </a:r>
+            <a:r>
+              <a:rPr lang="en-US" sz="1400" dirty="0">
+                <a:latin typeface="Andale Mono"/>
+                <a:cs typeface="Andale Mono"/>
+              </a:rPr>
+              <a:t>ascii2eeg</a:t>
+            </a:r>
+            <a:r>
+              <a:rPr lang="en-US" sz="1400" dirty="0"/>
+              <a:t> to convert the </a:t>
+            </a:r>
+            <a:r>
+              <a:rPr lang="en-US" sz="1400" dirty="0" err="1"/>
+              <a:t>ascii</a:t>
+            </a:r>
+            <a:r>
+              <a:rPr lang="en-US" sz="1400" dirty="0"/>
+              <a:t> </a:t>
+            </a:r>
+            <a:r>
+              <a:rPr lang="en-US" sz="1400" dirty="0" err="1"/>
+              <a:t>ints</a:t>
+            </a:r>
+            <a:r>
+              <a:rPr lang="en-US" sz="1400" dirty="0"/>
+              <a:t> to the </a:t>
+            </a:r>
+            <a:r>
+              <a:rPr lang="en-US" sz="1400" dirty="0" err="1"/>
+              <a:t>eeg</a:t>
+            </a:r>
+            <a:r>
+              <a:rPr lang="en-US" sz="1400" dirty="0"/>
+              <a:t> format </a:t>
+            </a:r>
+            <a:r>
+              <a:rPr lang="en-US" sz="1400" dirty="0">
                 <a:latin typeface="Andale Mono"/>
                 <a:cs typeface="Andale Mono"/>
               </a:rPr>
               <a:t>eeg2fsv</a:t>
             </a:r>
             <a:r>
-              <a:rPr lang="en-US" sz="1400" dirty="0" smtClean="0"/>
-              <a:t>: </a:t>
-            </a:r>
-            <a:r>
-              <a:rPr lang="en-US" sz="1400" dirty="0"/>
-              <a:t>Creates first singular </a:t>
-            </a:r>
-            <a:r>
-              <a:rPr lang="en-US" sz="1400" dirty="0" smtClean="0"/>
-              <a:t>vectors of </a:t>
-            </a:r>
-            <a:r>
-              <a:rPr lang="en-US" sz="1400" dirty="0"/>
-              <a:t>each seizure event for each patient.</a:t>
-            </a:r>
-          </a:p>
-          <a:p>
-            <a:endParaRPr lang="en-US" sz="1400" dirty="0"/>
-          </a:p>
-          <a:p>
-            <a:r>
-              <a:rPr lang="en-US" sz="1400" dirty="0"/>
-              <a:t>    • </a:t>
-            </a:r>
-            <a:r>
-              <a:rPr lang="en-US" sz="1400" dirty="0" smtClean="0">
-                <a:latin typeface="Andale Mono"/>
-                <a:cs typeface="Andale Mono"/>
-              </a:rPr>
-              <a:t>fsv2heatmap</a:t>
-            </a:r>
-            <a:r>
-              <a:rPr lang="en-US" sz="1400" dirty="0" smtClean="0"/>
-              <a:t>: </a:t>
-            </a:r>
-            <a:r>
-              <a:rPr lang="en-US" sz="1400" dirty="0"/>
-              <a:t>Saves labels, weights, and colors in CSV format given the patient </a:t>
+              <a:rPr lang="en-US" sz="1400" dirty="0"/>
+              <a:t> expects (`</a:t>
             </a:r>
             <a:r>
               <a:rPr lang="en-US" sz="1400" dirty="0" err="1"/>
-              <a:t>fsv</a:t>
-            </a:r>
-            <a:r>
-              <a:rPr lang="en-US" sz="1400" dirty="0"/>
-              <a:t> and </a:t>
-            </a:r>
-            <a:endParaRPr lang="en-US" sz="1400" dirty="0" smtClean="0"/>
-          </a:p>
-          <a:p>
-            <a:r>
-              <a:rPr lang="en-US" sz="1400" dirty="0"/>
-              <a:t> </a:t>
-            </a:r>
-            <a:r>
-              <a:rPr lang="en-US" sz="1400" dirty="0" smtClean="0"/>
-              <a:t>       </a:t>
-            </a:r>
-            <a:r>
-              <a:rPr lang="en-US" sz="1400" dirty="0" err="1" smtClean="0"/>
-              <a:t>pcspace</a:t>
-            </a:r>
-            <a:r>
-              <a:rPr lang="en-US" sz="1400" dirty="0" smtClean="0"/>
-              <a:t> </a:t>
-            </a:r>
-            <a:r>
-              <a:rPr lang="en-US" sz="1400" dirty="0"/>
-              <a:t>inputs</a:t>
-            </a:r>
-            <a:r>
-              <a:rPr lang="en-US" sz="1400" dirty="0" smtClean="0"/>
-              <a:t>.</a:t>
-            </a:r>
-          </a:p>
-          <a:p>
-            <a:r>
-              <a:rPr lang="en-US" sz="1400" dirty="0"/>
-              <a:t> </a:t>
-            </a:r>
-            <a:r>
-              <a:rPr lang="en-US" sz="1400" dirty="0" smtClean="0"/>
-              <a:t>           • QA: We can look at the signatures for each electrode to identify curve associated with hot regions.</a:t>
-            </a:r>
-            <a:endParaRPr lang="en-US" sz="1400" dirty="0"/>
-          </a:p>
-          <a:p>
-            <a:endParaRPr lang="en-US" sz="1400" dirty="0"/>
-          </a:p>
-          <a:p>
-            <a:r>
-              <a:rPr lang="en-US" sz="1400" dirty="0"/>
-              <a:t>    • </a:t>
-            </a:r>
-            <a:r>
-              <a:rPr lang="en-US" sz="1400" dirty="0" smtClean="0">
-                <a:latin typeface="Andale Mono"/>
-                <a:cs typeface="Andale Mono"/>
-              </a:rPr>
-              <a:t>heatmap2jpeg (optional)</a:t>
-            </a:r>
-            <a:r>
-              <a:rPr lang="en-US" sz="1400" dirty="0" smtClean="0"/>
-              <a:t>: Uses </a:t>
-            </a:r>
-            <a:r>
-              <a:rPr lang="en-US" sz="1400" dirty="0" err="1" smtClean="0"/>
-              <a:t>PhantomJS</a:t>
-            </a:r>
-            <a:r>
-              <a:rPr lang="en-US" sz="1400" dirty="0" smtClean="0"/>
-              <a:t> to </a:t>
-            </a:r>
-            <a:r>
-              <a:rPr lang="en-US" sz="1400" dirty="0"/>
-              <a:t>render an image suitable for </a:t>
-            </a:r>
-            <a:r>
-              <a:rPr lang="en-US" sz="1400" dirty="0" smtClean="0"/>
-              <a:t>import into </a:t>
-            </a:r>
-            <a:r>
-              <a:rPr lang="en-US" sz="1400" dirty="0"/>
-              <a:t>the </a:t>
-            </a:r>
-            <a:endParaRPr lang="en-US" sz="1400" dirty="0" smtClean="0"/>
-          </a:p>
-          <a:p>
-            <a:r>
-              <a:rPr lang="en-US" sz="1400" dirty="0"/>
-              <a:t> </a:t>
-            </a:r>
-            <a:r>
-              <a:rPr lang="en-US" sz="1400" dirty="0" smtClean="0"/>
-              <a:t>      slide </a:t>
-            </a:r>
-            <a:r>
-              <a:rPr lang="en-US" sz="1400" dirty="0"/>
-              <a:t>deck to use </a:t>
-            </a:r>
-            <a:r>
-              <a:rPr lang="en-US" sz="1400" dirty="0" smtClean="0"/>
-              <a:t>in </a:t>
-            </a:r>
-            <a:r>
-              <a:rPr lang="en-US" sz="1400" dirty="0"/>
-              <a:t>Grand Rounds</a:t>
-            </a:r>
-            <a:r>
-              <a:rPr lang="en-US" sz="1400" dirty="0" smtClean="0"/>
-              <a:t>.</a:t>
-            </a:r>
-          </a:p>
-          <a:p>
-            <a:r>
-              <a:rPr lang="en-US" sz="1400" dirty="0"/>
-              <a:t> </a:t>
-            </a:r>
-            <a:r>
-              <a:rPr lang="en-US" sz="1400" dirty="0" smtClean="0"/>
-              <a:t>  	- optional if a student is going to manually create the </a:t>
-            </a:r>
-            <a:r>
-              <a:rPr lang="en-US" sz="1400" dirty="0" err="1" smtClean="0"/>
-              <a:t>heatmap</a:t>
-            </a:r>
-            <a:r>
-              <a:rPr lang="en-US" sz="1400" dirty="0" smtClean="0"/>
-              <a:t> on a 3D reconstruction from the</a:t>
-            </a:r>
-          </a:p>
-          <a:p>
-            <a:r>
-              <a:rPr lang="en-US" sz="1400" dirty="0" smtClean="0"/>
-              <a:t> 	  CSV outputs</a:t>
-            </a:r>
-            <a:endParaRPr lang="en-US" sz="1400" dirty="0"/>
+              <a:t>lein</a:t>
+            </a:r>
+            <a:r>
+              <a:rPr lang="en-US" sz="1400" dirty="0"/>
+              <a:t>-exec`).</a:t>
+            </a:r>
           </a:p>
         </p:txBody>
       </p:sp>
     </p:spTree>
     <p:extLst>
       <p:ext uri="{BB962C8B-B14F-4D97-AF65-F5344CB8AC3E}">
-        <p14:creationId xmlns:p14="http://schemas.microsoft.com/office/powerpoint/2010/main" val="1632517070"/>
+        <p14:creationId xmlns:p14="http://schemas.microsoft.com/office/powerpoint/2010/main" val="1115193776"/>
       </p:ext>
     </p:extLst>
   </p:cSld>
@@ -4861,8 +4954,8 @@
         </p:nvSpPr>
         <p:spPr>
           <a:xfrm>
-            <a:off x="1447800" y="2895600"/>
-            <a:ext cx="6705600" cy="646331"/>
+            <a:off x="27057" y="152401"/>
+            <a:ext cx="8659744" cy="2677656"/>
           </a:xfrm>
           <a:prstGeom prst="rect">
             <a:avLst/>
@@ -4876,20 +4969,233 @@
           <a:lstStyle/>
           <a:p>
             <a:r>
-              <a:rPr lang="en-US" b="1" dirty="0" smtClean="0"/>
-              <a:t>Hosting / Installation</a:t>
-            </a:r>
-            <a:endParaRPr lang="en-US" b="1" dirty="0"/>
-          </a:p>
-          <a:p>
-            <a:endParaRPr lang="en-US" dirty="0"/>
+              <a:rPr lang="en-US" sz="1400" b="1" dirty="0" err="1" smtClean="0"/>
+              <a:t>Heatmap</a:t>
+            </a:r>
+            <a:r>
+              <a:rPr lang="en-US" sz="1400" b="1" dirty="0" smtClean="0"/>
+              <a:t> Pipeline</a:t>
+            </a:r>
+            <a:r>
+              <a:rPr lang="en-US" sz="1400" dirty="0" smtClean="0"/>
+              <a:t>: </a:t>
+            </a:r>
+            <a:r>
+              <a:rPr lang="en-US" sz="1400" dirty="0" smtClean="0">
+                <a:latin typeface="Andale Mono"/>
+                <a:cs typeface="Andale Mono"/>
+              </a:rPr>
+              <a:t>eeg2fsv -&gt; </a:t>
+            </a:r>
+            <a:r>
+              <a:rPr lang="en-US" sz="1400" dirty="0">
+                <a:latin typeface="Andale Mono"/>
+                <a:cs typeface="Andale Mono"/>
+              </a:rPr>
+              <a:t>fsv2heatmap</a:t>
+            </a:r>
+            <a:endParaRPr lang="en-US" sz="1400" dirty="0" smtClean="0"/>
+          </a:p>
+          <a:p>
+            <a:endParaRPr lang="en-US" sz="1400" dirty="0"/>
+          </a:p>
+          <a:p>
+            <a:r>
+              <a:rPr lang="en-US" sz="1400" dirty="0"/>
+              <a:t>    • </a:t>
+            </a:r>
+            <a:r>
+              <a:rPr lang="en-US" sz="1400" dirty="0" smtClean="0">
+                <a:latin typeface="Andale Mono"/>
+                <a:cs typeface="Andale Mono"/>
+              </a:rPr>
+              <a:t>eeg2fsv</a:t>
+            </a:r>
+            <a:r>
+              <a:rPr lang="en-US" sz="1400" dirty="0" smtClean="0"/>
+              <a:t>: </a:t>
+            </a:r>
+            <a:r>
+              <a:rPr lang="en-US" sz="1400" dirty="0"/>
+              <a:t>Creates first singular </a:t>
+            </a:r>
+            <a:r>
+              <a:rPr lang="en-US" sz="1400" dirty="0" smtClean="0"/>
+              <a:t>vectors of </a:t>
+            </a:r>
+            <a:r>
+              <a:rPr lang="en-US" sz="1400" dirty="0"/>
+              <a:t>each seizure event for each patient.</a:t>
+            </a:r>
+          </a:p>
+          <a:p>
+            <a:endParaRPr lang="en-US" sz="1400" dirty="0"/>
+          </a:p>
+          <a:p>
+            <a:r>
+              <a:rPr lang="en-US" sz="1400" dirty="0"/>
+              <a:t>    • </a:t>
+            </a:r>
+            <a:r>
+              <a:rPr lang="en-US" sz="1400" dirty="0" smtClean="0">
+                <a:latin typeface="Andale Mono"/>
+                <a:cs typeface="Andale Mono"/>
+              </a:rPr>
+              <a:t>fsv2heatmap</a:t>
+            </a:r>
+            <a:r>
+              <a:rPr lang="en-US" sz="1400" dirty="0" smtClean="0"/>
+              <a:t>: </a:t>
+            </a:r>
+            <a:r>
+              <a:rPr lang="en-US" sz="1400" dirty="0"/>
+              <a:t>Saves labels, weights, and colors in CSV format given the patient </a:t>
+            </a:r>
+            <a:r>
+              <a:rPr lang="en-US" sz="1400" dirty="0" err="1"/>
+              <a:t>fsv</a:t>
+            </a:r>
+            <a:r>
+              <a:rPr lang="en-US" sz="1400" dirty="0"/>
+              <a:t> and </a:t>
+            </a:r>
+            <a:endParaRPr lang="en-US" sz="1400" dirty="0" smtClean="0"/>
+          </a:p>
+          <a:p>
+            <a:r>
+              <a:rPr lang="en-US" sz="1400" dirty="0"/>
+              <a:t> </a:t>
+            </a:r>
+            <a:r>
+              <a:rPr lang="en-US" sz="1400" dirty="0" smtClean="0"/>
+              <a:t>       </a:t>
+            </a:r>
+            <a:r>
+              <a:rPr lang="en-US" sz="1400" dirty="0" err="1" smtClean="0"/>
+              <a:t>pcspace</a:t>
+            </a:r>
+            <a:r>
+              <a:rPr lang="en-US" sz="1400" dirty="0" smtClean="0"/>
+              <a:t> </a:t>
+            </a:r>
+            <a:r>
+              <a:rPr lang="en-US" sz="1400" dirty="0"/>
+              <a:t>inputs</a:t>
+            </a:r>
+            <a:r>
+              <a:rPr lang="en-US" sz="1400" dirty="0" smtClean="0"/>
+              <a:t>.</a:t>
+            </a:r>
+          </a:p>
+          <a:p>
+            <a:r>
+              <a:rPr lang="en-US" sz="1400" dirty="0"/>
+              <a:t> </a:t>
+            </a:r>
+            <a:r>
+              <a:rPr lang="en-US" sz="1400" dirty="0" smtClean="0"/>
+              <a:t>           • QA: We can look at the signatures for each electrode to identify curve associated with hot regions.</a:t>
+            </a:r>
+            <a:endParaRPr lang="en-US" sz="1400" dirty="0"/>
+          </a:p>
+          <a:p>
+            <a:endParaRPr lang="en-US" sz="1400" dirty="0"/>
+          </a:p>
+          <a:p>
+            <a:r>
+              <a:rPr lang="en-US" sz="1400" dirty="0"/>
+              <a:t>    • </a:t>
+            </a:r>
+            <a:r>
+              <a:rPr lang="en-US" sz="1400" dirty="0" smtClean="0">
+                <a:latin typeface="Andale Mono"/>
+                <a:cs typeface="Andale Mono"/>
+              </a:rPr>
+              <a:t>heatmap2jpeg (optional)</a:t>
+            </a:r>
+            <a:r>
+              <a:rPr lang="en-US" sz="1400" dirty="0" smtClean="0"/>
+              <a:t>: Uses </a:t>
+            </a:r>
+            <a:r>
+              <a:rPr lang="en-US" sz="1400" dirty="0" err="1" smtClean="0"/>
+              <a:t>PhantomJS</a:t>
+            </a:r>
+            <a:r>
+              <a:rPr lang="en-US" sz="1400" dirty="0" smtClean="0"/>
+              <a:t> to </a:t>
+            </a:r>
+            <a:r>
+              <a:rPr lang="en-US" sz="1400" dirty="0"/>
+              <a:t>render an image suitable for </a:t>
+            </a:r>
+            <a:r>
+              <a:rPr lang="en-US" sz="1400" dirty="0" smtClean="0"/>
+              <a:t>import into </a:t>
+            </a:r>
+            <a:r>
+              <a:rPr lang="en-US" sz="1400" dirty="0"/>
+              <a:t>the </a:t>
+            </a:r>
+            <a:endParaRPr lang="en-US" sz="1400" dirty="0" smtClean="0"/>
+          </a:p>
+          <a:p>
+            <a:r>
+              <a:rPr lang="en-US" sz="1400" dirty="0"/>
+              <a:t> </a:t>
+            </a:r>
+            <a:r>
+              <a:rPr lang="en-US" sz="1400" dirty="0" smtClean="0"/>
+              <a:t>      slide </a:t>
+            </a:r>
+            <a:r>
+              <a:rPr lang="en-US" sz="1400" dirty="0"/>
+              <a:t>deck to use </a:t>
+            </a:r>
+            <a:r>
+              <a:rPr lang="en-US" sz="1400" dirty="0" smtClean="0"/>
+              <a:t>in </a:t>
+            </a:r>
+            <a:r>
+              <a:rPr lang="en-US" sz="1400" dirty="0"/>
+              <a:t>Grand Rounds</a:t>
+            </a:r>
+            <a:r>
+              <a:rPr lang="en-US" sz="1400" dirty="0" smtClean="0"/>
+              <a:t>.</a:t>
+            </a:r>
+          </a:p>
+          <a:p>
+            <a:r>
+              <a:rPr lang="en-US" sz="1400" dirty="0"/>
+              <a:t> </a:t>
+            </a:r>
+            <a:r>
+              <a:rPr lang="en-US" sz="1400" dirty="0" smtClean="0"/>
+              <a:t>  	- optional if a student is going to manually create the </a:t>
+            </a:r>
+            <a:r>
+              <a:rPr lang="en-US" sz="1400" dirty="0" err="1" smtClean="0"/>
+              <a:t>heatmap</a:t>
+            </a:r>
+            <a:r>
+              <a:rPr lang="en-US" sz="1400" dirty="0" smtClean="0"/>
+              <a:t> on a 3D reconstruction from the</a:t>
+            </a:r>
+          </a:p>
+          <a:p>
+            <a:r>
+              <a:rPr lang="en-US" sz="1400" dirty="0" smtClean="0"/>
+              <a:t> 	  CSV outputs</a:t>
+            </a:r>
+            <a:endParaRPr lang="en-US" sz="1400" dirty="0"/>
           </a:p>
         </p:txBody>
       </p:sp>
     </p:spTree>
     <p:extLst>
       <p:ext uri="{BB962C8B-B14F-4D97-AF65-F5344CB8AC3E}">
-        <p14:creationId xmlns:p14="http://schemas.microsoft.com/office/powerpoint/2010/main" val="2148956119"/>
+        <p14:creationId xmlns:p14="http://schemas.microsoft.com/office/powerpoint/2010/main" val="1632517070"/>
       </p:ext>
     </p:extLst>
   </p:cSld>
@@ -4955,8 +5261,8 @@
         </p:nvSpPr>
         <p:spPr>
           <a:xfrm>
-            <a:off x="304800" y="228600"/>
-            <a:ext cx="8659744" cy="3108544"/>
+            <a:off x="1447800" y="2895600"/>
+            <a:ext cx="6705600" cy="646331"/>
           </a:xfrm>
           <a:prstGeom prst="rect">
             <a:avLst/>
@@ -4970,137 +5276,20 @@
           <a:lstStyle/>
           <a:p>
             <a:r>
-              <a:rPr lang="en-US" sz="1400" b="1" dirty="0" smtClean="0"/>
-              <a:t>Hosting for v0.0.1 </a:t>
-            </a:r>
-            <a:endParaRPr lang="en-US" sz="1400" b="1" dirty="0"/>
-          </a:p>
-          <a:p>
-            <a:endParaRPr lang="en-US" sz="1400" b="1" dirty="0"/>
-          </a:p>
-          <a:p>
-            <a:r>
-              <a:rPr lang="en-US" sz="1400" dirty="0" smtClean="0"/>
-              <a:t>For the first iteration, an on-</a:t>
-            </a:r>
-            <a:r>
-              <a:rPr lang="en-US" sz="1400" dirty="0" err="1" smtClean="0"/>
-              <a:t>prem</a:t>
-            </a:r>
-            <a:r>
-              <a:rPr lang="en-US" sz="1400" dirty="0" smtClean="0"/>
-              <a:t> hosting model makes the most sense given the need to find MEF files on Christophe’s file server. We can start with an </a:t>
-            </a:r>
-            <a:r>
-              <a:rPr lang="en-US" sz="1400" dirty="0"/>
-              <a:t>Ubuntu </a:t>
-            </a:r>
-            <a:r>
-              <a:rPr lang="en-US" sz="1400" dirty="0" smtClean="0"/>
-              <a:t>laptop running </a:t>
-            </a:r>
-            <a:r>
-              <a:rPr lang="en-US" sz="1400" dirty="0"/>
-              <a:t>in the EMU Control </a:t>
-            </a:r>
-            <a:r>
-              <a:rPr lang="en-US" sz="1400" dirty="0" smtClean="0"/>
-              <a:t>Room, e.g. Lenovo X1 Carbon.</a:t>
-            </a:r>
-          </a:p>
-          <a:p>
-            <a:endParaRPr lang="en-US" sz="1400" dirty="0" smtClean="0"/>
-          </a:p>
-          <a:p>
-            <a:r>
-              <a:rPr lang="en-US" sz="1400" dirty="0" smtClean="0"/>
-              <a:t>• All scripts and </a:t>
-            </a:r>
-            <a:r>
-              <a:rPr lang="en-US" sz="1400" dirty="0" err="1" smtClean="0"/>
-              <a:t>executables</a:t>
-            </a:r>
-            <a:r>
-              <a:rPr lang="en-US" sz="1400" dirty="0" smtClean="0"/>
-              <a:t> will be on the machine when delivered.</a:t>
-            </a:r>
-          </a:p>
-          <a:p>
-            <a:r>
-              <a:rPr lang="en-US" sz="1400" dirty="0" smtClean="0"/>
-              <a:t>• </a:t>
-            </a:r>
-            <a:r>
-              <a:rPr lang="en-US" sz="1400" dirty="0" err="1" smtClean="0"/>
-              <a:t>Matlab</a:t>
-            </a:r>
-            <a:r>
-              <a:rPr lang="en-US" sz="1400" dirty="0" smtClean="0"/>
-              <a:t> components will be precompiled and run through the </a:t>
-            </a:r>
-            <a:r>
-              <a:rPr lang="en-US" sz="1400" dirty="0" err="1" smtClean="0"/>
-              <a:t>Matlab</a:t>
-            </a:r>
-            <a:r>
-              <a:rPr lang="en-US" sz="1400" dirty="0" smtClean="0"/>
-              <a:t> runtime. </a:t>
-            </a:r>
-            <a:r>
-              <a:rPr lang="en-US" sz="1400" dirty="0" err="1" smtClean="0"/>
-              <a:t>Matlab</a:t>
-            </a:r>
-            <a:r>
-              <a:rPr lang="en-US" sz="1400" dirty="0" smtClean="0"/>
-              <a:t> + license will not be needed on the laptop.</a:t>
-            </a:r>
-          </a:p>
-          <a:p>
-            <a:r>
-              <a:rPr lang="en-US" sz="1400" dirty="0" smtClean="0"/>
-              <a:t>• Files to be </a:t>
-            </a:r>
-            <a:r>
-              <a:rPr lang="en-US" sz="1400" dirty="0" err="1" smtClean="0"/>
-              <a:t>transfered</a:t>
-            </a:r>
-            <a:r>
-              <a:rPr lang="en-US" sz="1400" dirty="0" smtClean="0"/>
-              <a:t> via </a:t>
-            </a:r>
-            <a:r>
-              <a:rPr lang="en-US" sz="1400" dirty="0" err="1" smtClean="0"/>
-              <a:t>scp</a:t>
-            </a:r>
-            <a:r>
-              <a:rPr lang="en-US" sz="1400" dirty="0" smtClean="0"/>
-              <a:t>, USB, or shared network drives.</a:t>
-            </a:r>
-          </a:p>
-          <a:p>
-            <a:r>
-              <a:rPr lang="en-US" sz="1400" dirty="0" smtClean="0"/>
-              <a:t>• Login will be a shared account for the EMU control room.</a:t>
-            </a:r>
-          </a:p>
-          <a:p>
-            <a:r>
-              <a:rPr lang="en-US" sz="1400" dirty="0" smtClean="0"/>
-              <a:t> </a:t>
-            </a:r>
-          </a:p>
-          <a:p>
-            <a:r>
-              <a:rPr lang="en-US" sz="1400" dirty="0" smtClean="0"/>
-              <a:t>Once we verify that this part of the system is correct, providing a web-based UI running on the same server is relatively easy.</a:t>
-            </a:r>
+              <a:rPr lang="en-US" b="1" dirty="0" smtClean="0"/>
+              <a:t>Hosting / Installation</a:t>
+            </a:r>
+            <a:endParaRPr lang="en-US" b="1" dirty="0"/>
+          </a:p>
+          <a:p>
+            <a:endParaRPr lang="en-US" dirty="0"/>
           </a:p>
         </p:txBody>
       </p:sp>
     </p:spTree>
     <p:extLst>
       <p:ext uri="{BB962C8B-B14F-4D97-AF65-F5344CB8AC3E}">
-        <p14:creationId xmlns:p14="http://schemas.microsoft.com/office/powerpoint/2010/main" val="176636782"/>
+        <p14:creationId xmlns:p14="http://schemas.microsoft.com/office/powerpoint/2010/main" val="2148956119"/>
       </p:ext>
     </p:extLst>
   </p:cSld>
@@ -5166,8 +5355,8 @@
         </p:nvSpPr>
         <p:spPr>
           <a:xfrm>
-            <a:off x="228600" y="304800"/>
-            <a:ext cx="8153400" cy="1815882"/>
+            <a:off x="304800" y="228600"/>
+            <a:ext cx="8659744" cy="3108544"/>
           </a:xfrm>
           <a:prstGeom prst="rect">
             <a:avLst/>
@@ -5182,46 +5371,128 @@
           <a:p>
             <a:r>
               <a:rPr lang="en-US" sz="1400" b="1" dirty="0" smtClean="0"/>
-              <a:t>Data Retention Policy</a:t>
+              <a:t>Hosting for v0.0.1 </a:t>
             </a:r>
             <a:endParaRPr lang="en-US" sz="1400" b="1" dirty="0"/>
           </a:p>
           <a:p>
-            <a:endParaRPr lang="en-US" sz="1400" dirty="0"/>
-          </a:p>
-          <a:p>
+            <a:endParaRPr lang="en-US" sz="1400" b="1" dirty="0"/>
+          </a:p>
+          <a:p>
+            <a:r>
+              <a:rPr lang="en-US" sz="1400" dirty="0" smtClean="0"/>
+              <a:t>For the first iteration, an on-</a:t>
+            </a:r>
             <a:r>
               <a:rPr lang="en-US" sz="1400" dirty="0" err="1" smtClean="0"/>
-              <a:t>EZTrack</a:t>
-            </a:r>
-            <a:r>
-              <a:rPr lang="en-US" sz="1400" dirty="0" smtClean="0"/>
-              <a:t> produces several large intermediate files in the course of producing the </a:t>
+              <a:t>prem</a:t>
+            </a:r>
+            <a:r>
+              <a:rPr lang="en-US" sz="1400" dirty="0" smtClean="0"/>
+              <a:t> hosting model makes the most sense given the need to find MEF files on Christophe’s file server. We can start with an </a:t>
+            </a:r>
+            <a:r>
+              <a:rPr lang="en-US" sz="1400" dirty="0"/>
+              <a:t>Ubuntu </a:t>
+            </a:r>
+            <a:r>
+              <a:rPr lang="en-US" sz="1400" dirty="0" smtClean="0"/>
+              <a:t>laptop running </a:t>
+            </a:r>
+            <a:r>
+              <a:rPr lang="en-US" sz="1400" dirty="0"/>
+              <a:t>in the EMU Control </a:t>
+            </a:r>
+            <a:r>
+              <a:rPr lang="en-US" sz="1400" dirty="0" smtClean="0"/>
+              <a:t>Room, e.g. Lenovo X1 Carbon.</a:t>
+            </a:r>
+          </a:p>
+          <a:p>
+            <a:endParaRPr lang="en-US" sz="1400" dirty="0" smtClean="0"/>
+          </a:p>
+          <a:p>
+            <a:r>
+              <a:rPr lang="en-US" sz="1400" dirty="0" smtClean="0"/>
+              <a:t>• All scripts and </a:t>
             </a:r>
             <a:r>
               <a:rPr lang="en-US" sz="1400" dirty="0" err="1" smtClean="0"/>
-              <a:t>heatmap</a:t>
-            </a:r>
-            <a:r>
-              <a:rPr lang="en-US" sz="1400" dirty="0" smtClean="0"/>
-              <a:t>. These files will be purged when the system’s hard drive reaches 80% capacity. Given the system isn’t currently being optimized for retrieving previous results, this shouldn’t pose a problem.</a:t>
-            </a:r>
-          </a:p>
-          <a:p>
-            <a:endParaRPr lang="en-US" sz="1400" b="1" dirty="0"/>
-          </a:p>
-          <a:p>
-            <a:endParaRPr lang="en-US" sz="1400" dirty="0" smtClean="0"/>
-          </a:p>
-          <a:p>
-            <a:endParaRPr lang="en-US" sz="1400" dirty="0" smtClean="0"/>
+              <a:t>executables</a:t>
+            </a:r>
+            <a:r>
+              <a:rPr lang="en-US" sz="1400" dirty="0" smtClean="0"/>
+              <a:t> will be on the machine when delivered.</a:t>
+            </a:r>
+          </a:p>
+          <a:p>
+            <a:r>
+              <a:rPr lang="en-US" sz="1400" dirty="0" smtClean="0"/>
+              <a:t>• </a:t>
+            </a:r>
+            <a:r>
+              <a:rPr lang="en-US" sz="1400" dirty="0" err="1" smtClean="0"/>
+              <a:t>Matlab</a:t>
+            </a:r>
+            <a:r>
+              <a:rPr lang="en-US" sz="1400" dirty="0" smtClean="0"/>
+              <a:t> components will be precompiled and run through the </a:t>
+            </a:r>
+            <a:r>
+              <a:rPr lang="en-US" sz="1400" dirty="0" err="1" smtClean="0"/>
+              <a:t>Matlab</a:t>
+            </a:r>
+            <a:r>
+              <a:rPr lang="en-US" sz="1400" dirty="0" smtClean="0"/>
+              <a:t> runtime. </a:t>
+            </a:r>
+            <a:r>
+              <a:rPr lang="en-US" sz="1400" dirty="0" err="1" smtClean="0"/>
+              <a:t>Matlab</a:t>
+            </a:r>
+            <a:r>
+              <a:rPr lang="en-US" sz="1400" dirty="0" smtClean="0"/>
+              <a:t> + license will not be needed on the laptop.</a:t>
+            </a:r>
+          </a:p>
+          <a:p>
+            <a:r>
+              <a:rPr lang="en-US" sz="1400" dirty="0" smtClean="0"/>
+              <a:t>• Files to be transferred via </a:t>
+            </a:r>
+            <a:r>
+              <a:rPr lang="en-US" sz="1400" dirty="0" err="1" smtClean="0"/>
+              <a:t>scp</a:t>
+            </a:r>
+            <a:r>
+              <a:rPr lang="en-US" sz="1400" dirty="0" smtClean="0"/>
+              <a:t>, USB, or shared network drives.</a:t>
+            </a:r>
+          </a:p>
+          <a:p>
+            <a:r>
+              <a:rPr lang="en-US" sz="1400" dirty="0" smtClean="0"/>
+              <a:t>• Login will be a shared account for the EMU control room.</a:t>
+            </a:r>
+          </a:p>
+          <a:p>
+            <a:r>
+              <a:rPr lang="en-US" sz="1400" dirty="0" smtClean="0"/>
+              <a:t> </a:t>
+            </a:r>
+          </a:p>
+          <a:p>
+            <a:r>
+              <a:rPr lang="en-US" sz="1400" dirty="0" smtClean="0"/>
+              <a:t>Once we verify that this part of the system is correct, providing a web-based UI running on the same server is relatively easy.</a:t>
+            </a:r>
           </a:p>
         </p:txBody>
       </p:sp>
     </p:spTree>
     <p:extLst>
       <p:ext uri="{BB962C8B-B14F-4D97-AF65-F5344CB8AC3E}">
-        <p14:creationId xmlns:p14="http://schemas.microsoft.com/office/powerpoint/2010/main" val="1372613735"/>
+        <p14:creationId xmlns:p14="http://schemas.microsoft.com/office/powerpoint/2010/main" val="176636782"/>
       </p:ext>
     </p:extLst>
   </p:cSld>
@@ -5287,8 +5558,8 @@
         </p:nvSpPr>
         <p:spPr>
           <a:xfrm>
-            <a:off x="3048000" y="2667000"/>
-            <a:ext cx="4572000" cy="2031325"/>
+            <a:off x="228600" y="304800"/>
+            <a:ext cx="8153400" cy="1815882"/>
           </a:xfrm>
           <a:prstGeom prst="rect">
             <a:avLst/>
@@ -5302,81 +5573,47 @@
           <a:lstStyle/>
           <a:p>
             <a:r>
-              <a:rPr lang="en-US" b="1" dirty="0" smtClean="0"/>
-              <a:t>Design principle for complex software:</a:t>
-            </a:r>
-          </a:p>
-          <a:p>
-            <a:endParaRPr lang="en-US" b="1" dirty="0" smtClean="0"/>
-          </a:p>
-          <a:p>
-            <a:r>
-              <a:rPr lang="en-US" b="1" dirty="0" smtClean="0"/>
-              <a:t>Make it work,</a:t>
-            </a:r>
-          </a:p>
-          <a:p>
-            <a:r>
-              <a:rPr lang="en-US" b="1" dirty="0" smtClean="0"/>
-              <a:t>make it right,</a:t>
-            </a:r>
-          </a:p>
-          <a:p>
-            <a:r>
-              <a:rPr lang="en-US" b="1" dirty="0" smtClean="0"/>
-              <a:t>make it fast,</a:t>
-            </a:r>
-          </a:p>
-          <a:p>
-            <a:r>
-              <a:rPr lang="en-US" b="1" dirty="0" smtClean="0"/>
-              <a:t>make it scale.</a:t>
-            </a:r>
-            <a:endParaRPr lang="en-US" b="1" dirty="0"/>
-          </a:p>
-          <a:p>
-            <a:endParaRPr lang="en-US" dirty="0"/>
-          </a:p>
-        </p:txBody>
-      </p:sp>
-      <p:sp>
-        <p:nvSpPr>
-          <p:cNvPr id="2" name="TextBox 1"/>
-          <p:cNvSpPr txBox="1"/>
-          <p:nvPr/>
-        </p:nvSpPr>
-        <p:spPr>
-          <a:xfrm>
-            <a:off x="1295400" y="3200400"/>
-            <a:ext cx="1784375" cy="369332"/>
-          </a:xfrm>
-          <a:prstGeom prst="rect">
-            <a:avLst/>
-          </a:prstGeom>
-          <a:noFill/>
-        </p:spPr>
-        <p:txBody>
-          <a:bodyPr wrap="none" rtlCol="0">
-            <a:spAutoFit/>
-          </a:bodyPr>
-          <a:lstStyle/>
-          <a:p>
-            <a:r>
-              <a:rPr lang="en-US" i="1" dirty="0" smtClean="0"/>
-              <a:t>We are here</a:t>
-            </a:r>
-            <a:r>
-              <a:rPr lang="en-US" dirty="0" smtClean="0"/>
-              <a:t> =&gt;</a:t>
-            </a:r>
-            <a:endParaRPr lang="en-US" dirty="0"/>
+              <a:rPr lang="en-US" sz="1400" b="1" dirty="0" smtClean="0"/>
+              <a:t>Data Retention Policy</a:t>
+            </a:r>
+            <a:endParaRPr lang="en-US" sz="1400" b="1" dirty="0"/>
+          </a:p>
+          <a:p>
+            <a:endParaRPr lang="en-US" sz="1400" dirty="0"/>
+          </a:p>
+          <a:p>
+            <a:r>
+              <a:rPr lang="en-US" sz="1400" dirty="0" err="1" smtClean="0"/>
+              <a:t>EZTrack</a:t>
+            </a:r>
+            <a:r>
+              <a:rPr lang="en-US" sz="1400" dirty="0" smtClean="0"/>
+              <a:t> produces several large intermediate files in the course of producing the </a:t>
+            </a:r>
+            <a:r>
+              <a:rPr lang="en-US" sz="1400" dirty="0" err="1" smtClean="0"/>
+              <a:t>heatmap</a:t>
+            </a:r>
+            <a:r>
+              <a:rPr lang="en-US" sz="1400" dirty="0" smtClean="0"/>
+              <a:t>. These files will be purged when the system’s hard drive reaches 80% capacity. Given the system isn’t currently being optimized for retrieving previous results, this shouldn’t pose a problem.</a:t>
+            </a:r>
+          </a:p>
+          <a:p>
+            <a:endParaRPr lang="en-US" sz="1400" b="1" dirty="0"/>
+          </a:p>
+          <a:p>
+            <a:endParaRPr lang="en-US" sz="1400" dirty="0" smtClean="0"/>
+          </a:p>
+          <a:p>
+            <a:endParaRPr lang="en-US" sz="1400" dirty="0" smtClean="0"/>
           </a:p>
         </p:txBody>
       </p:sp>
     </p:spTree>
     <p:extLst>
       <p:ext uri="{BB962C8B-B14F-4D97-AF65-F5344CB8AC3E}">
-        <p14:creationId xmlns:p14="http://schemas.microsoft.com/office/powerpoint/2010/main" val="3484496890"/>
+        <p14:creationId xmlns:p14="http://schemas.microsoft.com/office/powerpoint/2010/main" val="1372613735"/>
       </p:ext>
     </p:extLst>
   </p:cSld>
@@ -5924,8 +6161,8 @@
         </p:nvSpPr>
         <p:spPr>
           <a:xfrm>
-            <a:off x="381000" y="228600"/>
-            <a:ext cx="5791200" cy="4524315"/>
+            <a:off x="3048000" y="2667000"/>
+            <a:ext cx="4572000" cy="2031325"/>
           </a:xfrm>
           <a:prstGeom prst="rect">
             <a:avLst/>
@@ -5939,230 +6176,81 @@
           <a:lstStyle/>
           <a:p>
             <a:r>
-              <a:rPr lang="en-US" b="1" dirty="0" err="1" smtClean="0"/>
-              <a:t>Toolchain</a:t>
-            </a:r>
-            <a:r>
               <a:rPr lang="en-US" b="1" dirty="0" smtClean="0"/>
-              <a:t> Inventory</a:t>
+              <a:t>Design principle for complex software:</a:t>
+            </a:r>
+          </a:p>
+          <a:p>
+            <a:endParaRPr lang="en-US" b="1" dirty="0" smtClean="0"/>
+          </a:p>
+          <a:p>
+            <a:r>
+              <a:rPr lang="en-US" b="1" dirty="0" smtClean="0"/>
+              <a:t>Make it work,</a:t>
+            </a:r>
+          </a:p>
+          <a:p>
+            <a:r>
+              <a:rPr lang="en-US" b="1" dirty="0" smtClean="0"/>
+              <a:t>make it right,</a:t>
+            </a:r>
+          </a:p>
+          <a:p>
+            <a:r>
+              <a:rPr lang="en-US" b="1" dirty="0" smtClean="0"/>
+              <a:t>make it fast,</a:t>
+            </a:r>
+          </a:p>
+          <a:p>
+            <a:r>
+              <a:rPr lang="en-US" b="1" dirty="0" smtClean="0"/>
+              <a:t>make it scale.</a:t>
             </a:r>
             <a:endParaRPr lang="en-US" b="1" dirty="0"/>
           </a:p>
           <a:p>
-            <a:endParaRPr lang="en-US" dirty="0" smtClean="0"/>
-          </a:p>
-          <a:p>
-            <a:r>
-              <a:rPr lang="en-US" sz="1400" dirty="0" smtClean="0"/>
-              <a:t>The previous System Architecture slide shows the flow among these tools. This list is simply an alphabetical listing to show the parts of the system at a glance without respect to how they relate to one another.</a:t>
-            </a:r>
-          </a:p>
-          <a:p>
-            <a:endParaRPr lang="en-US" sz="1400" dirty="0" smtClean="0"/>
-          </a:p>
-          <a:p>
-            <a:r>
-              <a:rPr lang="en-US" sz="1400" dirty="0">
-                <a:latin typeface="Andale Mono"/>
-                <a:cs typeface="Andale Mono"/>
-              </a:rPr>
-              <a:t> </a:t>
-            </a:r>
-            <a:r>
-              <a:rPr lang="en-US" sz="1400" dirty="0" smtClean="0">
-                <a:latin typeface="Andale Mono"/>
-                <a:cs typeface="Andale Mono"/>
-              </a:rPr>
-              <a:t>1 </a:t>
-            </a:r>
-            <a:r>
-              <a:rPr lang="en-US" sz="1400" dirty="0">
-                <a:latin typeface="Andale Mono"/>
-                <a:cs typeface="Andale Mono"/>
-              </a:rPr>
-              <a:t>ascii2eeg</a:t>
-            </a:r>
-          </a:p>
-          <a:p>
-            <a:r>
-              <a:rPr lang="en-US" sz="1400" dirty="0">
-                <a:latin typeface="Andale Mono"/>
-                <a:cs typeface="Andale Mono"/>
-              </a:rPr>
-              <a:t> 2 </a:t>
-            </a:r>
-            <a:r>
-              <a:rPr lang="en-US" sz="1400" dirty="0" err="1">
-                <a:latin typeface="Andale Mono"/>
-                <a:cs typeface="Andale Mono"/>
-              </a:rPr>
-              <a:t>check_mef_ascii</a:t>
-            </a:r>
-            <a:endParaRPr lang="en-US" sz="1400" dirty="0">
-              <a:latin typeface="Andale Mono"/>
-              <a:cs typeface="Andale Mono"/>
-            </a:endParaRPr>
-          </a:p>
-          <a:p>
-            <a:r>
-              <a:rPr lang="en-US" sz="1400" dirty="0">
-                <a:latin typeface="Andale Mono"/>
-                <a:cs typeface="Andale Mono"/>
-              </a:rPr>
-              <a:t> 3 edf2eeg</a:t>
-            </a:r>
-          </a:p>
-          <a:p>
-            <a:r>
-              <a:rPr lang="en-US" sz="1400" dirty="0">
-                <a:latin typeface="Andale Mono"/>
-                <a:cs typeface="Andale Mono"/>
-              </a:rPr>
-              <a:t> 4 edf2mef</a:t>
-            </a:r>
-          </a:p>
-          <a:p>
-            <a:r>
-              <a:rPr lang="en-US" sz="1400" dirty="0">
-                <a:latin typeface="Andale Mono"/>
-                <a:cs typeface="Andale Mono"/>
-              </a:rPr>
-              <a:t> 5 eeg2fsv</a:t>
-            </a:r>
-          </a:p>
-          <a:p>
-            <a:r>
-              <a:rPr lang="en-US" sz="1400" dirty="0">
-                <a:latin typeface="Andale Mono"/>
-                <a:cs typeface="Andale Mono"/>
-              </a:rPr>
-              <a:t> 6 fsv2heatmap</a:t>
-            </a:r>
-          </a:p>
-          <a:p>
-            <a:r>
-              <a:rPr lang="en-US" sz="1400" dirty="0">
-                <a:latin typeface="Andale Mono"/>
-                <a:cs typeface="Andale Mono"/>
-              </a:rPr>
-              <a:t> 7 fsv2pcspace</a:t>
-            </a:r>
-          </a:p>
-          <a:p>
-            <a:r>
-              <a:rPr lang="en-US" sz="1400" i="1" dirty="0">
-                <a:latin typeface="Andale Mono"/>
-                <a:cs typeface="Andale Mono"/>
-              </a:rPr>
-              <a:t> 8 </a:t>
-            </a:r>
-            <a:r>
-              <a:rPr lang="en-US" sz="1400" i="1" dirty="0" smtClean="0">
-                <a:latin typeface="Andale Mono"/>
-                <a:cs typeface="Andale Mono"/>
-              </a:rPr>
-              <a:t>heatmap2jpeg (optional)</a:t>
-            </a:r>
-            <a:endParaRPr lang="en-US" sz="1400" i="1" dirty="0">
-              <a:latin typeface="Andale Mono"/>
-              <a:cs typeface="Andale Mono"/>
-            </a:endParaRPr>
-          </a:p>
-          <a:p>
-            <a:r>
-              <a:rPr lang="en-US" sz="1400" dirty="0">
-                <a:latin typeface="Andale Mono"/>
-                <a:cs typeface="Andale Mono"/>
-              </a:rPr>
-              <a:t> 9 mef2ascii</a:t>
-            </a:r>
-          </a:p>
-          <a:p>
-            <a:r>
-              <a:rPr lang="en-US" sz="1400" dirty="0" smtClean="0">
-                <a:latin typeface="Andale Mono"/>
-                <a:cs typeface="Andale Mono"/>
-              </a:rPr>
-              <a:t>10 </a:t>
-            </a:r>
-            <a:r>
-              <a:rPr lang="en-US" sz="1400" dirty="0" err="1">
-                <a:latin typeface="Andale Mono"/>
-                <a:cs typeface="Andale Mono"/>
-              </a:rPr>
-              <a:t>mef_copy</a:t>
-            </a:r>
-            <a:endParaRPr lang="en-US" sz="1400" dirty="0">
-              <a:latin typeface="Andale Mono"/>
-              <a:cs typeface="Andale Mono"/>
-            </a:endParaRPr>
-          </a:p>
-          <a:p>
-            <a:r>
-              <a:rPr lang="en-US" sz="1400" dirty="0" smtClean="0">
-                <a:latin typeface="Andale Mono"/>
-                <a:cs typeface="Andale Mono"/>
-              </a:rPr>
-              <a:t>11 </a:t>
-            </a:r>
-            <a:r>
-              <a:rPr lang="en-US" sz="1400" dirty="0" err="1">
-                <a:latin typeface="Andale Mono"/>
-                <a:cs typeface="Andale Mono"/>
-              </a:rPr>
-              <a:t>mef_finder</a:t>
-            </a:r>
-            <a:endParaRPr lang="en-US" sz="1400" dirty="0">
-              <a:latin typeface="Andale Mono"/>
-              <a:cs typeface="Andale Mono"/>
-            </a:endParaRPr>
-          </a:p>
-          <a:p>
-            <a:r>
-              <a:rPr lang="en-US" sz="1400" dirty="0" smtClean="0">
-                <a:latin typeface="Andale Mono"/>
-                <a:cs typeface="Andale Mono"/>
-              </a:rPr>
-              <a:t>12 </a:t>
-            </a:r>
-            <a:r>
-              <a:rPr lang="en-US" sz="1400" dirty="0" err="1">
-                <a:latin typeface="Andale Mono"/>
-                <a:cs typeface="Andale Mono"/>
-              </a:rPr>
-              <a:t>read_mef_header</a:t>
-            </a:r>
-            <a:endParaRPr lang="en-US" sz="1400" dirty="0">
-              <a:latin typeface="Andale Mono"/>
-              <a:cs typeface="Andale Mono"/>
-            </a:endParaRPr>
-          </a:p>
-          <a:p>
-            <a:r>
-              <a:rPr lang="en-US" sz="1400" dirty="0" smtClean="0">
-                <a:latin typeface="Andale Mono"/>
-                <a:cs typeface="Andale Mono"/>
-              </a:rPr>
-              <a:t>13 </a:t>
-            </a:r>
-            <a:r>
-              <a:rPr lang="en-US" sz="1400" dirty="0">
-                <a:latin typeface="Andale Mono"/>
-                <a:cs typeface="Andale Mono"/>
-              </a:rPr>
-              <a:t>report2events</a:t>
-            </a:r>
-            <a:endParaRPr lang="en-US" sz="1400" dirty="0"/>
-          </a:p>
-          <a:p>
-            <a:endParaRPr lang="en-US" sz="1400" dirty="0"/>
+            <a:endParaRPr lang="en-US" dirty="0"/>
+          </a:p>
+        </p:txBody>
+      </p:sp>
+      <p:sp>
+        <p:nvSpPr>
+          <p:cNvPr id="2" name="TextBox 1"/>
+          <p:cNvSpPr txBox="1"/>
+          <p:nvPr/>
+        </p:nvSpPr>
+        <p:spPr>
+          <a:xfrm>
+            <a:off x="1295400" y="3200400"/>
+            <a:ext cx="1784375" cy="369332"/>
+          </a:xfrm>
+          <a:prstGeom prst="rect">
+            <a:avLst/>
+          </a:prstGeom>
+          <a:noFill/>
+        </p:spPr>
+        <p:txBody>
+          <a:bodyPr wrap="none" rtlCol="0">
+            <a:spAutoFit/>
+          </a:bodyPr>
+          <a:lstStyle/>
+          <a:p>
+            <a:r>
+              <a:rPr lang="en-US" i="1" dirty="0" smtClean="0"/>
+              <a:t>We are here</a:t>
+            </a:r>
+            <a:r>
+              <a:rPr lang="en-US" dirty="0" smtClean="0"/>
+              <a:t> =&gt;</a:t>
+            </a:r>
+            <a:endParaRPr lang="en-US" dirty="0"/>
           </a:p>
         </p:txBody>
       </p:sp>
     </p:spTree>
     <p:extLst>
       <p:ext uri="{BB962C8B-B14F-4D97-AF65-F5344CB8AC3E}">
-        <p14:creationId xmlns:p14="http://schemas.microsoft.com/office/powerpoint/2010/main" val="1747391293"/>
+        <p14:creationId xmlns:p14="http://schemas.microsoft.com/office/powerpoint/2010/main" val="3484496890"/>
       </p:ext>
     </p:extLst>
   </p:cSld>
@@ -6228,8 +6316,8 @@
         </p:nvSpPr>
         <p:spPr>
           <a:xfrm>
-            <a:off x="1447800" y="3124200"/>
-            <a:ext cx="3097143" cy="307777"/>
+            <a:off x="381000" y="228600"/>
+            <a:ext cx="5791200" cy="4524315"/>
           </a:xfrm>
           <a:prstGeom prst="rect">
             <a:avLst/>
@@ -6243,16 +6331,230 @@
           <a:lstStyle/>
           <a:p>
             <a:r>
-              <a:rPr lang="en-US" sz="1400" b="1" dirty="0" smtClean="0"/>
-              <a:t>FUTURE WORK</a:t>
-            </a:r>
+              <a:rPr lang="en-US" b="1" dirty="0" err="1" smtClean="0"/>
+              <a:t>Toolchain</a:t>
+            </a:r>
+            <a:r>
+              <a:rPr lang="en-US" b="1" dirty="0" smtClean="0"/>
+              <a:t> Inventory</a:t>
+            </a:r>
+            <a:endParaRPr lang="en-US" b="1" dirty="0"/>
+          </a:p>
+          <a:p>
+            <a:endParaRPr lang="en-US" dirty="0" smtClean="0"/>
+          </a:p>
+          <a:p>
+            <a:r>
+              <a:rPr lang="en-US" sz="1400" dirty="0" smtClean="0"/>
+              <a:t>The previous System Architecture slide shows the flow among these tools. This list is simply an alphabetical listing to show the parts of the system at a glance without respect to how they relate to one another.</a:t>
+            </a:r>
+          </a:p>
+          <a:p>
+            <a:endParaRPr lang="en-US" sz="1400" dirty="0" smtClean="0"/>
+          </a:p>
+          <a:p>
+            <a:r>
+              <a:rPr lang="en-US" sz="1400" dirty="0">
+                <a:latin typeface="Andale Mono"/>
+                <a:cs typeface="Andale Mono"/>
+              </a:rPr>
+              <a:t> </a:t>
+            </a:r>
+            <a:r>
+              <a:rPr lang="en-US" sz="1400" dirty="0" smtClean="0">
+                <a:latin typeface="Andale Mono"/>
+                <a:cs typeface="Andale Mono"/>
+              </a:rPr>
+              <a:t>1 </a:t>
+            </a:r>
+            <a:r>
+              <a:rPr lang="en-US" sz="1400" dirty="0">
+                <a:latin typeface="Andale Mono"/>
+                <a:cs typeface="Andale Mono"/>
+              </a:rPr>
+              <a:t>ascii2eeg</a:t>
+            </a:r>
+          </a:p>
+          <a:p>
+            <a:r>
+              <a:rPr lang="en-US" sz="1400" dirty="0">
+                <a:latin typeface="Andale Mono"/>
+                <a:cs typeface="Andale Mono"/>
+              </a:rPr>
+              <a:t> 2 </a:t>
+            </a:r>
+            <a:r>
+              <a:rPr lang="en-US" sz="1400" dirty="0" err="1">
+                <a:latin typeface="Andale Mono"/>
+                <a:cs typeface="Andale Mono"/>
+              </a:rPr>
+              <a:t>check_mef_ascii</a:t>
+            </a:r>
+            <a:endParaRPr lang="en-US" sz="1400" dirty="0">
+              <a:latin typeface="Andale Mono"/>
+              <a:cs typeface="Andale Mono"/>
+            </a:endParaRPr>
+          </a:p>
+          <a:p>
+            <a:r>
+              <a:rPr lang="en-US" sz="1400" dirty="0">
+                <a:latin typeface="Andale Mono"/>
+                <a:cs typeface="Andale Mono"/>
+              </a:rPr>
+              <a:t> 3 edf2eeg</a:t>
+            </a:r>
+          </a:p>
+          <a:p>
+            <a:r>
+              <a:rPr lang="en-US" sz="1400" dirty="0">
+                <a:latin typeface="Andale Mono"/>
+                <a:cs typeface="Andale Mono"/>
+              </a:rPr>
+              <a:t> 4 edf2mef</a:t>
+            </a:r>
+          </a:p>
+          <a:p>
+            <a:r>
+              <a:rPr lang="en-US" sz="1400" dirty="0">
+                <a:latin typeface="Andale Mono"/>
+                <a:cs typeface="Andale Mono"/>
+              </a:rPr>
+              <a:t> 5 eeg2fsv</a:t>
+            </a:r>
+          </a:p>
+          <a:p>
+            <a:r>
+              <a:rPr lang="en-US" sz="1400" dirty="0">
+                <a:latin typeface="Andale Mono"/>
+                <a:cs typeface="Andale Mono"/>
+              </a:rPr>
+              <a:t> 6 fsv2heatmap</a:t>
+            </a:r>
+          </a:p>
+          <a:p>
+            <a:r>
+              <a:rPr lang="en-US" sz="1400" dirty="0">
+                <a:latin typeface="Andale Mono"/>
+                <a:cs typeface="Andale Mono"/>
+              </a:rPr>
+              <a:t> 7 fsv2pcspace</a:t>
+            </a:r>
+          </a:p>
+          <a:p>
+            <a:r>
+              <a:rPr lang="en-US" sz="1400" i="1" dirty="0">
+                <a:latin typeface="Andale Mono"/>
+                <a:cs typeface="Andale Mono"/>
+              </a:rPr>
+              <a:t> 8 </a:t>
+            </a:r>
+            <a:r>
+              <a:rPr lang="en-US" sz="1400" i="1" dirty="0" smtClean="0">
+                <a:latin typeface="Andale Mono"/>
+                <a:cs typeface="Andale Mono"/>
+              </a:rPr>
+              <a:t>heatmap2jpeg (optional)</a:t>
+            </a:r>
+            <a:endParaRPr lang="en-US" sz="1400" i="1" dirty="0">
+              <a:latin typeface="Andale Mono"/>
+              <a:cs typeface="Andale Mono"/>
+            </a:endParaRPr>
+          </a:p>
+          <a:p>
+            <a:r>
+              <a:rPr lang="en-US" sz="1400" dirty="0">
+                <a:latin typeface="Andale Mono"/>
+                <a:cs typeface="Andale Mono"/>
+              </a:rPr>
+              <a:t> 9 mef2ascii</a:t>
+            </a:r>
+          </a:p>
+          <a:p>
+            <a:r>
+              <a:rPr lang="en-US" sz="1400" dirty="0" smtClean="0">
+                <a:latin typeface="Andale Mono"/>
+                <a:cs typeface="Andale Mono"/>
+              </a:rPr>
+              <a:t>10 </a:t>
+            </a:r>
+            <a:r>
+              <a:rPr lang="en-US" sz="1400" dirty="0" err="1">
+                <a:latin typeface="Andale Mono"/>
+                <a:cs typeface="Andale Mono"/>
+              </a:rPr>
+              <a:t>mef_copy</a:t>
+            </a:r>
+            <a:endParaRPr lang="en-US" sz="1400" dirty="0">
+              <a:latin typeface="Andale Mono"/>
+              <a:cs typeface="Andale Mono"/>
+            </a:endParaRPr>
+          </a:p>
+          <a:p>
+            <a:r>
+              <a:rPr lang="en-US" sz="1400" dirty="0" smtClean="0">
+                <a:latin typeface="Andale Mono"/>
+                <a:cs typeface="Andale Mono"/>
+              </a:rPr>
+              <a:t>11 </a:t>
+            </a:r>
+            <a:r>
+              <a:rPr lang="en-US" sz="1400" dirty="0" err="1">
+                <a:latin typeface="Andale Mono"/>
+                <a:cs typeface="Andale Mono"/>
+              </a:rPr>
+              <a:t>mef_finder</a:t>
+            </a:r>
+            <a:endParaRPr lang="en-US" sz="1400" dirty="0">
+              <a:latin typeface="Andale Mono"/>
+              <a:cs typeface="Andale Mono"/>
+            </a:endParaRPr>
+          </a:p>
+          <a:p>
+            <a:r>
+              <a:rPr lang="en-US" sz="1400" dirty="0" smtClean="0">
+                <a:latin typeface="Andale Mono"/>
+                <a:cs typeface="Andale Mono"/>
+              </a:rPr>
+              <a:t>12 </a:t>
+            </a:r>
+            <a:r>
+              <a:rPr lang="en-US" sz="1400" dirty="0" err="1">
+                <a:latin typeface="Andale Mono"/>
+                <a:cs typeface="Andale Mono"/>
+              </a:rPr>
+              <a:t>read_mef_header</a:t>
+            </a:r>
+            <a:endParaRPr lang="en-US" sz="1400" dirty="0">
+              <a:latin typeface="Andale Mono"/>
+              <a:cs typeface="Andale Mono"/>
+            </a:endParaRPr>
+          </a:p>
+          <a:p>
+            <a:r>
+              <a:rPr lang="en-US" sz="1400" dirty="0" smtClean="0">
+                <a:latin typeface="Andale Mono"/>
+                <a:cs typeface="Andale Mono"/>
+              </a:rPr>
+              <a:t>13 </a:t>
+            </a:r>
+            <a:r>
+              <a:rPr lang="en-US" sz="1400" dirty="0">
+                <a:latin typeface="Andale Mono"/>
+                <a:cs typeface="Andale Mono"/>
+              </a:rPr>
+              <a:t>report2events</a:t>
+            </a:r>
+            <a:endParaRPr lang="en-US" sz="1400" dirty="0"/>
+          </a:p>
+          <a:p>
+            <a:endParaRPr lang="en-US" sz="1400" dirty="0"/>
           </a:p>
         </p:txBody>
       </p:sp>
     </p:spTree>
     <p:extLst>
       <p:ext uri="{BB962C8B-B14F-4D97-AF65-F5344CB8AC3E}">
-        <p14:creationId xmlns:p14="http://schemas.microsoft.com/office/powerpoint/2010/main" val="3706251657"/>
+        <p14:creationId xmlns:p14="http://schemas.microsoft.com/office/powerpoint/2010/main" val="1747391293"/>
       </p:ext>
     </p:extLst>
   </p:cSld>
@@ -6334,7 +6636,7 @@
           <a:p>
             <a:r>
               <a:rPr lang="en-US" sz="1400" b="1" dirty="0" smtClean="0"/>
-              <a:t>Neurosurgery Workflow</a:t>
+              <a:t>FUTURE WORK</a:t>
             </a:r>
           </a:p>
         </p:txBody>
@@ -6342,7 +6644,7 @@
     </p:spTree>
     <p:extLst>
       <p:ext uri="{BB962C8B-B14F-4D97-AF65-F5344CB8AC3E}">
-        <p14:creationId xmlns:p14="http://schemas.microsoft.com/office/powerpoint/2010/main" val="846160051"/>
+        <p14:creationId xmlns:p14="http://schemas.microsoft.com/office/powerpoint/2010/main" val="3706251657"/>
       </p:ext>
     </p:extLst>
   </p:cSld>
@@ -6408,8 +6710,8 @@
         </p:nvSpPr>
         <p:spPr>
           <a:xfrm>
-            <a:off x="27057" y="152401"/>
-            <a:ext cx="8659744" cy="5262978"/>
+            <a:off x="1447800" y="3124200"/>
+            <a:ext cx="3097143" cy="307777"/>
           </a:xfrm>
           <a:prstGeom prst="rect">
             <a:avLst/>
@@ -6424,186 +6726,7 @@
           <a:p>
             <a:r>
               <a:rPr lang="en-US" sz="1400" b="1" dirty="0" smtClean="0"/>
-              <a:t>Neurosurgery </a:t>
-            </a:r>
-            <a:r>
-              <a:rPr lang="en-US" sz="1400" b="1" dirty="0"/>
-              <a:t>Workflow</a:t>
-            </a:r>
-          </a:p>
-          <a:p>
-            <a:endParaRPr lang="en-US" sz="1400" dirty="0"/>
-          </a:p>
-          <a:p>
-            <a:r>
-              <a:rPr lang="en-US" sz="1400" i="1" dirty="0" smtClean="0"/>
-              <a:t>Incorporates </a:t>
-            </a:r>
-            <a:r>
-              <a:rPr lang="en-US" sz="1400" i="1" dirty="0"/>
-              <a:t>the 3D reconstruction that is already done for all </a:t>
-            </a:r>
-            <a:r>
-              <a:rPr lang="en-US" sz="1400" i="1" dirty="0" err="1"/>
-              <a:t>ieeg</a:t>
-            </a:r>
-            <a:r>
-              <a:rPr lang="en-US" sz="1400" i="1" dirty="0"/>
-              <a:t> patients.</a:t>
-            </a:r>
-          </a:p>
-          <a:p>
-            <a:endParaRPr lang="en-US" sz="1400" dirty="0"/>
-          </a:p>
-          <a:p>
-            <a:r>
-              <a:rPr lang="en-US" sz="1400" dirty="0"/>
-              <a:t>• Upload 2D image.</a:t>
-            </a:r>
-          </a:p>
-          <a:p>
-            <a:endParaRPr lang="en-US" sz="1400" dirty="0"/>
-          </a:p>
-          <a:p>
-            <a:r>
-              <a:rPr lang="en-US" sz="1400" dirty="0"/>
-              <a:t>• Click the electrode label locations.</a:t>
-            </a:r>
-          </a:p>
-          <a:p>
-            <a:endParaRPr lang="en-US" sz="1400" dirty="0"/>
-          </a:p>
-          <a:p>
-            <a:r>
-              <a:rPr lang="en-US" sz="1400" dirty="0"/>
-              <a:t>• Apply label and </a:t>
-            </a:r>
-            <a:r>
-              <a:rPr lang="en-US" sz="1400" dirty="0" err="1"/>
-              <a:t>EZTrack</a:t>
-            </a:r>
-            <a:r>
-              <a:rPr lang="en-US" sz="1400" dirty="0"/>
-              <a:t> </a:t>
-            </a:r>
-            <a:r>
-              <a:rPr lang="en-US" sz="1400" dirty="0" err="1"/>
-              <a:t>heatmap</a:t>
-            </a:r>
-            <a:r>
-              <a:rPr lang="en-US" sz="1400" dirty="0"/>
-              <a:t> color and score.</a:t>
-            </a:r>
-          </a:p>
-          <a:p>
-            <a:endParaRPr lang="en-US" sz="1400" dirty="0"/>
-          </a:p>
-          <a:p>
-            <a:r>
-              <a:rPr lang="en-US" sz="1400" dirty="0"/>
-              <a:t>• Allow the clinician to add other annotation.</a:t>
-            </a:r>
-          </a:p>
-          <a:p>
-            <a:endParaRPr lang="en-US" sz="1400" dirty="0"/>
-          </a:p>
-          <a:p>
-            <a:r>
-              <a:rPr lang="en-US" sz="1400" dirty="0"/>
-              <a:t>• Other surgical tools are brought to bear, e.g. Medtronic </a:t>
-            </a:r>
-            <a:r>
-              <a:rPr lang="en-US" sz="1400" dirty="0" err="1" smtClean="0"/>
-              <a:t>Framelink</a:t>
-            </a:r>
-            <a:r>
-              <a:rPr lang="en-US" sz="1400" dirty="0" smtClean="0"/>
-              <a:t>: http://</a:t>
-            </a:r>
-            <a:r>
-              <a:rPr lang="en-US" sz="1400" dirty="0" err="1" smtClean="0"/>
-              <a:t>www.medtronic.com</a:t>
-            </a:r>
-            <a:r>
-              <a:rPr lang="en-US" sz="1400" dirty="0" smtClean="0"/>
-              <a:t>/for-healthcare-professionals/products-therapies/neurological/</a:t>
-            </a:r>
-            <a:r>
-              <a:rPr lang="en-US" sz="1400" dirty="0" err="1" smtClean="0"/>
-              <a:t>index.htm</a:t>
-            </a:r>
-            <a:endParaRPr lang="en-US" sz="1400" dirty="0" smtClean="0"/>
-          </a:p>
-          <a:p>
-            <a:endParaRPr lang="en-US" sz="1400" dirty="0" smtClean="0"/>
-          </a:p>
-          <a:p>
-            <a:r>
-              <a:rPr lang="en-US" sz="1400" dirty="0" smtClean="0"/>
-              <a:t>• </a:t>
-            </a:r>
-            <a:r>
-              <a:rPr lang="en-US" sz="1400" dirty="0"/>
-              <a:t>Clinical notes and surgery report contain details about what was actually done in the surgery. (by </a:t>
-            </a:r>
-            <a:r>
-              <a:rPr lang="en-US" sz="1400" dirty="0" smtClean="0"/>
-              <a:t>Monday)</a:t>
-            </a:r>
-            <a:endParaRPr lang="en-US" sz="1400" dirty="0"/>
-          </a:p>
-          <a:p>
-            <a:endParaRPr lang="en-US" sz="1400" dirty="0"/>
-          </a:p>
-          <a:p>
-            <a:r>
-              <a:rPr lang="en-US" sz="1400" dirty="0"/>
-              <a:t>• These notes may have information that is valuable to </a:t>
-            </a:r>
-            <a:r>
-              <a:rPr lang="en-US" sz="1400" dirty="0" err="1"/>
-              <a:t>EZTrack</a:t>
-            </a:r>
-            <a:r>
-              <a:rPr lang="en-US" sz="1400" dirty="0"/>
-              <a:t>...during the clinical evaluation phase, we should collect </a:t>
-            </a:r>
-            <a:r>
-              <a:rPr lang="en-US" sz="1400" dirty="0" smtClean="0"/>
-              <a:t>these. Capture </a:t>
-            </a:r>
-            <a:r>
-              <a:rPr lang="en-US" sz="1400" dirty="0"/>
-              <a:t>which electrode regions were actually removed. Capture the degree to which these corresponded with </a:t>
-            </a:r>
-            <a:r>
-              <a:rPr lang="en-US" sz="1400" dirty="0" err="1"/>
-              <a:t>EZTrack's</a:t>
-            </a:r>
-            <a:r>
-              <a:rPr lang="en-US" sz="1400" dirty="0"/>
-              <a:t> weights.</a:t>
-            </a:r>
-          </a:p>
-          <a:p>
-            <a:endParaRPr lang="en-US" sz="1400" dirty="0"/>
-          </a:p>
-          <a:p>
-            <a:r>
-              <a:rPr lang="en-US" sz="1400" dirty="0"/>
-              <a:t>• Patient follow-up...how long after resection before the surgery is deemed a success? At this point, record success or </a:t>
-            </a:r>
-            <a:r>
-              <a:rPr lang="en-US" sz="1400" dirty="0" smtClean="0"/>
-              <a:t>failure in </a:t>
-            </a:r>
-            <a:r>
-              <a:rPr lang="en-US" sz="1400" dirty="0" err="1"/>
-              <a:t>EZTrack</a:t>
-            </a:r>
-            <a:r>
-              <a:rPr lang="en-US" sz="1400" dirty="0"/>
-              <a:t>. We then have all the data necessary for multiple retrospective studies over time with different patient types.</a:t>
+              <a:t>Neurosurgery Workflow</a:t>
             </a:r>
           </a:p>
         </p:txBody>
@@ -6611,7 +6734,7 @@
     </p:spTree>
     <p:extLst>
       <p:ext uri="{BB962C8B-B14F-4D97-AF65-F5344CB8AC3E}">
-        <p14:creationId xmlns:p14="http://schemas.microsoft.com/office/powerpoint/2010/main" val="1776322751"/>
+        <p14:creationId xmlns:p14="http://schemas.microsoft.com/office/powerpoint/2010/main" val="846160051"/>
       </p:ext>
     </p:extLst>
   </p:cSld>
@@ -6677,8 +6800,8 @@
         </p:nvSpPr>
         <p:spPr>
           <a:xfrm>
-            <a:off x="152400" y="3048000"/>
-            <a:ext cx="8659744" cy="954107"/>
+            <a:off x="27057" y="152401"/>
+            <a:ext cx="8659744" cy="5262978"/>
           </a:xfrm>
           <a:prstGeom prst="rect">
             <a:avLst/>
@@ -6693,24 +6816,157 @@
           <a:p>
             <a:r>
               <a:rPr lang="en-US" sz="1400" b="1" dirty="0" smtClean="0"/>
-              <a:t>Retrospective </a:t>
+              <a:t>Neurosurgery </a:t>
             </a:r>
             <a:r>
               <a:rPr lang="en-US" sz="1400" b="1" dirty="0"/>
-              <a:t>Study Workflow</a:t>
-            </a:r>
-          </a:p>
-          <a:p>
-            <a:endParaRPr lang="en-US" sz="1400" b="1" dirty="0"/>
-          </a:p>
-          <a:p>
-            <a:r>
-              <a:rPr lang="en-US" sz="1400" dirty="0" smtClean="0"/>
-              <a:t>Features </a:t>
-            </a:r>
-            <a:r>
-              <a:rPr lang="en-US" sz="1400" dirty="0"/>
-              <a:t>for researchers or clinicians to review </a:t>
+              <a:t>Workflow</a:t>
+            </a:r>
+          </a:p>
+          <a:p>
+            <a:endParaRPr lang="en-US" sz="1400" dirty="0"/>
+          </a:p>
+          <a:p>
+            <a:r>
+              <a:rPr lang="en-US" sz="1400" i="1" dirty="0" smtClean="0"/>
+              <a:t>Incorporates </a:t>
+            </a:r>
+            <a:r>
+              <a:rPr lang="en-US" sz="1400" i="1" dirty="0"/>
+              <a:t>the 3D reconstruction that is already done for all </a:t>
+            </a:r>
+            <a:r>
+              <a:rPr lang="en-US" sz="1400" i="1" dirty="0" err="1"/>
+              <a:t>ieeg</a:t>
+            </a:r>
+            <a:r>
+              <a:rPr lang="en-US" sz="1400" i="1" dirty="0"/>
+              <a:t> patients.</a:t>
+            </a:r>
+          </a:p>
+          <a:p>
+            <a:endParaRPr lang="en-US" sz="1400" dirty="0"/>
+          </a:p>
+          <a:p>
+            <a:r>
+              <a:rPr lang="en-US" sz="1400" dirty="0"/>
+              <a:t>• Upload 2D image.</a:t>
+            </a:r>
+          </a:p>
+          <a:p>
+            <a:endParaRPr lang="en-US" sz="1400" dirty="0"/>
+          </a:p>
+          <a:p>
+            <a:r>
+              <a:rPr lang="en-US" sz="1400" dirty="0"/>
+              <a:t>• Click the electrode label locations.</a:t>
+            </a:r>
+          </a:p>
+          <a:p>
+            <a:endParaRPr lang="en-US" sz="1400" dirty="0"/>
+          </a:p>
+          <a:p>
+            <a:r>
+              <a:rPr lang="en-US" sz="1400" dirty="0"/>
+              <a:t>• Apply label and </a:t>
+            </a:r>
+            <a:r>
+              <a:rPr lang="en-US" sz="1400" dirty="0" err="1"/>
+              <a:t>EZTrack</a:t>
+            </a:r>
+            <a:r>
+              <a:rPr lang="en-US" sz="1400" dirty="0"/>
+              <a:t> </a:t>
+            </a:r>
+            <a:r>
+              <a:rPr lang="en-US" sz="1400" dirty="0" err="1"/>
+              <a:t>heatmap</a:t>
+            </a:r>
+            <a:r>
+              <a:rPr lang="en-US" sz="1400" dirty="0"/>
+              <a:t> color and score.</a:t>
+            </a:r>
+          </a:p>
+          <a:p>
+            <a:endParaRPr lang="en-US" sz="1400" dirty="0"/>
+          </a:p>
+          <a:p>
+            <a:r>
+              <a:rPr lang="en-US" sz="1400" dirty="0"/>
+              <a:t>• Allow the clinician to add other annotation.</a:t>
+            </a:r>
+          </a:p>
+          <a:p>
+            <a:endParaRPr lang="en-US" sz="1400" dirty="0"/>
+          </a:p>
+          <a:p>
+            <a:r>
+              <a:rPr lang="en-US" sz="1400" dirty="0"/>
+              <a:t>• Other surgical tools are brought to bear, e.g. Medtronic </a:t>
+            </a:r>
+            <a:r>
+              <a:rPr lang="en-US" sz="1400" dirty="0" err="1" smtClean="0"/>
+              <a:t>Framelink</a:t>
+            </a:r>
+            <a:r>
+              <a:rPr lang="en-US" sz="1400" dirty="0" smtClean="0"/>
+              <a:t>: http://</a:t>
+            </a:r>
+            <a:r>
+              <a:rPr lang="en-US" sz="1400" dirty="0" err="1" smtClean="0"/>
+              <a:t>www.medtronic.com</a:t>
+            </a:r>
+            <a:r>
+              <a:rPr lang="en-US" sz="1400" dirty="0" smtClean="0"/>
+              <a:t>/for-healthcare-professionals/products-therapies/neurological/</a:t>
+            </a:r>
+            <a:r>
+              <a:rPr lang="en-US" sz="1400" dirty="0" err="1" smtClean="0"/>
+              <a:t>index.htm</a:t>
+            </a:r>
+            <a:endParaRPr lang="en-US" sz="1400" dirty="0" smtClean="0"/>
+          </a:p>
+          <a:p>
+            <a:endParaRPr lang="en-US" sz="1400" dirty="0" smtClean="0"/>
+          </a:p>
+          <a:p>
+            <a:r>
+              <a:rPr lang="en-US" sz="1400" dirty="0" smtClean="0"/>
+              <a:t>• </a:t>
+            </a:r>
+            <a:r>
+              <a:rPr lang="en-US" sz="1400" dirty="0"/>
+              <a:t>Clinical notes and surgery report contain details about what was actually done in the surgery. (by </a:t>
+            </a:r>
+            <a:r>
+              <a:rPr lang="en-US" sz="1400" dirty="0" smtClean="0"/>
+              <a:t>Monday)</a:t>
+            </a:r>
+            <a:endParaRPr lang="en-US" sz="1400" dirty="0"/>
+          </a:p>
+          <a:p>
+            <a:endParaRPr lang="en-US" sz="1400" dirty="0"/>
+          </a:p>
+          <a:p>
+            <a:r>
+              <a:rPr lang="en-US" sz="1400" dirty="0"/>
+              <a:t>• These notes may have information that is valuable to </a:t>
+            </a:r>
+            <a:r>
+              <a:rPr lang="en-US" sz="1400" dirty="0" err="1"/>
+              <a:t>EZTrack</a:t>
+            </a:r>
+            <a:r>
+              <a:rPr lang="en-US" sz="1400" dirty="0"/>
+              <a:t>...during the clinical evaluation phase, we should collect </a:t>
+            </a:r>
+            <a:r>
+              <a:rPr lang="en-US" sz="1400" dirty="0" smtClean="0"/>
+              <a:t>these. Capture </a:t>
+            </a:r>
+            <a:r>
+              <a:rPr lang="en-US" sz="1400" dirty="0"/>
+              <a:t>which electrode regions were actually removed. Capture the degree to which these corresponded with </a:t>
             </a:r>
             <a:r>
               <a:rPr lang="en-US" sz="1400" dirty="0" err="1"/>
@@ -6718,18 +6974,36 @@
             </a:r>
             <a:r>
               <a:rPr lang="en-US" sz="1400" dirty="0"/>
-              <a:t> previous results.</a:t>
+              <a:t> weights.</a:t>
             </a:r>
           </a:p>
           <a:p>
             <a:endParaRPr lang="en-US" sz="1400" dirty="0"/>
+          </a:p>
+          <a:p>
+            <a:r>
+              <a:rPr lang="en-US" sz="1400" dirty="0"/>
+              <a:t>• Patient follow-up...how long after resection before the surgery is deemed a success? At this point, record success or </a:t>
+            </a:r>
+            <a:r>
+              <a:rPr lang="en-US" sz="1400" dirty="0" smtClean="0"/>
+              <a:t>failure in </a:t>
+            </a:r>
+            <a:r>
+              <a:rPr lang="en-US" sz="1400" dirty="0" err="1"/>
+              <a:t>EZTrack</a:t>
+            </a:r>
+            <a:r>
+              <a:rPr lang="en-US" sz="1400" dirty="0"/>
+              <a:t>. We then have all the data necessary for multiple retrospective studies over time with different patient types.</a:t>
+            </a:r>
           </a:p>
         </p:txBody>
       </p:sp>
     </p:spTree>
     <p:extLst>
       <p:ext uri="{BB962C8B-B14F-4D97-AF65-F5344CB8AC3E}">
-        <p14:creationId xmlns:p14="http://schemas.microsoft.com/office/powerpoint/2010/main" val="2056934212"/>
+        <p14:creationId xmlns:p14="http://schemas.microsoft.com/office/powerpoint/2010/main" val="1776322751"/>
       </p:ext>
     </p:extLst>
   </p:cSld>
@@ -6782,6 +7056,124 @@
               <a:rPr lang="en-US" smtClean="0"/>
               <a:pPr/>
               <a:t>25</a:t>
+            </a:fld>
+            <a:endParaRPr lang="en-US" dirty="0"/>
+          </a:p>
+        </p:txBody>
+      </p:sp>
+      <p:sp>
+        <p:nvSpPr>
+          <p:cNvPr id="4" name="TextBox 3"/>
+          <p:cNvSpPr txBox="1"/>
+          <p:nvPr/>
+        </p:nvSpPr>
+        <p:spPr>
+          <a:xfrm>
+            <a:off x="152400" y="3048000"/>
+            <a:ext cx="8659744" cy="954107"/>
+          </a:xfrm>
+          <a:prstGeom prst="rect">
+            <a:avLst/>
+          </a:prstGeom>
+          <a:noFill/>
+        </p:spPr>
+        <p:txBody>
+          <a:bodyPr wrap="square" rtlCol="0">
+            <a:spAutoFit/>
+          </a:bodyPr>
+          <a:lstStyle/>
+          <a:p>
+            <a:r>
+              <a:rPr lang="en-US" sz="1400" b="1" dirty="0" smtClean="0"/>
+              <a:t>Retrospective </a:t>
+            </a:r>
+            <a:r>
+              <a:rPr lang="en-US" sz="1400" b="1" dirty="0"/>
+              <a:t>Study Workflow</a:t>
+            </a:r>
+          </a:p>
+          <a:p>
+            <a:endParaRPr lang="en-US" sz="1400" b="1" dirty="0"/>
+          </a:p>
+          <a:p>
+            <a:r>
+              <a:rPr lang="en-US" sz="1400" dirty="0" smtClean="0"/>
+              <a:t>Features </a:t>
+            </a:r>
+            <a:r>
+              <a:rPr lang="en-US" sz="1400" dirty="0"/>
+              <a:t>for researchers or clinicians to review </a:t>
+            </a:r>
+            <a:r>
+              <a:rPr lang="en-US" sz="1400" dirty="0" err="1"/>
+              <a:t>EZTrack's</a:t>
+            </a:r>
+            <a:r>
+              <a:rPr lang="en-US" sz="1400" dirty="0"/>
+              <a:t> previous results.</a:t>
+            </a:r>
+          </a:p>
+          <a:p>
+            <a:endParaRPr lang="en-US" sz="1400" dirty="0"/>
+          </a:p>
+        </p:txBody>
+      </p:sp>
+    </p:spTree>
+    <p:extLst>
+      <p:ext uri="{BB962C8B-B14F-4D97-AF65-F5344CB8AC3E}">
+        <p14:creationId xmlns:p14="http://schemas.microsoft.com/office/powerpoint/2010/main" val="2056934212"/>
+      </p:ext>
+    </p:extLst>
+  </p:cSld>
+  <p:clrMapOvr>
+    <a:masterClrMapping/>
+  </p:clrMapOvr>
+  <p:timing>
+    <p:tnLst>
+      <p:par>
+        <p:cTn xmlns:p14="http://schemas.microsoft.com/office/powerpoint/2010/main" id="1" dur="indefinite" restart="never" nodeType="tmRoot"/>
+      </p:par>
+    </p:tnLst>
+  </p:timing>
+</p:sld>
+</file>
+
+<file path=ppt/slides/slide26.xml><?xml version="1.0" encoding="utf-8"?>
+<p:sld xmlns:a="http://schemas.openxmlformats.org/drawingml/2006/main" xmlns:r="http://schemas.openxmlformats.org/officeDocument/2006/relationships" xmlns:p="http://schemas.openxmlformats.org/presentationml/2006/main">
+  <p:cSld>
+    <p:spTree>
+      <p:nvGrpSpPr>
+        <p:cNvPr id="1" name=""/>
+        <p:cNvGrpSpPr/>
+        <p:nvPr/>
+      </p:nvGrpSpPr>
+      <p:grpSpPr>
+        <a:xfrm>
+          <a:off x="0" y="0"/>
+          <a:ext cx="0" cy="0"/>
+          <a:chOff x="0" y="0"/>
+          <a:chExt cx="0" cy="0"/>
+        </a:xfrm>
+      </p:grpSpPr>
+      <p:sp>
+        <p:nvSpPr>
+          <p:cNvPr id="3" name="Slide Number Placeholder 2"/>
+          <p:cNvSpPr>
+            <a:spLocks noGrp="1"/>
+          </p:cNvSpPr>
+          <p:nvPr>
+            <p:ph type="sldNum" sz="quarter" idx="12"/>
+          </p:nvPr>
+        </p:nvSpPr>
+        <p:spPr/>
+        <p:txBody>
+          <a:bodyPr/>
+          <a:lstStyle/>
+          <a:p>
+            <a:fld id="{CBC50AE4-BF95-48CF-938F-E7404067F212}" type="slidenum">
+              <a:rPr lang="en-US" smtClean="0"/>
+              <a:pPr/>
+              <a:t>26</a:t>
             </a:fld>
             <a:endParaRPr lang="en-US" dirty="0"/>
           </a:p>
@@ -6837,7 +7229,7 @@
 </p:sld>
 </file>
 
-<file path=ppt/slides/slide26.xml><?xml version="1.0" encoding="utf-8"?>
+<file path=ppt/slides/slide27.xml><?xml version="1.0" encoding="utf-8"?>
 <p:sld xmlns:a="http://schemas.openxmlformats.org/drawingml/2006/main" xmlns:r="http://schemas.openxmlformats.org/officeDocument/2006/relationships" xmlns:p="http://schemas.openxmlformats.org/presentationml/2006/main">
   <p:cSld>
     <p:spTree>
@@ -6872,7 +7264,7 @@
             <a:fld id="{CBC50AE4-BF95-48CF-938F-E7404067F212}" type="slidenum">
               <a:rPr lang="en-US" smtClean="0"/>
               <a:pPr/>
-              <a:t>26</a:t>
+              <a:t>27</a:t>
             </a:fld>
             <a:endParaRPr lang="en-US" dirty="0"/>
           </a:p>
@@ -6928,7 +7320,7 @@
 </p:sld>
 </file>
 
-<file path=ppt/slides/slide27.xml><?xml version="1.0" encoding="utf-8"?>
+<file path=ppt/slides/slide28.xml><?xml version="1.0" encoding="utf-8"?>
 <p:sld xmlns:a="http://schemas.openxmlformats.org/drawingml/2006/main" xmlns:r="http://schemas.openxmlformats.org/officeDocument/2006/relationships" xmlns:p="http://schemas.openxmlformats.org/presentationml/2006/main">
   <p:cSld>
     <p:spTree>
@@ -6963,7 +7355,7 @@
             <a:fld id="{CBC50AE4-BF95-48CF-938F-E7404067F212}" type="slidenum">
               <a:rPr lang="en-US" smtClean="0"/>
               <a:pPr/>
-              <a:t>27</a:t>
+              <a:t>28</a:t>
             </a:fld>
             <a:endParaRPr lang="en-US" dirty="0"/>
           </a:p>
@@ -7019,7 +7411,7 @@
 </p:sld>
 </file>
 
-<file path=ppt/slides/slide28.xml><?xml version="1.0" encoding="utf-8"?>
+<file path=ppt/slides/slide29.xml><?xml version="1.0" encoding="utf-8"?>
 <p:sld xmlns:a="http://schemas.openxmlformats.org/drawingml/2006/main" xmlns:r="http://schemas.openxmlformats.org/officeDocument/2006/relationships" xmlns:p="http://schemas.openxmlformats.org/presentationml/2006/main">
   <p:cSld>
     <p:spTree>
@@ -7054,7 +7446,7 @@
             <a:fld id="{CBC50AE4-BF95-48CF-938F-E7404067F212}" type="slidenum">
               <a:rPr lang="en-US" smtClean="0"/>
               <a:pPr/>
-              <a:t>28</a:t>
+              <a:t>29</a:t>
             </a:fld>
             <a:endParaRPr lang="en-US" dirty="0"/>
           </a:p>
@@ -7094,125 +7486,6 @@
     <p:extLst>
       <p:ext uri="{BB962C8B-B14F-4D97-AF65-F5344CB8AC3E}">
         <p14:creationId xmlns:p14="http://schemas.microsoft.com/office/powerpoint/2010/main" val="27317199"/>
-      </p:ext>
-    </p:extLst>
-  </p:cSld>
-  <p:clrMapOvr>
-    <a:masterClrMapping/>
-  </p:clrMapOvr>
-  <p:timing>
-    <p:tnLst>
-      <p:par>
-        <p:cTn xmlns:p14="http://schemas.microsoft.com/office/powerpoint/2010/main" id="1" dur="indefinite" restart="never" nodeType="tmRoot"/>
-      </p:par>
-    </p:tnLst>
-  </p:timing>
-</p:sld>
-</file>
-
-<file path=ppt/slides/slide29.xml><?xml version="1.0" encoding="utf-8"?>
-<p:sld xmlns:a="http://schemas.openxmlformats.org/drawingml/2006/main" xmlns:r="http://schemas.openxmlformats.org/officeDocument/2006/relationships" xmlns:p="http://schemas.openxmlformats.org/presentationml/2006/main">
-  <p:cSld>
-    <p:spTree>
-      <p:nvGrpSpPr>
-        <p:cNvPr id="1" name=""/>
-        <p:cNvGrpSpPr/>
-        <p:nvPr/>
-      </p:nvGrpSpPr>
-      <p:grpSpPr>
-        <a:xfrm>
-          <a:off x="0" y="0"/>
-          <a:ext cx="0" cy="0"/>
-          <a:chOff x="0" y="0"/>
-          <a:chExt cx="0" cy="0"/>
-        </a:xfrm>
-      </p:grpSpPr>
-      <p:sp>
-        <p:nvSpPr>
-          <p:cNvPr id="3" name="Slide Number Placeholder 2"/>
-          <p:cNvSpPr>
-            <a:spLocks noGrp="1"/>
-          </p:cNvSpPr>
-          <p:nvPr>
-            <p:ph type="sldNum" sz="quarter" idx="12"/>
-          </p:nvPr>
-        </p:nvSpPr>
-        <p:spPr/>
-        <p:txBody>
-          <a:bodyPr/>
-          <a:lstStyle/>
-          <a:p>
-            <a:fld id="{CBC50AE4-BF95-48CF-938F-E7404067F212}" type="slidenum">
-              <a:rPr lang="en-US" smtClean="0"/>
-              <a:pPr/>
-              <a:t>29</a:t>
-            </a:fld>
-            <a:endParaRPr lang="en-US" dirty="0"/>
-          </a:p>
-        </p:txBody>
-      </p:sp>
-      <p:sp>
-        <p:nvSpPr>
-          <p:cNvPr id="4" name="TextBox 3"/>
-          <p:cNvSpPr txBox="1"/>
-          <p:nvPr/>
-        </p:nvSpPr>
-        <p:spPr>
-          <a:xfrm>
-            <a:off x="27057" y="152401"/>
-            <a:ext cx="8659744" cy="738664"/>
-          </a:xfrm>
-          <a:prstGeom prst="rect">
-            <a:avLst/>
-          </a:prstGeom>
-          <a:noFill/>
-        </p:spPr>
-        <p:txBody>
-          <a:bodyPr wrap="square" rtlCol="0">
-            <a:spAutoFit/>
-          </a:bodyPr>
-          <a:lstStyle/>
-          <a:p>
-            <a:r>
-              <a:rPr lang="en-US" sz="1400" b="1" dirty="0" smtClean="0"/>
-              <a:t>Retrospective </a:t>
-            </a:r>
-            <a:r>
-              <a:rPr lang="en-US" sz="1400" b="1" dirty="0"/>
-              <a:t>Study Workflow</a:t>
-            </a:r>
-          </a:p>
-          <a:p>
-            <a:endParaRPr lang="en-US" sz="1400" dirty="0"/>
-          </a:p>
-          <a:p>
-            <a:r>
-              <a:rPr lang="en-US" sz="1400" dirty="0"/>
-              <a:t>• TODO: </a:t>
-            </a:r>
-            <a:r>
-              <a:rPr lang="en-US" sz="1400" dirty="0" smtClean="0"/>
-              <a:t>How will users </a:t>
-            </a:r>
-            <a:r>
-              <a:rPr lang="en-US" sz="1400" dirty="0"/>
-              <a:t>to look up previous results in </a:t>
-            </a:r>
-            <a:r>
-              <a:rPr lang="en-US" sz="1400" dirty="0" err="1"/>
-              <a:t>EZTrack</a:t>
-            </a:r>
-            <a:r>
-              <a:rPr lang="en-US" sz="1400" dirty="0"/>
-              <a:t>?</a:t>
-            </a:r>
-          </a:p>
-        </p:txBody>
-      </p:sp>
-    </p:spTree>
-    <p:extLst>
-      <p:ext uri="{BB962C8B-B14F-4D97-AF65-F5344CB8AC3E}">
-        <p14:creationId xmlns:p14="http://schemas.microsoft.com/office/powerpoint/2010/main" val="368704035"/>
       </p:ext>
     </p:extLst>
   </p:cSld>
@@ -7377,6 +7650,125 @@
         </p:nvSpPr>
         <p:spPr>
           <a:xfrm>
+            <a:off x="27057" y="152401"/>
+            <a:ext cx="8659744" cy="738664"/>
+          </a:xfrm>
+          <a:prstGeom prst="rect">
+            <a:avLst/>
+          </a:prstGeom>
+          <a:noFill/>
+        </p:spPr>
+        <p:txBody>
+          <a:bodyPr wrap="square" rtlCol="0">
+            <a:spAutoFit/>
+          </a:bodyPr>
+          <a:lstStyle/>
+          <a:p>
+            <a:r>
+              <a:rPr lang="en-US" sz="1400" b="1" dirty="0" smtClean="0"/>
+              <a:t>Retrospective </a:t>
+            </a:r>
+            <a:r>
+              <a:rPr lang="en-US" sz="1400" b="1" dirty="0"/>
+              <a:t>Study Workflow</a:t>
+            </a:r>
+          </a:p>
+          <a:p>
+            <a:endParaRPr lang="en-US" sz="1400" dirty="0"/>
+          </a:p>
+          <a:p>
+            <a:r>
+              <a:rPr lang="en-US" sz="1400" dirty="0"/>
+              <a:t>• TODO: </a:t>
+            </a:r>
+            <a:r>
+              <a:rPr lang="en-US" sz="1400" dirty="0" smtClean="0"/>
+              <a:t>How will users </a:t>
+            </a:r>
+            <a:r>
+              <a:rPr lang="en-US" sz="1400" dirty="0"/>
+              <a:t>to look up previous results in </a:t>
+            </a:r>
+            <a:r>
+              <a:rPr lang="en-US" sz="1400" dirty="0" err="1"/>
+              <a:t>EZTrack</a:t>
+            </a:r>
+            <a:r>
+              <a:rPr lang="en-US" sz="1400" dirty="0"/>
+              <a:t>?</a:t>
+            </a:r>
+          </a:p>
+        </p:txBody>
+      </p:sp>
+    </p:spTree>
+    <p:extLst>
+      <p:ext uri="{BB962C8B-B14F-4D97-AF65-F5344CB8AC3E}">
+        <p14:creationId xmlns:p14="http://schemas.microsoft.com/office/powerpoint/2010/main" val="368704035"/>
+      </p:ext>
+    </p:extLst>
+  </p:cSld>
+  <p:clrMapOvr>
+    <a:masterClrMapping/>
+  </p:clrMapOvr>
+  <p:timing>
+    <p:tnLst>
+      <p:par>
+        <p:cTn xmlns:p14="http://schemas.microsoft.com/office/powerpoint/2010/main" id="1" dur="indefinite" restart="never" nodeType="tmRoot"/>
+      </p:par>
+    </p:tnLst>
+  </p:timing>
+</p:sld>
+</file>
+
+<file path=ppt/slides/slide31.xml><?xml version="1.0" encoding="utf-8"?>
+<p:sld xmlns:a="http://schemas.openxmlformats.org/drawingml/2006/main" xmlns:r="http://schemas.openxmlformats.org/officeDocument/2006/relationships" xmlns:p="http://schemas.openxmlformats.org/presentationml/2006/main">
+  <p:cSld>
+    <p:spTree>
+      <p:nvGrpSpPr>
+        <p:cNvPr id="1" name=""/>
+        <p:cNvGrpSpPr/>
+        <p:nvPr/>
+      </p:nvGrpSpPr>
+      <p:grpSpPr>
+        <a:xfrm>
+          <a:off x="0" y="0"/>
+          <a:ext cx="0" cy="0"/>
+          <a:chOff x="0" y="0"/>
+          <a:chExt cx="0" cy="0"/>
+        </a:xfrm>
+      </p:grpSpPr>
+      <p:sp>
+        <p:nvSpPr>
+          <p:cNvPr id="3" name="Slide Number Placeholder 2"/>
+          <p:cNvSpPr>
+            <a:spLocks noGrp="1"/>
+          </p:cNvSpPr>
+          <p:nvPr>
+            <p:ph type="sldNum" sz="quarter" idx="12"/>
+          </p:nvPr>
+        </p:nvSpPr>
+        <p:spPr/>
+        <p:txBody>
+          <a:bodyPr/>
+          <a:lstStyle/>
+          <a:p>
+            <a:fld id="{CBC50AE4-BF95-48CF-938F-E7404067F212}" type="slidenum">
+              <a:rPr lang="en-US" smtClean="0"/>
+              <a:pPr/>
+              <a:t>31</a:t>
+            </a:fld>
+            <a:endParaRPr lang="en-US" dirty="0"/>
+          </a:p>
+        </p:txBody>
+      </p:sp>
+      <p:sp>
+        <p:nvSpPr>
+          <p:cNvPr id="4" name="TextBox 3"/>
+          <p:cNvSpPr txBox="1"/>
+          <p:nvPr/>
+        </p:nvSpPr>
+        <p:spPr>
+          <a:xfrm>
             <a:off x="228600" y="152400"/>
             <a:ext cx="8659744" cy="4401204"/>
           </a:xfrm>
@@ -7635,7 +8027,7 @@
         <p:spPr>
           <a:xfrm>
             <a:off x="228600" y="152400"/>
-            <a:ext cx="7897743" cy="4062650"/>
+            <a:ext cx="7897743" cy="1261884"/>
           </a:xfrm>
           <a:prstGeom prst="rect">
             <a:avLst/>
@@ -7649,28 +8041,62 @@
           <a:lstStyle/>
           <a:p>
             <a:r>
-              <a:rPr lang="en-US" sz="1600" b="1" dirty="0">
+              <a:rPr lang="en-US" sz="1600" b="1" dirty="0" smtClean="0"/>
+              <a:t>Replace hard-coded </a:t>
+            </a:r>
+            <a:r>
+              <a:rPr lang="en-US" sz="1600" b="1" dirty="0" err="1" smtClean="0"/>
+              <a:t>patient_info.mat</a:t>
+            </a:r>
+            <a:r>
+              <a:rPr lang="en-US" sz="1600" b="1" dirty="0" smtClean="0"/>
+              <a:t> with dynamic input</a:t>
+            </a:r>
+            <a:endParaRPr lang="en-US" sz="1600" b="1" dirty="0" smtClean="0"/>
+          </a:p>
+          <a:p>
+            <a:endParaRPr lang="en-US" dirty="0" smtClean="0"/>
+          </a:p>
+          <a:p>
+            <a:r>
+              <a:rPr lang="en-US" sz="1400" dirty="0" smtClean="0">
                 <a:latin typeface="Andale Mono"/>
                 <a:cs typeface="Andale Mono"/>
               </a:rPr>
-              <a:t>edf2mef</a:t>
-            </a:r>
-            <a:r>
-              <a:rPr lang="en-US" sz="1600" b="1" dirty="0"/>
+              <a:t>info</a:t>
+            </a:r>
+            <a:r>
+              <a:rPr lang="en-US" sz="1400" dirty="0">
+                <a:latin typeface="Andale Mono"/>
+                <a:cs typeface="Andale Mono"/>
+              </a:rPr>
+              <a:t>/</a:t>
+            </a:r>
+            <a:r>
+              <a:rPr lang="en-US" sz="1400" dirty="0" err="1">
+                <a:latin typeface="Andale Mono"/>
+                <a:cs typeface="Andale Mono"/>
+              </a:rPr>
+              <a:t>info_patients.mat</a:t>
+            </a:r>
+            <a:r>
+              <a:rPr lang="en-US" sz="1400" dirty="0">
+                <a:latin typeface="Andale Mono"/>
+                <a:cs typeface="Andale Mono"/>
+              </a:rPr>
               <a:t> </a:t>
             </a:r>
             <a:r>
-              <a:rPr lang="en-US" sz="1600" b="1" dirty="0" smtClean="0"/>
-              <a:t>experiment</a:t>
-            </a:r>
-          </a:p>
-          <a:p>
-            <a:endParaRPr lang="en-US" dirty="0"/>
-          </a:p>
-          <a:p>
-            <a:r>
-              <a:rPr lang="en-US" sz="1400" dirty="0"/>
-              <a:t>• mef_lib_2_1 provides an edf2mef utility to follow up on the idea of using it to validate the mef2eeg </a:t>
+              <a:rPr lang="en-US" sz="1400" dirty="0"/>
+              <a:t>is a static database of patient information that is used throughout the </a:t>
+            </a:r>
+            <a:r>
+              <a:rPr lang="en-US" sz="1400" dirty="0" err="1"/>
+              <a:t>EZTrack</a:t>
+            </a:r>
+            <a:r>
+              <a:rPr lang="en-US" sz="1400" dirty="0"/>
+              <a:t> </a:t>
             </a:r>
             <a:r>
               <a:rPr lang="en-US" sz="1400" dirty="0" err="1"/>
@@ -7678,140 +8104,7 @@
             </a:r>
             <a:r>
               <a:rPr lang="en-US" sz="1400" dirty="0"/>
-              <a:t>.</a:t>
-            </a:r>
-          </a:p>
-          <a:p>
-            <a:endParaRPr lang="en-US" sz="1400" dirty="0"/>
-          </a:p>
-          <a:p>
-            <a:r>
-              <a:rPr lang="en-US" sz="1400" dirty="0"/>
-              <a:t>• Tested that mef_lib_2_1 creates the same output as mef_2_0: Will upgrade </a:t>
-            </a:r>
-            <a:r>
-              <a:rPr lang="en-US" sz="1400" dirty="0" err="1"/>
-              <a:t>mef</a:t>
-            </a:r>
-            <a:r>
-              <a:rPr lang="en-US" sz="1400" dirty="0"/>
-              <a:t> tools to use this package.</a:t>
-            </a:r>
-          </a:p>
-          <a:p>
-            <a:endParaRPr lang="en-US" sz="1400" dirty="0"/>
-          </a:p>
-          <a:p>
-            <a:r>
-              <a:rPr lang="en-US" sz="1400" dirty="0"/>
-              <a:t>• The edf2mef tool didn't look like it worked. It only output one two channels, and issued a warning that the "MEF voltage conversion factor will be incorrect".</a:t>
-            </a:r>
-          </a:p>
-          <a:p>
-            <a:r>
-              <a:rPr lang="en-US" sz="1400" dirty="0" smtClean="0"/>
-              <a:t>    • We have </a:t>
-            </a:r>
-            <a:r>
-              <a:rPr lang="en-US" sz="1400" dirty="0"/>
-              <a:t>EDF+ files, and this might only work with EDF.</a:t>
-            </a:r>
-          </a:p>
-          <a:p>
-            <a:r>
-              <a:rPr lang="en-US" sz="1400" dirty="0"/>
-              <a:t>  </a:t>
-            </a:r>
-            <a:r>
-              <a:rPr lang="en-US" sz="1400" dirty="0" smtClean="0"/>
-              <a:t>  • The </a:t>
-            </a:r>
-            <a:r>
-              <a:rPr lang="en-US" sz="1400" dirty="0"/>
-              <a:t>next option is to attempt to convert EDF+ to EDF.</a:t>
-            </a:r>
-          </a:p>
-          <a:p>
-            <a:endParaRPr lang="en-US" sz="1400" dirty="0"/>
-          </a:p>
-          <a:p>
-            <a:r>
-              <a:rPr lang="en-US" sz="1400" dirty="0"/>
-              <a:t>Fallback if edf2mef isn't straightforward:</a:t>
-            </a:r>
-          </a:p>
-          <a:p>
-            <a:endParaRPr lang="en-US" sz="1400" dirty="0"/>
-          </a:p>
-          <a:p>
-            <a:r>
-              <a:rPr lang="en-US" sz="1400" dirty="0"/>
-              <a:t>• Convert </a:t>
-            </a:r>
-            <a:r>
-              <a:rPr lang="en-US" sz="1400" dirty="0" err="1"/>
-              <a:t>mef</a:t>
-            </a:r>
-            <a:r>
-              <a:rPr lang="en-US" sz="1400" dirty="0"/>
-              <a:t> to </a:t>
-            </a:r>
-            <a:r>
-              <a:rPr lang="en-US" sz="1400" dirty="0" err="1"/>
-              <a:t>ascii</a:t>
-            </a:r>
-            <a:r>
-              <a:rPr lang="en-US" sz="1400" dirty="0"/>
-              <a:t> using </a:t>
-            </a:r>
-            <a:r>
-              <a:rPr lang="en-US" sz="1400" dirty="0" err="1"/>
-              <a:t>mef_lib</a:t>
-            </a:r>
-            <a:endParaRPr lang="en-US" sz="1400" dirty="0"/>
-          </a:p>
-          <a:p>
-            <a:r>
-              <a:rPr lang="en-US" sz="1400" dirty="0"/>
-              <a:t>• Convert </a:t>
-            </a:r>
-            <a:r>
-              <a:rPr lang="en-US" sz="1400" dirty="0" err="1"/>
-              <a:t>ascii</a:t>
-            </a:r>
-            <a:r>
-              <a:rPr lang="en-US" sz="1400" dirty="0"/>
-              <a:t> to </a:t>
-            </a:r>
-            <a:r>
-              <a:rPr lang="en-US" sz="1400" dirty="0" err="1"/>
-              <a:t>edf</a:t>
-            </a:r>
-            <a:r>
-              <a:rPr lang="en-US" sz="1400" dirty="0"/>
-              <a:t> using </a:t>
-            </a:r>
-            <a:r>
-              <a:rPr lang="en-US" sz="1400" dirty="0" err="1"/>
-              <a:t>edfbrowser</a:t>
-            </a:r>
-            <a:r>
-              <a:rPr lang="en-US" sz="1400" dirty="0"/>
-              <a:t> (TODO: apply the multiplier from the </a:t>
-            </a:r>
-            <a:r>
-              <a:rPr lang="en-US" sz="1400" dirty="0" err="1"/>
-              <a:t>mef</a:t>
-            </a:r>
-            <a:r>
-              <a:rPr lang="en-US" sz="1400" dirty="0"/>
-              <a:t> header)</a:t>
-            </a:r>
-          </a:p>
-          <a:p>
-            <a:r>
-              <a:rPr lang="en-US" sz="1400" dirty="0"/>
-              <a:t>• Compare to the shape of the signal or montage in Christophe's original screens</a:t>
+              <a:t>. This needs to be replaced by dynamic input to reflect how the tool will be used in a clinical setting.</a:t>
             </a:r>
             <a:endParaRPr lang="en-US" sz="1400" i="1" dirty="0"/>
           </a:p>
@@ -7887,7 +8180,7 @@
         <p:spPr>
           <a:xfrm>
             <a:off x="228600" y="152400"/>
-            <a:ext cx="7897743" cy="2554546"/>
+            <a:ext cx="7897743" cy="4062650"/>
           </a:xfrm>
           <a:prstGeom prst="rect">
             <a:avLst/>
@@ -7901,66 +8194,35 @@
           <a:lstStyle/>
           <a:p>
             <a:r>
-              <a:rPr lang="en-US" sz="1600" b="1" dirty="0" smtClean="0"/>
-              <a:t>Verify </a:t>
-            </a:r>
-            <a:r>
               <a:rPr lang="en-US" sz="1600" b="1" dirty="0">
                 <a:latin typeface="Andale Mono"/>
                 <a:cs typeface="Andale Mono"/>
               </a:rPr>
-              <a:t>edf2eeg</a:t>
+              <a:t>edf2mef</a:t>
             </a:r>
             <a:r>
               <a:rPr lang="en-US" sz="1600" b="1" dirty="0"/>
-              <a:t> and </a:t>
-            </a:r>
-            <a:r>
-              <a:rPr lang="en-US" sz="1600" b="1" dirty="0">
-                <a:latin typeface="Andale Mono"/>
-                <a:cs typeface="Andale Mono"/>
-              </a:rPr>
-              <a:t>eeg2fsv</a:t>
-            </a:r>
-            <a:r>
-              <a:rPr lang="en-US" sz="1600" b="1" dirty="0"/>
-              <a:t> output</a:t>
-            </a:r>
-            <a:endParaRPr lang="en-US" sz="1600" b="1" dirty="0" smtClean="0"/>
-          </a:p>
-          <a:p>
-            <a:endParaRPr lang="en-US" dirty="0" smtClean="0"/>
-          </a:p>
-          <a:p>
-            <a:r>
-              <a:rPr lang="en-US" sz="1400" dirty="0"/>
-              <a:t>• Confirm that the edf2eeg process gives me the same results that </a:t>
+              <a:t> </a:t>
+            </a:r>
+            <a:r>
+              <a:rPr lang="en-US" sz="1600" b="1" dirty="0" smtClean="0"/>
+              <a:t>experiment</a:t>
+            </a:r>
+          </a:p>
+          <a:p>
+            <a:endParaRPr lang="en-US" dirty="0"/>
+          </a:p>
+          <a:p>
+            <a:r>
+              <a:rPr lang="en-US" sz="1400" dirty="0"/>
+              <a:t>• mef_lib_2_1 provides an edf2mef utility to follow up on the idea of using it to validate the mef2eeg </a:t>
             </a:r>
             <a:r>
               <a:rPr lang="en-US" sz="1400" dirty="0" err="1"/>
-              <a:t>Bhaskar</a:t>
-            </a:r>
-            <a:r>
-              <a:rPr lang="en-US" sz="1400" dirty="0"/>
-              <a:t> got for the EDF file </a:t>
-            </a:r>
-            <a:endParaRPr lang="en-US" sz="1400" dirty="0" smtClean="0"/>
-          </a:p>
-          <a:p>
-            <a:r>
-              <a:rPr lang="en-US" sz="1400" dirty="0"/>
-              <a:t> </a:t>
-            </a:r>
-            <a:r>
-              <a:rPr lang="en-US" sz="1400" dirty="0" smtClean="0"/>
-              <a:t> he </a:t>
-            </a:r>
-            <a:r>
-              <a:rPr lang="en-US" sz="1400" dirty="0"/>
-              <a:t>sent</a:t>
-            </a:r>
-            <a:r>
-              <a:rPr lang="en-US" sz="1400" dirty="0" smtClean="0"/>
+              <a:t>toolchain</a:t>
+            </a:r>
+            <a:r>
+              <a:rPr lang="en-US" sz="1400" dirty="0"/>
               <a:t>.</a:t>
             </a:r>
           </a:p>
@@ -7970,34 +8232,15 @@
           <a:p>
             <a:r>
               <a:rPr lang="en-US" sz="1400" dirty="0"/>
-              <a:t>• Confirm eeg2fsv gives me the same results as </a:t>
+              <a:t>• Tested that mef_lib_2_1 creates the same output as mef_2_0: Will upgrade </a:t>
             </a:r>
             <a:r>
               <a:rPr lang="en-US" sz="1400" dirty="0" err="1"/>
-              <a:t>Bhaskar</a:t>
-            </a:r>
-            <a:r>
-              <a:rPr lang="en-US" sz="1400" dirty="0"/>
-              <a:t> for the .mat files on the hard drives </a:t>
-            </a:r>
-            <a:endParaRPr lang="en-US" sz="1400" dirty="0" smtClean="0"/>
-          </a:p>
-          <a:p>
-            <a:r>
-              <a:rPr lang="en-US" sz="1400" dirty="0"/>
-              <a:t> </a:t>
-            </a:r>
-            <a:r>
-              <a:rPr lang="en-US" sz="1400" dirty="0" smtClean="0"/>
-              <a:t> that </a:t>
-            </a:r>
-            <a:r>
-              <a:rPr lang="en-US" sz="1400" dirty="0"/>
-              <a:t>correspond to the above EDF file</a:t>
-            </a:r>
-            <a:r>
-              <a:rPr lang="en-US" sz="1400" dirty="0" smtClean="0"/>
-              <a:t>.</a:t>
+              <a:t>mef</a:t>
+            </a:r>
+            <a:r>
+              <a:rPr lang="en-US" sz="1400" dirty="0"/>
+              <a:t> tools to use this package.</a:t>
             </a:r>
           </a:p>
           <a:p>
@@ -8006,7 +8249,57 @@
           <a:p>
             <a:r>
               <a:rPr lang="en-US" sz="1400" dirty="0"/>
-              <a:t>• Compare the distribution of MEF </a:t>
+              <a:t>• The edf2mef tool didn't look like it worked. It only output one two channels, and issued a warning that the "MEF voltage conversion factor will be incorrect".</a:t>
+            </a:r>
+          </a:p>
+          <a:p>
+            <a:r>
+              <a:rPr lang="en-US" sz="1400" dirty="0" smtClean="0"/>
+              <a:t>    • We have </a:t>
+            </a:r>
+            <a:r>
+              <a:rPr lang="en-US" sz="1400" dirty="0"/>
+              <a:t>EDF+ files, and this might only work with EDF.</a:t>
+            </a:r>
+          </a:p>
+          <a:p>
+            <a:r>
+              <a:rPr lang="en-US" sz="1400" dirty="0"/>
+              <a:t>  </a:t>
+            </a:r>
+            <a:r>
+              <a:rPr lang="en-US" sz="1400" dirty="0" smtClean="0"/>
+              <a:t>  • The </a:t>
+            </a:r>
+            <a:r>
+              <a:rPr lang="en-US" sz="1400" dirty="0"/>
+              <a:t>next option is to attempt to convert EDF+ to EDF.</a:t>
+            </a:r>
+          </a:p>
+          <a:p>
+            <a:endParaRPr lang="en-US" sz="1400" dirty="0"/>
+          </a:p>
+          <a:p>
+            <a:r>
+              <a:rPr lang="en-US" sz="1400" dirty="0"/>
+              <a:t>Fallback if edf2mef isn't straightforward:</a:t>
+            </a:r>
+          </a:p>
+          <a:p>
+            <a:endParaRPr lang="en-US" sz="1400" dirty="0"/>
+          </a:p>
+          <a:p>
+            <a:r>
+              <a:rPr lang="en-US" sz="1400" dirty="0"/>
+              <a:t>• Convert </a:t>
+            </a:r>
+            <a:r>
+              <a:rPr lang="en-US" sz="1400" dirty="0" err="1"/>
+              <a:t>mef</a:t>
+            </a:r>
+            <a:r>
+              <a:rPr lang="en-US" sz="1400" dirty="0"/>
+              <a:t> to </a:t>
             </a:r>
             <a:r>
               <a:rPr lang="en-US" sz="1400" dirty="0" err="1"/>
@@ -8014,18 +8307,26 @@
             </a:r>
             <a:r>
               <a:rPr lang="en-US" sz="1400" dirty="0"/>
-              <a:t> to the shape of the data in the edf2eeg .mat </a:t>
-            </a:r>
-            <a:r>
-              <a:rPr lang="en-US" sz="1400" dirty="0" smtClean="0"/>
-              <a:t>files.</a:t>
+              <a:t> using </a:t>
+            </a:r>
+            <a:r>
+              <a:rPr lang="en-US" sz="1400" dirty="0" err="1"/>
+              <a:t>mef_lib</a:t>
             </a:r>
             <a:endParaRPr lang="en-US" sz="1400" dirty="0"/>
           </a:p>
           <a:p>
             <a:r>
               <a:rPr lang="en-US" sz="1400" dirty="0"/>
-              <a:t>  </a:t>
+              <a:t>• Convert </a:t>
+            </a:r>
+            <a:r>
+              <a:rPr lang="en-US" sz="1400" dirty="0" err="1"/>
+              <a:t>ascii</a:t>
+            </a:r>
+            <a:r>
+              <a:rPr lang="en-US" sz="1400" dirty="0"/>
+              <a:t> to </a:t>
             </a:r>
             <a:r>
               <a:rPr lang="en-US" sz="1400" dirty="0" err="1"/>
@@ -8033,17 +8334,29 @@
             </a:r>
             <a:r>
               <a:rPr lang="en-US" sz="1400" dirty="0"/>
-              <a:t> apparently stores data in a contiguous stream for all </a:t>
-            </a:r>
-            <a:r>
-              <a:rPr lang="en-US" sz="1400" dirty="0" smtClean="0"/>
-              <a:t>channels, which may be reflected in</a:t>
-            </a:r>
-          </a:p>
-          <a:p>
-            <a:r>
-              <a:rPr lang="en-US" sz="1400" dirty="0" smtClean="0"/>
-              <a:t>  the .mat files.</a:t>
+              <a:t> using </a:t>
+            </a:r>
+            <a:r>
+              <a:rPr lang="en-US" sz="1400" dirty="0" err="1"/>
+              <a:t>edfbrowser</a:t>
+            </a:r>
+            <a:r>
+              <a:rPr lang="en-US" sz="1400" dirty="0"/>
+              <a:t> (TODO: apply the multiplier from the </a:t>
+            </a:r>
+            <a:r>
+              <a:rPr lang="en-US" sz="1400" dirty="0" err="1"/>
+              <a:t>mef</a:t>
+            </a:r>
+            <a:r>
+              <a:rPr lang="en-US" sz="1400" dirty="0"/>
+              <a:t> header)</a:t>
+            </a:r>
+          </a:p>
+          <a:p>
+            <a:r>
+              <a:rPr lang="en-US" sz="1400" dirty="0"/>
+              <a:t>• Compare to the shape of the signal or montage in Christophe's original screens</a:t>
             </a:r>
             <a:endParaRPr lang="en-US" sz="1400" i="1" dirty="0"/>
           </a:p>
@@ -8052,7 +8365,7 @@
     </p:spTree>
     <p:extLst>
       <p:ext uri="{BB962C8B-B14F-4D97-AF65-F5344CB8AC3E}">
-        <p14:creationId xmlns:p14="http://schemas.microsoft.com/office/powerpoint/2010/main" val="3298966800"/>
+        <p14:creationId xmlns:p14="http://schemas.microsoft.com/office/powerpoint/2010/main" val="2214653339"/>
       </p:ext>
     </p:extLst>
   </p:cSld>
@@ -8118,8 +8431,8 @@
         </p:nvSpPr>
         <p:spPr>
           <a:xfrm>
-            <a:off x="1447800" y="2895600"/>
-            <a:ext cx="6019800" cy="369332"/>
+            <a:off x="228600" y="152400"/>
+            <a:ext cx="7897743" cy="2554546"/>
           </a:xfrm>
           <a:prstGeom prst="rect">
             <a:avLst/>
@@ -8133,28 +8446,158 @@
           <a:lstStyle/>
           <a:p>
             <a:r>
-              <a:rPr lang="en-US" b="1" dirty="0"/>
-              <a:t>Regional </a:t>
-            </a:r>
-            <a:r>
-              <a:rPr lang="en-US" b="1" dirty="0" err="1">
+              <a:rPr lang="en-US" sz="1600" b="1" dirty="0" smtClean="0"/>
+              <a:t>Verify </a:t>
+            </a:r>
+            <a:r>
+              <a:rPr lang="en-US" sz="1600" b="1" dirty="0">
                 <a:latin typeface="Andale Mono"/>
                 <a:cs typeface="Andale Mono"/>
               </a:rPr>
-              <a:t>pcspace</a:t>
-            </a:r>
-            <a:r>
-              <a:rPr lang="en-US" b="1" dirty="0"/>
-              <a:t> Model Calibration Workflow</a:t>
-            </a:r>
-            <a:endParaRPr lang="en-US" b="1" dirty="0"/>
+              <a:t>edf2eeg</a:t>
+            </a:r>
+            <a:r>
+              <a:rPr lang="en-US" sz="1600" b="1" dirty="0"/>
+              <a:t> and </a:t>
+            </a:r>
+            <a:r>
+              <a:rPr lang="en-US" sz="1600" b="1" dirty="0">
+                <a:latin typeface="Andale Mono"/>
+                <a:cs typeface="Andale Mono"/>
+              </a:rPr>
+              <a:t>eeg2fsv</a:t>
+            </a:r>
+            <a:r>
+              <a:rPr lang="en-US" sz="1600" b="1" dirty="0"/>
+              <a:t> output</a:t>
+            </a:r>
+            <a:endParaRPr lang="en-US" sz="1600" b="1" dirty="0" smtClean="0"/>
+          </a:p>
+          <a:p>
+            <a:endParaRPr lang="en-US" dirty="0" smtClean="0"/>
+          </a:p>
+          <a:p>
+            <a:r>
+              <a:rPr lang="en-US" sz="1400" dirty="0"/>
+              <a:t>• Confirm that the edf2eeg process gives me the same results that </a:t>
+            </a:r>
+            <a:r>
+              <a:rPr lang="en-US" sz="1400" dirty="0" err="1"/>
+              <a:t>Bhaskar</a:t>
+            </a:r>
+            <a:r>
+              <a:rPr lang="en-US" sz="1400" dirty="0"/>
+              <a:t> got for the EDF file </a:t>
+            </a:r>
+            <a:endParaRPr lang="en-US" sz="1400" dirty="0" smtClean="0"/>
+          </a:p>
+          <a:p>
+            <a:r>
+              <a:rPr lang="en-US" sz="1400" dirty="0"/>
+              <a:t> </a:t>
+            </a:r>
+            <a:r>
+              <a:rPr lang="en-US" sz="1400" dirty="0" smtClean="0"/>
+              <a:t> he </a:t>
+            </a:r>
+            <a:r>
+              <a:rPr lang="en-US" sz="1400" dirty="0"/>
+              <a:t>sent</a:t>
+            </a:r>
+            <a:r>
+              <a:rPr lang="en-US" sz="1400" dirty="0" smtClean="0"/>
+              <a:t>.</a:t>
+            </a:r>
+          </a:p>
+          <a:p>
+            <a:endParaRPr lang="en-US" sz="1400" dirty="0"/>
+          </a:p>
+          <a:p>
+            <a:r>
+              <a:rPr lang="en-US" sz="1400" dirty="0"/>
+              <a:t>• Confirm eeg2fsv gives me the same results as </a:t>
+            </a:r>
+            <a:r>
+              <a:rPr lang="en-US" sz="1400" dirty="0" err="1"/>
+              <a:t>Bhaskar</a:t>
+            </a:r>
+            <a:r>
+              <a:rPr lang="en-US" sz="1400" dirty="0"/>
+              <a:t> for the .mat files on the hard drives </a:t>
+            </a:r>
+            <a:endParaRPr lang="en-US" sz="1400" dirty="0" smtClean="0"/>
+          </a:p>
+          <a:p>
+            <a:r>
+              <a:rPr lang="en-US" sz="1400" dirty="0"/>
+              <a:t> </a:t>
+            </a:r>
+            <a:r>
+              <a:rPr lang="en-US" sz="1400" dirty="0" smtClean="0"/>
+              <a:t> that </a:t>
+            </a:r>
+            <a:r>
+              <a:rPr lang="en-US" sz="1400" dirty="0"/>
+              <a:t>correspond to the above EDF file</a:t>
+            </a:r>
+            <a:r>
+              <a:rPr lang="en-US" sz="1400" dirty="0" smtClean="0"/>
+              <a:t>.</a:t>
+            </a:r>
+          </a:p>
+          <a:p>
+            <a:endParaRPr lang="en-US" sz="1400" dirty="0"/>
+          </a:p>
+          <a:p>
+            <a:r>
+              <a:rPr lang="en-US" sz="1400" dirty="0"/>
+              <a:t>• Compare the distribution of MEF </a:t>
+            </a:r>
+            <a:r>
+              <a:rPr lang="en-US" sz="1400" dirty="0" err="1"/>
+              <a:t>ascii</a:t>
+            </a:r>
+            <a:r>
+              <a:rPr lang="en-US" sz="1400" dirty="0"/>
+              <a:t> to the shape of the data in the edf2eeg .mat </a:t>
+            </a:r>
+            <a:r>
+              <a:rPr lang="en-US" sz="1400" dirty="0" smtClean="0"/>
+              <a:t>files.</a:t>
+            </a:r>
+            <a:endParaRPr lang="en-US" sz="1400" dirty="0"/>
+          </a:p>
+          <a:p>
+            <a:r>
+              <a:rPr lang="en-US" sz="1400" dirty="0"/>
+              <a:t>  </a:t>
+            </a:r>
+            <a:r>
+              <a:rPr lang="en-US" sz="1400" dirty="0" err="1"/>
+              <a:t>edf</a:t>
+            </a:r>
+            <a:r>
+              <a:rPr lang="en-US" sz="1400" dirty="0"/>
+              <a:t> apparently stores data in a contiguous stream for all </a:t>
+            </a:r>
+            <a:r>
+              <a:rPr lang="en-US" sz="1400" dirty="0" smtClean="0"/>
+              <a:t>channels, which may be reflected in</a:t>
+            </a:r>
+          </a:p>
+          <a:p>
+            <a:r>
+              <a:rPr lang="en-US" sz="1400" dirty="0" smtClean="0"/>
+              <a:t>  the .mat files.</a:t>
+            </a:r>
+            <a:endParaRPr lang="en-US" sz="1400" i="1" dirty="0"/>
           </a:p>
         </p:txBody>
       </p:sp>
     </p:spTree>
     <p:extLst>
       <p:ext uri="{BB962C8B-B14F-4D97-AF65-F5344CB8AC3E}">
-        <p14:creationId xmlns:p14="http://schemas.microsoft.com/office/powerpoint/2010/main" val="2084100132"/>
+        <p14:creationId xmlns:p14="http://schemas.microsoft.com/office/powerpoint/2010/main" val="3298966800"/>
       </p:ext>
     </p:extLst>
   </p:cSld>
@@ -8220,8 +8663,8 @@
         </p:nvSpPr>
         <p:spPr>
           <a:xfrm>
-            <a:off x="228600" y="152400"/>
-            <a:ext cx="7897743" cy="5355311"/>
+            <a:off x="1447800" y="2895600"/>
+            <a:ext cx="6019800" cy="369332"/>
           </a:xfrm>
           <a:prstGeom prst="rect">
             <a:avLst/>
@@ -8235,270 +8678,27 @@
           <a:lstStyle/>
           <a:p>
             <a:r>
-              <a:rPr lang="en-US" sz="1600" b="1" dirty="0" smtClean="0"/>
+              <a:rPr lang="en-US" b="1" dirty="0"/>
               <a:t>Regional </a:t>
             </a:r>
             <a:r>
-              <a:rPr lang="en-US" sz="1600" b="1" dirty="0" err="1" smtClean="0">
+              <a:rPr lang="en-US" b="1" dirty="0" err="1">
                 <a:latin typeface="Andale Mono"/>
                 <a:cs typeface="Andale Mono"/>
               </a:rPr>
               <a:t>pcspace</a:t>
             </a:r>
             <a:r>
-              <a:rPr lang="en-US" sz="1600" b="1" dirty="0" smtClean="0"/>
-              <a:t> </a:t>
-            </a:r>
-            <a:r>
-              <a:rPr lang="en-US" sz="1600" b="1" dirty="0"/>
-              <a:t>Model Calibration Workflow</a:t>
-            </a:r>
-          </a:p>
-          <a:p>
-            <a:endParaRPr lang="en-US" dirty="0"/>
-          </a:p>
-          <a:p>
-            <a:r>
-              <a:rPr lang="en-US" sz="1400" dirty="0" smtClean="0"/>
-              <a:t>Given </a:t>
-            </a:r>
-            <a:r>
-              <a:rPr lang="en-US" sz="1400" dirty="0"/>
-              <a:t>reference patient data with known outcomes for a given region (temporal, parietal, etc.), create the </a:t>
-            </a:r>
-            <a:r>
-              <a:rPr lang="en-US" sz="1400" dirty="0" err="1" smtClean="0">
-                <a:latin typeface="Andale Mono"/>
-                <a:cs typeface="Andale Mono"/>
-              </a:rPr>
-              <a:t>pcspace</a:t>
-            </a:r>
-            <a:r>
-              <a:rPr lang="en-US" sz="1400" dirty="0" smtClean="0"/>
-              <a:t> model for </a:t>
-            </a:r>
-            <a:r>
-              <a:rPr lang="en-US" sz="1400" dirty="0"/>
-              <a:t>that region:</a:t>
-            </a:r>
-          </a:p>
-          <a:p>
-            <a:endParaRPr lang="en-US" sz="1400" dirty="0"/>
-          </a:p>
-          <a:p>
-            <a:r>
-              <a:rPr lang="en-US" sz="1400" dirty="0" smtClean="0">
-                <a:latin typeface="Andale Mono"/>
-                <a:cs typeface="Andale Mono"/>
-              </a:rPr>
-              <a:t>edf2eeg</a:t>
-            </a:r>
-            <a:r>
-              <a:rPr lang="en-US" sz="1400" dirty="0" smtClean="0"/>
-              <a:t> </a:t>
-            </a:r>
-            <a:r>
-              <a:rPr lang="en-US" sz="1400" dirty="0"/>
-              <a:t>or </a:t>
-            </a:r>
-            <a:r>
-              <a:rPr lang="en-US" sz="1400" dirty="0" smtClean="0">
-                <a:latin typeface="Andale Mono"/>
-                <a:cs typeface="Andale Mono"/>
-              </a:rPr>
-              <a:t>mef2eeg -&gt;</a:t>
-            </a:r>
-            <a:endParaRPr lang="en-US" sz="1400" dirty="0">
-              <a:latin typeface="Andale Mono"/>
-              <a:cs typeface="Andale Mono"/>
-            </a:endParaRPr>
-          </a:p>
-          <a:p>
-            <a:r>
-              <a:rPr lang="en-US" sz="1400" dirty="0">
-                <a:latin typeface="Andale Mono"/>
-                <a:cs typeface="Andale Mono"/>
-              </a:rPr>
-              <a:t>e</a:t>
-            </a:r>
-            <a:r>
-              <a:rPr lang="en-US" sz="1400" dirty="0" smtClean="0">
-                <a:latin typeface="Andale Mono"/>
-                <a:cs typeface="Andale Mono"/>
-              </a:rPr>
-              <a:t>eg2fsv -&gt;</a:t>
-            </a:r>
-            <a:endParaRPr lang="en-US" sz="1400" dirty="0">
-              <a:latin typeface="Andale Mono"/>
-              <a:cs typeface="Andale Mono"/>
-            </a:endParaRPr>
-          </a:p>
-          <a:p>
-            <a:r>
-              <a:rPr lang="en-US" sz="1400" dirty="0">
-                <a:latin typeface="Andale Mono"/>
-                <a:cs typeface="Andale Mono"/>
-              </a:rPr>
-              <a:t>f</a:t>
-            </a:r>
-            <a:r>
-              <a:rPr lang="en-US" sz="1400" dirty="0" smtClean="0">
-                <a:latin typeface="Andale Mono"/>
-                <a:cs typeface="Andale Mono"/>
-              </a:rPr>
-              <a:t>sv2pcspace -&gt;</a:t>
-            </a:r>
-          </a:p>
-          <a:p>
-            <a:r>
-              <a:rPr lang="en-US" sz="1400" dirty="0">
-                <a:latin typeface="Andale Mono"/>
-                <a:cs typeface="Andale Mono"/>
-              </a:rPr>
-              <a:t>f</a:t>
-            </a:r>
-            <a:r>
-              <a:rPr lang="en-US" sz="1400" dirty="0" smtClean="0">
-                <a:latin typeface="Andale Mono"/>
-                <a:cs typeface="Andale Mono"/>
-              </a:rPr>
-              <a:t>sv2heatmap</a:t>
-            </a:r>
-          </a:p>
-          <a:p>
-            <a:endParaRPr lang="en-US" sz="1400" dirty="0"/>
-          </a:p>
-          <a:p>
-            <a:r>
-              <a:rPr lang="en-US" sz="1400" dirty="0"/>
-              <a:t>• Classify a known patient with this model using </a:t>
-            </a:r>
-            <a:r>
-              <a:rPr lang="en-US" sz="1400" dirty="0" smtClean="0">
-                <a:latin typeface="Andale Mono"/>
-                <a:cs typeface="Andale Mono"/>
-              </a:rPr>
-              <a:t>fsv2heatmap</a:t>
-            </a:r>
-            <a:r>
-              <a:rPr lang="en-US" sz="1400" dirty="0" smtClean="0"/>
-              <a:t> </a:t>
-            </a:r>
-            <a:r>
-              <a:rPr lang="en-US" sz="1400" dirty="0"/>
-              <a:t>and compare to reference results as a validation step.</a:t>
-            </a:r>
-          </a:p>
-          <a:p>
-            <a:endParaRPr lang="en-US" sz="1400" dirty="0"/>
-          </a:p>
-          <a:p>
-            <a:r>
-              <a:rPr lang="en-US" sz="1400" dirty="0"/>
-              <a:t>The output of this process are the values of the </a:t>
-            </a:r>
-            <a:r>
-              <a:rPr lang="en-US" sz="1400" dirty="0" err="1" smtClean="0">
-                <a:latin typeface="Andale Mono"/>
-                <a:cs typeface="Andale Mono"/>
-              </a:rPr>
-              <a:t>pcspace</a:t>
-            </a:r>
-            <a:r>
-              <a:rPr lang="en-US" sz="1400" dirty="0" smtClean="0"/>
-              <a:t> </a:t>
-            </a:r>
-            <a:r>
-              <a:rPr lang="en-US" sz="1400" dirty="0"/>
-              <a:t>model stored in CSV format for each brain region of interest</a:t>
-            </a:r>
-            <a:r>
-              <a:rPr lang="en-US" sz="1400" dirty="0" smtClean="0"/>
-              <a:t>. This model will be used to classify the electrodes of future patients and is the key input to </a:t>
-            </a:r>
-            <a:r>
-              <a:rPr lang="en-US" sz="1400" dirty="0" smtClean="0">
-                <a:latin typeface="Andale Mono"/>
-                <a:cs typeface="Andale Mono"/>
-              </a:rPr>
-              <a:t>fsv2heatmap.</a:t>
-            </a:r>
-          </a:p>
-          <a:p>
-            <a:endParaRPr lang="en-US" sz="1400" dirty="0"/>
-          </a:p>
-          <a:p>
-            <a:r>
-              <a:rPr lang="en-US" sz="1400" i="1" dirty="0"/>
-              <a:t>NB: Data for the initial edf2eeg / mef2eeg phase </a:t>
-            </a:r>
-            <a:r>
-              <a:rPr lang="en-US" sz="1400" i="1" dirty="0" smtClean="0"/>
-              <a:t>is of TB size. </a:t>
-            </a:r>
-            <a:r>
-              <a:rPr lang="en-US" sz="1400" i="1" dirty="0"/>
-              <a:t>Model development will </a:t>
-            </a:r>
-            <a:r>
-              <a:rPr lang="en-US" sz="1400" i="1" dirty="0" smtClean="0"/>
-              <a:t>most likely need </a:t>
-            </a:r>
-            <a:r>
-              <a:rPr lang="en-US" sz="1400" i="1" dirty="0"/>
-              <a:t>to be done </a:t>
-            </a:r>
-            <a:r>
-              <a:rPr lang="en-US" sz="1400" i="1" dirty="0" smtClean="0"/>
-              <a:t>offline through </a:t>
-            </a:r>
-            <a:r>
-              <a:rPr lang="en-US" sz="1400" i="1" dirty="0"/>
-              <a:t>physical transfer of hard drives (encrypted if necessary) </a:t>
-            </a:r>
-            <a:r>
-              <a:rPr lang="en-US" sz="1400" i="1" dirty="0" smtClean="0"/>
-              <a:t>to </a:t>
-            </a:r>
-            <a:r>
-              <a:rPr lang="en-US" sz="1400" i="1" dirty="0" err="1" smtClean="0"/>
-              <a:t>EZTrack</a:t>
-            </a:r>
-            <a:r>
-              <a:rPr lang="en-US" sz="1400" i="1" dirty="0"/>
-              <a:t> </a:t>
-            </a:r>
-            <a:r>
-              <a:rPr lang="en-US" sz="1400" i="1" dirty="0" smtClean="0"/>
-              <a:t>developers.</a:t>
-            </a:r>
-          </a:p>
-          <a:p>
-            <a:endParaRPr lang="en-US" sz="1400" i="1" dirty="0"/>
-          </a:p>
-          <a:p>
-            <a:r>
-              <a:rPr lang="en-US" sz="1400" i="1" dirty="0"/>
-              <a:t>This is the work we are doing now with </a:t>
-            </a:r>
-            <a:r>
-              <a:rPr lang="en-US" sz="1400" i="1" dirty="0" err="1"/>
-              <a:t>Bhaskar's</a:t>
-            </a:r>
-            <a:r>
-              <a:rPr lang="en-US" sz="1400" i="1" dirty="0"/>
-              <a:t> data to provide the baseline for subsequent Hopkins classification.</a:t>
-            </a:r>
-          </a:p>
-          <a:p>
-            <a:endParaRPr lang="en-US" sz="1400" i="1" dirty="0"/>
+              <a:rPr lang="en-US" b="1" dirty="0"/>
+              <a:t> Model Calibration Workflow</a:t>
+            </a:r>
           </a:p>
         </p:txBody>
       </p:sp>
     </p:spTree>
     <p:extLst>
       <p:ext uri="{BB962C8B-B14F-4D97-AF65-F5344CB8AC3E}">
-        <p14:creationId xmlns:p14="http://schemas.microsoft.com/office/powerpoint/2010/main" val="1354270523"/>
+        <p14:creationId xmlns:p14="http://schemas.microsoft.com/office/powerpoint/2010/main" val="2084100132"/>
       </p:ext>
     </p:extLst>
   </p:cSld>
@@ -8564,8 +8764,8 @@
         </p:nvSpPr>
         <p:spPr>
           <a:xfrm>
-            <a:off x="1447800" y="2895600"/>
-            <a:ext cx="6019800" cy="369332"/>
+            <a:off x="228600" y="152400"/>
+            <a:ext cx="7897743" cy="5355311"/>
           </a:xfrm>
           <a:prstGeom prst="rect">
             <a:avLst/>
@@ -8579,21 +8779,280 @@
           <a:lstStyle/>
           <a:p>
             <a:r>
-              <a:rPr lang="en-US" b="1" dirty="0" smtClean="0"/>
-              <a:t>Neurology </a:t>
-            </a:r>
-            <a:r>
-              <a:rPr lang="en-US" b="1" dirty="0"/>
-              <a:t>Workflow</a:t>
-            </a:r>
-            <a:endParaRPr lang="en-US" b="1" dirty="0"/>
+              <a:rPr lang="en-US" sz="1600" b="1" dirty="0" smtClean="0"/>
+              <a:t>Regional </a:t>
+            </a:r>
+            <a:r>
+              <a:rPr lang="en-US" sz="1600" b="1" dirty="0" err="1" smtClean="0">
+                <a:latin typeface="Andale Mono"/>
+                <a:cs typeface="Andale Mono"/>
+              </a:rPr>
+              <a:t>pcspace</a:t>
+            </a:r>
+            <a:r>
+              <a:rPr lang="en-US" sz="1600" b="1" dirty="0" smtClean="0"/>
+              <a:t> </a:t>
+            </a:r>
+            <a:r>
+              <a:rPr lang="en-US" sz="1600" b="1" dirty="0"/>
+              <a:t>Model Calibration Workflow</a:t>
+            </a:r>
+          </a:p>
+          <a:p>
+            <a:endParaRPr lang="en-US" dirty="0"/>
+          </a:p>
+          <a:p>
+            <a:r>
+              <a:rPr lang="en-US" sz="1400" dirty="0" smtClean="0"/>
+              <a:t>Given </a:t>
+            </a:r>
+            <a:r>
+              <a:rPr lang="en-US" sz="1400" dirty="0"/>
+              <a:t>reference patient data with known outcomes for a given region (temporal, parietal, etc.), create the </a:t>
+            </a:r>
+            <a:r>
+              <a:rPr lang="en-US" sz="1400" dirty="0" err="1" smtClean="0">
+                <a:latin typeface="Andale Mono"/>
+                <a:cs typeface="Andale Mono"/>
+              </a:rPr>
+              <a:t>pcspace</a:t>
+            </a:r>
+            <a:r>
+              <a:rPr lang="en-US" sz="1400" dirty="0" smtClean="0"/>
+              <a:t> model for </a:t>
+            </a:r>
+            <a:r>
+              <a:rPr lang="en-US" sz="1400" dirty="0"/>
+              <a:t>that region:</a:t>
+            </a:r>
+          </a:p>
+          <a:p>
+            <a:endParaRPr lang="en-US" sz="1400" dirty="0"/>
+          </a:p>
+          <a:p>
+            <a:r>
+              <a:rPr lang="en-US" sz="1400" dirty="0">
+                <a:latin typeface="Andale Mono"/>
+                <a:cs typeface="Andale Mono"/>
+              </a:rPr>
+              <a:t>e</a:t>
+            </a:r>
+            <a:r>
+              <a:rPr lang="en-US" sz="1400" dirty="0" smtClean="0">
+                <a:latin typeface="Andale Mono"/>
+                <a:cs typeface="Andale Mono"/>
+              </a:rPr>
+              <a:t>df2eeg</a:t>
+            </a:r>
+            <a:r>
+              <a:rPr lang="en-US" sz="1400" dirty="0" smtClean="0"/>
+              <a:t> </a:t>
+            </a:r>
+            <a:r>
+              <a:rPr lang="en-US" sz="1400" dirty="0" smtClean="0">
+                <a:latin typeface="Andale Mono"/>
+                <a:cs typeface="Andale Mono"/>
+              </a:rPr>
+              <a:t>-</a:t>
+            </a:r>
+            <a:r>
+              <a:rPr lang="en-US" sz="1400" dirty="0" smtClean="0">
+                <a:latin typeface="Andale Mono"/>
+                <a:cs typeface="Andale Mono"/>
+              </a:rPr>
+              <a:t>&gt;</a:t>
+            </a:r>
+            <a:endParaRPr lang="en-US" sz="1400" dirty="0">
+              <a:latin typeface="Andale Mono"/>
+              <a:cs typeface="Andale Mono"/>
+            </a:endParaRPr>
+          </a:p>
+          <a:p>
+            <a:r>
+              <a:rPr lang="en-US" sz="1400" dirty="0">
+                <a:latin typeface="Andale Mono"/>
+                <a:cs typeface="Andale Mono"/>
+              </a:rPr>
+              <a:t>e</a:t>
+            </a:r>
+            <a:r>
+              <a:rPr lang="en-US" sz="1400" dirty="0" smtClean="0">
+                <a:latin typeface="Andale Mono"/>
+                <a:cs typeface="Andale Mono"/>
+              </a:rPr>
+              <a:t>eg2fsv -&gt;</a:t>
+            </a:r>
+            <a:endParaRPr lang="en-US" sz="1400" dirty="0">
+              <a:latin typeface="Andale Mono"/>
+              <a:cs typeface="Andale Mono"/>
+            </a:endParaRPr>
+          </a:p>
+          <a:p>
+            <a:r>
+              <a:rPr lang="en-US" sz="1400" dirty="0">
+                <a:latin typeface="Andale Mono"/>
+                <a:cs typeface="Andale Mono"/>
+              </a:rPr>
+              <a:t>f</a:t>
+            </a:r>
+            <a:r>
+              <a:rPr lang="en-US" sz="1400" dirty="0" smtClean="0">
+                <a:latin typeface="Andale Mono"/>
+                <a:cs typeface="Andale Mono"/>
+              </a:rPr>
+              <a:t>sv2pcspace -&gt;</a:t>
+            </a:r>
+          </a:p>
+          <a:p>
+            <a:r>
+              <a:rPr lang="en-US" sz="1400" dirty="0">
+                <a:latin typeface="Andale Mono"/>
+                <a:cs typeface="Andale Mono"/>
+              </a:rPr>
+              <a:t>f</a:t>
+            </a:r>
+            <a:r>
+              <a:rPr lang="en-US" sz="1400" dirty="0" smtClean="0">
+                <a:latin typeface="Andale Mono"/>
+                <a:cs typeface="Andale Mono"/>
+              </a:rPr>
+              <a:t>sv2heatmap</a:t>
+            </a:r>
+          </a:p>
+          <a:p>
+            <a:endParaRPr lang="en-US" sz="1400" dirty="0"/>
+          </a:p>
+          <a:p>
+            <a:r>
+              <a:rPr lang="en-US" sz="1400" dirty="0"/>
+              <a:t>• Classify a known patient with this model using </a:t>
+            </a:r>
+            <a:r>
+              <a:rPr lang="en-US" sz="1400" dirty="0" smtClean="0">
+                <a:latin typeface="Andale Mono"/>
+                <a:cs typeface="Andale Mono"/>
+              </a:rPr>
+              <a:t>fsv2heatmap</a:t>
+            </a:r>
+            <a:r>
+              <a:rPr lang="en-US" sz="1400" dirty="0" smtClean="0"/>
+              <a:t> </a:t>
+            </a:r>
+            <a:r>
+              <a:rPr lang="en-US" sz="1400" dirty="0"/>
+              <a:t>and compare to reference results as a validation step.</a:t>
+            </a:r>
+          </a:p>
+          <a:p>
+            <a:endParaRPr lang="en-US" sz="1400" dirty="0"/>
+          </a:p>
+          <a:p>
+            <a:r>
+              <a:rPr lang="en-US" sz="1400" dirty="0"/>
+              <a:t>The output of this process are the values of the </a:t>
+            </a:r>
+            <a:r>
+              <a:rPr lang="en-US" sz="1400" dirty="0" err="1" smtClean="0">
+                <a:latin typeface="Andale Mono"/>
+                <a:cs typeface="Andale Mono"/>
+              </a:rPr>
+              <a:t>pcspace</a:t>
+            </a:r>
+            <a:r>
+              <a:rPr lang="en-US" sz="1400" dirty="0" smtClean="0"/>
+              <a:t> </a:t>
+            </a:r>
+            <a:r>
+              <a:rPr lang="en-US" sz="1400" dirty="0"/>
+              <a:t>model stored in CSV format for each brain region of interest</a:t>
+            </a:r>
+            <a:r>
+              <a:rPr lang="en-US" sz="1400" dirty="0" smtClean="0"/>
+              <a:t>. This model will be used to classify the electrodes of future patients and is the key input to </a:t>
+            </a:r>
+            <a:r>
+              <a:rPr lang="en-US" sz="1400" dirty="0" smtClean="0">
+                <a:latin typeface="Andale Mono"/>
+                <a:cs typeface="Andale Mono"/>
+              </a:rPr>
+              <a:t>fsv2heatmap.</a:t>
+            </a:r>
+          </a:p>
+          <a:p>
+            <a:endParaRPr lang="en-US" sz="1400" dirty="0"/>
+          </a:p>
+          <a:p>
+            <a:r>
+              <a:rPr lang="en-US" sz="1400" i="1" dirty="0"/>
+              <a:t>NB: Data for the initial edf2eeg / mef2eeg phase </a:t>
+            </a:r>
+            <a:r>
+              <a:rPr lang="en-US" sz="1400" i="1" dirty="0" smtClean="0"/>
+              <a:t>is of TB size. </a:t>
+            </a:r>
+            <a:r>
+              <a:rPr lang="en-US" sz="1400" i="1" dirty="0"/>
+              <a:t>Model development will </a:t>
+            </a:r>
+            <a:r>
+              <a:rPr lang="en-US" sz="1400" i="1" dirty="0" smtClean="0"/>
+              <a:t>most likely need </a:t>
+            </a:r>
+            <a:r>
+              <a:rPr lang="en-US" sz="1400" i="1" dirty="0"/>
+              <a:t>to be done </a:t>
+            </a:r>
+            <a:r>
+              <a:rPr lang="en-US" sz="1400" i="1" dirty="0" smtClean="0"/>
+              <a:t>offline through </a:t>
+            </a:r>
+            <a:r>
+              <a:rPr lang="en-US" sz="1400" i="1" dirty="0"/>
+              <a:t>physical transfer of hard drives (encrypted if necessary) </a:t>
+            </a:r>
+            <a:r>
+              <a:rPr lang="en-US" sz="1400" i="1" dirty="0" smtClean="0"/>
+              <a:t>to </a:t>
+            </a:r>
+            <a:r>
+              <a:rPr lang="en-US" sz="1400" i="1" dirty="0" err="1" smtClean="0"/>
+              <a:t>EZTrack</a:t>
+            </a:r>
+            <a:r>
+              <a:rPr lang="en-US" sz="1400" i="1" dirty="0"/>
+              <a:t> </a:t>
+            </a:r>
+            <a:r>
+              <a:rPr lang="en-US" sz="1400" i="1" dirty="0" smtClean="0"/>
+              <a:t>developers.</a:t>
+            </a:r>
+          </a:p>
+          <a:p>
+            <a:endParaRPr lang="en-US" sz="1400" i="1" dirty="0"/>
+          </a:p>
+          <a:p>
+            <a:r>
+              <a:rPr lang="en-US" sz="1400" i="1" dirty="0"/>
+              <a:t>This is the work we are doing now with </a:t>
+            </a:r>
+            <a:r>
+              <a:rPr lang="en-US" sz="1400" i="1" dirty="0" err="1"/>
+              <a:t>Bhaskar's</a:t>
+            </a:r>
+            <a:r>
+              <a:rPr lang="en-US" sz="1400" i="1" dirty="0"/>
+              <a:t> data to provide the baseline for subsequent Hopkins classification.</a:t>
+            </a:r>
+          </a:p>
+          <a:p>
+            <a:endParaRPr lang="en-US" sz="1400" i="1" dirty="0"/>
           </a:p>
         </p:txBody>
       </p:sp>
     </p:spTree>
     <p:extLst>
       <p:ext uri="{BB962C8B-B14F-4D97-AF65-F5344CB8AC3E}">
-        <p14:creationId xmlns:p14="http://schemas.microsoft.com/office/powerpoint/2010/main" val="1498524182"/>
+        <p14:creationId xmlns:p14="http://schemas.microsoft.com/office/powerpoint/2010/main" val="1354270523"/>
       </p:ext>
     </p:extLst>
   </p:cSld>
@@ -8659,8 +9118,8 @@
         </p:nvSpPr>
         <p:spPr>
           <a:xfrm>
-            <a:off x="304800" y="152400"/>
-            <a:ext cx="8659744" cy="6832638"/>
+            <a:off x="1447800" y="2895600"/>
+            <a:ext cx="6019800" cy="369332"/>
           </a:xfrm>
           <a:prstGeom prst="rect">
             <a:avLst/>
@@ -8674,325 +9133,20 @@
           <a:lstStyle/>
           <a:p>
             <a:r>
-              <a:rPr lang="en-US" sz="1600" b="1" dirty="0" smtClean="0"/>
-              <a:t>Neurology Workflow</a:t>
-            </a:r>
-            <a:endParaRPr lang="en-US" sz="1600" dirty="0"/>
-          </a:p>
-          <a:p>
-            <a:endParaRPr lang="en-US" sz="1400" dirty="0"/>
-          </a:p>
-          <a:p>
-            <a:r>
-              <a:rPr lang="en-US" sz="1400" i="1" dirty="0"/>
-              <a:t>• </a:t>
-            </a:r>
-            <a:r>
-              <a:rPr lang="en-US" sz="1400" i="1" dirty="0" smtClean="0"/>
-              <a:t>Context: Patient </a:t>
-            </a:r>
-            <a:r>
-              <a:rPr lang="en-US" sz="1400" i="1" dirty="0"/>
-              <a:t>has undergone previous treatment attempts that have been unsuccessful. Surgical resection is now the </a:t>
-            </a:r>
-            <a:r>
-              <a:rPr lang="en-US" sz="1400" i="1" dirty="0" smtClean="0"/>
-              <a:t>most promising </a:t>
-            </a:r>
-            <a:r>
-              <a:rPr lang="en-US" sz="1400" i="1" dirty="0"/>
-              <a:t>outcome. Previous scalp EEG treatment has been performed to narrow down the potential location of the </a:t>
-            </a:r>
-            <a:r>
-              <a:rPr lang="en-US" sz="1400" i="1" dirty="0" smtClean="0"/>
-              <a:t>EZ in </a:t>
-            </a:r>
-            <a:r>
-              <a:rPr lang="en-US" sz="1400" i="1" dirty="0"/>
-              <a:t>preparation for a craniotomy and implantation.</a:t>
-            </a:r>
-          </a:p>
-          <a:p>
-            <a:endParaRPr lang="en-US" sz="1400" i="1" dirty="0"/>
-          </a:p>
-          <a:p>
-            <a:r>
-              <a:rPr lang="en-US" sz="1400" dirty="0"/>
-              <a:t>• Patient is implanted on </a:t>
-            </a:r>
-            <a:r>
-              <a:rPr lang="en-US" sz="1400" dirty="0" smtClean="0"/>
-              <a:t>Thursday by Neurosurgery.</a:t>
-            </a:r>
-            <a:endParaRPr lang="en-US" sz="1400" dirty="0"/>
-          </a:p>
-          <a:p>
-            <a:endParaRPr lang="en-US" sz="1400" dirty="0"/>
-          </a:p>
-          <a:p>
-            <a:r>
-              <a:rPr lang="en-US" sz="1400" dirty="0"/>
-              <a:t>• Patient is connected to </a:t>
-            </a:r>
-            <a:r>
-              <a:rPr lang="en-US" sz="1400" dirty="0" smtClean="0"/>
-              <a:t>EEG on Friday by Neurology.</a:t>
-            </a:r>
-          </a:p>
-          <a:p>
-            <a:endParaRPr lang="en-US" sz="1400" dirty="0"/>
-          </a:p>
-          <a:p>
-            <a:r>
-              <a:rPr lang="en-US" sz="1400" dirty="0"/>
-              <a:t>• Fellow exports Patient Event Report from NK </a:t>
-            </a:r>
-            <a:r>
-              <a:rPr lang="en-US" sz="1400" dirty="0" smtClean="0"/>
-              <a:t>on Monday.</a:t>
-            </a:r>
-            <a:endParaRPr lang="en-US" sz="1400" dirty="0"/>
-          </a:p>
-          <a:p>
-            <a:endParaRPr lang="en-US" sz="1400" dirty="0" smtClean="0"/>
-          </a:p>
-          <a:p>
-            <a:r>
-              <a:rPr lang="en-US" sz="1400" dirty="0" smtClean="0"/>
-              <a:t>• Fellow transfers report to </a:t>
-            </a:r>
-            <a:r>
-              <a:rPr lang="en-US" sz="1400" dirty="0" err="1" smtClean="0"/>
-              <a:t>EZTrack</a:t>
-            </a:r>
-            <a:r>
-              <a:rPr lang="en-US" sz="1400" dirty="0" smtClean="0"/>
-              <a:t> server</a:t>
-            </a:r>
-            <a:endParaRPr lang="en-US" sz="1400" dirty="0"/>
-          </a:p>
-          <a:p>
-            <a:endParaRPr lang="en-US" sz="1400" dirty="0"/>
-          </a:p>
-          <a:p>
-            <a:r>
-              <a:rPr lang="en-US" sz="1400" dirty="0"/>
-              <a:t>• Fellow runs </a:t>
-            </a:r>
-            <a:r>
-              <a:rPr lang="en-US" sz="1400" dirty="0" err="1"/>
-              <a:t>eztrack</a:t>
-            </a:r>
-            <a:r>
-              <a:rPr lang="en-US" sz="1400" dirty="0"/>
-              <a:t> command </a:t>
-            </a:r>
-            <a:r>
-              <a:rPr lang="en-US" sz="1400" dirty="0" smtClean="0"/>
-              <a:t>to produce </a:t>
-            </a:r>
-            <a:r>
-              <a:rPr lang="en-US" sz="1400" dirty="0"/>
-              <a:t>a </a:t>
-            </a:r>
-            <a:r>
-              <a:rPr lang="en-US" sz="1400" dirty="0" err="1"/>
-              <a:t>heatmap</a:t>
-            </a:r>
-            <a:r>
-              <a:rPr lang="en-US" sz="1400" dirty="0"/>
-              <a:t> and </a:t>
-            </a:r>
-            <a:r>
-              <a:rPr lang="en-US" sz="1400" dirty="0" err="1" smtClean="0"/>
-              <a:t>csv</a:t>
-            </a:r>
-            <a:r>
-              <a:rPr lang="en-US" sz="1400" dirty="0" smtClean="0"/>
-              <a:t>:</a:t>
-            </a:r>
-          </a:p>
-          <a:p>
-            <a:endParaRPr lang="en-US" sz="1400" dirty="0"/>
-          </a:p>
-          <a:p>
-            <a:r>
-              <a:rPr lang="en-US" sz="1400" dirty="0" smtClean="0">
-                <a:latin typeface="Andale Mono"/>
-                <a:cs typeface="Andale Mono"/>
-              </a:rPr>
-              <a:t> </a:t>
-            </a:r>
-            <a:r>
-              <a:rPr lang="en-US" sz="1400" dirty="0" err="1" smtClean="0">
-                <a:latin typeface="Andale Mono"/>
-                <a:cs typeface="Andale Mono"/>
-              </a:rPr>
-              <a:t>eztrack</a:t>
-            </a:r>
-            <a:r>
-              <a:rPr lang="en-US" sz="1400" dirty="0" smtClean="0">
-                <a:latin typeface="Andale Mono"/>
-                <a:cs typeface="Andale Mono"/>
-              </a:rPr>
-              <a:t> </a:t>
-            </a:r>
-            <a:r>
-              <a:rPr lang="en-US" sz="1400" dirty="0">
-                <a:latin typeface="Andale Mono"/>
-                <a:cs typeface="Andale Mono"/>
-              </a:rPr>
-              <a:t>temporal </a:t>
-            </a:r>
-            <a:r>
-              <a:rPr lang="en-US" sz="1400" dirty="0" smtClean="0">
-                <a:latin typeface="Andale Mono"/>
-                <a:cs typeface="Andale Mono"/>
-              </a:rPr>
-              <a:t>~/reports/</a:t>
-            </a:r>
-            <a:r>
-              <a:rPr lang="en-US" sz="1400" dirty="0" err="1" smtClean="0">
-                <a:latin typeface="Andale Mono"/>
-                <a:cs typeface="Andale Mono"/>
-              </a:rPr>
-              <a:t>event_report.txt</a:t>
-            </a:r>
-            <a:endParaRPr lang="en-US" sz="1400" dirty="0">
-              <a:latin typeface="Andale Mono"/>
-              <a:cs typeface="Andale Mono"/>
-            </a:endParaRPr>
-          </a:p>
-          <a:p>
-            <a:r>
-              <a:rPr lang="en-US" sz="1400" b="1" dirty="0" smtClean="0"/>
-              <a:t>  </a:t>
-            </a:r>
-          </a:p>
-          <a:p>
-            <a:r>
-              <a:rPr lang="en-US" sz="1400" i="1" dirty="0"/>
-              <a:t> </a:t>
-            </a:r>
-            <a:r>
-              <a:rPr lang="en-US" sz="1400" i="1" dirty="0" smtClean="0"/>
-              <a:t> NB: Assume id can be inferred from the MEF files on Christophe’s server, </a:t>
-            </a:r>
-          </a:p>
-          <a:p>
-            <a:r>
-              <a:rPr lang="en-US" sz="1400" i="1" dirty="0"/>
-              <a:t> </a:t>
-            </a:r>
-            <a:r>
-              <a:rPr lang="en-US" sz="1400" i="1" dirty="0" smtClean="0"/>
-              <a:t> since there’s only one grid being monitored at a time.</a:t>
-            </a:r>
-            <a:endParaRPr lang="en-US" sz="1400" i="1" dirty="0"/>
-          </a:p>
-          <a:p>
-            <a:endParaRPr lang="en-US" sz="1400" dirty="0" smtClean="0"/>
-          </a:p>
-          <a:p>
-            <a:r>
-              <a:rPr lang="en-US" sz="1400" dirty="0" smtClean="0"/>
-              <a:t>• Transfer </a:t>
-            </a:r>
-            <a:r>
-              <a:rPr lang="en-US" sz="1400" dirty="0" err="1" smtClean="0"/>
-              <a:t>csv</a:t>
-            </a:r>
-            <a:r>
-              <a:rPr lang="en-US" sz="1400" dirty="0" smtClean="0"/>
-              <a:t> and / or </a:t>
-            </a:r>
-            <a:r>
-              <a:rPr lang="en-US" sz="1400" dirty="0" err="1" smtClean="0"/>
-              <a:t>heatmap</a:t>
-            </a:r>
-            <a:r>
-              <a:rPr lang="en-US" sz="1400" dirty="0" smtClean="0"/>
-              <a:t> jpeg to fellow’s workstation</a:t>
-            </a:r>
-          </a:p>
-          <a:p>
-            <a:endParaRPr lang="en-US" sz="1400" dirty="0"/>
-          </a:p>
-          <a:p>
-            <a:r>
-              <a:rPr lang="en-US" sz="1400" dirty="0"/>
-              <a:t>• Fellow prepares slides </a:t>
-            </a:r>
-            <a:r>
-              <a:rPr lang="en-US" sz="1400" dirty="0" smtClean="0"/>
-              <a:t>with </a:t>
-            </a:r>
-            <a:r>
-              <a:rPr lang="en-US" sz="1400" dirty="0" err="1" smtClean="0"/>
-              <a:t>EZTrack</a:t>
-            </a:r>
-            <a:r>
-              <a:rPr lang="en-US" sz="1400" dirty="0" smtClean="0"/>
-              <a:t> output with </a:t>
-            </a:r>
-            <a:r>
-              <a:rPr lang="en-US" sz="1400" dirty="0"/>
-              <a:t>preliminary diagnosis between fellow and </a:t>
-            </a:r>
-            <a:endParaRPr lang="en-US" sz="1400" dirty="0" smtClean="0"/>
-          </a:p>
-          <a:p>
-            <a:r>
-              <a:rPr lang="en-US" sz="1400" dirty="0"/>
-              <a:t> </a:t>
-            </a:r>
-            <a:r>
-              <a:rPr lang="en-US" sz="1400" dirty="0" smtClean="0"/>
-              <a:t> attending physician </a:t>
-            </a:r>
-            <a:r>
-              <a:rPr lang="en-US" sz="1400" dirty="0"/>
-              <a:t>on Monday.</a:t>
-            </a:r>
-          </a:p>
-          <a:p>
-            <a:endParaRPr lang="en-US" sz="1400" dirty="0"/>
-          </a:p>
-          <a:p>
-            <a:r>
-              <a:rPr lang="en-US" sz="1400" dirty="0"/>
-              <a:t>• Information presented at Tuesday conference (Grand Rounds) within a 5 to 10 minute interval.</a:t>
-            </a:r>
-          </a:p>
-          <a:p>
-            <a:endParaRPr lang="en-US" sz="1400" dirty="0"/>
-          </a:p>
-          <a:p>
-            <a:r>
-              <a:rPr lang="en-US" sz="1400" dirty="0"/>
-              <a:t>• Resection </a:t>
-            </a:r>
-            <a:r>
-              <a:rPr lang="en-US" sz="1400" dirty="0" smtClean="0"/>
-              <a:t>or patient release by </a:t>
-            </a:r>
-            <a:r>
-              <a:rPr lang="en-US" sz="1400" dirty="0"/>
-              <a:t>Thursday.</a:t>
-            </a:r>
-          </a:p>
-          <a:p>
-            <a:endParaRPr lang="en-US" sz="1400" dirty="0" smtClean="0"/>
-          </a:p>
-          <a:p>
-            <a:endParaRPr lang="en-US" dirty="0"/>
+              <a:rPr lang="en-US" b="1" dirty="0" smtClean="0"/>
+              <a:t>Neurology </a:t>
+            </a:r>
+            <a:r>
+              <a:rPr lang="en-US" b="1" dirty="0"/>
+              <a:t>Workflow</a:t>
+            </a:r>
           </a:p>
         </p:txBody>
       </p:sp>
     </p:spTree>
     <p:extLst>
       <p:ext uri="{BB962C8B-B14F-4D97-AF65-F5344CB8AC3E}">
-        <p14:creationId xmlns:p14="http://schemas.microsoft.com/office/powerpoint/2010/main" val="2123239796"/>
+        <p14:creationId xmlns:p14="http://schemas.microsoft.com/office/powerpoint/2010/main" val="1498524182"/>
       </p:ext>
     </p:extLst>
   </p:cSld>

--- a/EZTrack-implementation-guide.pptx
+++ b/EZTrack-implementation-guide.pptx
@@ -10,25 +10,25 @@
   <p:sldIdLst>
     <p:sldId id="341" r:id="rId2"/>
     <p:sldId id="402" r:id="rId3"/>
-    <p:sldId id="406" r:id="rId4"/>
-    <p:sldId id="398" r:id="rId5"/>
-    <p:sldId id="417" r:id="rId6"/>
-    <p:sldId id="414" r:id="rId7"/>
-    <p:sldId id="415" r:id="rId8"/>
-    <p:sldId id="413" r:id="rId9"/>
-    <p:sldId id="416" r:id="rId10"/>
-    <p:sldId id="387" r:id="rId11"/>
-    <p:sldId id="412" r:id="rId12"/>
-    <p:sldId id="399" r:id="rId13"/>
-    <p:sldId id="409" r:id="rId14"/>
-    <p:sldId id="410" r:id="rId15"/>
-    <p:sldId id="411" r:id="rId16"/>
-    <p:sldId id="388" r:id="rId17"/>
-    <p:sldId id="384" r:id="rId18"/>
-    <p:sldId id="385" r:id="rId19"/>
-    <p:sldId id="401" r:id="rId20"/>
-    <p:sldId id="404" r:id="rId21"/>
-    <p:sldId id="407" r:id="rId22"/>
+    <p:sldId id="407" r:id="rId4"/>
+    <p:sldId id="406" r:id="rId5"/>
+    <p:sldId id="398" r:id="rId6"/>
+    <p:sldId id="417" r:id="rId7"/>
+    <p:sldId id="414" r:id="rId8"/>
+    <p:sldId id="415" r:id="rId9"/>
+    <p:sldId id="413" r:id="rId10"/>
+    <p:sldId id="416" r:id="rId11"/>
+    <p:sldId id="387" r:id="rId12"/>
+    <p:sldId id="412" r:id="rId13"/>
+    <p:sldId id="399" r:id="rId14"/>
+    <p:sldId id="409" r:id="rId15"/>
+    <p:sldId id="410" r:id="rId16"/>
+    <p:sldId id="411" r:id="rId17"/>
+    <p:sldId id="388" r:id="rId18"/>
+    <p:sldId id="384" r:id="rId19"/>
+    <p:sldId id="385" r:id="rId20"/>
+    <p:sldId id="401" r:id="rId21"/>
+    <p:sldId id="404" r:id="rId22"/>
     <p:sldId id="396" r:id="rId23"/>
     <p:sldId id="408" r:id="rId24"/>
     <p:sldId id="393" r:id="rId25"/>
@@ -43,7 +43,7 @@
   <p:sldSz cx="9144000" cy="6858000" type="screen4x3"/>
   <p:notesSz cx="6858000" cy="9144000"/>
   <p:custDataLst>
-    <p:tags r:id="rId35"/>
+    <p:tags r:id="rId34"/>
   </p:custDataLst>
   <p:defaultTextStyle>
     <a:defPPr>
@@ -142,7 +142,7 @@
   </p:defaultTextStyle>
   <p:extLst>
     <p:ext uri="{EFAFB233-063F-42B5-8137-9DF3F51BA10A}">
-      <p15:sldGuideLst xmlns="" xmlns:p15="http://schemas.microsoft.com/office/powerpoint/2012/main">
+      <p15:sldGuideLst xmlns:p15="http://schemas.microsoft.com/office/powerpoint/2012/main">
         <p15:guide id="1" orient="horz" pos="881" userDrawn="1">
           <p15:clr>
             <a:srgbClr val="A4A3A4"/>
@@ -159,6 +159,20 @@
           </p15:clr>
         </p15:guide>
       </p15:sldGuideLst>
+    </p:ext>
+    <p:ext uri="{2D200454-40CA-4A62-9FC3-DE9A4176ACB9}">
+      <p15:notesGuideLst xmlns:p15="http://schemas.microsoft.com/office/powerpoint/2012/main">
+        <p15:guide id="1" orient="horz" pos="2880">
+          <p15:clr>
+            <a:srgbClr val="A4A3A4"/>
+          </p15:clr>
+        </p15:guide>
+        <p15:guide id="2" pos="2160">
+          <p15:clr>
+            <a:srgbClr val="A4A3A4"/>
+          </p15:clr>
+        </p15:guide>
+      </p15:notesGuideLst>
     </p:ext>
   </p:extLst>
 </p:presentation>
@@ -256,7 +270,7 @@
             <a:fld id="{3652EC40-AB30-4842-8435-A159762CAEB3}" type="datetimeFigureOut">
               <a:rPr lang="en-US" smtClean="0"/>
               <a:pPr/>
-              <a:t>10/11/15</a:t>
+              <a:t>10/24/15</a:t>
             </a:fld>
             <a:endParaRPr lang="en-US" dirty="0"/>
           </a:p>
@@ -1362,7 +1376,7 @@
   <p:timing>
     <p:tnLst>
       <p:par>
-        <p:cTn xmlns:p14="http://schemas.microsoft.com/office/powerpoint/2010/main" id="1" dur="indefinite" restart="never" nodeType="tmRoot"/>
+        <p:cTn id="1" dur="indefinite" restart="never" nodeType="tmRoot"/>
       </p:par>
     </p:tnLst>
   </p:timing>
@@ -1459,7 +1473,7 @@
   <p:timing>
     <p:tnLst>
       <p:par>
-        <p:cTn xmlns:p14="http://schemas.microsoft.com/office/powerpoint/2010/main" id="1" dur="indefinite" restart="never" nodeType="tmRoot"/>
+        <p:cTn id="1" dur="indefinite" restart="never" nodeType="tmRoot"/>
       </p:par>
     </p:tnLst>
   </p:timing>
@@ -2339,7 +2353,7 @@
   <p:timing>
     <p:tnLst>
       <p:par>
-        <p:cTn xmlns:p14="http://schemas.microsoft.com/office/powerpoint/2010/main" id="1" dur="indefinite" restart="never" nodeType="tmRoot"/>
+        <p:cTn id="1" dur="indefinite" restart="never" nodeType="tmRoot"/>
       </p:par>
     </p:tnLst>
   </p:timing>
@@ -2497,7 +2511,7 @@
             <a:fld id="{F5EA4F09-C265-40C2-8E4F-9472E7CC6688}" type="datetime1">
               <a:rPr lang="en-US" smtClean="0"/>
               <a:pPr/>
-              <a:t>10/11/15</a:t>
+              <a:t>10/24/15</a:t>
             </a:fld>
             <a:endParaRPr lang="en-US" dirty="0"/>
           </a:p>
@@ -3205,7 +3219,7 @@
   <p:timing>
     <p:tnLst>
       <p:par>
-        <p:cTn xmlns:p14="http://schemas.microsoft.com/office/powerpoint/2010/main" id="1" dur="indefinite" restart="never" nodeType="tmRoot"/>
+        <p:cTn id="1" dur="indefinite" restart="never" nodeType="tmRoot"/>
       </p:par>
     </p:tnLst>
   </p:timing>
@@ -3261,8 +3275,8 @@
         </p:nvSpPr>
         <p:spPr>
           <a:xfrm>
-            <a:off x="304800" y="152400"/>
-            <a:ext cx="8659744" cy="6832638"/>
+            <a:off x="1447800" y="2895600"/>
+            <a:ext cx="6019800" cy="369332"/>
           </a:xfrm>
           <a:prstGeom prst="rect">
             <a:avLst/>
@@ -3276,325 +3290,20 @@
           <a:lstStyle/>
           <a:p>
             <a:r>
-              <a:rPr lang="en-US" sz="1600" b="1" dirty="0" smtClean="0"/>
-              <a:t>Neurology Workflow</a:t>
-            </a:r>
-            <a:endParaRPr lang="en-US" sz="1600" dirty="0"/>
-          </a:p>
-          <a:p>
-            <a:endParaRPr lang="en-US" sz="1400" dirty="0"/>
-          </a:p>
-          <a:p>
-            <a:r>
-              <a:rPr lang="en-US" sz="1400" i="1" dirty="0"/>
-              <a:t>• </a:t>
-            </a:r>
-            <a:r>
-              <a:rPr lang="en-US" sz="1400" i="1" dirty="0" smtClean="0"/>
-              <a:t>Context: Patient </a:t>
-            </a:r>
-            <a:r>
-              <a:rPr lang="en-US" sz="1400" i="1" dirty="0"/>
-              <a:t>has undergone previous treatment attempts that have been unsuccessful. Surgical resection is now the </a:t>
-            </a:r>
-            <a:r>
-              <a:rPr lang="en-US" sz="1400" i="1" dirty="0" smtClean="0"/>
-              <a:t>most promising </a:t>
-            </a:r>
-            <a:r>
-              <a:rPr lang="en-US" sz="1400" i="1" dirty="0"/>
-              <a:t>outcome. Previous scalp EEG treatment has been performed to narrow down the potential location of the </a:t>
-            </a:r>
-            <a:r>
-              <a:rPr lang="en-US" sz="1400" i="1" dirty="0" smtClean="0"/>
-              <a:t>EZ in </a:t>
-            </a:r>
-            <a:r>
-              <a:rPr lang="en-US" sz="1400" i="1" dirty="0"/>
-              <a:t>preparation for a craniotomy and implantation.</a:t>
-            </a:r>
-          </a:p>
-          <a:p>
-            <a:endParaRPr lang="en-US" sz="1400" i="1" dirty="0"/>
-          </a:p>
-          <a:p>
-            <a:r>
-              <a:rPr lang="en-US" sz="1400" dirty="0"/>
-              <a:t>• Patient is implanted on </a:t>
-            </a:r>
-            <a:r>
-              <a:rPr lang="en-US" sz="1400" dirty="0" smtClean="0"/>
-              <a:t>Thursday by Neurosurgery.</a:t>
-            </a:r>
-            <a:endParaRPr lang="en-US" sz="1400" dirty="0"/>
-          </a:p>
-          <a:p>
-            <a:endParaRPr lang="en-US" sz="1400" dirty="0"/>
-          </a:p>
-          <a:p>
-            <a:r>
-              <a:rPr lang="en-US" sz="1400" dirty="0"/>
-              <a:t>• Patient is connected to </a:t>
-            </a:r>
-            <a:r>
-              <a:rPr lang="en-US" sz="1400" dirty="0" smtClean="0"/>
-              <a:t>EEG on Friday by Neurology.</a:t>
-            </a:r>
-          </a:p>
-          <a:p>
-            <a:endParaRPr lang="en-US" sz="1400" dirty="0"/>
-          </a:p>
-          <a:p>
-            <a:r>
-              <a:rPr lang="en-US" sz="1400" dirty="0"/>
-              <a:t>• Fellow exports Patient Event Report from NK </a:t>
-            </a:r>
-            <a:r>
-              <a:rPr lang="en-US" sz="1400" dirty="0" smtClean="0"/>
-              <a:t>on Monday.</a:t>
-            </a:r>
-            <a:endParaRPr lang="en-US" sz="1400" dirty="0"/>
-          </a:p>
-          <a:p>
-            <a:endParaRPr lang="en-US" sz="1400" dirty="0" smtClean="0"/>
-          </a:p>
-          <a:p>
-            <a:r>
-              <a:rPr lang="en-US" sz="1400" dirty="0" smtClean="0"/>
-              <a:t>• Fellow transfers report to </a:t>
-            </a:r>
-            <a:r>
-              <a:rPr lang="en-US" sz="1400" dirty="0" err="1" smtClean="0"/>
-              <a:t>EZTrack</a:t>
-            </a:r>
-            <a:r>
-              <a:rPr lang="en-US" sz="1400" dirty="0" smtClean="0"/>
-              <a:t> server</a:t>
-            </a:r>
-            <a:endParaRPr lang="en-US" sz="1400" dirty="0"/>
-          </a:p>
-          <a:p>
-            <a:endParaRPr lang="en-US" sz="1400" dirty="0"/>
-          </a:p>
-          <a:p>
-            <a:r>
-              <a:rPr lang="en-US" sz="1400" dirty="0"/>
-              <a:t>• Fellow runs </a:t>
-            </a:r>
-            <a:r>
-              <a:rPr lang="en-US" sz="1400" dirty="0" err="1"/>
-              <a:t>eztrack</a:t>
-            </a:r>
-            <a:r>
-              <a:rPr lang="en-US" sz="1400" dirty="0"/>
-              <a:t> command </a:t>
-            </a:r>
-            <a:r>
-              <a:rPr lang="en-US" sz="1400" dirty="0" smtClean="0"/>
-              <a:t>to produce </a:t>
-            </a:r>
-            <a:r>
-              <a:rPr lang="en-US" sz="1400" dirty="0"/>
-              <a:t>a </a:t>
-            </a:r>
-            <a:r>
-              <a:rPr lang="en-US" sz="1400" dirty="0" err="1"/>
-              <a:t>heatmap</a:t>
-            </a:r>
-            <a:r>
-              <a:rPr lang="en-US" sz="1400" dirty="0"/>
-              <a:t> and </a:t>
-            </a:r>
-            <a:r>
-              <a:rPr lang="en-US" sz="1400" dirty="0" err="1" smtClean="0"/>
-              <a:t>csv</a:t>
-            </a:r>
-            <a:r>
-              <a:rPr lang="en-US" sz="1400" dirty="0" smtClean="0"/>
-              <a:t>:</a:t>
-            </a:r>
-          </a:p>
-          <a:p>
-            <a:endParaRPr lang="en-US" sz="1400" dirty="0"/>
-          </a:p>
-          <a:p>
-            <a:r>
-              <a:rPr lang="en-US" sz="1400" dirty="0" smtClean="0">
-                <a:latin typeface="Andale Mono"/>
-                <a:cs typeface="Andale Mono"/>
-              </a:rPr>
-              <a:t> </a:t>
-            </a:r>
-            <a:r>
-              <a:rPr lang="en-US" sz="1400" dirty="0" err="1" smtClean="0">
-                <a:latin typeface="Andale Mono"/>
-                <a:cs typeface="Andale Mono"/>
-              </a:rPr>
-              <a:t>eztrack</a:t>
-            </a:r>
-            <a:r>
-              <a:rPr lang="en-US" sz="1400" dirty="0" smtClean="0">
-                <a:latin typeface="Andale Mono"/>
-                <a:cs typeface="Andale Mono"/>
-              </a:rPr>
-              <a:t> </a:t>
-            </a:r>
-            <a:r>
-              <a:rPr lang="en-US" sz="1400" dirty="0">
-                <a:latin typeface="Andale Mono"/>
-                <a:cs typeface="Andale Mono"/>
-              </a:rPr>
-              <a:t>temporal </a:t>
-            </a:r>
-            <a:r>
-              <a:rPr lang="en-US" sz="1400" dirty="0" smtClean="0">
-                <a:latin typeface="Andale Mono"/>
-                <a:cs typeface="Andale Mono"/>
-              </a:rPr>
-              <a:t>~/reports/</a:t>
-            </a:r>
-            <a:r>
-              <a:rPr lang="en-US" sz="1400" dirty="0" err="1" smtClean="0">
-                <a:latin typeface="Andale Mono"/>
-                <a:cs typeface="Andale Mono"/>
-              </a:rPr>
-              <a:t>event_report.txt</a:t>
-            </a:r>
-            <a:endParaRPr lang="en-US" sz="1400" dirty="0">
-              <a:latin typeface="Andale Mono"/>
-              <a:cs typeface="Andale Mono"/>
-            </a:endParaRPr>
-          </a:p>
-          <a:p>
-            <a:r>
-              <a:rPr lang="en-US" sz="1400" b="1" dirty="0" smtClean="0"/>
-              <a:t>  </a:t>
-            </a:r>
-          </a:p>
-          <a:p>
-            <a:r>
-              <a:rPr lang="en-US" sz="1400" i="1" dirty="0"/>
-              <a:t> </a:t>
-            </a:r>
-            <a:r>
-              <a:rPr lang="en-US" sz="1400" i="1" dirty="0" smtClean="0"/>
-              <a:t> NB: Assume id can be inferred from the MEF files on Christophe’s server, </a:t>
-            </a:r>
-          </a:p>
-          <a:p>
-            <a:r>
-              <a:rPr lang="en-US" sz="1400" i="1" dirty="0"/>
-              <a:t> </a:t>
-            </a:r>
-            <a:r>
-              <a:rPr lang="en-US" sz="1400" i="1" dirty="0" smtClean="0"/>
-              <a:t> since there’s only one grid being monitored at a time.</a:t>
-            </a:r>
-            <a:endParaRPr lang="en-US" sz="1400" i="1" dirty="0"/>
-          </a:p>
-          <a:p>
-            <a:endParaRPr lang="en-US" sz="1400" dirty="0" smtClean="0"/>
-          </a:p>
-          <a:p>
-            <a:r>
-              <a:rPr lang="en-US" sz="1400" dirty="0" smtClean="0"/>
-              <a:t>• Transfer </a:t>
-            </a:r>
-            <a:r>
-              <a:rPr lang="en-US" sz="1400" dirty="0" err="1" smtClean="0"/>
-              <a:t>csv</a:t>
-            </a:r>
-            <a:r>
-              <a:rPr lang="en-US" sz="1400" dirty="0" smtClean="0"/>
-              <a:t> and / or </a:t>
-            </a:r>
-            <a:r>
-              <a:rPr lang="en-US" sz="1400" dirty="0" err="1" smtClean="0"/>
-              <a:t>heatmap</a:t>
-            </a:r>
-            <a:r>
-              <a:rPr lang="en-US" sz="1400" dirty="0" smtClean="0"/>
-              <a:t> jpeg to fellow’s workstation</a:t>
-            </a:r>
-          </a:p>
-          <a:p>
-            <a:endParaRPr lang="en-US" sz="1400" dirty="0"/>
-          </a:p>
-          <a:p>
-            <a:r>
-              <a:rPr lang="en-US" sz="1400" dirty="0"/>
-              <a:t>• Fellow prepares slides </a:t>
-            </a:r>
-            <a:r>
-              <a:rPr lang="en-US" sz="1400" dirty="0" smtClean="0"/>
-              <a:t>with </a:t>
-            </a:r>
-            <a:r>
-              <a:rPr lang="en-US" sz="1400" dirty="0" err="1" smtClean="0"/>
-              <a:t>EZTrack</a:t>
-            </a:r>
-            <a:r>
-              <a:rPr lang="en-US" sz="1400" dirty="0" smtClean="0"/>
-              <a:t> output with </a:t>
-            </a:r>
-            <a:r>
-              <a:rPr lang="en-US" sz="1400" dirty="0"/>
-              <a:t>preliminary diagnosis between fellow and </a:t>
-            </a:r>
-            <a:endParaRPr lang="en-US" sz="1400" dirty="0" smtClean="0"/>
-          </a:p>
-          <a:p>
-            <a:r>
-              <a:rPr lang="en-US" sz="1400" dirty="0"/>
-              <a:t> </a:t>
-            </a:r>
-            <a:r>
-              <a:rPr lang="en-US" sz="1400" dirty="0" smtClean="0"/>
-              <a:t> attending physician </a:t>
-            </a:r>
-            <a:r>
-              <a:rPr lang="en-US" sz="1400" dirty="0"/>
-              <a:t>on Monday.</a:t>
-            </a:r>
-          </a:p>
-          <a:p>
-            <a:endParaRPr lang="en-US" sz="1400" dirty="0"/>
-          </a:p>
-          <a:p>
-            <a:r>
-              <a:rPr lang="en-US" sz="1400" dirty="0"/>
-              <a:t>• Information presented at Tuesday conference (Grand Rounds) within a 5 to 10 minute interval.</a:t>
-            </a:r>
-          </a:p>
-          <a:p>
-            <a:endParaRPr lang="en-US" sz="1400" dirty="0"/>
-          </a:p>
-          <a:p>
-            <a:r>
-              <a:rPr lang="en-US" sz="1400" dirty="0"/>
-              <a:t>• Resection </a:t>
-            </a:r>
-            <a:r>
-              <a:rPr lang="en-US" sz="1400" dirty="0" smtClean="0"/>
-              <a:t>or patient release by </a:t>
-            </a:r>
-            <a:r>
-              <a:rPr lang="en-US" sz="1400" dirty="0"/>
-              <a:t>Thursday.</a:t>
-            </a:r>
-          </a:p>
-          <a:p>
-            <a:endParaRPr lang="en-US" sz="1400" dirty="0" smtClean="0"/>
-          </a:p>
-          <a:p>
-            <a:endParaRPr lang="en-US" dirty="0"/>
+              <a:rPr lang="en-US" b="1" dirty="0" smtClean="0"/>
+              <a:t>Neurology </a:t>
+            </a:r>
+            <a:r>
+              <a:rPr lang="en-US" b="1" dirty="0"/>
+              <a:t>Workflow</a:t>
+            </a:r>
           </a:p>
         </p:txBody>
       </p:sp>
     </p:spTree>
     <p:extLst>
       <p:ext uri="{BB962C8B-B14F-4D97-AF65-F5344CB8AC3E}">
-        <p14:creationId xmlns:p14="http://schemas.microsoft.com/office/powerpoint/2010/main" val="2123239796"/>
+        <p14:creationId xmlns:p14="http://schemas.microsoft.com/office/powerpoint/2010/main" val="1498524182"/>
       </p:ext>
     </p:extLst>
   </p:cSld>
@@ -3604,7 +3313,7 @@
   <p:timing>
     <p:tnLst>
       <p:par>
-        <p:cTn xmlns:p14="http://schemas.microsoft.com/office/powerpoint/2010/main" id="1" dur="indefinite" restart="never" nodeType="tmRoot"/>
+        <p:cTn id="1" dur="indefinite" restart="never" nodeType="tmRoot"/>
       </p:par>
     </p:tnLst>
   </p:timing>
@@ -3660,8 +3369,8 @@
         </p:nvSpPr>
         <p:spPr>
           <a:xfrm>
-            <a:off x="1447800" y="2895600"/>
-            <a:ext cx="5105400" cy="646331"/>
+            <a:off x="304800" y="152400"/>
+            <a:ext cx="8659744" cy="6832638"/>
           </a:xfrm>
           <a:prstGeom prst="rect">
             <a:avLst/>
@@ -3675,10 +3384,315 @@
           <a:lstStyle/>
           <a:p>
             <a:r>
-              <a:rPr lang="en-US" b="1" dirty="0" smtClean="0"/>
-              <a:t>Implementation Details</a:t>
-            </a:r>
-            <a:endParaRPr lang="en-US" b="1" dirty="0"/>
+              <a:rPr lang="en-US" sz="1600" b="1" dirty="0" smtClean="0"/>
+              <a:t>Neurology Workflow</a:t>
+            </a:r>
+            <a:endParaRPr lang="en-US" sz="1600" dirty="0"/>
+          </a:p>
+          <a:p>
+            <a:endParaRPr lang="en-US" sz="1400" dirty="0"/>
+          </a:p>
+          <a:p>
+            <a:r>
+              <a:rPr lang="en-US" sz="1400" i="1" dirty="0"/>
+              <a:t>• </a:t>
+            </a:r>
+            <a:r>
+              <a:rPr lang="en-US" sz="1400" i="1" dirty="0" smtClean="0"/>
+              <a:t>Context: Patient </a:t>
+            </a:r>
+            <a:r>
+              <a:rPr lang="en-US" sz="1400" i="1" dirty="0"/>
+              <a:t>has undergone previous treatment attempts that have been unsuccessful. Surgical resection is now the </a:t>
+            </a:r>
+            <a:r>
+              <a:rPr lang="en-US" sz="1400" i="1" dirty="0" smtClean="0"/>
+              <a:t>most promising </a:t>
+            </a:r>
+            <a:r>
+              <a:rPr lang="en-US" sz="1400" i="1" dirty="0"/>
+              <a:t>outcome. Previous scalp EEG treatment has been performed to narrow down the potential location of the </a:t>
+            </a:r>
+            <a:r>
+              <a:rPr lang="en-US" sz="1400" i="1" dirty="0" smtClean="0"/>
+              <a:t>EZ in </a:t>
+            </a:r>
+            <a:r>
+              <a:rPr lang="en-US" sz="1400" i="1" dirty="0"/>
+              <a:t>preparation for a craniotomy and implantation.</a:t>
+            </a:r>
+          </a:p>
+          <a:p>
+            <a:endParaRPr lang="en-US" sz="1400" i="1" dirty="0"/>
+          </a:p>
+          <a:p>
+            <a:r>
+              <a:rPr lang="en-US" sz="1400" dirty="0"/>
+              <a:t>• Patient is implanted on </a:t>
+            </a:r>
+            <a:r>
+              <a:rPr lang="en-US" sz="1400" dirty="0" smtClean="0"/>
+              <a:t>Thursday by Neurosurgery.</a:t>
+            </a:r>
+            <a:endParaRPr lang="en-US" sz="1400" dirty="0"/>
+          </a:p>
+          <a:p>
+            <a:endParaRPr lang="en-US" sz="1400" dirty="0"/>
+          </a:p>
+          <a:p>
+            <a:r>
+              <a:rPr lang="en-US" sz="1400" dirty="0"/>
+              <a:t>• Patient is connected to </a:t>
+            </a:r>
+            <a:r>
+              <a:rPr lang="en-US" sz="1400" dirty="0" smtClean="0"/>
+              <a:t>EEG on Friday by Neurology.</a:t>
+            </a:r>
+          </a:p>
+          <a:p>
+            <a:endParaRPr lang="en-US" sz="1400" dirty="0"/>
+          </a:p>
+          <a:p>
+            <a:r>
+              <a:rPr lang="en-US" sz="1400" dirty="0"/>
+              <a:t>• Fellow exports Patient Event Report from NK </a:t>
+            </a:r>
+            <a:r>
+              <a:rPr lang="en-US" sz="1400" dirty="0" smtClean="0"/>
+              <a:t>on Monday.</a:t>
+            </a:r>
+            <a:endParaRPr lang="en-US" sz="1400" dirty="0"/>
+          </a:p>
+          <a:p>
+            <a:endParaRPr lang="en-US" sz="1400" dirty="0" smtClean="0"/>
+          </a:p>
+          <a:p>
+            <a:r>
+              <a:rPr lang="en-US" sz="1400" dirty="0" smtClean="0"/>
+              <a:t>• Fellow transfers report to </a:t>
+            </a:r>
+            <a:r>
+              <a:rPr lang="en-US" sz="1400" dirty="0" err="1" smtClean="0"/>
+              <a:t>EZTrack</a:t>
+            </a:r>
+            <a:r>
+              <a:rPr lang="en-US" sz="1400" dirty="0" smtClean="0"/>
+              <a:t> server</a:t>
+            </a:r>
+            <a:endParaRPr lang="en-US" sz="1400" dirty="0"/>
+          </a:p>
+          <a:p>
+            <a:endParaRPr lang="en-US" sz="1400" dirty="0"/>
+          </a:p>
+          <a:p>
+            <a:r>
+              <a:rPr lang="en-US" sz="1400" dirty="0"/>
+              <a:t>• Fellow runs </a:t>
+            </a:r>
+            <a:r>
+              <a:rPr lang="en-US" sz="1400" dirty="0" err="1"/>
+              <a:t>eztrack</a:t>
+            </a:r>
+            <a:r>
+              <a:rPr lang="en-US" sz="1400" dirty="0"/>
+              <a:t> command </a:t>
+            </a:r>
+            <a:r>
+              <a:rPr lang="en-US" sz="1400" dirty="0" smtClean="0"/>
+              <a:t>to produce </a:t>
+            </a:r>
+            <a:r>
+              <a:rPr lang="en-US" sz="1400" dirty="0"/>
+              <a:t>a </a:t>
+            </a:r>
+            <a:r>
+              <a:rPr lang="en-US" sz="1400" dirty="0" err="1"/>
+              <a:t>heatmap</a:t>
+            </a:r>
+            <a:r>
+              <a:rPr lang="en-US" sz="1400" dirty="0"/>
+              <a:t> and </a:t>
+            </a:r>
+            <a:r>
+              <a:rPr lang="en-US" sz="1400" dirty="0" err="1" smtClean="0"/>
+              <a:t>csv</a:t>
+            </a:r>
+            <a:r>
+              <a:rPr lang="en-US" sz="1400" dirty="0" smtClean="0"/>
+              <a:t>:</a:t>
+            </a:r>
+          </a:p>
+          <a:p>
+            <a:endParaRPr lang="en-US" sz="1400" dirty="0"/>
+          </a:p>
+          <a:p>
+            <a:r>
+              <a:rPr lang="en-US" sz="1400" dirty="0" smtClean="0">
+                <a:latin typeface="Andale Mono"/>
+                <a:cs typeface="Andale Mono"/>
+              </a:rPr>
+              <a:t> </a:t>
+            </a:r>
+            <a:r>
+              <a:rPr lang="en-US" sz="1400" dirty="0" err="1" smtClean="0">
+                <a:latin typeface="Andale Mono"/>
+                <a:cs typeface="Andale Mono"/>
+              </a:rPr>
+              <a:t>eztrack</a:t>
+            </a:r>
+            <a:r>
+              <a:rPr lang="en-US" sz="1400" dirty="0" smtClean="0">
+                <a:latin typeface="Andale Mono"/>
+                <a:cs typeface="Andale Mono"/>
+              </a:rPr>
+              <a:t> </a:t>
+            </a:r>
+            <a:r>
+              <a:rPr lang="en-US" sz="1400" dirty="0">
+                <a:latin typeface="Andale Mono"/>
+                <a:cs typeface="Andale Mono"/>
+              </a:rPr>
+              <a:t>temporal </a:t>
+            </a:r>
+            <a:r>
+              <a:rPr lang="en-US" sz="1400" dirty="0" smtClean="0">
+                <a:latin typeface="Andale Mono"/>
+                <a:cs typeface="Andale Mono"/>
+              </a:rPr>
+              <a:t>~/reports/</a:t>
+            </a:r>
+            <a:r>
+              <a:rPr lang="en-US" sz="1400" dirty="0" err="1" smtClean="0">
+                <a:latin typeface="Andale Mono"/>
+                <a:cs typeface="Andale Mono"/>
+              </a:rPr>
+              <a:t>event_report.txt</a:t>
+            </a:r>
+            <a:endParaRPr lang="en-US" sz="1400" dirty="0">
+              <a:latin typeface="Andale Mono"/>
+              <a:cs typeface="Andale Mono"/>
+            </a:endParaRPr>
+          </a:p>
+          <a:p>
+            <a:r>
+              <a:rPr lang="en-US" sz="1400" b="1" dirty="0" smtClean="0"/>
+              <a:t>  </a:t>
+            </a:r>
+          </a:p>
+          <a:p>
+            <a:r>
+              <a:rPr lang="en-US" sz="1400" i="1" dirty="0"/>
+              <a:t> </a:t>
+            </a:r>
+            <a:r>
+              <a:rPr lang="en-US" sz="1400" i="1" dirty="0" smtClean="0"/>
+              <a:t> NB: Assume id can be inferred from the MEF files on Christophe’s server, </a:t>
+            </a:r>
+          </a:p>
+          <a:p>
+            <a:r>
+              <a:rPr lang="en-US" sz="1400" i="1" dirty="0"/>
+              <a:t> </a:t>
+            </a:r>
+            <a:r>
+              <a:rPr lang="en-US" sz="1400" i="1" dirty="0" smtClean="0"/>
+              <a:t> since there’s only one grid being monitored at a time.</a:t>
+            </a:r>
+            <a:endParaRPr lang="en-US" sz="1400" i="1" dirty="0"/>
+          </a:p>
+          <a:p>
+            <a:endParaRPr lang="en-US" sz="1400" dirty="0" smtClean="0"/>
+          </a:p>
+          <a:p>
+            <a:r>
+              <a:rPr lang="en-US" sz="1400" dirty="0" smtClean="0"/>
+              <a:t>• Transfer </a:t>
+            </a:r>
+            <a:r>
+              <a:rPr lang="en-US" sz="1400" dirty="0" err="1" smtClean="0"/>
+              <a:t>csv</a:t>
+            </a:r>
+            <a:r>
+              <a:rPr lang="en-US" sz="1400" dirty="0" smtClean="0"/>
+              <a:t> and / or </a:t>
+            </a:r>
+            <a:r>
+              <a:rPr lang="en-US" sz="1400" dirty="0" err="1" smtClean="0"/>
+              <a:t>heatmap</a:t>
+            </a:r>
+            <a:r>
+              <a:rPr lang="en-US" sz="1400" dirty="0" smtClean="0"/>
+              <a:t> jpeg to fellow’s workstation</a:t>
+            </a:r>
+          </a:p>
+          <a:p>
+            <a:endParaRPr lang="en-US" sz="1400" dirty="0"/>
+          </a:p>
+          <a:p>
+            <a:r>
+              <a:rPr lang="en-US" sz="1400" dirty="0"/>
+              <a:t>• Fellow prepares slides </a:t>
+            </a:r>
+            <a:r>
+              <a:rPr lang="en-US" sz="1400" dirty="0" smtClean="0"/>
+              <a:t>with </a:t>
+            </a:r>
+            <a:r>
+              <a:rPr lang="en-US" sz="1400" dirty="0" err="1" smtClean="0"/>
+              <a:t>EZTrack</a:t>
+            </a:r>
+            <a:r>
+              <a:rPr lang="en-US" sz="1400" dirty="0" smtClean="0"/>
+              <a:t> output with </a:t>
+            </a:r>
+            <a:r>
+              <a:rPr lang="en-US" sz="1400" dirty="0"/>
+              <a:t>preliminary diagnosis between fellow and </a:t>
+            </a:r>
+            <a:endParaRPr lang="en-US" sz="1400" dirty="0" smtClean="0"/>
+          </a:p>
+          <a:p>
+            <a:r>
+              <a:rPr lang="en-US" sz="1400" dirty="0"/>
+              <a:t> </a:t>
+            </a:r>
+            <a:r>
+              <a:rPr lang="en-US" sz="1400" dirty="0" smtClean="0"/>
+              <a:t> attending physician </a:t>
+            </a:r>
+            <a:r>
+              <a:rPr lang="en-US" sz="1400" dirty="0"/>
+              <a:t>on Monday.</a:t>
+            </a:r>
+          </a:p>
+          <a:p>
+            <a:endParaRPr lang="en-US" sz="1400" dirty="0"/>
+          </a:p>
+          <a:p>
+            <a:r>
+              <a:rPr lang="en-US" sz="1400" dirty="0"/>
+              <a:t>• Information presented at Tuesday conference (Grand Rounds) within a 5 to 10 minute interval.</a:t>
+            </a:r>
+          </a:p>
+          <a:p>
+            <a:endParaRPr lang="en-US" sz="1400" dirty="0"/>
+          </a:p>
+          <a:p>
+            <a:r>
+              <a:rPr lang="en-US" sz="1400" dirty="0"/>
+              <a:t>• Resection </a:t>
+            </a:r>
+            <a:r>
+              <a:rPr lang="en-US" sz="1400" dirty="0" smtClean="0"/>
+              <a:t>or patient release by </a:t>
+            </a:r>
+            <a:r>
+              <a:rPr lang="en-US" sz="1400" dirty="0"/>
+              <a:t>Thursday.</a:t>
+            </a:r>
+          </a:p>
+          <a:p>
+            <a:endParaRPr lang="en-US" sz="1400" dirty="0" smtClean="0"/>
           </a:p>
           <a:p>
             <a:endParaRPr lang="en-US" dirty="0"/>
@@ -3688,7 +3702,7 @@
     </p:spTree>
     <p:extLst>
       <p:ext uri="{BB962C8B-B14F-4D97-AF65-F5344CB8AC3E}">
-        <p14:creationId xmlns:p14="http://schemas.microsoft.com/office/powerpoint/2010/main" val="1894738790"/>
+        <p14:creationId xmlns:p14="http://schemas.microsoft.com/office/powerpoint/2010/main" val="2123239796"/>
       </p:ext>
     </p:extLst>
   </p:cSld>
@@ -3698,7 +3712,7 @@
   <p:timing>
     <p:tnLst>
       <p:par>
-        <p:cTn xmlns:p14="http://schemas.microsoft.com/office/powerpoint/2010/main" id="1" dur="indefinite" restart="never" nodeType="tmRoot"/>
+        <p:cTn id="1" dur="indefinite" restart="never" nodeType="tmRoot"/>
       </p:par>
     </p:tnLst>
   </p:timing>
@@ -3754,8 +3768,8 @@
         </p:nvSpPr>
         <p:spPr>
           <a:xfrm>
-            <a:off x="27057" y="152401"/>
-            <a:ext cx="8659744" cy="3323987"/>
+            <a:off x="1447800" y="2895600"/>
+            <a:ext cx="5105400" cy="646331"/>
           </a:xfrm>
           <a:prstGeom prst="rect">
             <a:avLst/>
@@ -3769,179 +3783,12 @@
           <a:lstStyle/>
           <a:p>
             <a:r>
-              <a:rPr lang="en-US" sz="1400" b="1" dirty="0" smtClean="0"/>
-              <a:t>Event / MEF Pipeline: </a:t>
-            </a:r>
-            <a:r>
-              <a:rPr lang="en-US" sz="1400" b="1" dirty="0"/>
-              <a:t>report2events</a:t>
-            </a:r>
-            <a:r>
-              <a:rPr lang="en-US" sz="1400" dirty="0"/>
-              <a:t> </a:t>
-            </a:r>
-            <a:r>
-              <a:rPr lang="en-US" sz="1400" dirty="0" smtClean="0"/>
-              <a:t>-</a:t>
-            </a:r>
-            <a:r>
-              <a:rPr lang="en-US" sz="1400" dirty="0"/>
-              <a:t>&gt; </a:t>
-            </a:r>
-            <a:r>
-              <a:rPr lang="en-US" sz="1400" dirty="0" err="1"/>
-              <a:t>mef_finder</a:t>
-            </a:r>
-            <a:r>
-              <a:rPr lang="en-US" sz="1400" dirty="0"/>
-              <a:t> -&gt; </a:t>
-            </a:r>
-            <a:r>
-              <a:rPr lang="en-US" sz="1400" dirty="0" err="1" smtClean="0"/>
-              <a:t>mef_copy</a:t>
-            </a:r>
-            <a:r>
-              <a:rPr lang="en-US" sz="1400" dirty="0"/>
-              <a:t> -&gt; </a:t>
-            </a:r>
-            <a:r>
-              <a:rPr lang="en-US" sz="1400" dirty="0" smtClean="0"/>
-              <a:t>mef2eeg</a:t>
-            </a:r>
-            <a:endParaRPr lang="en-US" sz="1400" dirty="0"/>
-          </a:p>
-          <a:p>
-            <a:endParaRPr lang="en-US" sz="1400" dirty="0"/>
-          </a:p>
-          <a:p>
-            <a:r>
-              <a:rPr lang="en-US" sz="1400" dirty="0" smtClean="0">
-                <a:latin typeface="Andale Mono"/>
-                <a:cs typeface="Andale Mono"/>
-              </a:rPr>
-              <a:t>report2events</a:t>
-            </a:r>
-            <a:endParaRPr lang="en-US" sz="1400" dirty="0">
-              <a:latin typeface="Andale Mono"/>
-              <a:cs typeface="Andale Mono"/>
-            </a:endParaRPr>
-          </a:p>
-          <a:p>
-            <a:endParaRPr lang="en-US" sz="1400" dirty="0" smtClean="0"/>
-          </a:p>
-          <a:p>
-            <a:r>
-              <a:rPr lang="en-US" sz="1400" dirty="0" smtClean="0"/>
-              <a:t>        • Fellow exports events text file from from NK system containing seizure onset and offset times.</a:t>
-            </a:r>
-          </a:p>
-          <a:p>
-            <a:endParaRPr lang="en-US" sz="1400" dirty="0" smtClean="0"/>
-          </a:p>
-          <a:p>
-            <a:r>
-              <a:rPr lang="en-US" sz="1400" dirty="0"/>
-              <a:t> </a:t>
-            </a:r>
-            <a:r>
-              <a:rPr lang="en-US" sz="1400" dirty="0" smtClean="0"/>
-              <a:t>       • Tool parses this input and extracts times in a format compatible with </a:t>
-            </a:r>
-            <a:r>
-              <a:rPr lang="en-US" sz="1400" dirty="0" err="1" smtClean="0"/>
-              <a:t>EZTrack</a:t>
-            </a:r>
-            <a:r>
-              <a:rPr lang="en-US" sz="1400" dirty="0" smtClean="0"/>
-              <a:t>.</a:t>
-            </a:r>
-          </a:p>
-          <a:p>
-            <a:r>
-              <a:rPr lang="en-US" sz="1400" b="1" dirty="0" smtClean="0"/>
-              <a:t> </a:t>
-            </a:r>
-            <a:r>
-              <a:rPr lang="en-US" sz="1400" b="1" dirty="0"/>
-              <a:t>   </a:t>
-            </a:r>
-            <a:r>
-              <a:rPr lang="en-US" sz="1400" b="1" dirty="0" smtClean="0"/>
-              <a:t>          • </a:t>
-            </a:r>
-            <a:r>
-              <a:rPr lang="en-US" sz="1400" dirty="0"/>
-              <a:t>Someone on the </a:t>
-            </a:r>
-            <a:r>
-              <a:rPr lang="en-US" sz="1400" dirty="0" err="1"/>
-              <a:t>EZTrack</a:t>
-            </a:r>
-            <a:r>
-              <a:rPr lang="en-US" sz="1400" dirty="0"/>
-              <a:t> team could code up the onset / offset times </a:t>
-            </a:r>
-            <a:r>
-              <a:rPr lang="en-US" sz="1400" dirty="0" smtClean="0"/>
-              <a:t>if an obvious pattern</a:t>
-            </a:r>
-          </a:p>
-          <a:p>
-            <a:r>
-              <a:rPr lang="en-US" sz="1400" dirty="0"/>
-              <a:t> </a:t>
-            </a:r>
-            <a:r>
-              <a:rPr lang="en-US" sz="1400" dirty="0" smtClean="0"/>
-              <a:t>               doesn’t emerge that could be parsed automatically and reliably.</a:t>
-            </a:r>
-            <a:endParaRPr lang="en-US" sz="1400" dirty="0"/>
-          </a:p>
-          <a:p>
-            <a:r>
-              <a:rPr lang="en-US" sz="1400" dirty="0"/>
-              <a:t>      </a:t>
-            </a:r>
-            <a:r>
-              <a:rPr lang="en-US" sz="1400" dirty="0" smtClean="0"/>
-              <a:t>              • Email or FTP the report with AES 256 encryption using GPG and a job id.</a:t>
-            </a:r>
-          </a:p>
-          <a:p>
-            <a:r>
-              <a:rPr lang="en-US" sz="1400" dirty="0"/>
-              <a:t> </a:t>
-            </a:r>
-            <a:r>
-              <a:rPr lang="en-US" sz="1400" dirty="0" smtClean="0"/>
-              <a:t>                   • Email or FTP a CSV with a job id.</a:t>
-            </a:r>
-          </a:p>
-          <a:p>
-            <a:endParaRPr lang="en-US" sz="1400" dirty="0" smtClean="0"/>
-          </a:p>
-          <a:p>
-            <a:r>
-              <a:rPr lang="en-US" sz="1400" dirty="0"/>
-              <a:t> </a:t>
-            </a:r>
-            <a:r>
-              <a:rPr lang="en-US" sz="1400" dirty="0" smtClean="0"/>
-              <a:t>       • Parsed onset / offset times are presented to the fellow for confirmation.       </a:t>
-            </a:r>
-          </a:p>
-          <a:p>
-            <a:r>
-              <a:rPr lang="en-US" sz="1400" dirty="0" smtClean="0"/>
-              <a:t>  </a:t>
-            </a:r>
-            <a:endParaRPr lang="en-US" dirty="0"/>
-          </a:p>
-          <a:p>
-            <a:r>
-              <a:rPr lang="en-US" sz="1400" dirty="0" smtClean="0"/>
-              <a:t>Output is a CSV of seizure onset / offset times with a job id (assume patient id is not yet known)</a:t>
-            </a:r>
+              <a:rPr lang="en-US" b="1" dirty="0" smtClean="0"/>
+              <a:t>Implementation Details</a:t>
+            </a:r>
+            <a:endParaRPr lang="en-US" b="1" dirty="0"/>
+          </a:p>
+          <a:p>
             <a:endParaRPr lang="en-US" dirty="0"/>
           </a:p>
         </p:txBody>
@@ -3949,7 +3796,7 @@
     </p:spTree>
     <p:extLst>
       <p:ext uri="{BB962C8B-B14F-4D97-AF65-F5344CB8AC3E}">
-        <p14:creationId xmlns:p14="http://schemas.microsoft.com/office/powerpoint/2010/main" val="3554514998"/>
+        <p14:creationId xmlns:p14="http://schemas.microsoft.com/office/powerpoint/2010/main" val="1894738790"/>
       </p:ext>
     </p:extLst>
   </p:cSld>
@@ -3959,7 +3806,7 @@
   <p:timing>
     <p:tnLst>
       <p:par>
-        <p:cTn xmlns:p14="http://schemas.microsoft.com/office/powerpoint/2010/main" id="1" dur="indefinite" restart="never" nodeType="tmRoot"/>
+        <p:cTn id="1" dur="indefinite" restart="never" nodeType="tmRoot"/>
       </p:par>
     </p:tnLst>
   </p:timing>
@@ -4016,7 +3863,7 @@
         <p:spPr>
           <a:xfrm>
             <a:off x="27057" y="152401"/>
-            <a:ext cx="8659744" cy="3447098"/>
+            <a:ext cx="8659744" cy="3323987"/>
           </a:xfrm>
           <a:prstGeom prst="rect">
             <a:avLst/>
@@ -4034,8 +3881,12 @@
               <a:t>Event / MEF Pipeline: </a:t>
             </a:r>
             <a:r>
-              <a:rPr lang="en-US" sz="1400" dirty="0"/>
-              <a:t>report2events </a:t>
+              <a:rPr lang="en-US" sz="1400" b="1" dirty="0"/>
+              <a:t>report2events</a:t>
+            </a:r>
+            <a:r>
+              <a:rPr lang="en-US" sz="1400" dirty="0"/>
+              <a:t> </a:t>
             </a:r>
             <a:r>
               <a:rPr lang="en-US" sz="1400" dirty="0" smtClean="0"/>
@@ -4046,7 +3897,7 @@
               <a:t>&gt; </a:t>
             </a:r>
             <a:r>
-              <a:rPr lang="en-US" sz="1400" b="1" dirty="0" err="1"/>
+              <a:rPr lang="en-US" sz="1400" dirty="0" err="1"/>
               <a:t>mef_finder</a:t>
             </a:r>
             <a:r>
@@ -4058,24 +3909,25 @@
               <a:t>mef_copy</a:t>
             </a:r>
             <a:r>
-              <a:rPr lang="en-US" sz="1400" dirty="0" smtClean="0"/>
-              <a:t> -</a:t>
-            </a:r>
-            <a:r>
-              <a:rPr lang="en-US" sz="1400" dirty="0"/>
-              <a:t>&gt; mef2eeg</a:t>
-            </a:r>
-          </a:p>
-          <a:p>
-            <a:endParaRPr lang="en-US" sz="1400" dirty="0" smtClean="0"/>
-          </a:p>
-          <a:p>
-            <a:r>
-              <a:rPr lang="en-US" sz="1400" dirty="0" err="1" smtClean="0">
+              <a:rPr lang="en-US" sz="1400" dirty="0"/>
+              <a:t> -&gt; </a:t>
+            </a:r>
+            <a:r>
+              <a:rPr lang="en-US" sz="1400" dirty="0" smtClean="0"/>
+              <a:t>mef2eeg</a:t>
+            </a:r>
+            <a:endParaRPr lang="en-US" sz="1400" dirty="0"/>
+          </a:p>
+          <a:p>
+            <a:endParaRPr lang="en-US" sz="1400" dirty="0"/>
+          </a:p>
+          <a:p>
+            <a:r>
+              <a:rPr lang="en-US" sz="1400" dirty="0" smtClean="0">
                 <a:latin typeface="Andale Mono"/>
                 <a:cs typeface="Andale Mono"/>
               </a:rPr>
-              <a:t>mef_finder</a:t>
+              <a:t>report2events</a:t>
             </a:r>
             <a:endParaRPr lang="en-US" sz="1400" dirty="0">
               <a:latin typeface="Andale Mono"/>
@@ -4087,28 +3939,8 @@
           </a:p>
           <a:p>
             <a:r>
-              <a:rPr lang="en-US" sz="1400" b="1" dirty="0" smtClean="0"/>
-              <a:t>         </a:t>
-            </a:r>
-            <a:r>
-              <a:rPr lang="en-US" sz="1400" dirty="0" smtClean="0"/>
-              <a:t>• Must </a:t>
-            </a:r>
-            <a:r>
-              <a:rPr lang="en-US" sz="1400" dirty="0"/>
-              <a:t>be on-</a:t>
-            </a:r>
-            <a:r>
-              <a:rPr lang="en-US" sz="1400" dirty="0" err="1"/>
-              <a:t>prem</a:t>
-            </a:r>
-            <a:r>
-              <a:rPr lang="en-US" sz="1400" dirty="0"/>
-              <a:t> at </a:t>
-            </a:r>
-            <a:r>
-              <a:rPr lang="en-US" sz="1400" dirty="0" smtClean="0"/>
-              <a:t>JHH in order to access Christophe’s file store.</a:t>
+              <a:rPr lang="en-US" sz="1400" dirty="0" smtClean="0"/>
+              <a:t>        • Fellow exports events text file from from NK system containing seizure onset and offset times.</a:t>
             </a:r>
           </a:p>
           <a:p>
@@ -4121,66 +3953,7 @@
             </a:r>
             <a:r>
               <a:rPr lang="en-US" sz="1400" dirty="0" smtClean="0"/>
-              <a:t>        • </a:t>
-            </a:r>
-            <a:r>
-              <a:rPr lang="en-US" sz="1400" dirty="0"/>
-              <a:t>Search XML files associated with the MEF entries by </a:t>
-            </a:r>
-            <a:r>
-              <a:rPr lang="en-US" sz="1400" dirty="0" smtClean="0"/>
-              <a:t>onset </a:t>
-            </a:r>
-            <a:r>
-              <a:rPr lang="en-US" sz="1400" dirty="0"/>
-              <a:t>and offset </a:t>
-            </a:r>
-            <a:r>
-              <a:rPr lang="en-US" sz="1400" dirty="0" smtClean="0"/>
-              <a:t>times in input file.</a:t>
-            </a:r>
-            <a:endParaRPr lang="en-US" sz="1400" dirty="0"/>
-          </a:p>
-          <a:p>
-            <a:endParaRPr lang="en-US" sz="1400" dirty="0" smtClean="0"/>
-          </a:p>
-          <a:p>
-            <a:r>
-              <a:rPr lang="en-US" sz="1400" dirty="0"/>
-              <a:t>Output is the collection of MEF files to copy, along with the </a:t>
-            </a:r>
-            <a:r>
-              <a:rPr lang="en-US" sz="1400" dirty="0" err="1"/>
-              <a:t>PatientID</a:t>
-            </a:r>
-            <a:r>
-              <a:rPr lang="en-US" sz="1400" dirty="0"/>
-              <a:t>.</a:t>
-            </a:r>
-          </a:p>
-          <a:p>
-            <a:r>
-              <a:rPr lang="en-US" sz="1400" dirty="0" smtClean="0"/>
-              <a:t>                            </a:t>
-            </a:r>
-            <a:endParaRPr lang="en-US" sz="1400" dirty="0"/>
-          </a:p>
-          <a:p>
-            <a:r>
-              <a:rPr lang="en-US" sz="1400" dirty="0"/>
-              <a:t> </a:t>
-            </a:r>
-            <a:r>
-              <a:rPr lang="en-US" sz="1400" dirty="0" smtClean="0"/>
-              <a:t>        • Copy </a:t>
-            </a:r>
-            <a:r>
-              <a:rPr lang="en-US" sz="1400" dirty="0"/>
-              <a:t>matching files to </a:t>
-            </a:r>
-            <a:r>
-              <a:rPr lang="en-US" sz="1400" dirty="0" smtClean="0"/>
-              <a:t>local </a:t>
+              <a:t>       • Tool parses this input and extracts times in a format compatible with </a:t>
             </a:r>
             <a:r>
               <a:rPr lang="en-US" sz="1400" dirty="0" err="1" smtClean="0"/>
@@ -4188,78 +3961,95 @@
             </a:r>
             <a:r>
               <a:rPr lang="en-US" sz="1400" dirty="0" smtClean="0"/>
-              <a:t> server: </a:t>
-            </a:r>
-            <a:r>
-              <a:rPr lang="en-US" sz="1400" dirty="0" err="1" smtClean="0"/>
-              <a:t>mef_copy</a:t>
-            </a:r>
-            <a:r>
-              <a:rPr lang="en-US" sz="1400" dirty="0" smtClean="0"/>
               <a:t>.</a:t>
             </a:r>
           </a:p>
           <a:p>
             <a:r>
-              <a:rPr lang="en-US" sz="1400" dirty="0"/>
+              <a:rPr lang="en-US" sz="1400" b="1" dirty="0" smtClean="0"/>
               <a:t> </a:t>
             </a:r>
             <a:r>
-              <a:rPr lang="en-US" sz="1400" dirty="0" smtClean="0"/>
-              <a:t>       </a:t>
-            </a:r>
+              <a:rPr lang="en-US" sz="1400" b="1" dirty="0"/>
+              <a:t>   </a:t>
+            </a:r>
+            <a:r>
+              <a:rPr lang="en-US" sz="1400" b="1" dirty="0" smtClean="0"/>
+              <a:t>          • </a:t>
+            </a:r>
+            <a:r>
+              <a:rPr lang="en-US" sz="1400" dirty="0"/>
+              <a:t>Someone on the </a:t>
+            </a:r>
+            <a:r>
+              <a:rPr lang="en-US" sz="1400" dirty="0" err="1"/>
+              <a:t>EZTrack</a:t>
+            </a:r>
+            <a:r>
+              <a:rPr lang="en-US" sz="1400" dirty="0"/>
+              <a:t> team could code up the onset / offset times </a:t>
+            </a:r>
+            <a:r>
+              <a:rPr lang="en-US" sz="1400" dirty="0" smtClean="0"/>
+              <a:t>if an obvious pattern</a:t>
+            </a:r>
+          </a:p>
+          <a:p>
             <a:r>
               <a:rPr lang="en-US" sz="1400" dirty="0"/>
               <a:t> </a:t>
             </a:r>
             <a:r>
               <a:rPr lang="en-US" sz="1400" dirty="0" smtClean="0"/>
-              <a:t>  Each </a:t>
-            </a:r>
-            <a:r>
-              <a:rPr lang="en-US" sz="1400" dirty="0"/>
-              <a:t>1 hour MEF segment is ~2GB. </a:t>
-            </a:r>
+              <a:t>               doesn’t emerge that could be parsed automatically and reliably.</a:t>
+            </a:r>
+            <a:endParaRPr lang="en-US" sz="1400" dirty="0"/>
+          </a:p>
+          <a:p>
+            <a:r>
+              <a:rPr lang="en-US" sz="1400" dirty="0"/>
+              <a:t>      </a:t>
+            </a:r>
+            <a:r>
+              <a:rPr lang="en-US" sz="1400" dirty="0" smtClean="0"/>
+              <a:t>              • Email or FTP the report with AES 256 encryption using GPG and a job id.</a:t>
+            </a:r>
+          </a:p>
+          <a:p>
+            <a:r>
+              <a:rPr lang="en-US" sz="1400" dirty="0"/>
+              <a:t> </a:t>
+            </a:r>
+            <a:r>
+              <a:rPr lang="en-US" sz="1400" dirty="0" smtClean="0"/>
+              <a:t>                   • Email or FTP a CSV with a job id.</a:t>
+            </a:r>
+          </a:p>
+          <a:p>
             <a:endParaRPr lang="en-US" sz="1400" dirty="0" smtClean="0"/>
           </a:p>
           <a:p>
             <a:r>
-              <a:rPr lang="en-US" sz="1400" dirty="0" smtClean="0"/>
-              <a:t>           Estimate transfer to </a:t>
-            </a:r>
-            <a:r>
-              <a:rPr lang="en-US" sz="1400" dirty="0"/>
-              <a:t>take </a:t>
-            </a:r>
-            <a:r>
-              <a:rPr lang="en-US" sz="1400" dirty="0" smtClean="0"/>
-              <a:t>~3 </a:t>
-            </a:r>
-            <a:r>
-              <a:rPr lang="en-US" sz="1400" dirty="0" err="1"/>
-              <a:t>mins</a:t>
-            </a:r>
-            <a:r>
-              <a:rPr lang="en-US" sz="1400" dirty="0"/>
-              <a:t> assuming </a:t>
-            </a:r>
-            <a:r>
-              <a:rPr lang="en-US" sz="1400" dirty="0" smtClean="0"/>
-              <a:t>100Mbps LAN.</a:t>
-            </a:r>
-          </a:p>
-          <a:p>
-            <a:r>
               <a:rPr lang="en-US" sz="1400" dirty="0"/>
               <a:t> </a:t>
             </a:r>
             <a:r>
               <a:rPr lang="en-US" sz="1400" dirty="0" smtClean="0"/>
-              <a:t>        </a:t>
+              <a:t>       • Parsed onset / offset times are presented to the fellow for confirmation.       </a:t>
+            </a:r>
+          </a:p>
+          <a:p>
+            <a:r>
+              <a:rPr lang="en-US" sz="1400" dirty="0" smtClean="0"/>
+              <a:t>  </a:t>
             </a:r>
             <a:endParaRPr lang="en-US" dirty="0"/>
           </a:p>
           <a:p>
+            <a:r>
+              <a:rPr lang="en-US" sz="1400" dirty="0" smtClean="0"/>
+              <a:t>Output is a CSV of seizure onset / offset times with a job id (assume patient id is not yet known)</a:t>
+            </a:r>
             <a:endParaRPr lang="en-US" dirty="0"/>
           </a:p>
         </p:txBody>
@@ -4267,7 +4057,7 @@
     </p:spTree>
     <p:extLst>
       <p:ext uri="{BB962C8B-B14F-4D97-AF65-F5344CB8AC3E}">
-        <p14:creationId xmlns:p14="http://schemas.microsoft.com/office/powerpoint/2010/main" val="3316594900"/>
+        <p14:creationId xmlns:p14="http://schemas.microsoft.com/office/powerpoint/2010/main" val="3554514998"/>
       </p:ext>
     </p:extLst>
   </p:cSld>
@@ -4277,7 +4067,7 @@
   <p:timing>
     <p:tnLst>
       <p:par>
-        <p:cTn xmlns:p14="http://schemas.microsoft.com/office/powerpoint/2010/main" id="1" dur="indefinite" restart="never" nodeType="tmRoot"/>
+        <p:cTn id="1" dur="indefinite" restart="never" nodeType="tmRoot"/>
       </p:par>
     </p:tnLst>
   </p:timing>
@@ -4334,7 +4124,7 @@
         <p:spPr>
           <a:xfrm>
             <a:off x="27057" y="152401"/>
-            <a:ext cx="8659744" cy="2031325"/>
+            <a:ext cx="8659744" cy="3447098"/>
           </a:xfrm>
           <a:prstGeom prst="rect">
             <a:avLst/>
@@ -4364,7 +4154,7 @@
               <a:t>&gt; </a:t>
             </a:r>
             <a:r>
-              <a:rPr lang="en-US" sz="1400" dirty="0" err="1"/>
+              <a:rPr lang="en-US" sz="1400" b="1" dirty="0" err="1"/>
               <a:t>mef_finder</a:t>
             </a:r>
             <a:r>
@@ -4372,36 +4162,28 @@
               <a:t> -&gt; </a:t>
             </a:r>
             <a:r>
-              <a:rPr lang="en-US" sz="1400" b="1" dirty="0" err="1" smtClean="0"/>
+              <a:rPr lang="en-US" sz="1400" dirty="0" err="1" smtClean="0"/>
               <a:t>mef_copy</a:t>
             </a:r>
             <a:r>
-              <a:rPr lang="en-US" sz="1400" b="1" dirty="0" smtClean="0"/>
-              <a:t> </a:t>
-            </a:r>
-            <a:r>
-              <a:rPr lang="en-US" sz="1400" dirty="0" smtClean="0"/>
-              <a:t>-&gt; mef2eeg</a:t>
-            </a:r>
-            <a:endParaRPr lang="en-US" sz="1400" dirty="0"/>
+              <a:rPr lang="en-US" sz="1400" dirty="0" smtClean="0"/>
+              <a:t> -</a:t>
+            </a:r>
+            <a:r>
+              <a:rPr lang="en-US" sz="1400" dirty="0"/>
+              <a:t>&gt; mef2eeg</a:t>
+            </a:r>
           </a:p>
           <a:p>
             <a:endParaRPr lang="en-US" sz="1400" dirty="0" smtClean="0"/>
           </a:p>
           <a:p>
-            <a:r>
-              <a:rPr lang="en-US" sz="1400" dirty="0" err="1">
-                <a:latin typeface="Andale Mono"/>
-                <a:cs typeface="Andale Mono"/>
-              </a:rPr>
-              <a:t>m</a:t>
-            </a:r>
             <a:r>
               <a:rPr lang="en-US" sz="1400" dirty="0" err="1" smtClean="0">
                 <a:latin typeface="Andale Mono"/>
                 <a:cs typeface="Andale Mono"/>
               </a:rPr>
-              <a:t>ef_copy</a:t>
+              <a:t>mef_finder</a:t>
             </a:r>
             <a:endParaRPr lang="en-US" sz="1400" dirty="0">
               <a:latin typeface="Andale Mono"/>
@@ -4409,6 +4191,82 @@
             </a:endParaRPr>
           </a:p>
           <a:p>
+            <a:endParaRPr lang="en-US" sz="1400" dirty="0" smtClean="0"/>
+          </a:p>
+          <a:p>
+            <a:r>
+              <a:rPr lang="en-US" sz="1400" b="1" dirty="0" smtClean="0"/>
+              <a:t>         </a:t>
+            </a:r>
+            <a:r>
+              <a:rPr lang="en-US" sz="1400" dirty="0" smtClean="0"/>
+              <a:t>• Must </a:t>
+            </a:r>
+            <a:r>
+              <a:rPr lang="en-US" sz="1400" dirty="0"/>
+              <a:t>be on-</a:t>
+            </a:r>
+            <a:r>
+              <a:rPr lang="en-US" sz="1400" dirty="0" err="1"/>
+              <a:t>prem</a:t>
+            </a:r>
+            <a:r>
+              <a:rPr lang="en-US" sz="1400" dirty="0"/>
+              <a:t> at </a:t>
+            </a:r>
+            <a:r>
+              <a:rPr lang="en-US" sz="1400" dirty="0" smtClean="0"/>
+              <a:t>JHH in order to access Christophe’s file store.</a:t>
+            </a:r>
+          </a:p>
+          <a:p>
+            <a:endParaRPr lang="en-US" sz="1400" dirty="0" smtClean="0"/>
+          </a:p>
+          <a:p>
+            <a:r>
+              <a:rPr lang="en-US" sz="1400" dirty="0"/>
+              <a:t> </a:t>
+            </a:r>
+            <a:r>
+              <a:rPr lang="en-US" sz="1400" dirty="0" smtClean="0"/>
+              <a:t>        • </a:t>
+            </a:r>
+            <a:r>
+              <a:rPr lang="en-US" sz="1400" dirty="0"/>
+              <a:t>Search XML files associated with the MEF entries by </a:t>
+            </a:r>
+            <a:r>
+              <a:rPr lang="en-US" sz="1400" dirty="0" smtClean="0"/>
+              <a:t>onset </a:t>
+            </a:r>
+            <a:r>
+              <a:rPr lang="en-US" sz="1400" dirty="0"/>
+              <a:t>and offset </a:t>
+            </a:r>
+            <a:r>
+              <a:rPr lang="en-US" sz="1400" dirty="0" smtClean="0"/>
+              <a:t>times in input file.</a:t>
+            </a:r>
+            <a:endParaRPr lang="en-US" sz="1400" dirty="0"/>
+          </a:p>
+          <a:p>
+            <a:endParaRPr lang="en-US" sz="1400" dirty="0" smtClean="0"/>
+          </a:p>
+          <a:p>
+            <a:r>
+              <a:rPr lang="en-US" sz="1400" dirty="0"/>
+              <a:t>Output is the collection of MEF files to copy, along with the </a:t>
+            </a:r>
+            <a:r>
+              <a:rPr lang="en-US" sz="1400" dirty="0" err="1"/>
+              <a:t>PatientID</a:t>
+            </a:r>
+            <a:r>
+              <a:rPr lang="en-US" sz="1400" dirty="0"/>
+              <a:t>.</a:t>
+            </a:r>
+          </a:p>
+          <a:p>
             <a:r>
               <a:rPr lang="en-US" sz="1400" dirty="0" smtClean="0"/>
               <a:t>                            </a:t>
@@ -4422,11 +4280,11 @@
             </a:r>
             <a:r>
               <a:rPr lang="en-US" sz="1400" dirty="0" smtClean="0"/>
-              <a:t>        • Copy input files </a:t>
-            </a:r>
-            <a:r>
-              <a:rPr lang="en-US" sz="1400" dirty="0"/>
-              <a:t>to </a:t>
+              <a:t>        • Copy </a:t>
+            </a:r>
+            <a:r>
+              <a:rPr lang="en-US" sz="1400" dirty="0"/>
+              <a:t>matching files to </a:t>
             </a:r>
             <a:r>
               <a:rPr lang="en-US" sz="1400" dirty="0" smtClean="0"/>
@@ -4438,15 +4296,15 @@
             </a:r>
             <a:r>
               <a:rPr lang="en-US" sz="1400" dirty="0" smtClean="0"/>
-              <a:t> server</a:t>
-            </a:r>
-            <a:r>
-              <a:rPr lang="en-US" sz="1400" dirty="0"/>
-              <a:t> </a:t>
-            </a:r>
-            <a:r>
-              <a:rPr lang="en-US" sz="1400" dirty="0" smtClean="0"/>
-              <a:t>in parallel.</a:t>
+              <a:t> server: </a:t>
+            </a:r>
+            <a:r>
+              <a:rPr lang="en-US" sz="1400" dirty="0" err="1" smtClean="0"/>
+              <a:t>mef_copy</a:t>
+            </a:r>
+            <a:r>
+              <a:rPr lang="en-US" sz="1400" dirty="0" smtClean="0"/>
+              <a:t>.</a:t>
             </a:r>
           </a:p>
           <a:p>
@@ -4499,41 +4357,25 @@
             </a:r>
           </a:p>
           <a:p>
-            <a:endParaRPr lang="en-US" sz="1400" dirty="0" smtClean="0"/>
-          </a:p>
-          <a:p>
-            <a:r>
-              <a:rPr lang="en-US" sz="1400" dirty="0" smtClean="0"/>
-              <a:t>Output is the </a:t>
-            </a:r>
-            <a:r>
-              <a:rPr lang="en-US" sz="1400" dirty="0"/>
-              <a:t>a collection of MEF files </a:t>
-            </a:r>
-            <a:r>
-              <a:rPr lang="en-US" sz="1400" dirty="0" smtClean="0"/>
-              <a:t>available locally and </a:t>
-            </a:r>
-            <a:r>
-              <a:rPr lang="en-US" sz="1400" dirty="0"/>
-              <a:t>the </a:t>
-            </a:r>
-            <a:r>
-              <a:rPr lang="en-US" sz="1400" dirty="0" err="1" smtClean="0"/>
-              <a:t>PatientID</a:t>
-            </a:r>
-            <a:r>
-              <a:rPr lang="en-US" sz="1400" dirty="0" smtClean="0"/>
-              <a:t>.</a:t>
-            </a:r>
-            <a:endParaRPr lang="en-US" sz="1400" dirty="0"/>
+            <a:r>
+              <a:rPr lang="en-US" sz="1400" dirty="0"/>
+              <a:t> </a:t>
+            </a:r>
+            <a:r>
+              <a:rPr lang="en-US" sz="1400" dirty="0" smtClean="0"/>
+              <a:t>        </a:t>
+            </a:r>
+            <a:endParaRPr lang="en-US" dirty="0"/>
+          </a:p>
+          <a:p>
+            <a:endParaRPr lang="en-US" dirty="0"/>
           </a:p>
         </p:txBody>
       </p:sp>
     </p:spTree>
     <p:extLst>
       <p:ext uri="{BB962C8B-B14F-4D97-AF65-F5344CB8AC3E}">
-        <p14:creationId xmlns:p14="http://schemas.microsoft.com/office/powerpoint/2010/main" val="3431358219"/>
+        <p14:creationId xmlns:p14="http://schemas.microsoft.com/office/powerpoint/2010/main" val="3316594900"/>
       </p:ext>
     </p:extLst>
   </p:cSld>
@@ -4543,7 +4385,7 @@
   <p:timing>
     <p:tnLst>
       <p:par>
-        <p:cTn xmlns:p14="http://schemas.microsoft.com/office/powerpoint/2010/main" id="1" dur="indefinite" restart="never" nodeType="tmRoot"/>
+        <p:cTn id="1" dur="indefinite" restart="never" nodeType="tmRoot"/>
       </p:par>
     </p:tnLst>
   </p:timing>
@@ -4600,7 +4442,7 @@
         <p:spPr>
           <a:xfrm>
             <a:off x="27057" y="152401"/>
-            <a:ext cx="8659744" cy="2893100"/>
+            <a:ext cx="8659744" cy="2031325"/>
           </a:xfrm>
           <a:prstGeom prst="rect">
             <a:avLst/>
@@ -4638,7 +4480,7 @@
               <a:t> -&gt; </a:t>
             </a:r>
             <a:r>
-              <a:rPr lang="en-US" sz="1400" dirty="0" err="1" smtClean="0"/>
+              <a:rPr lang="en-US" sz="1400" b="1" dirty="0" err="1" smtClean="0"/>
               <a:t>mef_copy</a:t>
             </a:r>
             <a:r>
@@ -4647,248 +4489,159 @@
             </a:r>
             <a:r>
               <a:rPr lang="en-US" sz="1400" dirty="0" smtClean="0"/>
-              <a:t>-&gt; </a:t>
-            </a:r>
-            <a:r>
-              <a:rPr lang="en-US" sz="1400" b="1" dirty="0" smtClean="0"/>
-              <a:t>mef2eeg</a:t>
-            </a:r>
-            <a:endParaRPr lang="en-US" sz="1400" b="1" dirty="0"/>
+              <a:t>-&gt; mef2eeg</a:t>
+            </a:r>
+            <a:endParaRPr lang="en-US" sz="1400" dirty="0"/>
           </a:p>
           <a:p>
             <a:endParaRPr lang="en-US" sz="1400" dirty="0" smtClean="0"/>
           </a:p>
           <a:p>
-            <a:r>
-              <a:rPr lang="en-US" sz="1400" dirty="0" smtClean="0">
-                <a:latin typeface="Andale Mono"/>
-                <a:cs typeface="Andale Mono"/>
-              </a:rPr>
-              <a:t>mef2eeg</a:t>
-            </a:r>
-            <a:endParaRPr lang="en-US" sz="1400" dirty="0" smtClean="0"/>
-          </a:p>
-          <a:p>
-            <a:endParaRPr lang="en-US" sz="1400" dirty="0" smtClean="0"/>
-          </a:p>
-          <a:p>
-            <a:r>
-              <a:rPr lang="en-US" sz="1400" dirty="0" smtClean="0"/>
-              <a:t>Given </a:t>
-            </a:r>
-            <a:r>
-              <a:rPr lang="en-US" sz="1400" dirty="0"/>
-              <a:t>a collection of MEF files and the </a:t>
-            </a:r>
-            <a:r>
-              <a:rPr lang="en-US" sz="1400" dirty="0" err="1"/>
-              <a:t>PatientID</a:t>
-            </a:r>
-            <a:r>
-              <a:rPr lang="en-US" sz="1400" dirty="0"/>
-              <a:t>:</a:t>
-            </a:r>
-          </a:p>
-          <a:p>
-            <a:endParaRPr lang="en-US" sz="1400" dirty="0"/>
-          </a:p>
-          <a:p>
-            <a:r>
-              <a:rPr lang="en-US" sz="1400" dirty="0" smtClean="0"/>
-              <a:t>For </a:t>
-            </a:r>
-            <a:r>
-              <a:rPr lang="en-US" sz="1400" dirty="0"/>
-              <a:t>each </a:t>
-            </a:r>
-            <a:r>
-              <a:rPr lang="en-US" sz="1400" dirty="0" err="1"/>
-              <a:t>mef</a:t>
-            </a:r>
-            <a:r>
-              <a:rPr lang="en-US" sz="1400" dirty="0"/>
-              <a:t> file, apply the following tools in parallel:</a:t>
-            </a:r>
-          </a:p>
-          <a:p>
-            <a:endParaRPr lang="en-US" sz="1400" dirty="0"/>
-          </a:p>
-          <a:p>
-            <a:r>
-              <a:rPr lang="en-US" sz="1400" dirty="0"/>
-              <a:t>        </a:t>
-            </a:r>
             <a:r>
               <a:rPr lang="en-US" sz="1400" dirty="0" err="1">
                 <a:latin typeface="Andale Mono"/>
                 <a:cs typeface="Andale Mono"/>
               </a:rPr>
-              <a:t>read_mef_header</a:t>
-            </a:r>
-            <a:r>
-              <a:rPr lang="en-US" sz="1400" dirty="0"/>
-              <a:t>: save the header info to use as channel metadata (`</a:t>
-            </a:r>
-            <a:r>
-              <a:rPr lang="en-US" sz="1400" dirty="0" err="1"/>
-              <a:t>mef_lib</a:t>
-            </a:r>
-            <a:r>
-              <a:rPr lang="en-US" sz="1400" dirty="0"/>
-              <a:t>`)</a:t>
-            </a:r>
-          </a:p>
-          <a:p>
-            <a:r>
-              <a:rPr lang="en-US" sz="1400" dirty="0"/>
-              <a:t>        </a:t>
-            </a:r>
-            <a:r>
-              <a:rPr lang="en-US" sz="1400" dirty="0">
+              <a:t>m</a:t>
+            </a:r>
+            <a:r>
+              <a:rPr lang="en-US" sz="1400" dirty="0" err="1" smtClean="0">
                 <a:latin typeface="Andale Mono"/>
                 <a:cs typeface="Andale Mono"/>
               </a:rPr>
-              <a:t>mef2ascii</a:t>
-            </a:r>
-            <a:r>
-              <a:rPr lang="en-US" sz="1400" dirty="0"/>
-              <a:t>: </a:t>
+              <a:t>ef_copy</a:t>
+            </a:r>
+            <a:endParaRPr lang="en-US" sz="1400" dirty="0">
+              <a:latin typeface="Andale Mono"/>
+              <a:cs typeface="Andale Mono"/>
+            </a:endParaRPr>
+          </a:p>
+          <a:p>
+            <a:r>
+              <a:rPr lang="en-US" sz="1400" dirty="0" smtClean="0"/>
+              <a:t>                            </a:t>
+            </a:r>
+            <a:endParaRPr lang="en-US" sz="1400" dirty="0"/>
+          </a:p>
+          <a:p>
+            <a:r>
+              <a:rPr lang="en-US" sz="1400" dirty="0"/>
+              <a:t> </a:t>
+            </a:r>
+            <a:r>
+              <a:rPr lang="en-US" sz="1400" dirty="0" smtClean="0"/>
+              <a:t>        • Copy input files </a:t>
+            </a:r>
+            <a:r>
+              <a:rPr lang="en-US" sz="1400" dirty="0"/>
+              <a:t>to </a:t>
+            </a:r>
+            <a:r>
+              <a:rPr lang="en-US" sz="1400" dirty="0" smtClean="0"/>
+              <a:t>local </a:t>
+            </a:r>
+            <a:r>
+              <a:rPr lang="en-US" sz="1400" dirty="0" err="1" smtClean="0"/>
+              <a:t>EZTrack</a:t>
+            </a:r>
+            <a:r>
+              <a:rPr lang="en-US" sz="1400" dirty="0" smtClean="0"/>
+              <a:t> server</a:t>
+            </a:r>
+            <a:r>
+              <a:rPr lang="en-US" sz="1400" dirty="0"/>
+              <a:t> </a:t>
+            </a:r>
+            <a:r>
+              <a:rPr lang="en-US" sz="1400" dirty="0" smtClean="0"/>
+              <a:t>in parallel.</a:t>
+            </a:r>
+          </a:p>
+          <a:p>
+            <a:r>
+              <a:rPr lang="en-US" sz="1400" dirty="0"/>
+              <a:t> </a:t>
+            </a:r>
+            <a:r>
+              <a:rPr lang="en-US" sz="1400" dirty="0" smtClean="0"/>
+              <a:t>       </a:t>
+            </a:r>
+            <a:r>
+              <a:rPr lang="en-US" sz="1400" dirty="0"/>
+              <a:t> </a:t>
+            </a:r>
+            <a:r>
+              <a:rPr lang="en-US" sz="1400" dirty="0" smtClean="0"/>
+              <a:t>  Each </a:t>
+            </a:r>
+            <a:r>
+              <a:rPr lang="en-US" sz="1400" dirty="0"/>
+              <a:t>1 hour MEF segment is ~2GB. </a:t>
+            </a:r>
+            <a:endParaRPr lang="en-US" sz="1400" dirty="0" smtClean="0"/>
+          </a:p>
+          <a:p>
+            <a:r>
+              <a:rPr lang="en-US" sz="1400" dirty="0" smtClean="0"/>
+              <a:t>           Estimate transfer to </a:t>
+            </a:r>
+            <a:r>
+              <a:rPr lang="en-US" sz="1400" dirty="0"/>
+              <a:t>take </a:t>
+            </a:r>
+            <a:r>
+              <a:rPr lang="en-US" sz="1400" dirty="0" smtClean="0"/>
+              <a:t>~3 </a:t>
             </a:r>
             <a:r>
               <a:rPr lang="en-US" sz="1400" dirty="0" err="1"/>
-              <a:t>uncompress</a:t>
-            </a:r>
-            <a:r>
-              <a:rPr lang="en-US" sz="1400" dirty="0"/>
-              <a:t> the channel readings to 32-bit </a:t>
-            </a:r>
-            <a:r>
-              <a:rPr lang="en-US" sz="1400" dirty="0" err="1"/>
-              <a:t>ascii</a:t>
-            </a:r>
-            <a:r>
-              <a:rPr lang="en-US" sz="1400" dirty="0"/>
-              <a:t> </a:t>
-            </a:r>
-            <a:r>
-              <a:rPr lang="en-US" sz="1400" dirty="0" err="1"/>
-              <a:t>ints</a:t>
-            </a:r>
-            <a:r>
-              <a:rPr lang="en-US" sz="1400" dirty="0"/>
-              <a:t> (`</a:t>
-            </a:r>
-            <a:r>
-              <a:rPr lang="en-US" sz="1400" dirty="0" err="1"/>
-              <a:t>mef_lib</a:t>
-            </a:r>
-            <a:r>
-              <a:rPr lang="en-US" sz="1400" dirty="0"/>
-              <a:t>`)</a:t>
-            </a:r>
-          </a:p>
-          <a:p>
-            <a:r>
-              <a:rPr lang="en-US" sz="1400" dirty="0"/>
-              <a:t>        </a:t>
-            </a:r>
-            <a:r>
-              <a:rPr lang="en-US" sz="1400" dirty="0" err="1">
-                <a:latin typeface="Andale Mono"/>
-                <a:cs typeface="Andale Mono"/>
-              </a:rPr>
-              <a:t>check_mef_ascii</a:t>
-            </a:r>
-            <a:r>
-              <a:rPr lang="en-US" sz="1400" dirty="0"/>
-              <a:t>: run validations against the </a:t>
-            </a:r>
-            <a:r>
-              <a:rPr lang="en-US" sz="1400" dirty="0" err="1"/>
-              <a:t>ascii</a:t>
-            </a:r>
-            <a:r>
-              <a:rPr lang="en-US" sz="1400" dirty="0"/>
-              <a:t> values using the header results (`</a:t>
-            </a:r>
-            <a:r>
-              <a:rPr lang="en-US" sz="1400" dirty="0" err="1"/>
-              <a:t>lein</a:t>
-            </a:r>
-            <a:r>
-              <a:rPr lang="en-US" sz="1400" dirty="0"/>
-              <a:t>-exec`)</a:t>
-            </a:r>
-          </a:p>
-          <a:p>
+              <a:t>mins</a:t>
+            </a:r>
+            <a:r>
+              <a:rPr lang="en-US" sz="1400" dirty="0"/>
+              <a:t> assuming </a:t>
+            </a:r>
+            <a:r>
+              <a:rPr lang="en-US" sz="1400" dirty="0" smtClean="0"/>
+              <a:t>100Mbps LAN.</a:t>
+            </a:r>
+          </a:p>
+          <a:p>
+            <a:endParaRPr lang="en-US" sz="1400" dirty="0" smtClean="0"/>
+          </a:p>
+          <a:p>
+            <a:r>
+              <a:rPr lang="en-US" sz="1400" dirty="0" smtClean="0"/>
+              <a:t>Output is the </a:t>
+            </a:r>
+            <a:r>
+              <a:rPr lang="en-US" sz="1400" dirty="0"/>
+              <a:t>a collection of MEF files </a:t>
+            </a:r>
+            <a:r>
+              <a:rPr lang="en-US" sz="1400" dirty="0" smtClean="0"/>
+              <a:t>available locally and </a:t>
+            </a:r>
+            <a:r>
+              <a:rPr lang="en-US" sz="1400" dirty="0"/>
+              <a:t>the </a:t>
+            </a:r>
+            <a:r>
+              <a:rPr lang="en-US" sz="1400" dirty="0" err="1" smtClean="0"/>
+              <a:t>PatientID</a:t>
+            </a:r>
+            <a:r>
+              <a:rPr lang="en-US" sz="1400" dirty="0" smtClean="0"/>
+              <a:t>.</a:t>
+            </a:r>
             <a:endParaRPr lang="en-US" sz="1400" dirty="0"/>
-          </a:p>
-          <a:p>
-            <a:r>
-              <a:rPr lang="en-US" sz="1400" dirty="0"/>
-              <a:t>        Finally, </a:t>
-            </a:r>
-            <a:r>
-              <a:rPr lang="en-US" sz="1400" dirty="0">
-                <a:latin typeface="Andale Mono"/>
-                <a:cs typeface="Andale Mono"/>
-              </a:rPr>
-              <a:t>ascii2eeg</a:t>
-            </a:r>
-            <a:r>
-              <a:rPr lang="en-US" sz="1400" dirty="0"/>
-              <a:t> to convert the </a:t>
-            </a:r>
-            <a:r>
-              <a:rPr lang="en-US" sz="1400" dirty="0" err="1"/>
-              <a:t>ascii</a:t>
-            </a:r>
-            <a:r>
-              <a:rPr lang="en-US" sz="1400" dirty="0"/>
-              <a:t> </a:t>
-            </a:r>
-            <a:r>
-              <a:rPr lang="en-US" sz="1400" dirty="0" err="1"/>
-              <a:t>ints</a:t>
-            </a:r>
-            <a:r>
-              <a:rPr lang="en-US" sz="1400" dirty="0"/>
-              <a:t> to the </a:t>
-            </a:r>
-            <a:r>
-              <a:rPr lang="en-US" sz="1400" dirty="0" err="1"/>
-              <a:t>eeg</a:t>
-            </a:r>
-            <a:r>
-              <a:rPr lang="en-US" sz="1400" dirty="0"/>
-              <a:t> format </a:t>
-            </a:r>
-            <a:r>
-              <a:rPr lang="en-US" sz="1400" dirty="0">
-                <a:latin typeface="Andale Mono"/>
-                <a:cs typeface="Andale Mono"/>
-              </a:rPr>
-              <a:t>eeg2fsv</a:t>
-            </a:r>
-            <a:r>
-              <a:rPr lang="en-US" sz="1400" dirty="0"/>
-              <a:t> expects (`</a:t>
-            </a:r>
-            <a:r>
-              <a:rPr lang="en-US" sz="1400" dirty="0" err="1"/>
-              <a:t>lein</a:t>
-            </a:r>
-            <a:r>
-              <a:rPr lang="en-US" sz="1400" dirty="0"/>
-              <a:t>-exec`).</a:t>
-            </a:r>
           </a:p>
         </p:txBody>
       </p:sp>
     </p:spTree>
     <p:extLst>
       <p:ext uri="{BB962C8B-B14F-4D97-AF65-F5344CB8AC3E}">
-        <p14:creationId xmlns:p14="http://schemas.microsoft.com/office/powerpoint/2010/main" val="1115193776"/>
+        <p14:creationId xmlns:p14="http://schemas.microsoft.com/office/powerpoint/2010/main" val="3431358219"/>
       </p:ext>
     </p:extLst>
   </p:cSld>
@@ -4898,7 +4651,7 @@
   <p:timing>
     <p:tnLst>
       <p:par>
-        <p:cTn xmlns:p14="http://schemas.microsoft.com/office/powerpoint/2010/main" id="1" dur="indefinite" restart="never" nodeType="tmRoot"/>
+        <p:cTn id="1" dur="indefinite" restart="never" nodeType="tmRoot"/>
       </p:par>
     </p:tnLst>
   </p:timing>
@@ -4955,7 +4708,7 @@
         <p:spPr>
           <a:xfrm>
             <a:off x="27057" y="152401"/>
-            <a:ext cx="8659744" cy="2677656"/>
+            <a:ext cx="8659744" cy="2893100"/>
           </a:xfrm>
           <a:prstGeom prst="rect">
             <a:avLst/>
@@ -4969,32 +4722,211 @@
           <a:lstStyle/>
           <a:p>
             <a:r>
-              <a:rPr lang="en-US" sz="1400" b="1" dirty="0" err="1" smtClean="0"/>
-              <a:t>Heatmap</a:t>
-            </a:r>
-            <a:r>
               <a:rPr lang="en-US" sz="1400" b="1" dirty="0" smtClean="0"/>
-              <a:t> Pipeline</a:t>
-            </a:r>
-            <a:r>
-              <a:rPr lang="en-US" sz="1400" dirty="0" smtClean="0"/>
-              <a:t>: </a:t>
-            </a:r>
+              <a:t>Event / MEF Pipeline: </a:t>
+            </a:r>
+            <a:r>
+              <a:rPr lang="en-US" sz="1400" dirty="0"/>
+              <a:t>report2events </a:t>
+            </a:r>
+            <a:r>
+              <a:rPr lang="en-US" sz="1400" dirty="0" smtClean="0"/>
+              <a:t>-</a:t>
+            </a:r>
+            <a:r>
+              <a:rPr lang="en-US" sz="1400" dirty="0"/>
+              <a:t>&gt; </a:t>
+            </a:r>
+            <a:r>
+              <a:rPr lang="en-US" sz="1400" dirty="0" err="1"/>
+              <a:t>mef_finder</a:t>
+            </a:r>
+            <a:r>
+              <a:rPr lang="en-US" sz="1400" dirty="0"/>
+              <a:t> -&gt; </a:t>
+            </a:r>
+            <a:r>
+              <a:rPr lang="en-US" sz="1400" dirty="0" err="1" smtClean="0"/>
+              <a:t>mef_copy</a:t>
+            </a:r>
+            <a:r>
+              <a:rPr lang="en-US" sz="1400" b="1" dirty="0" smtClean="0"/>
+              <a:t> </a:t>
+            </a:r>
+            <a:r>
+              <a:rPr lang="en-US" sz="1400" dirty="0" smtClean="0"/>
+              <a:t>-&gt; </a:t>
+            </a:r>
+            <a:r>
+              <a:rPr lang="en-US" sz="1400" b="1" dirty="0" smtClean="0"/>
+              <a:t>mef2eeg</a:t>
+            </a:r>
+            <a:endParaRPr lang="en-US" sz="1400" b="1" dirty="0"/>
+          </a:p>
+          <a:p>
+            <a:endParaRPr lang="en-US" sz="1400" dirty="0" smtClean="0"/>
+          </a:p>
+          <a:p>
             <a:r>
               <a:rPr lang="en-US" sz="1400" dirty="0" smtClean="0">
                 <a:latin typeface="Andale Mono"/>
                 <a:cs typeface="Andale Mono"/>
               </a:rPr>
-              <a:t>eeg2fsv -&gt; </a:t>
+              <a:t>mef2eeg</a:t>
+            </a:r>
+            <a:endParaRPr lang="en-US" sz="1400" dirty="0" smtClean="0"/>
+          </a:p>
+          <a:p>
+            <a:endParaRPr lang="en-US" sz="1400" dirty="0" smtClean="0"/>
+          </a:p>
+          <a:p>
+            <a:r>
+              <a:rPr lang="en-US" sz="1400" dirty="0" smtClean="0"/>
+              <a:t>Given </a:t>
+            </a:r>
+            <a:r>
+              <a:rPr lang="en-US" sz="1400" dirty="0"/>
+              <a:t>a collection of MEF files and the </a:t>
+            </a:r>
+            <a:r>
+              <a:rPr lang="en-US" sz="1400" dirty="0" err="1"/>
+              <a:t>PatientID</a:t>
+            </a:r>
+            <a:r>
+              <a:rPr lang="en-US" sz="1400" dirty="0"/>
+              <a:t>:</a:t>
+            </a:r>
+          </a:p>
+          <a:p>
+            <a:endParaRPr lang="en-US" sz="1400" dirty="0"/>
+          </a:p>
+          <a:p>
+            <a:r>
+              <a:rPr lang="en-US" sz="1400" dirty="0" smtClean="0"/>
+              <a:t>For </a:t>
+            </a:r>
+            <a:r>
+              <a:rPr lang="en-US" sz="1400" dirty="0"/>
+              <a:t>each </a:t>
+            </a:r>
+            <a:r>
+              <a:rPr lang="en-US" sz="1400" dirty="0" err="1"/>
+              <a:t>mef</a:t>
+            </a:r>
+            <a:r>
+              <a:rPr lang="en-US" sz="1400" dirty="0"/>
+              <a:t> file, apply the following tools in parallel:</a:t>
+            </a:r>
+          </a:p>
+          <a:p>
+            <a:endParaRPr lang="en-US" sz="1400" dirty="0"/>
+          </a:p>
+          <a:p>
+            <a:r>
+              <a:rPr lang="en-US" sz="1400" dirty="0"/>
+              <a:t>        </a:t>
+            </a:r>
+            <a:r>
+              <a:rPr lang="en-US" sz="1400" dirty="0" err="1">
+                <a:latin typeface="Andale Mono"/>
+                <a:cs typeface="Andale Mono"/>
+              </a:rPr>
+              <a:t>read_mef_header</a:t>
+            </a:r>
+            <a:r>
+              <a:rPr lang="en-US" sz="1400" dirty="0"/>
+              <a:t>: save the header info to use as channel metadata (`</a:t>
+            </a:r>
+            <a:r>
+              <a:rPr lang="en-US" sz="1400" dirty="0" err="1"/>
+              <a:t>mef_lib</a:t>
+            </a:r>
+            <a:r>
+              <a:rPr lang="en-US" sz="1400" dirty="0"/>
+              <a:t>`)</a:t>
+            </a:r>
+          </a:p>
+          <a:p>
+            <a:r>
+              <a:rPr lang="en-US" sz="1400" dirty="0"/>
+              <a:t>        </a:t>
             </a:r>
             <a:r>
               <a:rPr lang="en-US" sz="1400" dirty="0">
                 <a:latin typeface="Andale Mono"/>
                 <a:cs typeface="Andale Mono"/>
               </a:rPr>
-              <a:t>fsv2heatmap</a:t>
-            </a:r>
-            <a:endParaRPr lang="en-US" sz="1400" dirty="0" smtClean="0"/>
+              <a:t>mef2ascii</a:t>
+            </a:r>
+            <a:r>
+              <a:rPr lang="en-US" sz="1400" dirty="0"/>
+              <a:t>: </a:t>
+            </a:r>
+            <a:r>
+              <a:rPr lang="en-US" sz="1400" dirty="0" err="1"/>
+              <a:t>uncompress</a:t>
+            </a:r>
+            <a:r>
+              <a:rPr lang="en-US" sz="1400" dirty="0"/>
+              <a:t> the channel readings to 32-bit </a:t>
+            </a:r>
+            <a:r>
+              <a:rPr lang="en-US" sz="1400" dirty="0" err="1"/>
+              <a:t>ascii</a:t>
+            </a:r>
+            <a:r>
+              <a:rPr lang="en-US" sz="1400" dirty="0"/>
+              <a:t> </a:t>
+            </a:r>
+            <a:r>
+              <a:rPr lang="en-US" sz="1400" dirty="0" err="1"/>
+              <a:t>ints</a:t>
+            </a:r>
+            <a:r>
+              <a:rPr lang="en-US" sz="1400" dirty="0"/>
+              <a:t> (`</a:t>
+            </a:r>
+            <a:r>
+              <a:rPr lang="en-US" sz="1400" dirty="0" err="1"/>
+              <a:t>mef_lib</a:t>
+            </a:r>
+            <a:r>
+              <a:rPr lang="en-US" sz="1400" dirty="0"/>
+              <a:t>`)</a:t>
+            </a:r>
+          </a:p>
+          <a:p>
+            <a:r>
+              <a:rPr lang="en-US" sz="1400" dirty="0"/>
+              <a:t>        </a:t>
+            </a:r>
+            <a:r>
+              <a:rPr lang="en-US" sz="1400" dirty="0" err="1">
+                <a:latin typeface="Andale Mono"/>
+                <a:cs typeface="Andale Mono"/>
+              </a:rPr>
+              <a:t>check_mef_ascii</a:t>
+            </a:r>
+            <a:r>
+              <a:rPr lang="en-US" sz="1400" dirty="0"/>
+              <a:t>: run validations against the </a:t>
+            </a:r>
+            <a:r>
+              <a:rPr lang="en-US" sz="1400" dirty="0" err="1"/>
+              <a:t>ascii</a:t>
+            </a:r>
+            <a:r>
+              <a:rPr lang="en-US" sz="1400" dirty="0"/>
+              <a:t> values using the header results (`</a:t>
+            </a:r>
+            <a:r>
+              <a:rPr lang="en-US" sz="1400" dirty="0" err="1"/>
+              <a:t>lein</a:t>
+            </a:r>
+            <a:r>
+              <a:rPr lang="en-US" sz="1400" dirty="0"/>
+              <a:t>-exec`)</a:t>
+            </a:r>
           </a:p>
           <a:p>
             <a:endParaRPr lang="en-US" sz="1400" dirty="0"/>
@@ -5002,200 +4934,69 @@
           <a:p>
             <a:r>
               <a:rPr lang="en-US" sz="1400" dirty="0"/>
-              <a:t>    • </a:t>
-            </a:r>
-            <a:r>
-              <a:rPr lang="en-US" sz="1400" dirty="0" smtClean="0">
+              <a:t>        Finally, </a:t>
+            </a:r>
+            <a:r>
+              <a:rPr lang="en-US" sz="1400" dirty="0">
+                <a:latin typeface="Andale Mono"/>
+                <a:cs typeface="Andale Mono"/>
+              </a:rPr>
+              <a:t>ascii2eeg</a:t>
+            </a:r>
+            <a:r>
+              <a:rPr lang="en-US" sz="1400" dirty="0"/>
+              <a:t> to convert the </a:t>
+            </a:r>
+            <a:r>
+              <a:rPr lang="en-US" sz="1400" dirty="0" err="1"/>
+              <a:t>ascii</a:t>
+            </a:r>
+            <a:r>
+              <a:rPr lang="en-US" sz="1400" dirty="0"/>
+              <a:t> </a:t>
+            </a:r>
+            <a:r>
+              <a:rPr lang="en-US" sz="1400" dirty="0" err="1"/>
+              <a:t>ints</a:t>
+            </a:r>
+            <a:r>
+              <a:rPr lang="en-US" sz="1400" dirty="0"/>
+              <a:t> to the </a:t>
+            </a:r>
+            <a:r>
+              <a:rPr lang="en-US" sz="1400" dirty="0" err="1"/>
+              <a:t>eeg</a:t>
+            </a:r>
+            <a:r>
+              <a:rPr lang="en-US" sz="1400" dirty="0"/>
+              <a:t> format </a:t>
+            </a:r>
+            <a:r>
+              <a:rPr lang="en-US" sz="1400" dirty="0">
                 <a:latin typeface="Andale Mono"/>
                 <a:cs typeface="Andale Mono"/>
               </a:rPr>
               <a:t>eeg2fsv</a:t>
             </a:r>
             <a:r>
-              <a:rPr lang="en-US" sz="1400" dirty="0" smtClean="0"/>
-              <a:t>: </a:t>
-            </a:r>
-            <a:r>
-              <a:rPr lang="en-US" sz="1400" dirty="0"/>
-              <a:t>Creates first singular </a:t>
-            </a:r>
-            <a:r>
-              <a:rPr lang="en-US" sz="1400" dirty="0" smtClean="0"/>
-              <a:t>vectors of </a:t>
-            </a:r>
-            <a:r>
-              <a:rPr lang="en-US" sz="1400" dirty="0"/>
-              <a:t>each seizure event for each patient.</a:t>
-            </a:r>
-          </a:p>
-          <a:p>
-            <a:endParaRPr lang="en-US" sz="1400" dirty="0"/>
-          </a:p>
-          <a:p>
-            <a:r>
-              <a:rPr lang="en-US" sz="1400" dirty="0"/>
-              <a:t>    • </a:t>
-            </a:r>
-            <a:r>
-              <a:rPr lang="en-US" sz="1400" dirty="0" smtClean="0">
-                <a:latin typeface="Andale Mono"/>
-                <a:cs typeface="Andale Mono"/>
-              </a:rPr>
-              <a:t>fsv2heatmap</a:t>
-            </a:r>
-            <a:r>
-              <a:rPr lang="en-US" sz="1400" dirty="0" smtClean="0"/>
-              <a:t>: </a:t>
-            </a:r>
-            <a:r>
-              <a:rPr lang="en-US" sz="1400" dirty="0"/>
-              <a:t>Saves labels, weights, and colors in CSV format given the patient </a:t>
+              <a:rPr lang="en-US" sz="1400" dirty="0"/>
+              <a:t> expects (`</a:t>
             </a:r>
             <a:r>
               <a:rPr lang="en-US" sz="1400" dirty="0" err="1"/>
-              <a:t>fsv</a:t>
-            </a:r>
-            <a:r>
-              <a:rPr lang="en-US" sz="1400" dirty="0"/>
-              <a:t> and </a:t>
-            </a:r>
-            <a:endParaRPr lang="en-US" sz="1400" dirty="0" smtClean="0"/>
-          </a:p>
-          <a:p>
-            <a:r>
-              <a:rPr lang="en-US" sz="1400" dirty="0"/>
-              <a:t> </a:t>
-            </a:r>
-            <a:r>
-              <a:rPr lang="en-US" sz="1400" dirty="0" smtClean="0"/>
-              <a:t>       </a:t>
-            </a:r>
-            <a:r>
-              <a:rPr lang="en-US" sz="1400" dirty="0" err="1" smtClean="0"/>
-              <a:t>pcspace</a:t>
-            </a:r>
-            <a:r>
-              <a:rPr lang="en-US" sz="1400" dirty="0" smtClean="0"/>
-              <a:t> </a:t>
-            </a:r>
-            <a:r>
-              <a:rPr lang="en-US" sz="1400" dirty="0"/>
-              <a:t>inputs</a:t>
-            </a:r>
-            <a:r>
-              <a:rPr lang="en-US" sz="1400" dirty="0" smtClean="0"/>
-              <a:t>.</a:t>
-            </a:r>
-          </a:p>
-          <a:p>
-            <a:r>
-              <a:rPr lang="en-US" sz="1400" dirty="0"/>
-              <a:t> </a:t>
-            </a:r>
-            <a:r>
-              <a:rPr lang="en-US" sz="1400" dirty="0" smtClean="0"/>
-              <a:t>           • QA: We can look at the signatures for each electrode to identify curve associated with hot regions.</a:t>
-            </a:r>
-            <a:endParaRPr lang="en-US" sz="1400" dirty="0"/>
-          </a:p>
-          <a:p>
-            <a:endParaRPr lang="en-US" sz="1400" dirty="0"/>
-          </a:p>
-          <a:p>
-            <a:r>
-              <a:rPr lang="en-US" sz="1400" dirty="0"/>
-              <a:t>    • </a:t>
-            </a:r>
-            <a:r>
-              <a:rPr lang="en-US" sz="1400" dirty="0" smtClean="0">
-                <a:latin typeface="Andale Mono"/>
-                <a:cs typeface="Andale Mono"/>
-              </a:rPr>
-              <a:t>heatmap2jpeg (optional)</a:t>
-            </a:r>
-            <a:r>
-              <a:rPr lang="en-US" sz="1400" dirty="0" smtClean="0"/>
-              <a:t>: Uses </a:t>
-            </a:r>
-            <a:r>
-              <a:rPr lang="en-US" sz="1400" dirty="0" err="1" smtClean="0"/>
-              <a:t>PhantomJS</a:t>
-            </a:r>
-            <a:r>
-              <a:rPr lang="en-US" sz="1400" dirty="0" smtClean="0"/>
-              <a:t> to </a:t>
-            </a:r>
-            <a:r>
-              <a:rPr lang="en-US" sz="1400" dirty="0"/>
-              <a:t>render an image suitable for </a:t>
-            </a:r>
-            <a:r>
-              <a:rPr lang="en-US" sz="1400" dirty="0" smtClean="0"/>
-              <a:t>import into </a:t>
-            </a:r>
-            <a:r>
-              <a:rPr lang="en-US" sz="1400" dirty="0"/>
-              <a:t>the </a:t>
-            </a:r>
-            <a:endParaRPr lang="en-US" sz="1400" dirty="0" smtClean="0"/>
-          </a:p>
-          <a:p>
-            <a:r>
-              <a:rPr lang="en-US" sz="1400" dirty="0"/>
-              <a:t> </a:t>
-            </a:r>
-            <a:r>
-              <a:rPr lang="en-US" sz="1400" dirty="0" smtClean="0"/>
-              <a:t>      slide </a:t>
-            </a:r>
-            <a:r>
-              <a:rPr lang="en-US" sz="1400" dirty="0"/>
-              <a:t>deck to use </a:t>
-            </a:r>
-            <a:r>
-              <a:rPr lang="en-US" sz="1400" dirty="0" smtClean="0"/>
-              <a:t>in </a:t>
-            </a:r>
-            <a:r>
-              <a:rPr lang="en-US" sz="1400" dirty="0"/>
-              <a:t>Grand Rounds</a:t>
-            </a:r>
-            <a:r>
-              <a:rPr lang="en-US" sz="1400" dirty="0" smtClean="0"/>
-              <a:t>.</a:t>
-            </a:r>
-          </a:p>
-          <a:p>
-            <a:r>
-              <a:rPr lang="en-US" sz="1400" dirty="0"/>
-              <a:t> </a:t>
-            </a:r>
-            <a:r>
-              <a:rPr lang="en-US" sz="1400" dirty="0" smtClean="0"/>
-              <a:t>  	- optional if a student is going to manually create the </a:t>
-            </a:r>
-            <a:r>
-              <a:rPr lang="en-US" sz="1400" dirty="0" err="1" smtClean="0"/>
-              <a:t>heatmap</a:t>
-            </a:r>
-            <a:r>
-              <a:rPr lang="en-US" sz="1400" dirty="0" smtClean="0"/>
-              <a:t> on a 3D reconstruction from the</a:t>
-            </a:r>
-          </a:p>
-          <a:p>
-            <a:r>
-              <a:rPr lang="en-US" sz="1400" dirty="0" smtClean="0"/>
-              <a:t> 	  CSV outputs</a:t>
-            </a:r>
-            <a:endParaRPr lang="en-US" sz="1400" dirty="0"/>
+              <a:t>lein</a:t>
+            </a:r>
+            <a:r>
+              <a:rPr lang="en-US" sz="1400" dirty="0"/>
+              <a:t>-exec`).</a:t>
+            </a:r>
           </a:p>
         </p:txBody>
       </p:sp>
     </p:spTree>
     <p:extLst>
       <p:ext uri="{BB962C8B-B14F-4D97-AF65-F5344CB8AC3E}">
-        <p14:creationId xmlns:p14="http://schemas.microsoft.com/office/powerpoint/2010/main" val="1632517070"/>
+        <p14:creationId xmlns:p14="http://schemas.microsoft.com/office/powerpoint/2010/main" val="1115193776"/>
       </p:ext>
     </p:extLst>
   </p:cSld>
@@ -5205,7 +5006,7 @@
   <p:timing>
     <p:tnLst>
       <p:par>
-        <p:cTn xmlns:p14="http://schemas.microsoft.com/office/powerpoint/2010/main" id="1" dur="indefinite" restart="never" nodeType="tmRoot"/>
+        <p:cTn id="1" dur="indefinite" restart="never" nodeType="tmRoot"/>
       </p:par>
     </p:tnLst>
   </p:timing>
@@ -5261,8 +5062,8 @@
         </p:nvSpPr>
         <p:spPr>
           <a:xfrm>
-            <a:off x="1447800" y="2895600"/>
-            <a:ext cx="6705600" cy="646331"/>
+            <a:off x="27057" y="152401"/>
+            <a:ext cx="8659744" cy="2677656"/>
           </a:xfrm>
           <a:prstGeom prst="rect">
             <a:avLst/>
@@ -5276,20 +5077,233 @@
           <a:lstStyle/>
           <a:p>
             <a:r>
-              <a:rPr lang="en-US" b="1" dirty="0" smtClean="0"/>
-              <a:t>Hosting / Installation</a:t>
-            </a:r>
-            <a:endParaRPr lang="en-US" b="1" dirty="0"/>
-          </a:p>
-          <a:p>
-            <a:endParaRPr lang="en-US" dirty="0"/>
+              <a:rPr lang="en-US" sz="1400" b="1" dirty="0" err="1" smtClean="0"/>
+              <a:t>Heatmap</a:t>
+            </a:r>
+            <a:r>
+              <a:rPr lang="en-US" sz="1400" b="1" dirty="0" smtClean="0"/>
+              <a:t> Pipeline</a:t>
+            </a:r>
+            <a:r>
+              <a:rPr lang="en-US" sz="1400" dirty="0" smtClean="0"/>
+              <a:t>: </a:t>
+            </a:r>
+            <a:r>
+              <a:rPr lang="en-US" sz="1400" dirty="0" smtClean="0">
+                <a:latin typeface="Andale Mono"/>
+                <a:cs typeface="Andale Mono"/>
+              </a:rPr>
+              <a:t>eeg2fsv -&gt; </a:t>
+            </a:r>
+            <a:r>
+              <a:rPr lang="en-US" sz="1400" dirty="0">
+                <a:latin typeface="Andale Mono"/>
+                <a:cs typeface="Andale Mono"/>
+              </a:rPr>
+              <a:t>fsv2heatmap</a:t>
+            </a:r>
+            <a:endParaRPr lang="en-US" sz="1400" dirty="0" smtClean="0"/>
+          </a:p>
+          <a:p>
+            <a:endParaRPr lang="en-US" sz="1400" dirty="0"/>
+          </a:p>
+          <a:p>
+            <a:r>
+              <a:rPr lang="en-US" sz="1400" dirty="0"/>
+              <a:t>    • </a:t>
+            </a:r>
+            <a:r>
+              <a:rPr lang="en-US" sz="1400" dirty="0" smtClean="0">
+                <a:latin typeface="Andale Mono"/>
+                <a:cs typeface="Andale Mono"/>
+              </a:rPr>
+              <a:t>eeg2fsv</a:t>
+            </a:r>
+            <a:r>
+              <a:rPr lang="en-US" sz="1400" dirty="0" smtClean="0"/>
+              <a:t>: </a:t>
+            </a:r>
+            <a:r>
+              <a:rPr lang="en-US" sz="1400" dirty="0"/>
+              <a:t>Creates first singular </a:t>
+            </a:r>
+            <a:r>
+              <a:rPr lang="en-US" sz="1400" dirty="0" smtClean="0"/>
+              <a:t>vectors of </a:t>
+            </a:r>
+            <a:r>
+              <a:rPr lang="en-US" sz="1400" dirty="0"/>
+              <a:t>each seizure event for each patient.</a:t>
+            </a:r>
+          </a:p>
+          <a:p>
+            <a:endParaRPr lang="en-US" sz="1400" dirty="0"/>
+          </a:p>
+          <a:p>
+            <a:r>
+              <a:rPr lang="en-US" sz="1400" dirty="0"/>
+              <a:t>    • </a:t>
+            </a:r>
+            <a:r>
+              <a:rPr lang="en-US" sz="1400" dirty="0" smtClean="0">
+                <a:latin typeface="Andale Mono"/>
+                <a:cs typeface="Andale Mono"/>
+              </a:rPr>
+              <a:t>fsv2heatmap</a:t>
+            </a:r>
+            <a:r>
+              <a:rPr lang="en-US" sz="1400" dirty="0" smtClean="0"/>
+              <a:t>: </a:t>
+            </a:r>
+            <a:r>
+              <a:rPr lang="en-US" sz="1400" dirty="0"/>
+              <a:t>Saves labels, weights, and colors in CSV format given the patient </a:t>
+            </a:r>
+            <a:r>
+              <a:rPr lang="en-US" sz="1400" dirty="0" err="1"/>
+              <a:t>fsv</a:t>
+            </a:r>
+            <a:r>
+              <a:rPr lang="en-US" sz="1400" dirty="0"/>
+              <a:t> and </a:t>
+            </a:r>
+            <a:endParaRPr lang="en-US" sz="1400" dirty="0" smtClean="0"/>
+          </a:p>
+          <a:p>
+            <a:r>
+              <a:rPr lang="en-US" sz="1400" dirty="0"/>
+              <a:t> </a:t>
+            </a:r>
+            <a:r>
+              <a:rPr lang="en-US" sz="1400" dirty="0" smtClean="0"/>
+              <a:t>       </a:t>
+            </a:r>
+            <a:r>
+              <a:rPr lang="en-US" sz="1400" dirty="0" err="1" smtClean="0"/>
+              <a:t>pcspace</a:t>
+            </a:r>
+            <a:r>
+              <a:rPr lang="en-US" sz="1400" dirty="0" smtClean="0"/>
+              <a:t> </a:t>
+            </a:r>
+            <a:r>
+              <a:rPr lang="en-US" sz="1400" dirty="0"/>
+              <a:t>inputs</a:t>
+            </a:r>
+            <a:r>
+              <a:rPr lang="en-US" sz="1400" dirty="0" smtClean="0"/>
+              <a:t>.</a:t>
+            </a:r>
+          </a:p>
+          <a:p>
+            <a:r>
+              <a:rPr lang="en-US" sz="1400" dirty="0"/>
+              <a:t> </a:t>
+            </a:r>
+            <a:r>
+              <a:rPr lang="en-US" sz="1400" dirty="0" smtClean="0"/>
+              <a:t>           • QA: We can look at the signatures for each electrode to identify curve associated with hot regions.</a:t>
+            </a:r>
+            <a:endParaRPr lang="en-US" sz="1400" dirty="0"/>
+          </a:p>
+          <a:p>
+            <a:endParaRPr lang="en-US" sz="1400" dirty="0"/>
+          </a:p>
+          <a:p>
+            <a:r>
+              <a:rPr lang="en-US" sz="1400" dirty="0"/>
+              <a:t>    • </a:t>
+            </a:r>
+            <a:r>
+              <a:rPr lang="en-US" sz="1400" dirty="0" smtClean="0">
+                <a:latin typeface="Andale Mono"/>
+                <a:cs typeface="Andale Mono"/>
+              </a:rPr>
+              <a:t>heatmap2jpeg (optional)</a:t>
+            </a:r>
+            <a:r>
+              <a:rPr lang="en-US" sz="1400" dirty="0" smtClean="0"/>
+              <a:t>: Uses </a:t>
+            </a:r>
+            <a:r>
+              <a:rPr lang="en-US" sz="1400" dirty="0" err="1" smtClean="0"/>
+              <a:t>PhantomJS</a:t>
+            </a:r>
+            <a:r>
+              <a:rPr lang="en-US" sz="1400" dirty="0" smtClean="0"/>
+              <a:t> to </a:t>
+            </a:r>
+            <a:r>
+              <a:rPr lang="en-US" sz="1400" dirty="0"/>
+              <a:t>render an image suitable for </a:t>
+            </a:r>
+            <a:r>
+              <a:rPr lang="en-US" sz="1400" dirty="0" smtClean="0"/>
+              <a:t>import into </a:t>
+            </a:r>
+            <a:r>
+              <a:rPr lang="en-US" sz="1400" dirty="0"/>
+              <a:t>the </a:t>
+            </a:r>
+            <a:endParaRPr lang="en-US" sz="1400" dirty="0" smtClean="0"/>
+          </a:p>
+          <a:p>
+            <a:r>
+              <a:rPr lang="en-US" sz="1400" dirty="0"/>
+              <a:t> </a:t>
+            </a:r>
+            <a:r>
+              <a:rPr lang="en-US" sz="1400" dirty="0" smtClean="0"/>
+              <a:t>      slide </a:t>
+            </a:r>
+            <a:r>
+              <a:rPr lang="en-US" sz="1400" dirty="0"/>
+              <a:t>deck to use </a:t>
+            </a:r>
+            <a:r>
+              <a:rPr lang="en-US" sz="1400" dirty="0" smtClean="0"/>
+              <a:t>in </a:t>
+            </a:r>
+            <a:r>
+              <a:rPr lang="en-US" sz="1400" dirty="0"/>
+              <a:t>Grand Rounds</a:t>
+            </a:r>
+            <a:r>
+              <a:rPr lang="en-US" sz="1400" dirty="0" smtClean="0"/>
+              <a:t>.</a:t>
+            </a:r>
+          </a:p>
+          <a:p>
+            <a:r>
+              <a:rPr lang="en-US" sz="1400" dirty="0"/>
+              <a:t> </a:t>
+            </a:r>
+            <a:r>
+              <a:rPr lang="en-US" sz="1400" dirty="0" smtClean="0"/>
+              <a:t>  	- optional if a student is going to manually create the </a:t>
+            </a:r>
+            <a:r>
+              <a:rPr lang="en-US" sz="1400" dirty="0" err="1" smtClean="0"/>
+              <a:t>heatmap</a:t>
+            </a:r>
+            <a:r>
+              <a:rPr lang="en-US" sz="1400" dirty="0" smtClean="0"/>
+              <a:t> on a 3D reconstruction from the</a:t>
+            </a:r>
+          </a:p>
+          <a:p>
+            <a:r>
+              <a:rPr lang="en-US" sz="1400" dirty="0" smtClean="0"/>
+              <a:t> 	  CSV outputs</a:t>
+            </a:r>
+            <a:endParaRPr lang="en-US" sz="1400" dirty="0"/>
           </a:p>
         </p:txBody>
       </p:sp>
     </p:spTree>
     <p:extLst>
       <p:ext uri="{BB962C8B-B14F-4D97-AF65-F5344CB8AC3E}">
-        <p14:creationId xmlns:p14="http://schemas.microsoft.com/office/powerpoint/2010/main" val="2148956119"/>
+        <p14:creationId xmlns:p14="http://schemas.microsoft.com/office/powerpoint/2010/main" val="1632517070"/>
       </p:ext>
     </p:extLst>
   </p:cSld>
@@ -5299,7 +5313,7 @@
   <p:timing>
     <p:tnLst>
       <p:par>
-        <p:cTn xmlns:p14="http://schemas.microsoft.com/office/powerpoint/2010/main" id="1" dur="indefinite" restart="never" nodeType="tmRoot"/>
+        <p:cTn id="1" dur="indefinite" restart="never" nodeType="tmRoot"/>
       </p:par>
     </p:tnLst>
   </p:timing>
@@ -5355,8 +5369,8 @@
         </p:nvSpPr>
         <p:spPr>
           <a:xfrm>
-            <a:off x="304800" y="228600"/>
-            <a:ext cx="8659744" cy="3108544"/>
+            <a:off x="1447800" y="2895600"/>
+            <a:ext cx="6705600" cy="646331"/>
           </a:xfrm>
           <a:prstGeom prst="rect">
             <a:avLst/>
@@ -5370,129 +5384,20 @@
           <a:lstStyle/>
           <a:p>
             <a:r>
-              <a:rPr lang="en-US" sz="1400" b="1" dirty="0" smtClean="0"/>
-              <a:t>Hosting for v0.0.1 </a:t>
-            </a:r>
-            <a:endParaRPr lang="en-US" sz="1400" b="1" dirty="0"/>
-          </a:p>
-          <a:p>
-            <a:endParaRPr lang="en-US" sz="1400" b="1" dirty="0"/>
-          </a:p>
-          <a:p>
-            <a:r>
-              <a:rPr lang="en-US" sz="1400" dirty="0" smtClean="0"/>
-              <a:t>For the first iteration, an on-</a:t>
-            </a:r>
-            <a:r>
-              <a:rPr lang="en-US" sz="1400" dirty="0" err="1" smtClean="0"/>
-              <a:t>prem</a:t>
-            </a:r>
-            <a:r>
-              <a:rPr lang="en-US" sz="1400" dirty="0" smtClean="0"/>
-              <a:t> hosting model makes the most sense given the need to find MEF files on Christophe’s file server. We can start with an </a:t>
-            </a:r>
-            <a:r>
-              <a:rPr lang="en-US" sz="1400" dirty="0"/>
-              <a:t>Ubuntu </a:t>
-            </a:r>
-            <a:r>
-              <a:rPr lang="en-US" sz="1400" dirty="0" smtClean="0"/>
-              <a:t>laptop running </a:t>
-            </a:r>
-            <a:r>
-              <a:rPr lang="en-US" sz="1400" dirty="0"/>
-              <a:t>in the EMU Control </a:t>
-            </a:r>
-            <a:r>
-              <a:rPr lang="en-US" sz="1400" dirty="0" smtClean="0"/>
-              <a:t>Room, e.g. Lenovo X1 Carbon.</a:t>
-            </a:r>
-          </a:p>
-          <a:p>
-            <a:endParaRPr lang="en-US" sz="1400" dirty="0" smtClean="0"/>
-          </a:p>
-          <a:p>
-            <a:r>
-              <a:rPr lang="en-US" sz="1400" dirty="0" smtClean="0"/>
-              <a:t>• All scripts and </a:t>
-            </a:r>
-            <a:r>
-              <a:rPr lang="en-US" sz="1400" dirty="0" err="1" smtClean="0"/>
-              <a:t>executables</a:t>
-            </a:r>
-            <a:r>
-              <a:rPr lang="en-US" sz="1400" dirty="0" smtClean="0"/>
-              <a:t> will be on the machine when delivered.</a:t>
-            </a:r>
-          </a:p>
-          <a:p>
-            <a:r>
-              <a:rPr lang="en-US" sz="1400" dirty="0" smtClean="0"/>
-              <a:t>• </a:t>
-            </a:r>
-            <a:r>
-              <a:rPr lang="en-US" sz="1400" dirty="0" err="1" smtClean="0"/>
-              <a:t>Matlab</a:t>
-            </a:r>
-            <a:r>
-              <a:rPr lang="en-US" sz="1400" dirty="0" smtClean="0"/>
-              <a:t> components will be precompiled and run through the </a:t>
-            </a:r>
-            <a:r>
-              <a:rPr lang="en-US" sz="1400" dirty="0" err="1" smtClean="0"/>
-              <a:t>Matlab</a:t>
-            </a:r>
-            <a:r>
-              <a:rPr lang="en-US" sz="1400" dirty="0" smtClean="0"/>
-              <a:t> runtime. </a:t>
-            </a:r>
-            <a:r>
-              <a:rPr lang="en-US" sz="1400" dirty="0" err="1" smtClean="0"/>
-              <a:t>Matlab</a:t>
-            </a:r>
-            <a:r>
-              <a:rPr lang="en-US" sz="1400" dirty="0" smtClean="0"/>
-              <a:t> + license will not be needed on the laptop.</a:t>
-            </a:r>
-          </a:p>
-          <a:p>
-            <a:r>
-              <a:rPr lang="en-US" sz="1400" dirty="0" smtClean="0"/>
-              <a:t>• Files to be transferred via </a:t>
-            </a:r>
-            <a:r>
-              <a:rPr lang="en-US" sz="1400" dirty="0" err="1" smtClean="0"/>
-              <a:t>scp</a:t>
-            </a:r>
-            <a:r>
-              <a:rPr lang="en-US" sz="1400" dirty="0" smtClean="0"/>
-              <a:t>, USB, or shared network drives.</a:t>
-            </a:r>
-          </a:p>
-          <a:p>
-            <a:r>
-              <a:rPr lang="en-US" sz="1400" dirty="0" smtClean="0"/>
-              <a:t>• Login will be a shared account for the EMU control room.</a:t>
-            </a:r>
-          </a:p>
-          <a:p>
-            <a:r>
-              <a:rPr lang="en-US" sz="1400" dirty="0" smtClean="0"/>
-              <a:t> </a:t>
-            </a:r>
-          </a:p>
-          <a:p>
-            <a:r>
-              <a:rPr lang="en-US" sz="1400" dirty="0" smtClean="0"/>
-              <a:t>Once we verify that this part of the system is correct, providing a web-based UI running on the same server is relatively easy.</a:t>
-            </a:r>
+              <a:rPr lang="en-US" b="1" dirty="0" smtClean="0"/>
+              <a:t>Hosting / Installation</a:t>
+            </a:r>
+            <a:endParaRPr lang="en-US" b="1" dirty="0"/>
+          </a:p>
+          <a:p>
+            <a:endParaRPr lang="en-US" dirty="0"/>
           </a:p>
         </p:txBody>
       </p:sp>
     </p:spTree>
     <p:extLst>
       <p:ext uri="{BB962C8B-B14F-4D97-AF65-F5344CB8AC3E}">
-        <p14:creationId xmlns:p14="http://schemas.microsoft.com/office/powerpoint/2010/main" val="176636782"/>
+        <p14:creationId xmlns:p14="http://schemas.microsoft.com/office/powerpoint/2010/main" val="2148956119"/>
       </p:ext>
     </p:extLst>
   </p:cSld>
@@ -5502,7 +5407,7 @@
   <p:timing>
     <p:tnLst>
       <p:par>
-        <p:cTn xmlns:p14="http://schemas.microsoft.com/office/powerpoint/2010/main" id="1" dur="indefinite" restart="never" nodeType="tmRoot"/>
+        <p:cTn id="1" dur="indefinite" restart="never" nodeType="tmRoot"/>
       </p:par>
     </p:tnLst>
   </p:timing>
@@ -5558,8 +5463,8 @@
         </p:nvSpPr>
         <p:spPr>
           <a:xfrm>
-            <a:off x="228600" y="304800"/>
-            <a:ext cx="8153400" cy="1815882"/>
+            <a:off x="304800" y="228600"/>
+            <a:ext cx="8659744" cy="3108544"/>
           </a:xfrm>
           <a:prstGeom prst="rect">
             <a:avLst/>
@@ -5574,46 +5479,128 @@
           <a:p>
             <a:r>
               <a:rPr lang="en-US" sz="1400" b="1" dirty="0" smtClean="0"/>
-              <a:t>Data Retention Policy</a:t>
+              <a:t>Hosting for v0.0.1 </a:t>
             </a:r>
             <a:endParaRPr lang="en-US" sz="1400" b="1" dirty="0"/>
           </a:p>
           <a:p>
-            <a:endParaRPr lang="en-US" sz="1400" dirty="0"/>
-          </a:p>
-          <a:p>
+            <a:endParaRPr lang="en-US" sz="1400" b="1" dirty="0"/>
+          </a:p>
+          <a:p>
+            <a:r>
+              <a:rPr lang="en-US" sz="1400" dirty="0" smtClean="0"/>
+              <a:t>For the first iteration, an on-</a:t>
+            </a:r>
             <a:r>
               <a:rPr lang="en-US" sz="1400" dirty="0" err="1" smtClean="0"/>
-              <a:t>EZTrack</a:t>
-            </a:r>
-            <a:r>
-              <a:rPr lang="en-US" sz="1400" dirty="0" smtClean="0"/>
-              <a:t> produces several large intermediate files in the course of producing the </a:t>
+              <a:t>prem</a:t>
+            </a:r>
+            <a:r>
+              <a:rPr lang="en-US" sz="1400" dirty="0" smtClean="0"/>
+              <a:t> hosting model makes the most sense given the need to find MEF files on Christophe’s file server. We can start with an </a:t>
+            </a:r>
+            <a:r>
+              <a:rPr lang="en-US" sz="1400" dirty="0"/>
+              <a:t>Ubuntu </a:t>
+            </a:r>
+            <a:r>
+              <a:rPr lang="en-US" sz="1400" dirty="0" smtClean="0"/>
+              <a:t>laptop running </a:t>
+            </a:r>
+            <a:r>
+              <a:rPr lang="en-US" sz="1400" dirty="0"/>
+              <a:t>in the EMU Control </a:t>
+            </a:r>
+            <a:r>
+              <a:rPr lang="en-US" sz="1400" dirty="0" smtClean="0"/>
+              <a:t>Room, e.g. Lenovo X1 Carbon.</a:t>
+            </a:r>
+          </a:p>
+          <a:p>
+            <a:endParaRPr lang="en-US" sz="1400" dirty="0" smtClean="0"/>
+          </a:p>
+          <a:p>
+            <a:r>
+              <a:rPr lang="en-US" sz="1400" dirty="0" smtClean="0"/>
+              <a:t>• All scripts and </a:t>
             </a:r>
             <a:r>
               <a:rPr lang="en-US" sz="1400" dirty="0" err="1" smtClean="0"/>
-              <a:t>heatmap</a:t>
-            </a:r>
-            <a:r>
-              <a:rPr lang="en-US" sz="1400" dirty="0" smtClean="0"/>
-              <a:t>. These files will be purged when the system’s hard drive reaches 80% capacity. Given the system isn’t currently being optimized for retrieving previous results, this shouldn’t pose a problem.</a:t>
-            </a:r>
-          </a:p>
-          <a:p>
-            <a:endParaRPr lang="en-US" sz="1400" b="1" dirty="0"/>
-          </a:p>
-          <a:p>
-            <a:endParaRPr lang="en-US" sz="1400" dirty="0" smtClean="0"/>
-          </a:p>
-          <a:p>
-            <a:endParaRPr lang="en-US" sz="1400" dirty="0" smtClean="0"/>
+              <a:t>executables</a:t>
+            </a:r>
+            <a:r>
+              <a:rPr lang="en-US" sz="1400" dirty="0" smtClean="0"/>
+              <a:t> will be on the machine when delivered.</a:t>
+            </a:r>
+          </a:p>
+          <a:p>
+            <a:r>
+              <a:rPr lang="en-US" sz="1400" dirty="0" smtClean="0"/>
+              <a:t>• </a:t>
+            </a:r>
+            <a:r>
+              <a:rPr lang="en-US" sz="1400" dirty="0" err="1" smtClean="0"/>
+              <a:t>Matlab</a:t>
+            </a:r>
+            <a:r>
+              <a:rPr lang="en-US" sz="1400" dirty="0" smtClean="0"/>
+              <a:t> components will be precompiled and run through the </a:t>
+            </a:r>
+            <a:r>
+              <a:rPr lang="en-US" sz="1400" dirty="0" err="1" smtClean="0"/>
+              <a:t>Matlab</a:t>
+            </a:r>
+            <a:r>
+              <a:rPr lang="en-US" sz="1400" dirty="0" smtClean="0"/>
+              <a:t> runtime. </a:t>
+            </a:r>
+            <a:r>
+              <a:rPr lang="en-US" sz="1400" dirty="0" err="1" smtClean="0"/>
+              <a:t>Matlab</a:t>
+            </a:r>
+            <a:r>
+              <a:rPr lang="en-US" sz="1400" dirty="0" smtClean="0"/>
+              <a:t> + license will not be needed on the laptop.</a:t>
+            </a:r>
+          </a:p>
+          <a:p>
+            <a:r>
+              <a:rPr lang="en-US" sz="1400" dirty="0" smtClean="0"/>
+              <a:t>• Files to be transferred via </a:t>
+            </a:r>
+            <a:r>
+              <a:rPr lang="en-US" sz="1400" dirty="0" err="1" smtClean="0"/>
+              <a:t>scp</a:t>
+            </a:r>
+            <a:r>
+              <a:rPr lang="en-US" sz="1400" dirty="0" smtClean="0"/>
+              <a:t>, USB, or shared network drives.</a:t>
+            </a:r>
+          </a:p>
+          <a:p>
+            <a:r>
+              <a:rPr lang="en-US" sz="1400" dirty="0" smtClean="0"/>
+              <a:t>• Login will be a shared account for the EMU control room.</a:t>
+            </a:r>
+          </a:p>
+          <a:p>
+            <a:r>
+              <a:rPr lang="en-US" sz="1400" dirty="0" smtClean="0"/>
+              <a:t> </a:t>
+            </a:r>
+          </a:p>
+          <a:p>
+            <a:r>
+              <a:rPr lang="en-US" sz="1400" dirty="0" smtClean="0"/>
+              <a:t>Once we verify that this part of the system is correct, providing a web-based UI running on the same server is relatively easy.</a:t>
+            </a:r>
           </a:p>
         </p:txBody>
       </p:sp>
     </p:spTree>
     <p:extLst>
       <p:ext uri="{BB962C8B-B14F-4D97-AF65-F5344CB8AC3E}">
-        <p14:creationId xmlns:p14="http://schemas.microsoft.com/office/powerpoint/2010/main" val="1372613735"/>
+        <p14:creationId xmlns:p14="http://schemas.microsoft.com/office/powerpoint/2010/main" val="176636782"/>
       </p:ext>
     </p:extLst>
   </p:cSld>
@@ -5623,7 +5610,7 @@
   <p:timing>
     <p:tnLst>
       <p:par>
-        <p:cTn xmlns:p14="http://schemas.microsoft.com/office/powerpoint/2010/main" id="1" dur="indefinite" restart="never" nodeType="tmRoot"/>
+        <p:cTn id="1" dur="indefinite" restart="never" nodeType="tmRoot"/>
       </p:par>
     </p:tnLst>
   </p:timing>
@@ -5680,7 +5667,7 @@
         <p:spPr>
           <a:xfrm>
             <a:off x="381000" y="228600"/>
-            <a:ext cx="5791200" cy="6771083"/>
+            <a:ext cx="5791200" cy="6955750"/>
           </a:xfrm>
           <a:prstGeom prst="rect">
             <a:avLst/>
@@ -5734,7 +5721,55 @@
                 <a:latin typeface="Andale Mono"/>
                 <a:cs typeface="Andale Mono"/>
               </a:rPr>
-              <a:t>edf2eeg / mef2eeg -&gt;</a:t>
+              <a:t>edf2eeg / mef2eeg </a:t>
+            </a:r>
+            <a:r>
+              <a:rPr lang="en-US" sz="1400" dirty="0" smtClean="0">
+                <a:latin typeface="Andale Mono"/>
+                <a:cs typeface="Andale Mono"/>
+              </a:rPr>
+              <a:t>-&gt;</a:t>
+            </a:r>
+          </a:p>
+          <a:p>
+            <a:pPr lvl="1"/>
+            <a:r>
+              <a:rPr lang="en-US" sz="1400" dirty="0" err="1" smtClean="0">
+                <a:latin typeface="Andale Mono"/>
+                <a:cs typeface="Andale Mono"/>
+              </a:rPr>
+              <a:t>c</a:t>
+            </a:r>
+            <a:r>
+              <a:rPr lang="en-US" sz="1400" dirty="0" err="1" smtClean="0">
+                <a:latin typeface="Andale Mono"/>
+                <a:cs typeface="Andale Mono"/>
+              </a:rPr>
+              <a:t>hannel_filter</a:t>
+            </a:r>
+            <a:r>
+              <a:rPr lang="en-US" sz="1400" dirty="0" smtClean="0">
+                <a:latin typeface="Andale Mono"/>
+                <a:cs typeface="Andale Mono"/>
+              </a:rPr>
+              <a:t> -&gt;</a:t>
+            </a:r>
+          </a:p>
+          <a:p>
+            <a:pPr lvl="1"/>
+            <a:r>
+              <a:rPr lang="en-US" sz="1400" dirty="0" err="1" smtClean="0">
+                <a:latin typeface="Andale Mono"/>
+                <a:cs typeface="Andale Mono"/>
+              </a:rPr>
+              <a:t>time_filter</a:t>
+            </a:r>
+            <a:r>
+              <a:rPr lang="en-US" sz="1400" dirty="0" smtClean="0">
+                <a:latin typeface="Andale Mono"/>
+                <a:cs typeface="Andale Mono"/>
+              </a:rPr>
+              <a:t> -&gt;</a:t>
             </a:r>
             <a:endParaRPr lang="en-US" sz="1400" dirty="0">
               <a:latin typeface="Andale Mono"/>
@@ -6105,7 +6140,7 @@
   <p:timing>
     <p:tnLst>
       <p:par>
-        <p:cTn xmlns:p14="http://schemas.microsoft.com/office/powerpoint/2010/main" id="1" dur="indefinite" restart="never" nodeType="tmRoot"/>
+        <p:cTn id="1" dur="indefinite" restart="never" nodeType="tmRoot"/>
       </p:par>
     </p:tnLst>
   </p:timing>
@@ -6161,8 +6196,8 @@
         </p:nvSpPr>
         <p:spPr>
           <a:xfrm>
-            <a:off x="3048000" y="2667000"/>
-            <a:ext cx="4572000" cy="2031325"/>
+            <a:off x="228600" y="304800"/>
+            <a:ext cx="8153400" cy="1815882"/>
           </a:xfrm>
           <a:prstGeom prst="rect">
             <a:avLst/>
@@ -6176,81 +6211,47 @@
           <a:lstStyle/>
           <a:p>
             <a:r>
-              <a:rPr lang="en-US" b="1" dirty="0" smtClean="0"/>
-              <a:t>Design principle for complex software:</a:t>
-            </a:r>
-          </a:p>
-          <a:p>
-            <a:endParaRPr lang="en-US" b="1" dirty="0" smtClean="0"/>
-          </a:p>
-          <a:p>
-            <a:r>
-              <a:rPr lang="en-US" b="1" dirty="0" smtClean="0"/>
-              <a:t>Make it work,</a:t>
-            </a:r>
-          </a:p>
-          <a:p>
-            <a:r>
-              <a:rPr lang="en-US" b="1" dirty="0" smtClean="0"/>
-              <a:t>make it right,</a:t>
-            </a:r>
-          </a:p>
-          <a:p>
-            <a:r>
-              <a:rPr lang="en-US" b="1" dirty="0" smtClean="0"/>
-              <a:t>make it fast,</a:t>
-            </a:r>
-          </a:p>
-          <a:p>
-            <a:r>
-              <a:rPr lang="en-US" b="1" dirty="0" smtClean="0"/>
-              <a:t>make it scale.</a:t>
-            </a:r>
-            <a:endParaRPr lang="en-US" b="1" dirty="0"/>
-          </a:p>
-          <a:p>
-            <a:endParaRPr lang="en-US" dirty="0"/>
-          </a:p>
-        </p:txBody>
-      </p:sp>
-      <p:sp>
-        <p:nvSpPr>
-          <p:cNvPr id="2" name="TextBox 1"/>
-          <p:cNvSpPr txBox="1"/>
-          <p:nvPr/>
-        </p:nvSpPr>
-        <p:spPr>
-          <a:xfrm>
-            <a:off x="1295400" y="3200400"/>
-            <a:ext cx="1784375" cy="369332"/>
-          </a:xfrm>
-          <a:prstGeom prst="rect">
-            <a:avLst/>
-          </a:prstGeom>
-          <a:noFill/>
-        </p:spPr>
-        <p:txBody>
-          <a:bodyPr wrap="none" rtlCol="0">
-            <a:spAutoFit/>
-          </a:bodyPr>
-          <a:lstStyle/>
-          <a:p>
-            <a:r>
-              <a:rPr lang="en-US" i="1" dirty="0" smtClean="0"/>
-              <a:t>We are here</a:t>
-            </a:r>
-            <a:r>
-              <a:rPr lang="en-US" dirty="0" smtClean="0"/>
-              <a:t> =&gt;</a:t>
-            </a:r>
-            <a:endParaRPr lang="en-US" dirty="0"/>
+              <a:rPr lang="en-US" sz="1400" b="1" dirty="0" smtClean="0"/>
+              <a:t>Data Retention Policy</a:t>
+            </a:r>
+            <a:endParaRPr lang="en-US" sz="1400" b="1" dirty="0"/>
+          </a:p>
+          <a:p>
+            <a:endParaRPr lang="en-US" sz="1400" dirty="0"/>
+          </a:p>
+          <a:p>
+            <a:r>
+              <a:rPr lang="en-US" sz="1400" dirty="0" err="1" smtClean="0"/>
+              <a:t>EZTrack</a:t>
+            </a:r>
+            <a:r>
+              <a:rPr lang="en-US" sz="1400" dirty="0" smtClean="0"/>
+              <a:t> produces several large intermediate files in the course of producing the </a:t>
+            </a:r>
+            <a:r>
+              <a:rPr lang="en-US" sz="1400" dirty="0" err="1" smtClean="0"/>
+              <a:t>heatmap</a:t>
+            </a:r>
+            <a:r>
+              <a:rPr lang="en-US" sz="1400" dirty="0" smtClean="0"/>
+              <a:t>. These files will be purged when the system’s hard drive reaches 80% capacity. Given the system isn’t currently being optimized for retrieving previous results, this shouldn’t pose a problem.</a:t>
+            </a:r>
+          </a:p>
+          <a:p>
+            <a:endParaRPr lang="en-US" sz="1400" b="1" dirty="0"/>
+          </a:p>
+          <a:p>
+            <a:endParaRPr lang="en-US" sz="1400" dirty="0" smtClean="0"/>
+          </a:p>
+          <a:p>
+            <a:endParaRPr lang="en-US" sz="1400" dirty="0" smtClean="0"/>
           </a:p>
         </p:txBody>
       </p:sp>
     </p:spTree>
     <p:extLst>
       <p:ext uri="{BB962C8B-B14F-4D97-AF65-F5344CB8AC3E}">
-        <p14:creationId xmlns:p14="http://schemas.microsoft.com/office/powerpoint/2010/main" val="3484496890"/>
+        <p14:creationId xmlns:p14="http://schemas.microsoft.com/office/powerpoint/2010/main" val="1372613735"/>
       </p:ext>
     </p:extLst>
   </p:cSld>
@@ -6260,7 +6261,7 @@
   <p:timing>
     <p:tnLst>
       <p:par>
-        <p:cTn xmlns:p14="http://schemas.microsoft.com/office/powerpoint/2010/main" id="1" dur="indefinite" restart="never" nodeType="tmRoot"/>
+        <p:cTn id="1" dur="indefinite" restart="never" nodeType="tmRoot"/>
       </p:par>
     </p:tnLst>
   </p:timing>
@@ -6316,8 +6317,8 @@
         </p:nvSpPr>
         <p:spPr>
           <a:xfrm>
-            <a:off x="381000" y="228600"/>
-            <a:ext cx="5791200" cy="4524315"/>
+            <a:off x="3048000" y="2667000"/>
+            <a:ext cx="4572000" cy="2031325"/>
           </a:xfrm>
           <a:prstGeom prst="rect">
             <a:avLst/>
@@ -6331,230 +6332,81 @@
           <a:lstStyle/>
           <a:p>
             <a:r>
-              <a:rPr lang="en-US" b="1" dirty="0" err="1" smtClean="0"/>
-              <a:t>Toolchain</a:t>
-            </a:r>
-            <a:r>
               <a:rPr lang="en-US" b="1" dirty="0" smtClean="0"/>
-              <a:t> Inventory</a:t>
+              <a:t>Design principle for complex software:</a:t>
+            </a:r>
+          </a:p>
+          <a:p>
+            <a:endParaRPr lang="en-US" b="1" dirty="0" smtClean="0"/>
+          </a:p>
+          <a:p>
+            <a:r>
+              <a:rPr lang="en-US" b="1" dirty="0" smtClean="0"/>
+              <a:t>Make it work,</a:t>
+            </a:r>
+          </a:p>
+          <a:p>
+            <a:r>
+              <a:rPr lang="en-US" b="1" dirty="0" smtClean="0"/>
+              <a:t>make it right,</a:t>
+            </a:r>
+          </a:p>
+          <a:p>
+            <a:r>
+              <a:rPr lang="en-US" b="1" dirty="0" smtClean="0"/>
+              <a:t>make it fast,</a:t>
+            </a:r>
+          </a:p>
+          <a:p>
+            <a:r>
+              <a:rPr lang="en-US" b="1" dirty="0" smtClean="0"/>
+              <a:t>make it scale.</a:t>
             </a:r>
             <a:endParaRPr lang="en-US" b="1" dirty="0"/>
           </a:p>
           <a:p>
-            <a:endParaRPr lang="en-US" dirty="0" smtClean="0"/>
-          </a:p>
-          <a:p>
-            <a:r>
-              <a:rPr lang="en-US" sz="1400" dirty="0" smtClean="0"/>
-              <a:t>The previous System Architecture slide shows the flow among these tools. This list is simply an alphabetical listing to show the parts of the system at a glance without respect to how they relate to one another.</a:t>
-            </a:r>
-          </a:p>
-          <a:p>
-            <a:endParaRPr lang="en-US" sz="1400" dirty="0" smtClean="0"/>
-          </a:p>
-          <a:p>
-            <a:r>
-              <a:rPr lang="en-US" sz="1400" dirty="0">
-                <a:latin typeface="Andale Mono"/>
-                <a:cs typeface="Andale Mono"/>
-              </a:rPr>
-              <a:t> </a:t>
-            </a:r>
-            <a:r>
-              <a:rPr lang="en-US" sz="1400" dirty="0" smtClean="0">
-                <a:latin typeface="Andale Mono"/>
-                <a:cs typeface="Andale Mono"/>
-              </a:rPr>
-              <a:t>1 </a:t>
-            </a:r>
-            <a:r>
-              <a:rPr lang="en-US" sz="1400" dirty="0">
-                <a:latin typeface="Andale Mono"/>
-                <a:cs typeface="Andale Mono"/>
-              </a:rPr>
-              <a:t>ascii2eeg</a:t>
-            </a:r>
-          </a:p>
-          <a:p>
-            <a:r>
-              <a:rPr lang="en-US" sz="1400" dirty="0">
-                <a:latin typeface="Andale Mono"/>
-                <a:cs typeface="Andale Mono"/>
-              </a:rPr>
-              <a:t> 2 </a:t>
-            </a:r>
-            <a:r>
-              <a:rPr lang="en-US" sz="1400" dirty="0" err="1">
-                <a:latin typeface="Andale Mono"/>
-                <a:cs typeface="Andale Mono"/>
-              </a:rPr>
-              <a:t>check_mef_ascii</a:t>
-            </a:r>
-            <a:endParaRPr lang="en-US" sz="1400" dirty="0">
-              <a:latin typeface="Andale Mono"/>
-              <a:cs typeface="Andale Mono"/>
-            </a:endParaRPr>
-          </a:p>
-          <a:p>
-            <a:r>
-              <a:rPr lang="en-US" sz="1400" dirty="0">
-                <a:latin typeface="Andale Mono"/>
-                <a:cs typeface="Andale Mono"/>
-              </a:rPr>
-              <a:t> 3 edf2eeg</a:t>
-            </a:r>
-          </a:p>
-          <a:p>
-            <a:r>
-              <a:rPr lang="en-US" sz="1400" dirty="0">
-                <a:latin typeface="Andale Mono"/>
-                <a:cs typeface="Andale Mono"/>
-              </a:rPr>
-              <a:t> 4 edf2mef</a:t>
-            </a:r>
-          </a:p>
-          <a:p>
-            <a:r>
-              <a:rPr lang="en-US" sz="1400" dirty="0">
-                <a:latin typeface="Andale Mono"/>
-                <a:cs typeface="Andale Mono"/>
-              </a:rPr>
-              <a:t> 5 eeg2fsv</a:t>
-            </a:r>
-          </a:p>
-          <a:p>
-            <a:r>
-              <a:rPr lang="en-US" sz="1400" dirty="0">
-                <a:latin typeface="Andale Mono"/>
-                <a:cs typeface="Andale Mono"/>
-              </a:rPr>
-              <a:t> 6 fsv2heatmap</a:t>
-            </a:r>
-          </a:p>
-          <a:p>
-            <a:r>
-              <a:rPr lang="en-US" sz="1400" dirty="0">
-                <a:latin typeface="Andale Mono"/>
-                <a:cs typeface="Andale Mono"/>
-              </a:rPr>
-              <a:t> 7 fsv2pcspace</a:t>
-            </a:r>
-          </a:p>
-          <a:p>
-            <a:r>
-              <a:rPr lang="en-US" sz="1400" i="1" dirty="0">
-                <a:latin typeface="Andale Mono"/>
-                <a:cs typeface="Andale Mono"/>
-              </a:rPr>
-              <a:t> 8 </a:t>
-            </a:r>
-            <a:r>
-              <a:rPr lang="en-US" sz="1400" i="1" dirty="0" smtClean="0">
-                <a:latin typeface="Andale Mono"/>
-                <a:cs typeface="Andale Mono"/>
-              </a:rPr>
-              <a:t>heatmap2jpeg (optional)</a:t>
-            </a:r>
-            <a:endParaRPr lang="en-US" sz="1400" i="1" dirty="0">
-              <a:latin typeface="Andale Mono"/>
-              <a:cs typeface="Andale Mono"/>
-            </a:endParaRPr>
-          </a:p>
-          <a:p>
-            <a:r>
-              <a:rPr lang="en-US" sz="1400" dirty="0">
-                <a:latin typeface="Andale Mono"/>
-                <a:cs typeface="Andale Mono"/>
-              </a:rPr>
-              <a:t> 9 mef2ascii</a:t>
-            </a:r>
-          </a:p>
-          <a:p>
-            <a:r>
-              <a:rPr lang="en-US" sz="1400" dirty="0" smtClean="0">
-                <a:latin typeface="Andale Mono"/>
-                <a:cs typeface="Andale Mono"/>
-              </a:rPr>
-              <a:t>10 </a:t>
-            </a:r>
-            <a:r>
-              <a:rPr lang="en-US" sz="1400" dirty="0" err="1">
-                <a:latin typeface="Andale Mono"/>
-                <a:cs typeface="Andale Mono"/>
-              </a:rPr>
-              <a:t>mef_copy</a:t>
-            </a:r>
-            <a:endParaRPr lang="en-US" sz="1400" dirty="0">
-              <a:latin typeface="Andale Mono"/>
-              <a:cs typeface="Andale Mono"/>
-            </a:endParaRPr>
-          </a:p>
-          <a:p>
-            <a:r>
-              <a:rPr lang="en-US" sz="1400" dirty="0" smtClean="0">
-                <a:latin typeface="Andale Mono"/>
-                <a:cs typeface="Andale Mono"/>
-              </a:rPr>
-              <a:t>11 </a:t>
-            </a:r>
-            <a:r>
-              <a:rPr lang="en-US" sz="1400" dirty="0" err="1">
-                <a:latin typeface="Andale Mono"/>
-                <a:cs typeface="Andale Mono"/>
-              </a:rPr>
-              <a:t>mef_finder</a:t>
-            </a:r>
-            <a:endParaRPr lang="en-US" sz="1400" dirty="0">
-              <a:latin typeface="Andale Mono"/>
-              <a:cs typeface="Andale Mono"/>
-            </a:endParaRPr>
-          </a:p>
-          <a:p>
-            <a:r>
-              <a:rPr lang="en-US" sz="1400" dirty="0" smtClean="0">
-                <a:latin typeface="Andale Mono"/>
-                <a:cs typeface="Andale Mono"/>
-              </a:rPr>
-              <a:t>12 </a:t>
-            </a:r>
-            <a:r>
-              <a:rPr lang="en-US" sz="1400" dirty="0" err="1">
-                <a:latin typeface="Andale Mono"/>
-                <a:cs typeface="Andale Mono"/>
-              </a:rPr>
-              <a:t>read_mef_header</a:t>
-            </a:r>
-            <a:endParaRPr lang="en-US" sz="1400" dirty="0">
-              <a:latin typeface="Andale Mono"/>
-              <a:cs typeface="Andale Mono"/>
-            </a:endParaRPr>
-          </a:p>
-          <a:p>
-            <a:r>
-              <a:rPr lang="en-US" sz="1400" dirty="0" smtClean="0">
-                <a:latin typeface="Andale Mono"/>
-                <a:cs typeface="Andale Mono"/>
-              </a:rPr>
-              <a:t>13 </a:t>
-            </a:r>
-            <a:r>
-              <a:rPr lang="en-US" sz="1400" dirty="0">
-                <a:latin typeface="Andale Mono"/>
-                <a:cs typeface="Andale Mono"/>
-              </a:rPr>
-              <a:t>report2events</a:t>
-            </a:r>
-            <a:endParaRPr lang="en-US" sz="1400" dirty="0"/>
-          </a:p>
-          <a:p>
-            <a:endParaRPr lang="en-US" sz="1400" dirty="0"/>
+            <a:endParaRPr lang="en-US" dirty="0"/>
+          </a:p>
+        </p:txBody>
+      </p:sp>
+      <p:sp>
+        <p:nvSpPr>
+          <p:cNvPr id="2" name="TextBox 1"/>
+          <p:cNvSpPr txBox="1"/>
+          <p:nvPr/>
+        </p:nvSpPr>
+        <p:spPr>
+          <a:xfrm>
+            <a:off x="1295400" y="3200400"/>
+            <a:ext cx="1784375" cy="369332"/>
+          </a:xfrm>
+          <a:prstGeom prst="rect">
+            <a:avLst/>
+          </a:prstGeom>
+          <a:noFill/>
+        </p:spPr>
+        <p:txBody>
+          <a:bodyPr wrap="none" rtlCol="0">
+            <a:spAutoFit/>
+          </a:bodyPr>
+          <a:lstStyle/>
+          <a:p>
+            <a:r>
+              <a:rPr lang="en-US" i="1" dirty="0" smtClean="0"/>
+              <a:t>We are here</a:t>
+            </a:r>
+            <a:r>
+              <a:rPr lang="en-US" dirty="0" smtClean="0"/>
+              <a:t> =&gt;</a:t>
+            </a:r>
+            <a:endParaRPr lang="en-US" dirty="0"/>
           </a:p>
         </p:txBody>
       </p:sp>
     </p:spTree>
     <p:extLst>
       <p:ext uri="{BB962C8B-B14F-4D97-AF65-F5344CB8AC3E}">
-        <p14:creationId xmlns:p14="http://schemas.microsoft.com/office/powerpoint/2010/main" val="1747391293"/>
+        <p14:creationId xmlns:p14="http://schemas.microsoft.com/office/powerpoint/2010/main" val="3484496890"/>
       </p:ext>
     </p:extLst>
   </p:cSld>
@@ -6564,7 +6416,7 @@
   <p:timing>
     <p:tnLst>
       <p:par>
-        <p:cTn xmlns:p14="http://schemas.microsoft.com/office/powerpoint/2010/main" id="1" dur="indefinite" restart="never" nodeType="tmRoot"/>
+        <p:cTn id="1" dur="indefinite" restart="never" nodeType="tmRoot"/>
       </p:par>
     </p:tnLst>
   </p:timing>
@@ -6654,7 +6506,7 @@
   <p:timing>
     <p:tnLst>
       <p:par>
-        <p:cTn xmlns:p14="http://schemas.microsoft.com/office/powerpoint/2010/main" id="1" dur="indefinite" restart="never" nodeType="tmRoot"/>
+        <p:cTn id="1" dur="indefinite" restart="never" nodeType="tmRoot"/>
       </p:par>
     </p:tnLst>
   </p:timing>
@@ -6744,7 +6596,7 @@
   <p:timing>
     <p:tnLst>
       <p:par>
-        <p:cTn xmlns:p14="http://schemas.microsoft.com/office/powerpoint/2010/main" id="1" dur="indefinite" restart="never" nodeType="tmRoot"/>
+        <p:cTn id="1" dur="indefinite" restart="never" nodeType="tmRoot"/>
       </p:par>
     </p:tnLst>
   </p:timing>
@@ -7013,7 +6865,7 @@
   <p:timing>
     <p:tnLst>
       <p:par>
-        <p:cTn xmlns:p14="http://schemas.microsoft.com/office/powerpoint/2010/main" id="1" dur="indefinite" restart="never" nodeType="tmRoot"/>
+        <p:cTn id="1" dur="indefinite" restart="never" nodeType="tmRoot"/>
       </p:par>
     </p:tnLst>
   </p:timing>
@@ -7131,7 +6983,7 @@
   <p:timing>
     <p:tnLst>
       <p:par>
-        <p:cTn xmlns:p14="http://schemas.microsoft.com/office/powerpoint/2010/main" id="1" dur="indefinite" restart="never" nodeType="tmRoot"/>
+        <p:cTn id="1" dur="indefinite" restart="never" nodeType="tmRoot"/>
       </p:par>
     </p:tnLst>
   </p:timing>
@@ -7222,7 +7074,7 @@
   <p:timing>
     <p:tnLst>
       <p:par>
-        <p:cTn xmlns:p14="http://schemas.microsoft.com/office/powerpoint/2010/main" id="1" dur="indefinite" restart="never" nodeType="tmRoot"/>
+        <p:cTn id="1" dur="indefinite" restart="never" nodeType="tmRoot"/>
       </p:par>
     </p:tnLst>
   </p:timing>
@@ -7313,7 +7165,7 @@
   <p:timing>
     <p:tnLst>
       <p:par>
-        <p:cTn xmlns:p14="http://schemas.microsoft.com/office/powerpoint/2010/main" id="1" dur="indefinite" restart="never" nodeType="tmRoot"/>
+        <p:cTn id="1" dur="indefinite" restart="never" nodeType="tmRoot"/>
       </p:par>
     </p:tnLst>
   </p:timing>
@@ -7404,7 +7256,7 @@
   <p:timing>
     <p:tnLst>
       <p:par>
-        <p:cTn xmlns:p14="http://schemas.microsoft.com/office/powerpoint/2010/main" id="1" dur="indefinite" restart="never" nodeType="tmRoot"/>
+        <p:cTn id="1" dur="indefinite" restart="never" nodeType="tmRoot"/>
       </p:par>
     </p:tnLst>
   </p:timing>
@@ -7495,7 +7347,7 @@
   <p:timing>
     <p:tnLst>
       <p:par>
-        <p:cTn xmlns:p14="http://schemas.microsoft.com/office/powerpoint/2010/main" id="1" dur="indefinite" restart="never" nodeType="tmRoot"/>
+        <p:cTn id="1" dur="indefinite" restart="never" nodeType="tmRoot"/>
       </p:par>
     </p:tnLst>
   </p:timing>
@@ -7551,8 +7403,8 @@
         </p:nvSpPr>
         <p:spPr>
           <a:xfrm>
-            <a:off x="1447800" y="2895600"/>
-            <a:ext cx="5105400" cy="369332"/>
+            <a:off x="381000" y="228600"/>
+            <a:ext cx="5791200" cy="5170646"/>
           </a:xfrm>
           <a:prstGeom prst="rect">
             <a:avLst/>
@@ -7566,25 +7418,270 @@
           <a:lstStyle/>
           <a:p>
             <a:r>
-              <a:rPr lang="en-US" b="1" dirty="0"/>
-              <a:t>Preliminary </a:t>
-            </a:r>
-            <a:r>
-              <a:rPr lang="en-US" b="1" dirty="0" err="1"/>
-              <a:t>Heatmap</a:t>
-            </a:r>
-            <a:r>
-              <a:rPr lang="en-US" b="1" dirty="0"/>
-              <a:t> Pipeline Verification</a:t>
-            </a:r>
-            <a:endParaRPr lang="en-US" dirty="0"/>
+              <a:rPr lang="en-US" b="1" dirty="0" err="1" smtClean="0"/>
+              <a:t>Toolchain</a:t>
+            </a:r>
+            <a:r>
+              <a:rPr lang="en-US" b="1" dirty="0" smtClean="0"/>
+              <a:t> Inventory</a:t>
+            </a:r>
+            <a:endParaRPr lang="en-US" b="1" dirty="0"/>
+          </a:p>
+          <a:p>
+            <a:endParaRPr lang="en-US" dirty="0" smtClean="0"/>
+          </a:p>
+          <a:p>
+            <a:r>
+              <a:rPr lang="en-US" sz="1400" i="1" dirty="0" smtClean="0"/>
+              <a:t>The previous System Architecture slide shows the flow among these tools. This list is simply </a:t>
+            </a:r>
+            <a:r>
+              <a:rPr lang="en-US" sz="1400" i="1" dirty="0" smtClean="0"/>
+              <a:t>a listing </a:t>
+            </a:r>
+            <a:r>
+              <a:rPr lang="en-US" sz="1400" i="1" dirty="0" smtClean="0"/>
+              <a:t>to show the parts of the system at a glance </a:t>
+            </a:r>
+            <a:r>
+              <a:rPr lang="en-US" sz="1400" i="1" dirty="0" smtClean="0"/>
+              <a:t>and an estimate of how complete they are at present without </a:t>
+            </a:r>
+            <a:r>
+              <a:rPr lang="en-US" sz="1400" i="1" dirty="0" smtClean="0"/>
+              <a:t>respect to how they relate to one another.</a:t>
+            </a:r>
+          </a:p>
+          <a:p>
+            <a:endParaRPr lang="en-US" sz="1400" dirty="0" smtClean="0"/>
+          </a:p>
+          <a:p>
+            <a:r>
+              <a:rPr lang="en-US" sz="1400" dirty="0" smtClean="0"/>
+              <a:t>  1 </a:t>
+            </a:r>
+            <a:r>
+              <a:rPr lang="en-US" sz="1400" dirty="0"/>
+              <a:t>edf2eeg (100%) </a:t>
+            </a:r>
+            <a:endParaRPr lang="en-US" sz="1400" dirty="0" smtClean="0"/>
+          </a:p>
+          <a:p>
+            <a:r>
+              <a:rPr lang="en-US" sz="1400" dirty="0" smtClean="0"/>
+              <a:t>  2 </a:t>
+            </a:r>
+            <a:r>
+              <a:rPr lang="en-US" sz="1400" dirty="0"/>
+              <a:t>edf2mef experiment (100%) </a:t>
+            </a:r>
+            <a:endParaRPr lang="en-US" sz="1400" dirty="0" smtClean="0"/>
+          </a:p>
+          <a:p>
+            <a:r>
+              <a:rPr lang="en-US" sz="1400" dirty="0" smtClean="0"/>
+              <a:t>  3 </a:t>
+            </a:r>
+            <a:r>
+              <a:rPr lang="en-US" sz="1400" dirty="0"/>
+              <a:t>fsv2heatmap (100%) </a:t>
+            </a:r>
+            <a:endParaRPr lang="en-US" sz="1400" dirty="0" smtClean="0"/>
+          </a:p>
+          <a:p>
+            <a:r>
+              <a:rPr lang="en-US" sz="1400" dirty="0" smtClean="0"/>
+              <a:t>  4 </a:t>
+            </a:r>
+            <a:r>
+              <a:rPr lang="en-US" sz="1400" dirty="0"/>
+              <a:t>mef2ascii (100%) </a:t>
+            </a:r>
+            <a:endParaRPr lang="en-US" sz="1400" dirty="0" smtClean="0"/>
+          </a:p>
+          <a:p>
+            <a:r>
+              <a:rPr lang="en-US" sz="1400" dirty="0" smtClean="0"/>
+              <a:t>  5 </a:t>
+            </a:r>
+            <a:r>
+              <a:rPr lang="en-US" sz="1400" dirty="0" err="1"/>
+              <a:t>read_mef_header</a:t>
+            </a:r>
+            <a:r>
+              <a:rPr lang="en-US" sz="1400" dirty="0"/>
+              <a:t> (100%) </a:t>
+            </a:r>
+            <a:endParaRPr lang="en-US" sz="1400" dirty="0" smtClean="0"/>
+          </a:p>
+          <a:p>
+            <a:endParaRPr lang="en-US" sz="1400" dirty="0" smtClean="0"/>
+          </a:p>
+          <a:p>
+            <a:r>
+              <a:rPr lang="en-US" sz="1400" dirty="0" smtClean="0"/>
+              <a:t>  6 </a:t>
+            </a:r>
+            <a:r>
+              <a:rPr lang="en-US" sz="1400" dirty="0"/>
+              <a:t>eeg2fsv (</a:t>
+            </a:r>
+            <a:r>
+              <a:rPr lang="en-US" sz="1400" dirty="0" smtClean="0"/>
+              <a:t>90</a:t>
+            </a:r>
+            <a:r>
+              <a:rPr lang="en-US" sz="1400" dirty="0"/>
+              <a:t>%) </a:t>
+            </a:r>
+            <a:endParaRPr lang="en-US" sz="1400" dirty="0" smtClean="0"/>
+          </a:p>
+          <a:p>
+            <a:r>
+              <a:rPr lang="en-US" sz="1400" dirty="0" smtClean="0"/>
+              <a:t>  7 </a:t>
+            </a:r>
+            <a:r>
+              <a:rPr lang="en-US" sz="1400" dirty="0"/>
+              <a:t>fsv2pcspace (50%) </a:t>
+            </a:r>
+            <a:endParaRPr lang="en-US" sz="1400" dirty="0" smtClean="0"/>
+          </a:p>
+          <a:p>
+            <a:r>
+              <a:rPr lang="en-US" sz="1400" dirty="0" smtClean="0"/>
+              <a:t>  8 </a:t>
+            </a:r>
+            <a:r>
+              <a:rPr lang="en-US" sz="1400" dirty="0"/>
+              <a:t>report2events (10%) </a:t>
+            </a:r>
+            <a:endParaRPr lang="en-US" sz="1400" dirty="0" smtClean="0"/>
+          </a:p>
+          <a:p>
+            <a:endParaRPr lang="en-US" sz="1400" dirty="0" smtClean="0"/>
+          </a:p>
+          <a:p>
+            <a:r>
+              <a:rPr lang="en-US" sz="1400" dirty="0" smtClean="0"/>
+              <a:t>  9 </a:t>
+            </a:r>
+            <a:r>
+              <a:rPr lang="en-US" sz="1400" dirty="0"/>
+              <a:t>ascii2eeg (0</a:t>
+            </a:r>
+            <a:r>
+              <a:rPr lang="en-US" sz="1400" dirty="0" smtClean="0"/>
+              <a:t>%)</a:t>
+            </a:r>
+          </a:p>
+          <a:p>
+            <a:r>
+              <a:rPr lang="en-US" sz="1400" dirty="0" smtClean="0"/>
+              <a:t>10 </a:t>
+            </a:r>
+            <a:r>
+              <a:rPr lang="en-US" sz="1400" dirty="0" err="1"/>
+              <a:t>channel_filter</a:t>
+            </a:r>
+            <a:r>
+              <a:rPr lang="en-US" sz="1400" dirty="0"/>
+              <a:t> (0</a:t>
+            </a:r>
+            <a:r>
+              <a:rPr lang="en-US" sz="1400" dirty="0" smtClean="0"/>
+              <a:t>%)</a:t>
+            </a:r>
+          </a:p>
+          <a:p>
+            <a:r>
+              <a:rPr lang="en-US" sz="1400" dirty="0" smtClean="0"/>
+              <a:t>11 </a:t>
+            </a:r>
+            <a:r>
+              <a:rPr lang="en-US" sz="1400" dirty="0" err="1"/>
+              <a:t>check_mef_ascii</a:t>
+            </a:r>
+            <a:r>
+              <a:rPr lang="en-US" sz="1400" dirty="0"/>
+              <a:t> (0</a:t>
+            </a:r>
+            <a:r>
+              <a:rPr lang="en-US" sz="1400" dirty="0" smtClean="0"/>
+              <a:t>%)</a:t>
+            </a:r>
+          </a:p>
+          <a:p>
+            <a:r>
+              <a:rPr lang="en-US" sz="1400" dirty="0" smtClean="0"/>
+              <a:t>12 </a:t>
+            </a:r>
+            <a:r>
+              <a:rPr lang="en-US" sz="1400" dirty="0"/>
+              <a:t>heatmap2jpeg (optional) (0</a:t>
+            </a:r>
+            <a:r>
+              <a:rPr lang="en-US" sz="1400" dirty="0" smtClean="0"/>
+              <a:t>%)</a:t>
+            </a:r>
+          </a:p>
+          <a:p>
+            <a:r>
+              <a:rPr lang="en-US" sz="1400" dirty="0" smtClean="0"/>
+              <a:t>13 </a:t>
+            </a:r>
+            <a:r>
+              <a:rPr lang="en-US" sz="1400" dirty="0" err="1"/>
+              <a:t>mef_copy</a:t>
+            </a:r>
+            <a:r>
+              <a:rPr lang="en-US" sz="1400" dirty="0"/>
+              <a:t> (0</a:t>
+            </a:r>
+            <a:r>
+              <a:rPr lang="en-US" sz="1400" dirty="0" smtClean="0"/>
+              <a:t>%)</a:t>
+            </a:r>
+          </a:p>
+          <a:p>
+            <a:r>
+              <a:rPr lang="en-US" sz="1400" dirty="0" smtClean="0"/>
+              <a:t>14 </a:t>
+            </a:r>
+            <a:r>
+              <a:rPr lang="en-US" sz="1400" dirty="0" err="1"/>
+              <a:t>mef_finder</a:t>
+            </a:r>
+            <a:r>
+              <a:rPr lang="en-US" sz="1400" dirty="0"/>
+              <a:t> (0</a:t>
+            </a:r>
+            <a:r>
+              <a:rPr lang="en-US" sz="1400" dirty="0" smtClean="0"/>
+              <a:t>%)</a:t>
+            </a:r>
+          </a:p>
+          <a:p>
+            <a:r>
+              <a:rPr lang="en-US" sz="1400" dirty="0" smtClean="0"/>
+              <a:t>15 </a:t>
+            </a:r>
+            <a:r>
+              <a:rPr lang="en-US" sz="1400" dirty="0" err="1"/>
+              <a:t>time_filter</a:t>
+            </a:r>
+            <a:r>
+              <a:rPr lang="en-US" sz="1400" dirty="0"/>
+              <a:t> (0%)</a:t>
+            </a:r>
+            <a:endParaRPr lang="en-US" sz="1400" dirty="0"/>
           </a:p>
         </p:txBody>
       </p:sp>
     </p:spTree>
     <p:extLst>
       <p:ext uri="{BB962C8B-B14F-4D97-AF65-F5344CB8AC3E}">
-        <p14:creationId xmlns:p14="http://schemas.microsoft.com/office/powerpoint/2010/main" val="765391105"/>
+        <p14:creationId xmlns:p14="http://schemas.microsoft.com/office/powerpoint/2010/main" val="1747391293"/>
       </p:ext>
     </p:extLst>
   </p:cSld>
@@ -7594,7 +7691,7 @@
   <p:timing>
     <p:tnLst>
       <p:par>
-        <p:cTn xmlns:p14="http://schemas.microsoft.com/office/powerpoint/2010/main" id="1" dur="indefinite" restart="never" nodeType="tmRoot"/>
+        <p:cTn id="1" dur="indefinite" restart="never" nodeType="tmRoot"/>
       </p:par>
     </p:tnLst>
   </p:timing>
@@ -7713,7 +7810,7 @@
   <p:timing>
     <p:tnLst>
       <p:par>
-        <p:cTn xmlns:p14="http://schemas.microsoft.com/office/powerpoint/2010/main" id="1" dur="indefinite" restart="never" nodeType="tmRoot"/>
+        <p:cTn id="1" dur="indefinite" restart="never" nodeType="tmRoot"/>
       </p:par>
     </p:tnLst>
   </p:timing>
@@ -7970,7 +8067,7 @@
   <p:timing>
     <p:tnLst>
       <p:par>
-        <p:cTn xmlns:p14="http://schemas.microsoft.com/office/powerpoint/2010/main" id="1" dur="indefinite" restart="never" nodeType="tmRoot"/>
+        <p:cTn id="1" dur="indefinite" restart="never" nodeType="tmRoot"/>
       </p:par>
     </p:tnLst>
   </p:timing>
@@ -8026,8 +8123,8 @@
         </p:nvSpPr>
         <p:spPr>
           <a:xfrm>
-            <a:off x="228600" y="152400"/>
-            <a:ext cx="7897743" cy="1261884"/>
+            <a:off x="1447800" y="2895600"/>
+            <a:ext cx="5105400" cy="369332"/>
           </a:xfrm>
           <a:prstGeom prst="rect">
             <a:avLst/>
@@ -8041,79 +8138,25 @@
           <a:lstStyle/>
           <a:p>
             <a:r>
-              <a:rPr lang="en-US" sz="1600" b="1" dirty="0" smtClean="0"/>
-              <a:t>Replace hard-coded </a:t>
-            </a:r>
-            <a:r>
-              <a:rPr lang="en-US" sz="1600" b="1" dirty="0" err="1" smtClean="0"/>
-              <a:t>patient_info.mat</a:t>
-            </a:r>
-            <a:r>
-              <a:rPr lang="en-US" sz="1600" b="1" dirty="0" smtClean="0"/>
-              <a:t> with dynamic input</a:t>
-            </a:r>
-            <a:endParaRPr lang="en-US" sz="1600" b="1" dirty="0" smtClean="0"/>
-          </a:p>
-          <a:p>
-            <a:endParaRPr lang="en-US" dirty="0" smtClean="0"/>
-          </a:p>
-          <a:p>
-            <a:r>
-              <a:rPr lang="en-US" sz="1400" dirty="0" smtClean="0">
-                <a:latin typeface="Andale Mono"/>
-                <a:cs typeface="Andale Mono"/>
-              </a:rPr>
-              <a:t>info</a:t>
-            </a:r>
-            <a:r>
-              <a:rPr lang="en-US" sz="1400" dirty="0">
-                <a:latin typeface="Andale Mono"/>
-                <a:cs typeface="Andale Mono"/>
-              </a:rPr>
-              <a:t>/</a:t>
-            </a:r>
-            <a:r>
-              <a:rPr lang="en-US" sz="1400" dirty="0" err="1">
-                <a:latin typeface="Andale Mono"/>
-                <a:cs typeface="Andale Mono"/>
-              </a:rPr>
-              <a:t>info_patients.mat</a:t>
-            </a:r>
-            <a:r>
-              <a:rPr lang="en-US" sz="1400" dirty="0">
-                <a:latin typeface="Andale Mono"/>
-                <a:cs typeface="Andale Mono"/>
-              </a:rPr>
-              <a:t> </a:t>
-            </a:r>
-            <a:r>
-              <a:rPr lang="en-US" sz="1400" dirty="0"/>
-              <a:t>is a static database of patient information that is used throughout the </a:t>
-            </a:r>
-            <a:r>
-              <a:rPr lang="en-US" sz="1400" dirty="0" err="1"/>
-              <a:t>EZTrack</a:t>
-            </a:r>
-            <a:r>
-              <a:rPr lang="en-US" sz="1400" dirty="0"/>
-              <a:t> </a:t>
-            </a:r>
-            <a:r>
-              <a:rPr lang="en-US" sz="1400" dirty="0" err="1"/>
-              <a:t>toolchain</a:t>
-            </a:r>
-            <a:r>
-              <a:rPr lang="en-US" sz="1400" dirty="0"/>
-              <a:t>. This needs to be replaced by dynamic input to reflect how the tool will be used in a clinical setting.</a:t>
-            </a:r>
-            <a:endParaRPr lang="en-US" sz="1400" i="1" dirty="0"/>
+              <a:rPr lang="en-US" b="1" dirty="0"/>
+              <a:t>Preliminary </a:t>
+            </a:r>
+            <a:r>
+              <a:rPr lang="en-US" b="1" dirty="0" err="1"/>
+              <a:t>Heatmap</a:t>
+            </a:r>
+            <a:r>
+              <a:rPr lang="en-US" b="1" dirty="0"/>
+              <a:t> Pipeline Verification</a:t>
+            </a:r>
+            <a:endParaRPr lang="en-US" dirty="0"/>
           </a:p>
         </p:txBody>
       </p:sp>
     </p:spTree>
     <p:extLst>
       <p:ext uri="{BB962C8B-B14F-4D97-AF65-F5344CB8AC3E}">
-        <p14:creationId xmlns:p14="http://schemas.microsoft.com/office/powerpoint/2010/main" val="1412917911"/>
+        <p14:creationId xmlns:p14="http://schemas.microsoft.com/office/powerpoint/2010/main" val="765391105"/>
       </p:ext>
     </p:extLst>
   </p:cSld>
@@ -8123,7 +8166,7 @@
   <p:timing>
     <p:tnLst>
       <p:par>
-        <p:cTn xmlns:p14="http://schemas.microsoft.com/office/powerpoint/2010/main" id="1" dur="indefinite" restart="never" nodeType="tmRoot"/>
+        <p:cTn id="1" dur="indefinite" restart="never" nodeType="tmRoot"/>
       </p:par>
     </p:tnLst>
   </p:timing>
@@ -8180,7 +8223,7 @@
         <p:spPr>
           <a:xfrm>
             <a:off x="228600" y="152400"/>
-            <a:ext cx="7897743" cy="4062650"/>
+            <a:ext cx="7897743" cy="1261884"/>
           </a:xfrm>
           <a:prstGeom prst="rect">
             <a:avLst/>
@@ -8194,28 +8237,61 @@
           <a:lstStyle/>
           <a:p>
             <a:r>
-              <a:rPr lang="en-US" sz="1600" b="1" dirty="0">
+              <a:rPr lang="en-US" sz="1600" b="1" dirty="0" smtClean="0"/>
+              <a:t>Replace hard-coded </a:t>
+            </a:r>
+            <a:r>
+              <a:rPr lang="en-US" sz="1600" b="1" dirty="0" err="1" smtClean="0"/>
+              <a:t>patient_info.mat</a:t>
+            </a:r>
+            <a:r>
+              <a:rPr lang="en-US" sz="1600" b="1" dirty="0" smtClean="0"/>
+              <a:t> with dynamic input</a:t>
+            </a:r>
+          </a:p>
+          <a:p>
+            <a:endParaRPr lang="en-US" dirty="0" smtClean="0"/>
+          </a:p>
+          <a:p>
+            <a:r>
+              <a:rPr lang="en-US" sz="1400" dirty="0" smtClean="0">
                 <a:latin typeface="Andale Mono"/>
                 <a:cs typeface="Andale Mono"/>
               </a:rPr>
-              <a:t>edf2mef</a:t>
-            </a:r>
-            <a:r>
-              <a:rPr lang="en-US" sz="1600" b="1" dirty="0"/>
+              <a:t>info</a:t>
+            </a:r>
+            <a:r>
+              <a:rPr lang="en-US" sz="1400" dirty="0">
+                <a:latin typeface="Andale Mono"/>
+                <a:cs typeface="Andale Mono"/>
+              </a:rPr>
+              <a:t>/</a:t>
+            </a:r>
+            <a:r>
+              <a:rPr lang="en-US" sz="1400" dirty="0" err="1">
+                <a:latin typeface="Andale Mono"/>
+                <a:cs typeface="Andale Mono"/>
+              </a:rPr>
+              <a:t>info_patients.mat</a:t>
+            </a:r>
+            <a:r>
+              <a:rPr lang="en-US" sz="1400" dirty="0">
+                <a:latin typeface="Andale Mono"/>
+                <a:cs typeface="Andale Mono"/>
+              </a:rPr>
               <a:t> </a:t>
             </a:r>
             <a:r>
-              <a:rPr lang="en-US" sz="1600" b="1" dirty="0" smtClean="0"/>
-              <a:t>experiment</a:t>
-            </a:r>
-          </a:p>
-          <a:p>
-            <a:endParaRPr lang="en-US" dirty="0"/>
-          </a:p>
-          <a:p>
-            <a:r>
-              <a:rPr lang="en-US" sz="1400" dirty="0"/>
-              <a:t>• mef_lib_2_1 provides an edf2mef utility to follow up on the idea of using it to validate the mef2eeg </a:t>
+              <a:rPr lang="en-US" sz="1400" dirty="0"/>
+              <a:t>is a static database of patient information that is used throughout the </a:t>
+            </a:r>
+            <a:r>
+              <a:rPr lang="en-US" sz="1400" dirty="0" err="1"/>
+              <a:t>EZTrack</a:t>
+            </a:r>
+            <a:r>
+              <a:rPr lang="en-US" sz="1400" dirty="0"/>
+              <a:t> </a:t>
             </a:r>
             <a:r>
               <a:rPr lang="en-US" sz="1400" dirty="0" err="1"/>
@@ -8223,140 +8299,7 @@
             </a:r>
             <a:r>
               <a:rPr lang="en-US" sz="1400" dirty="0"/>
-              <a:t>.</a:t>
-            </a:r>
-          </a:p>
-          <a:p>
-            <a:endParaRPr lang="en-US" sz="1400" dirty="0"/>
-          </a:p>
-          <a:p>
-            <a:r>
-              <a:rPr lang="en-US" sz="1400" dirty="0"/>
-              <a:t>• Tested that mef_lib_2_1 creates the same output as mef_2_0: Will upgrade </a:t>
-            </a:r>
-            <a:r>
-              <a:rPr lang="en-US" sz="1400" dirty="0" err="1"/>
-              <a:t>mef</a:t>
-            </a:r>
-            <a:r>
-              <a:rPr lang="en-US" sz="1400" dirty="0"/>
-              <a:t> tools to use this package.</a:t>
-            </a:r>
-          </a:p>
-          <a:p>
-            <a:endParaRPr lang="en-US" sz="1400" dirty="0"/>
-          </a:p>
-          <a:p>
-            <a:r>
-              <a:rPr lang="en-US" sz="1400" dirty="0"/>
-              <a:t>• The edf2mef tool didn't look like it worked. It only output one two channels, and issued a warning that the "MEF voltage conversion factor will be incorrect".</a:t>
-            </a:r>
-          </a:p>
-          <a:p>
-            <a:r>
-              <a:rPr lang="en-US" sz="1400" dirty="0" smtClean="0"/>
-              <a:t>    • We have </a:t>
-            </a:r>
-            <a:r>
-              <a:rPr lang="en-US" sz="1400" dirty="0"/>
-              <a:t>EDF+ files, and this might only work with EDF.</a:t>
-            </a:r>
-          </a:p>
-          <a:p>
-            <a:r>
-              <a:rPr lang="en-US" sz="1400" dirty="0"/>
-              <a:t>  </a:t>
-            </a:r>
-            <a:r>
-              <a:rPr lang="en-US" sz="1400" dirty="0" smtClean="0"/>
-              <a:t>  • The </a:t>
-            </a:r>
-            <a:r>
-              <a:rPr lang="en-US" sz="1400" dirty="0"/>
-              <a:t>next option is to attempt to convert EDF+ to EDF.</a:t>
-            </a:r>
-          </a:p>
-          <a:p>
-            <a:endParaRPr lang="en-US" sz="1400" dirty="0"/>
-          </a:p>
-          <a:p>
-            <a:r>
-              <a:rPr lang="en-US" sz="1400" dirty="0"/>
-              <a:t>Fallback if edf2mef isn't straightforward:</a:t>
-            </a:r>
-          </a:p>
-          <a:p>
-            <a:endParaRPr lang="en-US" sz="1400" dirty="0"/>
-          </a:p>
-          <a:p>
-            <a:r>
-              <a:rPr lang="en-US" sz="1400" dirty="0"/>
-              <a:t>• Convert </a:t>
-            </a:r>
-            <a:r>
-              <a:rPr lang="en-US" sz="1400" dirty="0" err="1"/>
-              <a:t>mef</a:t>
-            </a:r>
-            <a:r>
-              <a:rPr lang="en-US" sz="1400" dirty="0"/>
-              <a:t> to </a:t>
-            </a:r>
-            <a:r>
-              <a:rPr lang="en-US" sz="1400" dirty="0" err="1"/>
-              <a:t>ascii</a:t>
-            </a:r>
-            <a:r>
-              <a:rPr lang="en-US" sz="1400" dirty="0"/>
-              <a:t> using </a:t>
-            </a:r>
-            <a:r>
-              <a:rPr lang="en-US" sz="1400" dirty="0" err="1"/>
-              <a:t>mef_lib</a:t>
-            </a:r>
-            <a:endParaRPr lang="en-US" sz="1400" dirty="0"/>
-          </a:p>
-          <a:p>
-            <a:r>
-              <a:rPr lang="en-US" sz="1400" dirty="0"/>
-              <a:t>• Convert </a:t>
-            </a:r>
-            <a:r>
-              <a:rPr lang="en-US" sz="1400" dirty="0" err="1"/>
-              <a:t>ascii</a:t>
-            </a:r>
-            <a:r>
-              <a:rPr lang="en-US" sz="1400" dirty="0"/>
-              <a:t> to </a:t>
-            </a:r>
-            <a:r>
-              <a:rPr lang="en-US" sz="1400" dirty="0" err="1"/>
-              <a:t>edf</a:t>
-            </a:r>
-            <a:r>
-              <a:rPr lang="en-US" sz="1400" dirty="0"/>
-              <a:t> using </a:t>
-            </a:r>
-            <a:r>
-              <a:rPr lang="en-US" sz="1400" dirty="0" err="1"/>
-              <a:t>edfbrowser</a:t>
-            </a:r>
-            <a:r>
-              <a:rPr lang="en-US" sz="1400" dirty="0"/>
-              <a:t> (TODO: apply the multiplier from the </a:t>
-            </a:r>
-            <a:r>
-              <a:rPr lang="en-US" sz="1400" dirty="0" err="1"/>
-              <a:t>mef</a:t>
-            </a:r>
-            <a:r>
-              <a:rPr lang="en-US" sz="1400" dirty="0"/>
-              <a:t> header)</a:t>
-            </a:r>
-          </a:p>
-          <a:p>
-            <a:r>
-              <a:rPr lang="en-US" sz="1400" dirty="0"/>
-              <a:t>• Compare to the shape of the signal or montage in Christophe's original screens</a:t>
+              <a:t>. This needs to be replaced by dynamic input to reflect how the tool will be used in a clinical setting.</a:t>
             </a:r>
             <a:endParaRPr lang="en-US" sz="1400" i="1" dirty="0"/>
           </a:p>
@@ -8365,7 +8308,7 @@
     </p:spTree>
     <p:extLst>
       <p:ext uri="{BB962C8B-B14F-4D97-AF65-F5344CB8AC3E}">
-        <p14:creationId xmlns:p14="http://schemas.microsoft.com/office/powerpoint/2010/main" val="2214653339"/>
+        <p14:creationId xmlns:p14="http://schemas.microsoft.com/office/powerpoint/2010/main" val="1412917911"/>
       </p:ext>
     </p:extLst>
   </p:cSld>
@@ -8375,7 +8318,7 @@
   <p:timing>
     <p:tnLst>
       <p:par>
-        <p:cTn xmlns:p14="http://schemas.microsoft.com/office/powerpoint/2010/main" id="1" dur="indefinite" restart="never" nodeType="tmRoot"/>
+        <p:cTn id="1" dur="indefinite" restart="never" nodeType="tmRoot"/>
       </p:par>
     </p:tnLst>
   </p:timing>
@@ -8432,7 +8375,7 @@
         <p:spPr>
           <a:xfrm>
             <a:off x="228600" y="152400"/>
-            <a:ext cx="7897743" cy="2554546"/>
+            <a:ext cx="7897743" cy="4062651"/>
           </a:xfrm>
           <a:prstGeom prst="rect">
             <a:avLst/>
@@ -8446,112 +8389,128 @@
           <a:lstStyle/>
           <a:p>
             <a:r>
-              <a:rPr lang="en-US" sz="1600" b="1" dirty="0" smtClean="0"/>
-              <a:t>Verify </a:t>
-            </a:r>
-            <a:r>
               <a:rPr lang="en-US" sz="1600" b="1" dirty="0">
                 <a:latin typeface="Andale Mono"/>
                 <a:cs typeface="Andale Mono"/>
               </a:rPr>
-              <a:t>edf2eeg</a:t>
+              <a:t>edf2mef</a:t>
             </a:r>
             <a:r>
               <a:rPr lang="en-US" sz="1600" b="1" dirty="0"/>
-              <a:t> and </a:t>
-            </a:r>
-            <a:r>
-              <a:rPr lang="en-US" sz="1600" b="1" dirty="0">
-                <a:latin typeface="Andale Mono"/>
-                <a:cs typeface="Andale Mono"/>
-              </a:rPr>
-              <a:t>eeg2fsv</a:t>
-            </a:r>
-            <a:r>
-              <a:rPr lang="en-US" sz="1600" b="1" dirty="0"/>
-              <a:t> output</a:t>
-            </a:r>
-            <a:endParaRPr lang="en-US" sz="1600" b="1" dirty="0" smtClean="0"/>
-          </a:p>
-          <a:p>
-            <a:endParaRPr lang="en-US" dirty="0" smtClean="0"/>
-          </a:p>
-          <a:p>
-            <a:r>
-              <a:rPr lang="en-US" sz="1400" dirty="0"/>
-              <a:t>• Confirm that the edf2eeg process gives me the same results that </a:t>
+              <a:t> </a:t>
+            </a:r>
+            <a:r>
+              <a:rPr lang="en-US" sz="1600" b="1" dirty="0" smtClean="0"/>
+              <a:t>experiment</a:t>
+            </a:r>
+          </a:p>
+          <a:p>
+            <a:endParaRPr lang="en-US" dirty="0"/>
+          </a:p>
+          <a:p>
+            <a:r>
+              <a:rPr lang="en-US" sz="1400" dirty="0"/>
+              <a:t>• mef_lib_2_1 provides an edf2mef utility to follow up on the idea of using it to validate the mef2eeg </a:t>
             </a:r>
             <a:r>
               <a:rPr lang="en-US" sz="1400" dirty="0" err="1"/>
-              <a:t>Bhaskar</a:t>
-            </a:r>
-            <a:r>
-              <a:rPr lang="en-US" sz="1400" dirty="0"/>
-              <a:t> got for the EDF file </a:t>
-            </a:r>
+              <a:t>toolchain</a:t>
+            </a:r>
+            <a:r>
+              <a:rPr lang="en-US" sz="1400" dirty="0"/>
+              <a:t>.</a:t>
+            </a:r>
+          </a:p>
+          <a:p>
+            <a:endParaRPr lang="en-US" sz="1400" dirty="0"/>
+          </a:p>
+          <a:p>
+            <a:r>
+              <a:rPr lang="en-US" sz="1400" dirty="0"/>
+              <a:t>• Tested that mef_lib_2_1 creates the same output as mef_2_0: Will upgrade </a:t>
+            </a:r>
+            <a:r>
+              <a:rPr lang="en-US" sz="1400" dirty="0" err="1"/>
+              <a:t>mef</a:t>
+            </a:r>
+            <a:r>
+              <a:rPr lang="en-US" sz="1400" dirty="0"/>
+              <a:t> tools to use this package.</a:t>
+            </a:r>
+          </a:p>
+          <a:p>
+            <a:endParaRPr lang="en-US" sz="1400" dirty="0"/>
+          </a:p>
+          <a:p>
+            <a:r>
+              <a:rPr lang="en-US" sz="1400" dirty="0"/>
+              <a:t>• The edf2mef tool didn't look like it worked. It only output one two channels, and issued a warning that the "MEF voltage conversion factor will be incorrect".</a:t>
+            </a:r>
+          </a:p>
+          <a:p>
+            <a:r>
+              <a:rPr lang="en-US" sz="1400" dirty="0" smtClean="0"/>
+              <a:t>    • We have </a:t>
+            </a:r>
+            <a:r>
+              <a:rPr lang="en-US" sz="1400" dirty="0"/>
+              <a:t>EDF+ files, and this might only work with EDF.</a:t>
+            </a:r>
+          </a:p>
+          <a:p>
+            <a:r>
+              <a:rPr lang="en-US" sz="1400" dirty="0"/>
+              <a:t>  </a:t>
+            </a:r>
+            <a:r>
+              <a:rPr lang="en-US" sz="1400" dirty="0" smtClean="0"/>
+              <a:t>  • The </a:t>
+            </a:r>
+            <a:r>
+              <a:rPr lang="en-US" sz="1400" dirty="0"/>
+              <a:t>next option is to attempt to convert EDF+ to EDF.</a:t>
+            </a:r>
+          </a:p>
+          <a:p>
+            <a:endParaRPr lang="en-US" sz="1400" dirty="0"/>
+          </a:p>
+          <a:p>
+            <a:r>
+              <a:rPr lang="en-US" sz="1400" dirty="0" smtClean="0"/>
+              <a:t>Results: </a:t>
+            </a:r>
+            <a:r>
+              <a:rPr lang="en-US" sz="1400" i="1" dirty="0" smtClean="0"/>
+              <a:t>edf2mef is not straightforward due to a lack of EDF to EDF+ and EDF+ to EDF utilities.</a:t>
+            </a:r>
+            <a:endParaRPr lang="en-US" sz="1400" i="1" dirty="0"/>
+          </a:p>
+          <a:p>
             <a:endParaRPr lang="en-US" sz="1400" dirty="0" smtClean="0"/>
           </a:p>
           <a:p>
             <a:r>
-              <a:rPr lang="en-US" sz="1400" dirty="0"/>
-              <a:t> </a:t>
-            </a:r>
-            <a:r>
-              <a:rPr lang="en-US" sz="1400" dirty="0" smtClean="0"/>
-              <a:t> he </a:t>
-            </a:r>
-            <a:r>
-              <a:rPr lang="en-US" sz="1400" dirty="0"/>
-              <a:t>sent</a:t>
-            </a:r>
-            <a:r>
-              <a:rPr lang="en-US" sz="1400" dirty="0" smtClean="0"/>
-              <a:t>.</a:t>
-            </a:r>
-          </a:p>
-          <a:p>
+              <a:rPr lang="en-US" sz="1400" dirty="0" smtClean="0"/>
+              <a:t>We can test by:</a:t>
+            </a:r>
             <a:endParaRPr lang="en-US" sz="1400" dirty="0"/>
           </a:p>
           <a:p>
             <a:r>
               <a:rPr lang="en-US" sz="1400" dirty="0"/>
-              <a:t>• Confirm eeg2fsv gives me the same results as </a:t>
+              <a:t>• </a:t>
+            </a:r>
+            <a:r>
+              <a:rPr lang="en-US" sz="1400" dirty="0" smtClean="0"/>
+              <a:t>Converting </a:t>
             </a:r>
             <a:r>
               <a:rPr lang="en-US" sz="1400" dirty="0" err="1"/>
-              <a:t>Bhaskar</a:t>
-            </a:r>
-            <a:r>
-              <a:rPr lang="en-US" sz="1400" dirty="0"/>
-              <a:t> for the .mat files on the hard drives </a:t>
-            </a:r>
-            <a:endParaRPr lang="en-US" sz="1400" dirty="0" smtClean="0"/>
-          </a:p>
-          <a:p>
-            <a:r>
-              <a:rPr lang="en-US" sz="1400" dirty="0"/>
-              <a:t> </a:t>
-            </a:r>
-            <a:r>
-              <a:rPr lang="en-US" sz="1400" dirty="0" smtClean="0"/>
-              <a:t> that </a:t>
-            </a:r>
-            <a:r>
-              <a:rPr lang="en-US" sz="1400" dirty="0"/>
-              <a:t>correspond to the above EDF file</a:t>
-            </a:r>
-            <a:r>
-              <a:rPr lang="en-US" sz="1400" dirty="0" smtClean="0"/>
-              <a:t>.</a:t>
-            </a:r>
-          </a:p>
-          <a:p>
-            <a:endParaRPr lang="en-US" sz="1400" dirty="0"/>
-          </a:p>
-          <a:p>
-            <a:r>
-              <a:rPr lang="en-US" sz="1400" dirty="0"/>
-              <a:t>• Compare the distribution of MEF </a:t>
+              <a:t>mef</a:t>
+            </a:r>
+            <a:r>
+              <a:rPr lang="en-US" sz="1400" dirty="0"/>
+              <a:t> to </a:t>
             </a:r>
             <a:r>
               <a:rPr lang="en-US" sz="1400" dirty="0" err="1"/>
@@ -8559,18 +8518,30 @@
             </a:r>
             <a:r>
               <a:rPr lang="en-US" sz="1400" dirty="0"/>
-              <a:t> to the shape of the data in the edf2eeg .mat </a:t>
-            </a:r>
-            <a:r>
-              <a:rPr lang="en-US" sz="1400" dirty="0" smtClean="0"/>
-              <a:t>files.</a:t>
+              <a:t> using </a:t>
+            </a:r>
+            <a:r>
+              <a:rPr lang="en-US" sz="1400" dirty="0" err="1"/>
+              <a:t>mef_lib</a:t>
             </a:r>
             <a:endParaRPr lang="en-US" sz="1400" dirty="0"/>
           </a:p>
           <a:p>
             <a:r>
               <a:rPr lang="en-US" sz="1400" dirty="0"/>
-              <a:t>  </a:t>
+              <a:t>• </a:t>
+            </a:r>
+            <a:r>
+              <a:rPr lang="en-US" sz="1400" dirty="0" smtClean="0"/>
+              <a:t>Converting </a:t>
+            </a:r>
+            <a:r>
+              <a:rPr lang="en-US" sz="1400" dirty="0" err="1"/>
+              <a:t>ascii</a:t>
+            </a:r>
+            <a:r>
+              <a:rPr lang="en-US" sz="1400" dirty="0"/>
+              <a:t> to </a:t>
             </a:r>
             <a:r>
               <a:rPr lang="en-US" sz="1400" dirty="0" err="1"/>
@@ -8578,17 +8549,18 @@
             </a:r>
             <a:r>
               <a:rPr lang="en-US" sz="1400" dirty="0"/>
-              <a:t> apparently stores data in a contiguous stream for all </a:t>
-            </a:r>
-            <a:r>
-              <a:rPr lang="en-US" sz="1400" dirty="0" smtClean="0"/>
-              <a:t>channels, which may be reflected in</a:t>
-            </a:r>
-          </a:p>
-          <a:p>
-            <a:r>
-              <a:rPr lang="en-US" sz="1400" dirty="0" smtClean="0"/>
-              <a:t>  the .mat files.</a:t>
+              <a:t> using </a:t>
+            </a:r>
+            <a:r>
+              <a:rPr lang="en-US" sz="1400" dirty="0" err="1" smtClean="0"/>
+              <a:t>edfbrowser</a:t>
+            </a:r>
+            <a:endParaRPr lang="en-US" sz="1400" dirty="0" smtClean="0"/>
+          </a:p>
+          <a:p>
+            <a:r>
+              <a:rPr lang="en-US" sz="1400" dirty="0" smtClean="0"/>
+              <a:t>• Comparing to the shape of the signal or montage in Christophe's original screens</a:t>
             </a:r>
             <a:endParaRPr lang="en-US" sz="1400" i="1" dirty="0"/>
           </a:p>
@@ -8597,7 +8569,7 @@
     </p:spTree>
     <p:extLst>
       <p:ext uri="{BB962C8B-B14F-4D97-AF65-F5344CB8AC3E}">
-        <p14:creationId xmlns:p14="http://schemas.microsoft.com/office/powerpoint/2010/main" val="3298966800"/>
+        <p14:creationId xmlns:p14="http://schemas.microsoft.com/office/powerpoint/2010/main" val="2214653339"/>
       </p:ext>
     </p:extLst>
   </p:cSld>
@@ -8607,7 +8579,7 @@
   <p:timing>
     <p:tnLst>
       <p:par>
-        <p:cTn xmlns:p14="http://schemas.microsoft.com/office/powerpoint/2010/main" id="1" dur="indefinite" restart="never" nodeType="tmRoot"/>
+        <p:cTn id="1" dur="indefinite" restart="never" nodeType="tmRoot"/>
       </p:par>
     </p:tnLst>
   </p:timing>
@@ -8663,8 +8635,8 @@
         </p:nvSpPr>
         <p:spPr>
           <a:xfrm>
-            <a:off x="1447800" y="2895600"/>
-            <a:ext cx="6019800" cy="369332"/>
+            <a:off x="228600" y="152400"/>
+            <a:ext cx="7897743" cy="2554545"/>
           </a:xfrm>
           <a:prstGeom prst="rect">
             <a:avLst/>
@@ -8678,27 +8650,166 @@
           <a:lstStyle/>
           <a:p>
             <a:r>
-              <a:rPr lang="en-US" b="1" dirty="0"/>
-              <a:t>Regional </a:t>
-            </a:r>
-            <a:r>
-              <a:rPr lang="en-US" b="1" dirty="0" err="1">
+              <a:rPr lang="en-US" sz="1600" b="1" dirty="0" smtClean="0"/>
+              <a:t>Verify </a:t>
+            </a:r>
+            <a:r>
+              <a:rPr lang="en-US" sz="1600" b="1" dirty="0">
                 <a:latin typeface="Andale Mono"/>
                 <a:cs typeface="Andale Mono"/>
               </a:rPr>
-              <a:t>pcspace</a:t>
-            </a:r>
-            <a:r>
-              <a:rPr lang="en-US" b="1" dirty="0"/>
-              <a:t> Model Calibration Workflow</a:t>
-            </a:r>
+              <a:t>edf2eeg</a:t>
+            </a:r>
+            <a:r>
+              <a:rPr lang="en-US" sz="1600" b="1" dirty="0"/>
+              <a:t> and </a:t>
+            </a:r>
+            <a:r>
+              <a:rPr lang="en-US" sz="1600" b="1" dirty="0">
+                <a:latin typeface="Andale Mono"/>
+                <a:cs typeface="Andale Mono"/>
+              </a:rPr>
+              <a:t>eeg2fsv</a:t>
+            </a:r>
+            <a:r>
+              <a:rPr lang="en-US" sz="1600" b="1" dirty="0"/>
+              <a:t> output</a:t>
+            </a:r>
+            <a:endParaRPr lang="en-US" sz="1600" b="1" dirty="0" smtClean="0"/>
+          </a:p>
+          <a:p>
+            <a:endParaRPr lang="en-US" dirty="0" smtClean="0"/>
+          </a:p>
+          <a:p>
+            <a:r>
+              <a:rPr lang="en-US" sz="1400" strike="sngStrike" dirty="0"/>
+              <a:t>• Confirm that the edf2eeg process gives me the same results that </a:t>
+            </a:r>
+            <a:r>
+              <a:rPr lang="en-US" sz="1400" strike="sngStrike" dirty="0" err="1"/>
+              <a:t>Bhaskar</a:t>
+            </a:r>
+            <a:r>
+              <a:rPr lang="en-US" sz="1400" strike="sngStrike" dirty="0"/>
+              <a:t> got for the EDF file </a:t>
+            </a:r>
+            <a:endParaRPr lang="en-US" sz="1400" strike="sngStrike" dirty="0" smtClean="0"/>
+          </a:p>
+          <a:p>
+            <a:r>
+              <a:rPr lang="en-US" sz="1400" strike="sngStrike" dirty="0"/>
+              <a:t> </a:t>
+            </a:r>
+            <a:r>
+              <a:rPr lang="en-US" sz="1400" strike="sngStrike" dirty="0" smtClean="0"/>
+              <a:t> he </a:t>
+            </a:r>
+            <a:r>
+              <a:rPr lang="en-US" sz="1400" strike="sngStrike" dirty="0"/>
+              <a:t>sent</a:t>
+            </a:r>
+            <a:r>
+              <a:rPr lang="en-US" sz="1400" strike="sngStrike" dirty="0" smtClean="0"/>
+              <a:t>.</a:t>
+            </a:r>
+          </a:p>
+          <a:p>
+            <a:r>
+              <a:rPr lang="en-US" sz="1400" dirty="0" smtClean="0"/>
+              <a:t>    • The original EDF files were deleted in the original code.  Are these simply gone now?	</a:t>
+            </a:r>
+          </a:p>
+          <a:p>
+            <a:endParaRPr lang="en-US" sz="1400" dirty="0"/>
+          </a:p>
+          <a:p>
+            <a:r>
+              <a:rPr lang="en-US" sz="1400" dirty="0"/>
+              <a:t>• </a:t>
+            </a:r>
+            <a:r>
+              <a:rPr lang="en-US" sz="1400" dirty="0" smtClean="0"/>
+              <a:t>Confirmed </a:t>
+            </a:r>
+            <a:r>
+              <a:rPr lang="en-US" sz="1400"/>
+              <a:t>eeg2fsv </a:t>
+            </a:r>
+            <a:r>
+              <a:rPr lang="en-US" sz="1400" smtClean="0"/>
+              <a:t>produces the </a:t>
+            </a:r>
+            <a:r>
+              <a:rPr lang="en-US" sz="1400" dirty="0"/>
+              <a:t>same results as </a:t>
+            </a:r>
+            <a:r>
+              <a:rPr lang="en-US" sz="1400" dirty="0" err="1"/>
+              <a:t>Bhaskar</a:t>
+            </a:r>
+            <a:r>
+              <a:rPr lang="en-US" sz="1400" dirty="0"/>
+              <a:t> for the .mat files on the hard </a:t>
+            </a:r>
+            <a:r>
+              <a:rPr lang="en-US" sz="1400" dirty="0" smtClean="0"/>
+              <a:t>drives.</a:t>
+            </a:r>
+            <a:endParaRPr lang="en-US" sz="1400" dirty="0" smtClean="0"/>
+          </a:p>
+          <a:p>
+            <a:endParaRPr lang="en-US" sz="1400" dirty="0"/>
+          </a:p>
+          <a:p>
+            <a:r>
+              <a:rPr lang="en-US" sz="1400" dirty="0"/>
+              <a:t>• Compare the distribution of MEF </a:t>
+            </a:r>
+            <a:r>
+              <a:rPr lang="en-US" sz="1400" dirty="0" err="1"/>
+              <a:t>ascii</a:t>
+            </a:r>
+            <a:r>
+              <a:rPr lang="en-US" sz="1400" dirty="0"/>
+              <a:t> to the shape of the data in the edf2eeg .mat </a:t>
+            </a:r>
+            <a:r>
+              <a:rPr lang="en-US" sz="1400" dirty="0" smtClean="0"/>
+              <a:t>files.</a:t>
+            </a:r>
+            <a:endParaRPr lang="en-US" sz="1400" dirty="0"/>
+          </a:p>
+          <a:p>
+            <a:r>
+              <a:rPr lang="en-US" sz="1400" dirty="0"/>
+              <a:t>  </a:t>
+            </a:r>
+            <a:r>
+              <a:rPr lang="en-US" sz="1400" dirty="0" err="1"/>
+              <a:t>edf</a:t>
+            </a:r>
+            <a:r>
+              <a:rPr lang="en-US" sz="1400" dirty="0"/>
+              <a:t> apparently stores data in a contiguous stream for all </a:t>
+            </a:r>
+            <a:r>
+              <a:rPr lang="en-US" sz="1400" dirty="0" smtClean="0"/>
+              <a:t>channels, which may be reflected in</a:t>
+            </a:r>
+          </a:p>
+          <a:p>
+            <a:r>
+              <a:rPr lang="en-US" sz="1400" dirty="0" smtClean="0"/>
+              <a:t>  the .mat files.</a:t>
+            </a:r>
+            <a:endParaRPr lang="en-US" sz="1400" i="1" dirty="0"/>
           </a:p>
         </p:txBody>
       </p:sp>
     </p:spTree>
     <p:extLst>
       <p:ext uri="{BB962C8B-B14F-4D97-AF65-F5344CB8AC3E}">
-        <p14:creationId xmlns:p14="http://schemas.microsoft.com/office/powerpoint/2010/main" val="2084100132"/>
+        <p14:creationId xmlns:p14="http://schemas.microsoft.com/office/powerpoint/2010/main" val="3298966800"/>
       </p:ext>
     </p:extLst>
   </p:cSld>
@@ -8708,7 +8819,7 @@
   <p:timing>
     <p:tnLst>
       <p:par>
-        <p:cTn xmlns:p14="http://schemas.microsoft.com/office/powerpoint/2010/main" id="1" dur="indefinite" restart="never" nodeType="tmRoot"/>
+        <p:cTn id="1" dur="indefinite" restart="never" nodeType="tmRoot"/>
       </p:par>
     </p:tnLst>
   </p:timing>
@@ -8764,8 +8875,8 @@
         </p:nvSpPr>
         <p:spPr>
           <a:xfrm>
-            <a:off x="228600" y="152400"/>
-            <a:ext cx="7897743" cy="5355311"/>
+            <a:off x="1447800" y="2895600"/>
+            <a:ext cx="6019800" cy="369332"/>
           </a:xfrm>
           <a:prstGeom prst="rect">
             <a:avLst/>
@@ -8779,280 +8890,27 @@
           <a:lstStyle/>
           <a:p>
             <a:r>
-              <a:rPr lang="en-US" sz="1600" b="1" dirty="0" smtClean="0"/>
+              <a:rPr lang="en-US" b="1" dirty="0"/>
               <a:t>Regional </a:t>
             </a:r>
             <a:r>
-              <a:rPr lang="en-US" sz="1600" b="1" dirty="0" err="1" smtClean="0">
+              <a:rPr lang="en-US" b="1" dirty="0" err="1">
                 <a:latin typeface="Andale Mono"/>
                 <a:cs typeface="Andale Mono"/>
               </a:rPr>
               <a:t>pcspace</a:t>
             </a:r>
             <a:r>
-              <a:rPr lang="en-US" sz="1600" b="1" dirty="0" smtClean="0"/>
-              <a:t> </a:t>
-            </a:r>
-            <a:r>
-              <a:rPr lang="en-US" sz="1600" b="1" dirty="0"/>
-              <a:t>Model Calibration Workflow</a:t>
-            </a:r>
-          </a:p>
-          <a:p>
-            <a:endParaRPr lang="en-US" dirty="0"/>
-          </a:p>
-          <a:p>
-            <a:r>
-              <a:rPr lang="en-US" sz="1400" dirty="0" smtClean="0"/>
-              <a:t>Given </a:t>
-            </a:r>
-            <a:r>
-              <a:rPr lang="en-US" sz="1400" dirty="0"/>
-              <a:t>reference patient data with known outcomes for a given region (temporal, parietal, etc.), create the </a:t>
-            </a:r>
-            <a:r>
-              <a:rPr lang="en-US" sz="1400" dirty="0" err="1" smtClean="0">
-                <a:latin typeface="Andale Mono"/>
-                <a:cs typeface="Andale Mono"/>
-              </a:rPr>
-              <a:t>pcspace</a:t>
-            </a:r>
-            <a:r>
-              <a:rPr lang="en-US" sz="1400" dirty="0" smtClean="0"/>
-              <a:t> model for </a:t>
-            </a:r>
-            <a:r>
-              <a:rPr lang="en-US" sz="1400" dirty="0"/>
-              <a:t>that region:</a:t>
-            </a:r>
-          </a:p>
-          <a:p>
-            <a:endParaRPr lang="en-US" sz="1400" dirty="0"/>
-          </a:p>
-          <a:p>
-            <a:r>
-              <a:rPr lang="en-US" sz="1400" dirty="0">
-                <a:latin typeface="Andale Mono"/>
-                <a:cs typeface="Andale Mono"/>
-              </a:rPr>
-              <a:t>e</a:t>
-            </a:r>
-            <a:r>
-              <a:rPr lang="en-US" sz="1400" dirty="0" smtClean="0">
-                <a:latin typeface="Andale Mono"/>
-                <a:cs typeface="Andale Mono"/>
-              </a:rPr>
-              <a:t>df2eeg</a:t>
-            </a:r>
-            <a:r>
-              <a:rPr lang="en-US" sz="1400" dirty="0" smtClean="0"/>
-              <a:t> </a:t>
-            </a:r>
-            <a:r>
-              <a:rPr lang="en-US" sz="1400" dirty="0" smtClean="0">
-                <a:latin typeface="Andale Mono"/>
-                <a:cs typeface="Andale Mono"/>
-              </a:rPr>
-              <a:t>-</a:t>
-            </a:r>
-            <a:r>
-              <a:rPr lang="en-US" sz="1400" dirty="0" smtClean="0">
-                <a:latin typeface="Andale Mono"/>
-                <a:cs typeface="Andale Mono"/>
-              </a:rPr>
-              <a:t>&gt;</a:t>
-            </a:r>
-            <a:endParaRPr lang="en-US" sz="1400" dirty="0">
-              <a:latin typeface="Andale Mono"/>
-              <a:cs typeface="Andale Mono"/>
-            </a:endParaRPr>
-          </a:p>
-          <a:p>
-            <a:r>
-              <a:rPr lang="en-US" sz="1400" dirty="0">
-                <a:latin typeface="Andale Mono"/>
-                <a:cs typeface="Andale Mono"/>
-              </a:rPr>
-              <a:t>e</a:t>
-            </a:r>
-            <a:r>
-              <a:rPr lang="en-US" sz="1400" dirty="0" smtClean="0">
-                <a:latin typeface="Andale Mono"/>
-                <a:cs typeface="Andale Mono"/>
-              </a:rPr>
-              <a:t>eg2fsv -&gt;</a:t>
-            </a:r>
-            <a:endParaRPr lang="en-US" sz="1400" dirty="0">
-              <a:latin typeface="Andale Mono"/>
-              <a:cs typeface="Andale Mono"/>
-            </a:endParaRPr>
-          </a:p>
-          <a:p>
-            <a:r>
-              <a:rPr lang="en-US" sz="1400" dirty="0">
-                <a:latin typeface="Andale Mono"/>
-                <a:cs typeface="Andale Mono"/>
-              </a:rPr>
-              <a:t>f</a:t>
-            </a:r>
-            <a:r>
-              <a:rPr lang="en-US" sz="1400" dirty="0" smtClean="0">
-                <a:latin typeface="Andale Mono"/>
-                <a:cs typeface="Andale Mono"/>
-              </a:rPr>
-              <a:t>sv2pcspace -&gt;</a:t>
-            </a:r>
-          </a:p>
-          <a:p>
-            <a:r>
-              <a:rPr lang="en-US" sz="1400" dirty="0">
-                <a:latin typeface="Andale Mono"/>
-                <a:cs typeface="Andale Mono"/>
-              </a:rPr>
-              <a:t>f</a:t>
-            </a:r>
-            <a:r>
-              <a:rPr lang="en-US" sz="1400" dirty="0" smtClean="0">
-                <a:latin typeface="Andale Mono"/>
-                <a:cs typeface="Andale Mono"/>
-              </a:rPr>
-              <a:t>sv2heatmap</a:t>
-            </a:r>
-          </a:p>
-          <a:p>
-            <a:endParaRPr lang="en-US" sz="1400" dirty="0"/>
-          </a:p>
-          <a:p>
-            <a:r>
-              <a:rPr lang="en-US" sz="1400" dirty="0"/>
-              <a:t>• Classify a known patient with this model using </a:t>
-            </a:r>
-            <a:r>
-              <a:rPr lang="en-US" sz="1400" dirty="0" smtClean="0">
-                <a:latin typeface="Andale Mono"/>
-                <a:cs typeface="Andale Mono"/>
-              </a:rPr>
-              <a:t>fsv2heatmap</a:t>
-            </a:r>
-            <a:r>
-              <a:rPr lang="en-US" sz="1400" dirty="0" smtClean="0"/>
-              <a:t> </a:t>
-            </a:r>
-            <a:r>
-              <a:rPr lang="en-US" sz="1400" dirty="0"/>
-              <a:t>and compare to reference results as a validation step.</a:t>
-            </a:r>
-          </a:p>
-          <a:p>
-            <a:endParaRPr lang="en-US" sz="1400" dirty="0"/>
-          </a:p>
-          <a:p>
-            <a:r>
-              <a:rPr lang="en-US" sz="1400" dirty="0"/>
-              <a:t>The output of this process are the values of the </a:t>
-            </a:r>
-            <a:r>
-              <a:rPr lang="en-US" sz="1400" dirty="0" err="1" smtClean="0">
-                <a:latin typeface="Andale Mono"/>
-                <a:cs typeface="Andale Mono"/>
-              </a:rPr>
-              <a:t>pcspace</a:t>
-            </a:r>
-            <a:r>
-              <a:rPr lang="en-US" sz="1400" dirty="0" smtClean="0"/>
-              <a:t> </a:t>
-            </a:r>
-            <a:r>
-              <a:rPr lang="en-US" sz="1400" dirty="0"/>
-              <a:t>model stored in CSV format for each brain region of interest</a:t>
-            </a:r>
-            <a:r>
-              <a:rPr lang="en-US" sz="1400" dirty="0" smtClean="0"/>
-              <a:t>. This model will be used to classify the electrodes of future patients and is the key input to </a:t>
-            </a:r>
-            <a:r>
-              <a:rPr lang="en-US" sz="1400" dirty="0" smtClean="0">
-                <a:latin typeface="Andale Mono"/>
-                <a:cs typeface="Andale Mono"/>
-              </a:rPr>
-              <a:t>fsv2heatmap.</a:t>
-            </a:r>
-          </a:p>
-          <a:p>
-            <a:endParaRPr lang="en-US" sz="1400" dirty="0"/>
-          </a:p>
-          <a:p>
-            <a:r>
-              <a:rPr lang="en-US" sz="1400" i="1" dirty="0"/>
-              <a:t>NB: Data for the initial edf2eeg / mef2eeg phase </a:t>
-            </a:r>
-            <a:r>
-              <a:rPr lang="en-US" sz="1400" i="1" dirty="0" smtClean="0"/>
-              <a:t>is of TB size. </a:t>
-            </a:r>
-            <a:r>
-              <a:rPr lang="en-US" sz="1400" i="1" dirty="0"/>
-              <a:t>Model development will </a:t>
-            </a:r>
-            <a:r>
-              <a:rPr lang="en-US" sz="1400" i="1" dirty="0" smtClean="0"/>
-              <a:t>most likely need </a:t>
-            </a:r>
-            <a:r>
-              <a:rPr lang="en-US" sz="1400" i="1" dirty="0"/>
-              <a:t>to be done </a:t>
-            </a:r>
-            <a:r>
-              <a:rPr lang="en-US" sz="1400" i="1" dirty="0" smtClean="0"/>
-              <a:t>offline through </a:t>
-            </a:r>
-            <a:r>
-              <a:rPr lang="en-US" sz="1400" i="1" dirty="0"/>
-              <a:t>physical transfer of hard drives (encrypted if necessary) </a:t>
-            </a:r>
-            <a:r>
-              <a:rPr lang="en-US" sz="1400" i="1" dirty="0" smtClean="0"/>
-              <a:t>to </a:t>
-            </a:r>
-            <a:r>
-              <a:rPr lang="en-US" sz="1400" i="1" dirty="0" err="1" smtClean="0"/>
-              <a:t>EZTrack</a:t>
-            </a:r>
-            <a:r>
-              <a:rPr lang="en-US" sz="1400" i="1" dirty="0"/>
-              <a:t> </a:t>
-            </a:r>
-            <a:r>
-              <a:rPr lang="en-US" sz="1400" i="1" dirty="0" smtClean="0"/>
-              <a:t>developers.</a:t>
-            </a:r>
-          </a:p>
-          <a:p>
-            <a:endParaRPr lang="en-US" sz="1400" i="1" dirty="0"/>
-          </a:p>
-          <a:p>
-            <a:r>
-              <a:rPr lang="en-US" sz="1400" i="1" dirty="0"/>
-              <a:t>This is the work we are doing now with </a:t>
-            </a:r>
-            <a:r>
-              <a:rPr lang="en-US" sz="1400" i="1" dirty="0" err="1"/>
-              <a:t>Bhaskar's</a:t>
-            </a:r>
-            <a:r>
-              <a:rPr lang="en-US" sz="1400" i="1" dirty="0"/>
-              <a:t> data to provide the baseline for subsequent Hopkins classification.</a:t>
-            </a:r>
-          </a:p>
-          <a:p>
-            <a:endParaRPr lang="en-US" sz="1400" i="1" dirty="0"/>
+              <a:rPr lang="en-US" b="1" dirty="0"/>
+              <a:t> Model Calibration Workflow</a:t>
+            </a:r>
           </a:p>
         </p:txBody>
       </p:sp>
     </p:spTree>
     <p:extLst>
       <p:ext uri="{BB962C8B-B14F-4D97-AF65-F5344CB8AC3E}">
-        <p14:creationId xmlns:p14="http://schemas.microsoft.com/office/powerpoint/2010/main" val="1354270523"/>
+        <p14:creationId xmlns:p14="http://schemas.microsoft.com/office/powerpoint/2010/main" val="2084100132"/>
       </p:ext>
     </p:extLst>
   </p:cSld>
@@ -9062,7 +8920,7 @@
   <p:timing>
     <p:tnLst>
       <p:par>
-        <p:cTn xmlns:p14="http://schemas.microsoft.com/office/powerpoint/2010/main" id="1" dur="indefinite" restart="never" nodeType="tmRoot"/>
+        <p:cTn id="1" dur="indefinite" restart="never" nodeType="tmRoot"/>
       </p:par>
     </p:tnLst>
   </p:timing>
@@ -9118,8 +8976,8 @@
         </p:nvSpPr>
         <p:spPr>
           <a:xfrm>
-            <a:off x="1447800" y="2895600"/>
-            <a:ext cx="6019800" cy="369332"/>
+            <a:off x="228600" y="152400"/>
+            <a:ext cx="7897743" cy="5355311"/>
           </a:xfrm>
           <a:prstGeom prst="rect">
             <a:avLst/>
@@ -9133,20 +8991,273 @@
           <a:lstStyle/>
           <a:p>
             <a:r>
-              <a:rPr lang="en-US" b="1" dirty="0" smtClean="0"/>
-              <a:t>Neurology </a:t>
-            </a:r>
-            <a:r>
-              <a:rPr lang="en-US" b="1" dirty="0"/>
-              <a:t>Workflow</a:t>
-            </a:r>
+              <a:rPr lang="en-US" sz="1600" b="1" dirty="0" smtClean="0"/>
+              <a:t>Regional </a:t>
+            </a:r>
+            <a:r>
+              <a:rPr lang="en-US" sz="1600" b="1" dirty="0" err="1" smtClean="0">
+                <a:latin typeface="Andale Mono"/>
+                <a:cs typeface="Andale Mono"/>
+              </a:rPr>
+              <a:t>pcspace</a:t>
+            </a:r>
+            <a:r>
+              <a:rPr lang="en-US" sz="1600" b="1" dirty="0" smtClean="0"/>
+              <a:t> </a:t>
+            </a:r>
+            <a:r>
+              <a:rPr lang="en-US" sz="1600" b="1" dirty="0"/>
+              <a:t>Model Calibration Workflow</a:t>
+            </a:r>
+          </a:p>
+          <a:p>
+            <a:endParaRPr lang="en-US" dirty="0"/>
+          </a:p>
+          <a:p>
+            <a:r>
+              <a:rPr lang="en-US" sz="1400" dirty="0" smtClean="0"/>
+              <a:t>Given </a:t>
+            </a:r>
+            <a:r>
+              <a:rPr lang="en-US" sz="1400" dirty="0"/>
+              <a:t>reference patient data with known outcomes for a given region (temporal, parietal, etc.), create the </a:t>
+            </a:r>
+            <a:r>
+              <a:rPr lang="en-US" sz="1400" dirty="0" err="1" smtClean="0">
+                <a:latin typeface="Andale Mono"/>
+                <a:cs typeface="Andale Mono"/>
+              </a:rPr>
+              <a:t>pcspace</a:t>
+            </a:r>
+            <a:r>
+              <a:rPr lang="en-US" sz="1400" dirty="0" smtClean="0"/>
+              <a:t> model for </a:t>
+            </a:r>
+            <a:r>
+              <a:rPr lang="en-US" sz="1400" dirty="0"/>
+              <a:t>that region:</a:t>
+            </a:r>
+          </a:p>
+          <a:p>
+            <a:endParaRPr lang="en-US" sz="1400" dirty="0"/>
+          </a:p>
+          <a:p>
+            <a:r>
+              <a:rPr lang="en-US" sz="1400" dirty="0">
+                <a:latin typeface="Andale Mono"/>
+                <a:cs typeface="Andale Mono"/>
+              </a:rPr>
+              <a:t>e</a:t>
+            </a:r>
+            <a:r>
+              <a:rPr lang="en-US" sz="1400" dirty="0" smtClean="0">
+                <a:latin typeface="Andale Mono"/>
+                <a:cs typeface="Andale Mono"/>
+              </a:rPr>
+              <a:t>df2eeg</a:t>
+            </a:r>
+            <a:r>
+              <a:rPr lang="en-US" sz="1400" dirty="0" smtClean="0"/>
+              <a:t> </a:t>
+            </a:r>
+            <a:r>
+              <a:rPr lang="en-US" sz="1400" dirty="0" smtClean="0">
+                <a:latin typeface="Andale Mono"/>
+                <a:cs typeface="Andale Mono"/>
+              </a:rPr>
+              <a:t>-&gt;</a:t>
+            </a:r>
+            <a:endParaRPr lang="en-US" sz="1400" dirty="0">
+              <a:latin typeface="Andale Mono"/>
+              <a:cs typeface="Andale Mono"/>
+            </a:endParaRPr>
+          </a:p>
+          <a:p>
+            <a:r>
+              <a:rPr lang="en-US" sz="1400" dirty="0">
+                <a:latin typeface="Andale Mono"/>
+                <a:cs typeface="Andale Mono"/>
+              </a:rPr>
+              <a:t>e</a:t>
+            </a:r>
+            <a:r>
+              <a:rPr lang="en-US" sz="1400" dirty="0" smtClean="0">
+                <a:latin typeface="Andale Mono"/>
+                <a:cs typeface="Andale Mono"/>
+              </a:rPr>
+              <a:t>eg2fsv -&gt;</a:t>
+            </a:r>
+            <a:endParaRPr lang="en-US" sz="1400" dirty="0">
+              <a:latin typeface="Andale Mono"/>
+              <a:cs typeface="Andale Mono"/>
+            </a:endParaRPr>
+          </a:p>
+          <a:p>
+            <a:r>
+              <a:rPr lang="en-US" sz="1400" dirty="0">
+                <a:latin typeface="Andale Mono"/>
+                <a:cs typeface="Andale Mono"/>
+              </a:rPr>
+              <a:t>f</a:t>
+            </a:r>
+            <a:r>
+              <a:rPr lang="en-US" sz="1400" dirty="0" smtClean="0">
+                <a:latin typeface="Andale Mono"/>
+                <a:cs typeface="Andale Mono"/>
+              </a:rPr>
+              <a:t>sv2pcspace -&gt;</a:t>
+            </a:r>
+          </a:p>
+          <a:p>
+            <a:r>
+              <a:rPr lang="en-US" sz="1400" dirty="0">
+                <a:latin typeface="Andale Mono"/>
+                <a:cs typeface="Andale Mono"/>
+              </a:rPr>
+              <a:t>f</a:t>
+            </a:r>
+            <a:r>
+              <a:rPr lang="en-US" sz="1400" dirty="0" smtClean="0">
+                <a:latin typeface="Andale Mono"/>
+                <a:cs typeface="Andale Mono"/>
+              </a:rPr>
+              <a:t>sv2heatmap</a:t>
+            </a:r>
+          </a:p>
+          <a:p>
+            <a:endParaRPr lang="en-US" sz="1400" dirty="0"/>
+          </a:p>
+          <a:p>
+            <a:r>
+              <a:rPr lang="en-US" sz="1400" dirty="0"/>
+              <a:t>• Classify a known patient with this model using </a:t>
+            </a:r>
+            <a:r>
+              <a:rPr lang="en-US" sz="1400" dirty="0" smtClean="0">
+                <a:latin typeface="Andale Mono"/>
+                <a:cs typeface="Andale Mono"/>
+              </a:rPr>
+              <a:t>fsv2heatmap</a:t>
+            </a:r>
+            <a:r>
+              <a:rPr lang="en-US" sz="1400" dirty="0" smtClean="0"/>
+              <a:t> </a:t>
+            </a:r>
+            <a:r>
+              <a:rPr lang="en-US" sz="1400" dirty="0"/>
+              <a:t>and compare to reference results as a validation step.</a:t>
+            </a:r>
+          </a:p>
+          <a:p>
+            <a:endParaRPr lang="en-US" sz="1400" dirty="0"/>
+          </a:p>
+          <a:p>
+            <a:r>
+              <a:rPr lang="en-US" sz="1400" dirty="0"/>
+              <a:t>The output of this process are the values of the </a:t>
+            </a:r>
+            <a:r>
+              <a:rPr lang="en-US" sz="1400" dirty="0" err="1" smtClean="0">
+                <a:latin typeface="Andale Mono"/>
+                <a:cs typeface="Andale Mono"/>
+              </a:rPr>
+              <a:t>pcspace</a:t>
+            </a:r>
+            <a:r>
+              <a:rPr lang="en-US" sz="1400" dirty="0" smtClean="0"/>
+              <a:t> </a:t>
+            </a:r>
+            <a:r>
+              <a:rPr lang="en-US" sz="1400" dirty="0"/>
+              <a:t>model stored in CSV format for each brain region of interest</a:t>
+            </a:r>
+            <a:r>
+              <a:rPr lang="en-US" sz="1400" dirty="0" smtClean="0"/>
+              <a:t>. This model will be used to classify the electrodes of future patients and is the key input to </a:t>
+            </a:r>
+            <a:r>
+              <a:rPr lang="en-US" sz="1400" dirty="0" smtClean="0">
+                <a:latin typeface="Andale Mono"/>
+                <a:cs typeface="Andale Mono"/>
+              </a:rPr>
+              <a:t>fsv2heatmap.</a:t>
+            </a:r>
+          </a:p>
+          <a:p>
+            <a:endParaRPr lang="en-US" sz="1400" dirty="0"/>
+          </a:p>
+          <a:p>
+            <a:r>
+              <a:rPr lang="en-US" sz="1400" i="1" dirty="0"/>
+              <a:t>NB: Data for the initial edf2eeg / mef2eeg phase </a:t>
+            </a:r>
+            <a:r>
+              <a:rPr lang="en-US" sz="1400" i="1" dirty="0" smtClean="0"/>
+              <a:t>is of TB size. </a:t>
+            </a:r>
+            <a:r>
+              <a:rPr lang="en-US" sz="1400" i="1" dirty="0"/>
+              <a:t>Model development will </a:t>
+            </a:r>
+            <a:r>
+              <a:rPr lang="en-US" sz="1400" i="1" dirty="0" smtClean="0"/>
+              <a:t>most likely need </a:t>
+            </a:r>
+            <a:r>
+              <a:rPr lang="en-US" sz="1400" i="1" dirty="0"/>
+              <a:t>to be done </a:t>
+            </a:r>
+            <a:r>
+              <a:rPr lang="en-US" sz="1400" i="1" dirty="0" smtClean="0"/>
+              <a:t>offline through </a:t>
+            </a:r>
+            <a:r>
+              <a:rPr lang="en-US" sz="1400" i="1" dirty="0"/>
+              <a:t>physical transfer of hard drives (encrypted if necessary) </a:t>
+            </a:r>
+            <a:r>
+              <a:rPr lang="en-US" sz="1400" i="1" dirty="0" smtClean="0"/>
+              <a:t>to </a:t>
+            </a:r>
+            <a:r>
+              <a:rPr lang="en-US" sz="1400" i="1" dirty="0" err="1" smtClean="0"/>
+              <a:t>EZTrack</a:t>
+            </a:r>
+            <a:r>
+              <a:rPr lang="en-US" sz="1400" i="1" dirty="0"/>
+              <a:t> </a:t>
+            </a:r>
+            <a:r>
+              <a:rPr lang="en-US" sz="1400" i="1" dirty="0" smtClean="0"/>
+              <a:t>developers.</a:t>
+            </a:r>
+          </a:p>
+          <a:p>
+            <a:endParaRPr lang="en-US" sz="1400" i="1" dirty="0"/>
+          </a:p>
+          <a:p>
+            <a:r>
+              <a:rPr lang="en-US" sz="1400" i="1" dirty="0"/>
+              <a:t>This is the work we are doing now with </a:t>
+            </a:r>
+            <a:r>
+              <a:rPr lang="en-US" sz="1400" i="1" dirty="0" err="1"/>
+              <a:t>Bhaskar's</a:t>
+            </a:r>
+            <a:r>
+              <a:rPr lang="en-US" sz="1400" i="1" dirty="0"/>
+              <a:t> data to provide the baseline for subsequent Hopkins classification.</a:t>
+            </a:r>
+          </a:p>
+          <a:p>
+            <a:endParaRPr lang="en-US" sz="1400" i="1" dirty="0"/>
           </a:p>
         </p:txBody>
       </p:sp>
     </p:spTree>
     <p:extLst>
       <p:ext uri="{BB962C8B-B14F-4D97-AF65-F5344CB8AC3E}">
-        <p14:creationId xmlns:p14="http://schemas.microsoft.com/office/powerpoint/2010/main" val="1498524182"/>
+        <p14:creationId xmlns:p14="http://schemas.microsoft.com/office/powerpoint/2010/main" val="1354270523"/>
       </p:ext>
     </p:extLst>
   </p:cSld>
@@ -9156,7 +9267,7 @@
   <p:timing>
     <p:tnLst>
       <p:par>
-        <p:cTn xmlns:p14="http://schemas.microsoft.com/office/powerpoint/2010/main" id="1" dur="indefinite" restart="never" nodeType="tmRoot"/>
+        <p:cTn id="1" dur="indefinite" restart="never" nodeType="tmRoot"/>
       </p:par>
     </p:tnLst>
   </p:timing>
